--- a/Slides/RR_project_slides.pptx
+++ b/Slides/RR_project_slides.pptx
@@ -267,7 +267,7 @@
           <a:p>
             <a:fld id="{8FE51000-7EF1-AF44-AAD8-9F8A57785F9C}" type="datetimeFigureOut">
               <a:rPr lang="en-PL" smtClean="0"/>
-              <a:t>09/06/2024</a:t>
+              <a:t>11/06/2024</a:t>
             </a:fld>
             <a:endParaRPr lang="en-PL"/>
           </a:p>
@@ -467,7 +467,7 @@
           <a:p>
             <a:fld id="{8FE51000-7EF1-AF44-AAD8-9F8A57785F9C}" type="datetimeFigureOut">
               <a:rPr lang="en-PL" smtClean="0"/>
-              <a:t>09/06/2024</a:t>
+              <a:t>11/06/2024</a:t>
             </a:fld>
             <a:endParaRPr lang="en-PL"/>
           </a:p>
@@ -677,7 +677,7 @@
           <a:p>
             <a:fld id="{8FE51000-7EF1-AF44-AAD8-9F8A57785F9C}" type="datetimeFigureOut">
               <a:rPr lang="en-PL" smtClean="0"/>
-              <a:t>09/06/2024</a:t>
+              <a:t>11/06/2024</a:t>
             </a:fld>
             <a:endParaRPr lang="en-PL"/>
           </a:p>
@@ -877,7 +877,7 @@
           <a:p>
             <a:fld id="{8FE51000-7EF1-AF44-AAD8-9F8A57785F9C}" type="datetimeFigureOut">
               <a:rPr lang="en-PL" smtClean="0"/>
-              <a:t>09/06/2024</a:t>
+              <a:t>11/06/2024</a:t>
             </a:fld>
             <a:endParaRPr lang="en-PL"/>
           </a:p>
@@ -1153,7 +1153,7 @@
           <a:p>
             <a:fld id="{8FE51000-7EF1-AF44-AAD8-9F8A57785F9C}" type="datetimeFigureOut">
               <a:rPr lang="en-PL" smtClean="0"/>
-              <a:t>09/06/2024</a:t>
+              <a:t>11/06/2024</a:t>
             </a:fld>
             <a:endParaRPr lang="en-PL"/>
           </a:p>
@@ -1421,7 +1421,7 @@
           <a:p>
             <a:fld id="{8FE51000-7EF1-AF44-AAD8-9F8A57785F9C}" type="datetimeFigureOut">
               <a:rPr lang="en-PL" smtClean="0"/>
-              <a:t>09/06/2024</a:t>
+              <a:t>11/06/2024</a:t>
             </a:fld>
             <a:endParaRPr lang="en-PL"/>
           </a:p>
@@ -1836,7 +1836,7 @@
           <a:p>
             <a:fld id="{8FE51000-7EF1-AF44-AAD8-9F8A57785F9C}" type="datetimeFigureOut">
               <a:rPr lang="en-PL" smtClean="0"/>
-              <a:t>09/06/2024</a:t>
+              <a:t>11/06/2024</a:t>
             </a:fld>
             <a:endParaRPr lang="en-PL"/>
           </a:p>
@@ -1978,7 +1978,7 @@
           <a:p>
             <a:fld id="{8FE51000-7EF1-AF44-AAD8-9F8A57785F9C}" type="datetimeFigureOut">
               <a:rPr lang="en-PL" smtClean="0"/>
-              <a:t>09/06/2024</a:t>
+              <a:t>11/06/2024</a:t>
             </a:fld>
             <a:endParaRPr lang="en-PL"/>
           </a:p>
@@ -2091,7 +2091,7 @@
           <a:p>
             <a:fld id="{8FE51000-7EF1-AF44-AAD8-9F8A57785F9C}" type="datetimeFigureOut">
               <a:rPr lang="en-PL" smtClean="0"/>
-              <a:t>09/06/2024</a:t>
+              <a:t>11/06/2024</a:t>
             </a:fld>
             <a:endParaRPr lang="en-PL"/>
           </a:p>
@@ -2404,7 +2404,7 @@
           <a:p>
             <a:fld id="{8FE51000-7EF1-AF44-AAD8-9F8A57785F9C}" type="datetimeFigureOut">
               <a:rPr lang="en-PL" smtClean="0"/>
-              <a:t>09/06/2024</a:t>
+              <a:t>11/06/2024</a:t>
             </a:fld>
             <a:endParaRPr lang="en-PL"/>
           </a:p>
@@ -2693,7 +2693,7 @@
           <a:p>
             <a:fld id="{8FE51000-7EF1-AF44-AAD8-9F8A57785F9C}" type="datetimeFigureOut">
               <a:rPr lang="en-PL" smtClean="0"/>
-              <a:t>09/06/2024</a:t>
+              <a:t>11/06/2024</a:t>
             </a:fld>
             <a:endParaRPr lang="en-PL"/>
           </a:p>
@@ -2936,7 +2936,7 @@
           <a:p>
             <a:fld id="{8FE51000-7EF1-AF44-AAD8-9F8A57785F9C}" type="datetimeFigureOut">
               <a:rPr lang="en-PL" smtClean="0"/>
-              <a:t>09/06/2024</a:t>
+              <a:t>11/06/2024</a:t>
             </a:fld>
             <a:endParaRPr lang="en-PL"/>
           </a:p>
@@ -3375,10 +3375,16 @@
           <a:lstStyle/>
           <a:p>
             <a:r>
-              <a:rPr lang="en-GB" dirty="0"/>
+              <a:rPr lang="en-GB" dirty="0">
+                <a:latin typeface="Arial" panose="020B0604020202020204" pitchFamily="34" charset="0"/>
+                <a:cs typeface="Arial" panose="020B0604020202020204" pitchFamily="34" charset="0"/>
+              </a:rPr>
               <a:t>Reproducible Research</a:t>
             </a:r>
-            <a:endParaRPr lang="en-PL" dirty="0"/>
+            <a:endParaRPr lang="en-PL" dirty="0">
+              <a:latin typeface="Arial" panose="020B0604020202020204" pitchFamily="34" charset="0"/>
+              <a:cs typeface="Arial" panose="020B0604020202020204" pitchFamily="34" charset="0"/>
+            </a:endParaRPr>
           </a:p>
         </p:txBody>
       </p:sp>
@@ -3404,13 +3410,19 @@
           <a:lstStyle/>
           <a:p>
             <a:r>
-              <a:rPr lang="en-PL" dirty="0"/>
+              <a:rPr lang="en-PL" dirty="0">
+                <a:latin typeface="Arial" panose="020B0604020202020204" pitchFamily="34" charset="0"/>
+                <a:cs typeface="Arial" panose="020B0604020202020204" pitchFamily="34" charset="0"/>
+              </a:rPr>
               <a:t>Wojciech Misiura 410579</a:t>
             </a:r>
           </a:p>
           <a:p>
             <a:r>
-              <a:rPr lang="en-PL" dirty="0"/>
+              <a:rPr lang="en-PL" dirty="0">
+                <a:latin typeface="Arial" panose="020B0604020202020204" pitchFamily="34" charset="0"/>
+                <a:cs typeface="Arial" panose="020B0604020202020204" pitchFamily="34" charset="0"/>
+              </a:rPr>
               <a:t>Tarlan Aghayev 455149 </a:t>
             </a:r>
           </a:p>
@@ -3559,13 +3571,12 @@
           <a:lstStyle/>
           <a:p>
             <a:r>
-              <a:rPr lang="en-US" sz="4000" kern="1200">
+              <a:rPr lang="en-US" sz="4000" kern="1200" dirty="0">
                 <a:solidFill>
                   <a:schemeClr val="tx1"/>
                 </a:solidFill>
-                <a:latin typeface="+mj-lt"/>
-                <a:ea typeface="+mj-ea"/>
-                <a:cs typeface="+mj-cs"/>
+                <a:latin typeface="Arial" panose="020B0604020202020204" pitchFamily="34" charset="0"/>
+                <a:cs typeface="Arial" panose="020B0604020202020204" pitchFamily="34" charset="0"/>
               </a:rPr>
               <a:t>Reference project</a:t>
             </a:r>
@@ -3597,7 +3608,7 @@
         </p:spPr>
         <p:txBody>
           <a:bodyPr vert="horz" lIns="91440" tIns="45720" rIns="91440" bIns="45720" rtlCol="0" anchor="t">
-            <a:normAutofit/>
+            <a:normAutofit fontScale="92500" lnSpcReduction="10000"/>
           </a:bodyPr>
           <a:lstStyle>
             <a:lvl1pPr marL="228600" indent="-228600" algn="l" defTabSz="914400" rtl="0" eaLnBrk="1" latinLnBrk="0" hangingPunct="1">
@@ -3766,18 +3777,55 @@
           <a:p>
             <a:pPr marL="0"/>
             <a:r>
-              <a:rPr lang="en-US" sz="2000"/>
-              <a:t>Project was selected from kaggle.com and presented usage of Decision Tree machine learning model on dataset available on kaggle.com.</a:t>
+              <a:rPr lang="en-US" dirty="0">
+                <a:latin typeface="Arial" panose="020B0604020202020204" pitchFamily="34" charset="0"/>
+                <a:cs typeface="Arial" panose="020B0604020202020204" pitchFamily="34" charset="0"/>
+              </a:rPr>
+              <a:t>Project was selected from </a:t>
+            </a:r>
+            <a:r>
+              <a:rPr lang="en-US" dirty="0" err="1">
+                <a:latin typeface="Arial" panose="020B0604020202020204" pitchFamily="34" charset="0"/>
+                <a:cs typeface="Arial" panose="020B0604020202020204" pitchFamily="34" charset="0"/>
+              </a:rPr>
+              <a:t>kaggle.com</a:t>
+            </a:r>
+            <a:r>
+              <a:rPr lang="en-US" dirty="0">
+                <a:latin typeface="Arial" panose="020B0604020202020204" pitchFamily="34" charset="0"/>
+                <a:cs typeface="Arial" panose="020B0604020202020204" pitchFamily="34" charset="0"/>
+              </a:rPr>
+              <a:t> and presented usage of Decision Tree machine learning model on dataset available on </a:t>
+            </a:r>
+            <a:r>
+              <a:rPr lang="en-US" dirty="0" err="1">
+                <a:latin typeface="Arial" panose="020B0604020202020204" pitchFamily="34" charset="0"/>
+                <a:cs typeface="Arial" panose="020B0604020202020204" pitchFamily="34" charset="0"/>
+              </a:rPr>
+              <a:t>kaggle.com</a:t>
+            </a:r>
+            <a:r>
+              <a:rPr lang="en-US" dirty="0">
+                <a:latin typeface="Arial" panose="020B0604020202020204" pitchFamily="34" charset="0"/>
+                <a:cs typeface="Arial" panose="020B0604020202020204" pitchFamily="34" charset="0"/>
+              </a:rPr>
+              <a:t>.</a:t>
             </a:r>
           </a:p>
           <a:p>
             <a:pPr marL="0"/>
-            <a:endParaRPr lang="en-US" sz="2000"/>
+            <a:endParaRPr lang="en-US" dirty="0">
+              <a:latin typeface="Arial" panose="020B0604020202020204" pitchFamily="34" charset="0"/>
+              <a:cs typeface="Arial" panose="020B0604020202020204" pitchFamily="34" charset="0"/>
+            </a:endParaRPr>
           </a:p>
           <a:p>
             <a:pPr marL="0"/>
             <a:r>
-              <a:rPr lang="en-US" sz="2000"/>
+              <a:rPr lang="en-US" dirty="0">
+                <a:latin typeface="Arial" panose="020B0604020202020204" pitchFamily="34" charset="0"/>
+                <a:cs typeface="Arial" panose="020B0604020202020204" pitchFamily="34" charset="0"/>
+              </a:rPr>
               <a:t>Dataset was taken from UCI website and represented only selected number of observations – around 5k out of 45k.</a:t>
             </a:r>
           </a:p>
@@ -4287,16 +4335,18 @@
           <a:lstStyle/>
           <a:p>
             <a:r>
-              <a:rPr lang="en-PL" sz="4000"/>
+              <a:rPr lang="en-PL" sz="4000" dirty="0">
+                <a:latin typeface="Arial" panose="020B0604020202020204" pitchFamily="34" charset="0"/>
+                <a:cs typeface="Arial" panose="020B0604020202020204" pitchFamily="34" charset="0"/>
+              </a:rPr>
               <a:t>Project improvements</a:t>
             </a:r>
             <a:endParaRPr lang="en-US" sz="4000" kern="1200" dirty="0">
               <a:solidFill>
                 <a:schemeClr val="tx1"/>
               </a:solidFill>
-              <a:latin typeface="+mj-lt"/>
-              <a:ea typeface="+mj-ea"/>
-              <a:cs typeface="+mj-cs"/>
+              <a:latin typeface="Arial" panose="020B0604020202020204" pitchFamily="34" charset="0"/>
+              <a:cs typeface="Arial" panose="020B0604020202020204" pitchFamily="34" charset="0"/>
             </a:endParaRPr>
           </a:p>
         </p:txBody>
@@ -4494,25 +4544,37 @@
           </a:lstStyle>
           <a:p>
             <a:r>
-              <a:rPr lang="en-GB" dirty="0"/>
+              <a:rPr lang="en-GB" dirty="0">
+                <a:latin typeface="Arial" panose="020B0604020202020204" pitchFamily="34" charset="0"/>
+                <a:cs typeface="Arial" panose="020B0604020202020204" pitchFamily="34" charset="0"/>
+              </a:rPr>
               <a:t>Transformed project from python to R</a:t>
             </a:r>
           </a:p>
           <a:p>
             <a:r>
-              <a:rPr lang="en-PL" dirty="0"/>
+              <a:rPr lang="en-PL" dirty="0">
+                <a:latin typeface="Arial" panose="020B0604020202020204" pitchFamily="34" charset="0"/>
+                <a:cs typeface="Arial" panose="020B0604020202020204" pitchFamily="34" charset="0"/>
+              </a:rPr>
               <a:t>Trained model on complete dataset instead of 5%</a:t>
             </a:r>
           </a:p>
           <a:p>
             <a:r>
-              <a:rPr lang="en-PL" dirty="0"/>
+              <a:rPr lang="en-PL" dirty="0">
+                <a:latin typeface="Arial" panose="020B0604020202020204" pitchFamily="34" charset="0"/>
+                <a:cs typeface="Arial" panose="020B0604020202020204" pitchFamily="34" charset="0"/>
+              </a:rPr>
               <a:t>Fixed the error of balancing test dataset. Now only train data is balanced, test data follows the distribution of the original dataset.</a:t>
             </a:r>
           </a:p>
           <a:p>
             <a:r>
-              <a:rPr lang="en-PL" dirty="0"/>
+              <a:rPr lang="en-PL" dirty="0">
+                <a:latin typeface="Arial" panose="020B0604020202020204" pitchFamily="34" charset="0"/>
+                <a:cs typeface="Arial" panose="020B0604020202020204" pitchFamily="34" charset="0"/>
+              </a:rPr>
               <a:t>Implemented Gradient Boosting machine learning model</a:t>
             </a:r>
           </a:p>
@@ -5106,16 +5168,18 @@
           <a:lstStyle/>
           <a:p>
             <a:r>
-              <a:rPr lang="en-PL" sz="4000" dirty="0"/>
+              <a:rPr lang="en-PL" sz="4000" dirty="0">
+                <a:latin typeface="Arial" panose="020B0604020202020204" pitchFamily="34" charset="0"/>
+                <a:cs typeface="Arial" panose="020B0604020202020204" pitchFamily="34" charset="0"/>
+              </a:rPr>
               <a:t>Project improvements</a:t>
             </a:r>
             <a:endParaRPr lang="en-US" sz="4000" kern="1200" dirty="0">
               <a:solidFill>
                 <a:schemeClr val="tx1"/>
               </a:solidFill>
-              <a:latin typeface="+mj-lt"/>
-              <a:ea typeface="+mj-ea"/>
-              <a:cs typeface="+mj-cs"/>
+              <a:latin typeface="Arial" panose="020B0604020202020204" pitchFamily="34" charset="0"/>
+              <a:cs typeface="Arial" panose="020B0604020202020204" pitchFamily="34" charset="0"/>
             </a:endParaRPr>
           </a:p>
         </p:txBody>
@@ -5145,7 +5209,7 @@
         </p:spPr>
         <p:txBody>
           <a:bodyPr vert="horz" lIns="91440" tIns="45720" rIns="91440" bIns="45720" rtlCol="0" anchor="t">
-            <a:normAutofit fontScale="85000" lnSpcReduction="20000"/>
+            <a:normAutofit fontScale="92500" lnSpcReduction="10000"/>
           </a:bodyPr>
           <a:lstStyle>
             <a:lvl1pPr marL="228600" indent="-228600" algn="l" defTabSz="914400" rtl="0" eaLnBrk="1" latinLnBrk="0" hangingPunct="1">
@@ -5318,7 +5382,8 @@
                   <a:srgbClr val="000000"/>
                 </a:solidFill>
                 <a:effectLst/>
-                <a:latin typeface="Menlo" panose="020B0609030804020204" pitchFamily="49" charset="0"/>
+                <a:latin typeface="Arial" panose="020B0604020202020204" pitchFamily="34" charset="0"/>
+                <a:cs typeface="Arial" panose="020B0604020202020204" pitchFamily="34" charset="0"/>
               </a:rPr>
               <a:t>Added library verification as dependency and fixed versions of libraries</a:t>
             </a:r>
@@ -5329,7 +5394,8 @@
                 <a:solidFill>
                   <a:srgbClr val="000000"/>
                 </a:solidFill>
-                <a:latin typeface="Menlo" panose="020B0609030804020204" pitchFamily="49" charset="0"/>
+                <a:latin typeface="Arial" panose="020B0604020202020204" pitchFamily="34" charset="0"/>
+                <a:cs typeface="Arial" panose="020B0604020202020204" pitchFamily="34" charset="0"/>
               </a:rPr>
               <a:t>E</a:t>
             </a:r>
@@ -5339,7 +5405,8 @@
                   <a:srgbClr val="000000"/>
                 </a:solidFill>
                 <a:effectLst/>
-                <a:latin typeface="Menlo" panose="020B0609030804020204" pitchFamily="49" charset="0"/>
+                <a:latin typeface="Arial" panose="020B0604020202020204" pitchFamily="34" charset="0"/>
+                <a:cs typeface="Arial" panose="020B0604020202020204" pitchFamily="34" charset="0"/>
               </a:rPr>
               <a:t>nsured data is loaded from UCI repo (original site where dataset was uploaded) instead of Kaggle</a:t>
             </a:r>
@@ -5351,7 +5418,8 @@
                   <a:srgbClr val="000000"/>
                 </a:solidFill>
                 <a:effectLst/>
-                <a:latin typeface="Menlo" panose="020B0609030804020204" pitchFamily="49" charset="0"/>
+                <a:latin typeface="Arial" panose="020B0604020202020204" pitchFamily="34" charset="0"/>
+                <a:cs typeface="Arial" panose="020B0604020202020204" pitchFamily="34" charset="0"/>
               </a:rPr>
               <a:t>Fixed the seed</a:t>
             </a:r>
@@ -5362,7 +5430,8 @@
                 <a:solidFill>
                   <a:srgbClr val="000000"/>
                 </a:solidFill>
-                <a:latin typeface="Menlo" panose="020B0609030804020204" pitchFamily="49" charset="0"/>
+                <a:latin typeface="Arial" panose="020B0604020202020204" pitchFamily="34" charset="0"/>
+                <a:cs typeface="Arial" panose="020B0604020202020204" pitchFamily="34" charset="0"/>
               </a:rPr>
               <a:t>Implemented code comments to provide code narration</a:t>
             </a:r>
@@ -5957,16 +6026,18 @@
           <a:lstStyle/>
           <a:p>
             <a:r>
-              <a:rPr lang="en-PL" sz="4000" dirty="0"/>
+              <a:rPr lang="en-PL" sz="4000" dirty="0">
+                <a:latin typeface="Arial" panose="020B0604020202020204" pitchFamily="34" charset="0"/>
+                <a:cs typeface="Arial" panose="020B0604020202020204" pitchFamily="34" charset="0"/>
+              </a:rPr>
               <a:t>Results</a:t>
             </a:r>
             <a:endParaRPr lang="en-US" sz="4000" kern="1200" dirty="0">
               <a:solidFill>
                 <a:schemeClr val="tx1"/>
               </a:solidFill>
-              <a:latin typeface="+mj-lt"/>
-              <a:ea typeface="+mj-ea"/>
-              <a:cs typeface="+mj-cs"/>
+              <a:latin typeface="Arial" panose="020B0604020202020204" pitchFamily="34" charset="0"/>
+              <a:cs typeface="Arial" panose="020B0604020202020204" pitchFamily="34" charset="0"/>
             </a:endParaRPr>
           </a:p>
         </p:txBody>
@@ -5996,7 +6067,7 @@
         </p:spPr>
         <p:txBody>
           <a:bodyPr vert="horz" lIns="91440" tIns="45720" rIns="91440" bIns="45720" rtlCol="0" anchor="t">
-            <a:normAutofit lnSpcReduction="10000"/>
+            <a:normAutofit/>
           </a:bodyPr>
           <a:lstStyle>
             <a:lvl1pPr marL="228600" indent="-228600" algn="l" defTabSz="914400" rtl="0" eaLnBrk="1" latinLnBrk="0" hangingPunct="1">
@@ -6167,20 +6238,22 @@
               <a:buNone/>
             </a:pPr>
             <a:r>
-              <a:rPr lang="en-GB" dirty="0">
+              <a:rPr lang="en-GB" sz="2600" dirty="0">
                 <a:solidFill>
                   <a:srgbClr val="000000"/>
                 </a:solidFill>
-                <a:latin typeface="Menlo" panose="020B0609030804020204" pitchFamily="49" charset="0"/>
+                <a:latin typeface="Arial" panose="020B0604020202020204" pitchFamily="34" charset="0"/>
+                <a:cs typeface="Arial" panose="020B0604020202020204" pitchFamily="34" charset="0"/>
               </a:rPr>
               <a:t>We did manage to reproduce the project in different code language, however we achieved different results. Difference results from original author not fixing seed used by machine learning functions.</a:t>
             </a:r>
-            <a:endParaRPr lang="en-GB" dirty="0">
+            <a:endParaRPr lang="en-GB" sz="2600" dirty="0">
               <a:solidFill>
                 <a:srgbClr val="000000"/>
               </a:solidFill>
               <a:effectLst/>
-              <a:latin typeface="Menlo" panose="020B0609030804020204" pitchFamily="49" charset="0"/>
+              <a:latin typeface="Arial" panose="020B0604020202020204" pitchFamily="34" charset="0"/>
+              <a:cs typeface="Arial" panose="020B0604020202020204" pitchFamily="34" charset="0"/>
             </a:endParaRPr>
           </a:p>
         </p:txBody>
@@ -6977,16 +7050,18 @@
           <a:lstStyle/>
           <a:p>
             <a:r>
-              <a:rPr lang="en-PL" sz="4000" dirty="0"/>
+              <a:rPr lang="en-PL" sz="4000" dirty="0">
+                <a:latin typeface="Arial" panose="020B0604020202020204" pitchFamily="34" charset="0"/>
+                <a:cs typeface="Arial" panose="020B0604020202020204" pitchFamily="34" charset="0"/>
+              </a:rPr>
               <a:t>AI usage</a:t>
             </a:r>
             <a:endParaRPr lang="en-US" sz="4000" kern="1200" dirty="0">
               <a:solidFill>
                 <a:schemeClr val="tx1"/>
               </a:solidFill>
-              <a:latin typeface="+mj-lt"/>
-              <a:ea typeface="+mj-ea"/>
-              <a:cs typeface="+mj-cs"/>
+              <a:latin typeface="Arial" panose="020B0604020202020204" pitchFamily="34" charset="0"/>
+              <a:cs typeface="Arial" panose="020B0604020202020204" pitchFamily="34" charset="0"/>
             </a:endParaRPr>
           </a:p>
         </p:txBody>
@@ -7201,7 +7276,7 @@
               <a:defRPr/>
             </a:pPr>
             <a:r>
-              <a:rPr kumimoji="0" lang="en-GB" sz="2800" b="0" i="0" u="none" strike="noStrike" kern="1200" cap="none" spc="0" normalizeH="0" baseline="0" noProof="0" dirty="0">
+              <a:rPr kumimoji="0" lang="en-GB" sz="2600" b="0" i="0" u="none" strike="noStrike" kern="1200" cap="none" spc="0" normalizeH="0" baseline="0" noProof="0" dirty="0">
                 <a:ln>
                   <a:noFill/>
                 </a:ln>
@@ -7211,14 +7286,13 @@
                 <a:effectLst/>
                 <a:uLnTx/>
                 <a:uFillTx/>
-                <a:latin typeface="Menlo" panose="020B0609030804020204" pitchFamily="49" charset="0"/>
-                <a:ea typeface="+mn-ea"/>
-                <a:cs typeface="+mn-cs"/>
+                <a:latin typeface="Arial" panose="020B0604020202020204" pitchFamily="34" charset="0"/>
+                <a:cs typeface="Arial" panose="020B0604020202020204" pitchFamily="34" charset="0"/>
               </a:rPr>
               <a:t>We did use chat GPT 3.5, 4.0 and 4.0omega, Microsoft </a:t>
             </a:r>
             <a:r>
-              <a:rPr kumimoji="0" lang="en-GB" sz="2800" b="0" i="0" u="none" strike="noStrike" kern="1200" cap="none" spc="0" normalizeH="0" baseline="0" noProof="0" dirty="0" err="1">
+              <a:rPr kumimoji="0" lang="en-GB" sz="2600" b="0" i="0" u="none" strike="noStrike" kern="1200" cap="none" spc="0" normalizeH="0" baseline="0" noProof="0" dirty="0" err="1">
                 <a:ln>
                   <a:noFill/>
                 </a:ln>
@@ -7228,14 +7302,13 @@
                 <a:effectLst/>
                 <a:uLnTx/>
                 <a:uFillTx/>
-                <a:latin typeface="Menlo" panose="020B0609030804020204" pitchFamily="49" charset="0"/>
-                <a:ea typeface="+mn-ea"/>
-                <a:cs typeface="+mn-cs"/>
+                <a:latin typeface="Arial" panose="020B0604020202020204" pitchFamily="34" charset="0"/>
+                <a:cs typeface="Arial" panose="020B0604020202020204" pitchFamily="34" charset="0"/>
               </a:rPr>
               <a:t>Copilot</a:t>
             </a:r>
             <a:r>
-              <a:rPr kumimoji="0" lang="en-GB" sz="2800" b="0" i="0" u="none" strike="noStrike" kern="1200" cap="none" spc="0" normalizeH="0" baseline="0" noProof="0" dirty="0">
+              <a:rPr kumimoji="0" lang="en-GB" sz="2600" b="0" i="0" u="none" strike="noStrike" kern="1200" cap="none" spc="0" normalizeH="0" baseline="0" noProof="0" dirty="0">
                 <a:ln>
                   <a:noFill/>
                 </a:ln>
@@ -7245,9 +7318,8 @@
                 <a:effectLst/>
                 <a:uLnTx/>
                 <a:uFillTx/>
-                <a:latin typeface="Menlo" panose="020B0609030804020204" pitchFamily="49" charset="0"/>
-                <a:ea typeface="+mn-ea"/>
-                <a:cs typeface="+mn-cs"/>
+                <a:latin typeface="Arial" panose="020B0604020202020204" pitchFamily="34" charset="0"/>
+                <a:cs typeface="Arial" panose="020B0604020202020204" pitchFamily="34" charset="0"/>
               </a:rPr>
               <a:t> for code errors resolution.</a:t>
             </a:r>
@@ -7912,6 +7984,14 @@
 <file path=ppt/slides/slide7.xml><?xml version="1.0" encoding="utf-8"?>
 <p:sld xmlns:a="http://schemas.openxmlformats.org/drawingml/2006/main" xmlns:r="http://schemas.openxmlformats.org/officeDocument/2006/relationships" xmlns:p="http://schemas.openxmlformats.org/presentationml/2006/main">
   <p:cSld>
+    <p:bg>
+      <p:bgPr>
+        <a:solidFill>
+          <a:schemeClr val="bg1"/>
+        </a:solidFill>
+        <a:effectLst/>
+      </p:bgPr>
+    </p:bg>
     <p:spTree>
       <p:nvGrpSpPr>
         <p:cNvPr id="1" name=""/>
@@ -7926,6 +8006,66 @@
           <a:chExt cx="0" cy="0"/>
         </a:xfrm>
       </p:grpSpPr>
+      <p:sp useBgFill="1">
+        <p:nvSpPr>
+          <p:cNvPr id="21" name="Rectangle 20">
+            <a:extLst>
+              <a:ext uri="{FF2B5EF4-FFF2-40B4-BE49-F238E27FC236}">
+                <a16:creationId xmlns:a16="http://schemas.microsoft.com/office/drawing/2014/main" id="{943CAA20-3569-4189-9E48-239A229A86CA}"/>
+              </a:ext>
+              <a:ext uri="{C183D7F6-B498-43B3-948B-1728B52AA6E4}">
+                <adec:decorative xmlns:adec="http://schemas.microsoft.com/office/drawing/2017/decorative" val="1"/>
+              </a:ext>
+            </a:extLst>
+          </p:cNvPr>
+          <p:cNvSpPr>
+            <a:spLocks noGrp="1" noRot="1" noChangeAspect="1" noMove="1" noResize="1" noEditPoints="1" noAdjustHandles="1" noChangeArrowheads="1" noChangeShapeType="1" noTextEdit="1"/>
+          </p:cNvSpPr>
+          <p:nvPr>
+            <p:extLst>
+              <p:ext uri="{386F3935-93C4-4BCD-93E2-E3B085C9AB24}">
+                <p16:designElem xmlns:p16="http://schemas.microsoft.com/office/powerpoint/2015/main" val="1"/>
+              </p:ext>
+            </p:extLst>
+          </p:nvPr>
+        </p:nvSpPr>
+        <p:spPr>
+          <a:xfrm>
+            <a:off x="0" y="0"/>
+            <a:ext cx="12188952" cy="6858000"/>
+          </a:xfrm>
+          <a:prstGeom prst="rect">
+            <a:avLst/>
+          </a:prstGeom>
+          <a:ln>
+            <a:noFill/>
+          </a:ln>
+        </p:spPr>
+        <p:style>
+          <a:lnRef idx="2">
+            <a:schemeClr val="accent1">
+              <a:shade val="50000"/>
+            </a:schemeClr>
+          </a:lnRef>
+          <a:fillRef idx="1">
+            <a:schemeClr val="accent1"/>
+          </a:fillRef>
+          <a:effectRef idx="0">
+            <a:schemeClr val="accent1"/>
+          </a:effectRef>
+          <a:fontRef idx="minor">
+            <a:schemeClr val="lt1"/>
+          </a:fontRef>
+        </p:style>
+        <p:txBody>
+          <a:bodyPr rtlCol="0" anchor="ctr"/>
+          <a:lstStyle/>
+          <a:p>
+            <a:pPr algn="ctr"/>
+            <a:endParaRPr lang="en-US"/>
+          </a:p>
+        </p:txBody>
+      </p:sp>
       <p:sp>
         <p:nvSpPr>
           <p:cNvPr id="2" name="Title 1">
@@ -7942,13 +8082,26 @@
             <p:ph type="title"/>
           </p:nvPr>
         </p:nvSpPr>
-        <p:spPr/>
-        <p:txBody>
-          <a:bodyPr/>
+        <p:spPr>
+          <a:xfrm>
+            <a:off x="838200" y="451381"/>
+            <a:ext cx="10512552" cy="4066540"/>
+          </a:xfrm>
+        </p:spPr>
+        <p:txBody>
+          <a:bodyPr vert="horz" lIns="91440" tIns="45720" rIns="91440" bIns="45720" rtlCol="0" anchor="b">
+            <a:normAutofit/>
+          </a:bodyPr>
           <a:lstStyle/>
           <a:p>
             <a:r>
-              <a:rPr lang="en-PL" dirty="0"/>
+              <a:rPr lang="en-US" sz="6600" kern="1200" dirty="0">
+                <a:solidFill>
+                  <a:schemeClr val="tx1"/>
+                </a:solidFill>
+                <a:latin typeface="Arial" panose="020B0604020202020204" pitchFamily="34" charset="0"/>
+                <a:cs typeface="Arial" panose="020B0604020202020204" pitchFamily="34" charset="0"/>
+              </a:rPr>
               <a:t>Thank you</a:t>
             </a:r>
           </a:p>
@@ -7956,26 +8109,374 @@
       </p:sp>
       <p:sp>
         <p:nvSpPr>
-          <p:cNvPr id="3" name="Content Placeholder 2">
-            <a:extLst>
-              <a:ext uri="{FF2B5EF4-FFF2-40B4-BE49-F238E27FC236}">
-                <a16:creationId xmlns:a16="http://schemas.microsoft.com/office/drawing/2014/main" id="{3F75212E-623E-024F-4755-7A9083715E25}"/>
-              </a:ext>
-            </a:extLst>
-          </p:cNvPr>
-          <p:cNvSpPr>
-            <a:spLocks noGrp="1"/>
-          </p:cNvSpPr>
-          <p:nvPr>
-            <p:ph idx="1"/>
-          </p:nvPr>
-        </p:nvSpPr>
-        <p:spPr/>
-        <p:txBody>
-          <a:bodyPr/>
+          <p:cNvPr id="23" name="sketch line">
+            <a:extLst>
+              <a:ext uri="{FF2B5EF4-FFF2-40B4-BE49-F238E27FC236}">
+                <a16:creationId xmlns:a16="http://schemas.microsoft.com/office/drawing/2014/main" id="{DA542B6D-E775-4832-91DC-2D20F857813A}"/>
+              </a:ext>
+              <a:ext uri="{C183D7F6-B498-43B3-948B-1728B52AA6E4}">
+                <adec:decorative xmlns:adec="http://schemas.microsoft.com/office/drawing/2017/decorative" val="1"/>
+              </a:ext>
+            </a:extLst>
+          </p:cNvPr>
+          <p:cNvSpPr>
+            <a:spLocks noGrp="1" noRot="1" noChangeAspect="1" noMove="1" noResize="1" noEditPoints="1" noAdjustHandles="1" noChangeArrowheads="1" noChangeShapeType="1" noTextEdit="1"/>
+          </p:cNvSpPr>
+          <p:nvPr>
+            <p:extLst>
+              <p:ext uri="{386F3935-93C4-4BCD-93E2-E3B085C9AB24}">
+                <p16:designElem xmlns:p16="http://schemas.microsoft.com/office/powerpoint/2015/main" val="1"/>
+              </p:ext>
+            </p:extLst>
+          </p:nvPr>
+        </p:nvSpPr>
+        <p:spPr>
+          <a:xfrm>
+            <a:off x="838200" y="4718595"/>
+            <a:ext cx="5410200" cy="18288"/>
+          </a:xfrm>
+          <a:custGeom>
+            <a:avLst/>
+            <a:gdLst>
+              <a:gd name="connsiteX0" fmla="*/ 0 w 5410200"/>
+              <a:gd name="connsiteY0" fmla="*/ 0 h 18288"/>
+              <a:gd name="connsiteX1" fmla="*/ 568071 w 5410200"/>
+              <a:gd name="connsiteY1" fmla="*/ 0 h 18288"/>
+              <a:gd name="connsiteX2" fmla="*/ 1298448 w 5410200"/>
+              <a:gd name="connsiteY2" fmla="*/ 0 h 18288"/>
+              <a:gd name="connsiteX3" fmla="*/ 1920621 w 5410200"/>
+              <a:gd name="connsiteY3" fmla="*/ 0 h 18288"/>
+              <a:gd name="connsiteX4" fmla="*/ 2488692 w 5410200"/>
+              <a:gd name="connsiteY4" fmla="*/ 0 h 18288"/>
+              <a:gd name="connsiteX5" fmla="*/ 3219069 w 5410200"/>
+              <a:gd name="connsiteY5" fmla="*/ 0 h 18288"/>
+              <a:gd name="connsiteX6" fmla="*/ 3895344 w 5410200"/>
+              <a:gd name="connsiteY6" fmla="*/ 0 h 18288"/>
+              <a:gd name="connsiteX7" fmla="*/ 4571619 w 5410200"/>
+              <a:gd name="connsiteY7" fmla="*/ 0 h 18288"/>
+              <a:gd name="connsiteX8" fmla="*/ 5410200 w 5410200"/>
+              <a:gd name="connsiteY8" fmla="*/ 0 h 18288"/>
+              <a:gd name="connsiteX9" fmla="*/ 5410200 w 5410200"/>
+              <a:gd name="connsiteY9" fmla="*/ 18288 h 18288"/>
+              <a:gd name="connsiteX10" fmla="*/ 4842129 w 5410200"/>
+              <a:gd name="connsiteY10" fmla="*/ 18288 h 18288"/>
+              <a:gd name="connsiteX11" fmla="*/ 4328160 w 5410200"/>
+              <a:gd name="connsiteY11" fmla="*/ 18288 h 18288"/>
+              <a:gd name="connsiteX12" fmla="*/ 3597783 w 5410200"/>
+              <a:gd name="connsiteY12" fmla="*/ 18288 h 18288"/>
+              <a:gd name="connsiteX13" fmla="*/ 3029712 w 5410200"/>
+              <a:gd name="connsiteY13" fmla="*/ 18288 h 18288"/>
+              <a:gd name="connsiteX14" fmla="*/ 2299335 w 5410200"/>
+              <a:gd name="connsiteY14" fmla="*/ 18288 h 18288"/>
+              <a:gd name="connsiteX15" fmla="*/ 1514856 w 5410200"/>
+              <a:gd name="connsiteY15" fmla="*/ 18288 h 18288"/>
+              <a:gd name="connsiteX16" fmla="*/ 892683 w 5410200"/>
+              <a:gd name="connsiteY16" fmla="*/ 18288 h 18288"/>
+              <a:gd name="connsiteX17" fmla="*/ 0 w 5410200"/>
+              <a:gd name="connsiteY17" fmla="*/ 18288 h 18288"/>
+              <a:gd name="connsiteX18" fmla="*/ 0 w 5410200"/>
+              <a:gd name="connsiteY18" fmla="*/ 0 h 18288"/>
+            </a:gdLst>
+            <a:ahLst/>
+            <a:cxnLst>
+              <a:cxn ang="0">
+                <a:pos x="connsiteX0" y="connsiteY0"/>
+              </a:cxn>
+              <a:cxn ang="0">
+                <a:pos x="connsiteX1" y="connsiteY1"/>
+              </a:cxn>
+              <a:cxn ang="0">
+                <a:pos x="connsiteX2" y="connsiteY2"/>
+              </a:cxn>
+              <a:cxn ang="0">
+                <a:pos x="connsiteX3" y="connsiteY3"/>
+              </a:cxn>
+              <a:cxn ang="0">
+                <a:pos x="connsiteX4" y="connsiteY4"/>
+              </a:cxn>
+              <a:cxn ang="0">
+                <a:pos x="connsiteX5" y="connsiteY5"/>
+              </a:cxn>
+              <a:cxn ang="0">
+                <a:pos x="connsiteX6" y="connsiteY6"/>
+              </a:cxn>
+              <a:cxn ang="0">
+                <a:pos x="connsiteX7" y="connsiteY7"/>
+              </a:cxn>
+              <a:cxn ang="0">
+                <a:pos x="connsiteX8" y="connsiteY8"/>
+              </a:cxn>
+              <a:cxn ang="0">
+                <a:pos x="connsiteX9" y="connsiteY9"/>
+              </a:cxn>
+              <a:cxn ang="0">
+                <a:pos x="connsiteX10" y="connsiteY10"/>
+              </a:cxn>
+              <a:cxn ang="0">
+                <a:pos x="connsiteX11" y="connsiteY11"/>
+              </a:cxn>
+              <a:cxn ang="0">
+                <a:pos x="connsiteX12" y="connsiteY12"/>
+              </a:cxn>
+              <a:cxn ang="0">
+                <a:pos x="connsiteX13" y="connsiteY13"/>
+              </a:cxn>
+              <a:cxn ang="0">
+                <a:pos x="connsiteX14" y="connsiteY14"/>
+              </a:cxn>
+              <a:cxn ang="0">
+                <a:pos x="connsiteX15" y="connsiteY15"/>
+              </a:cxn>
+              <a:cxn ang="0">
+                <a:pos x="connsiteX16" y="connsiteY16"/>
+              </a:cxn>
+              <a:cxn ang="0">
+                <a:pos x="connsiteX17" y="connsiteY17"/>
+              </a:cxn>
+              <a:cxn ang="0">
+                <a:pos x="connsiteX18" y="connsiteY18"/>
+              </a:cxn>
+            </a:cxnLst>
+            <a:rect l="l" t="t" r="r" b="b"/>
+            <a:pathLst>
+              <a:path w="5410200" h="18288" fill="none" extrusionOk="0">
+                <a:moveTo>
+                  <a:pt x="0" y="0"/>
+                </a:moveTo>
+                <a:cubicBezTo>
+                  <a:pt x="163050" y="-18707"/>
+                  <a:pt x="319321" y="-16364"/>
+                  <a:pt x="568071" y="0"/>
+                </a:cubicBezTo>
+                <a:cubicBezTo>
+                  <a:pt x="816821" y="16364"/>
+                  <a:pt x="1013224" y="-7268"/>
+                  <a:pt x="1298448" y="0"/>
+                </a:cubicBezTo>
+                <a:cubicBezTo>
+                  <a:pt x="1583672" y="7268"/>
+                  <a:pt x="1631711" y="-3367"/>
+                  <a:pt x="1920621" y="0"/>
+                </a:cubicBezTo>
+                <a:cubicBezTo>
+                  <a:pt x="2209531" y="3367"/>
+                  <a:pt x="2364420" y="-19184"/>
+                  <a:pt x="2488692" y="0"/>
+                </a:cubicBezTo>
+                <a:cubicBezTo>
+                  <a:pt x="2612964" y="19184"/>
+                  <a:pt x="3023298" y="-34627"/>
+                  <a:pt x="3219069" y="0"/>
+                </a:cubicBezTo>
+                <a:cubicBezTo>
+                  <a:pt x="3414840" y="34627"/>
+                  <a:pt x="3656810" y="24043"/>
+                  <a:pt x="3895344" y="0"/>
+                </a:cubicBezTo>
+                <a:cubicBezTo>
+                  <a:pt x="4133879" y="-24043"/>
+                  <a:pt x="4393984" y="-19577"/>
+                  <a:pt x="4571619" y="0"/>
+                </a:cubicBezTo>
+                <a:cubicBezTo>
+                  <a:pt x="4749255" y="19577"/>
+                  <a:pt x="5179928" y="-6281"/>
+                  <a:pt x="5410200" y="0"/>
+                </a:cubicBezTo>
+                <a:cubicBezTo>
+                  <a:pt x="5410730" y="6954"/>
+                  <a:pt x="5410934" y="12839"/>
+                  <a:pt x="5410200" y="18288"/>
+                </a:cubicBezTo>
+                <a:cubicBezTo>
+                  <a:pt x="5139060" y="6751"/>
+                  <a:pt x="5121593" y="31035"/>
+                  <a:pt x="4842129" y="18288"/>
+                </a:cubicBezTo>
+                <a:cubicBezTo>
+                  <a:pt x="4562665" y="5541"/>
+                  <a:pt x="4448273" y="9487"/>
+                  <a:pt x="4328160" y="18288"/>
+                </a:cubicBezTo>
+                <a:cubicBezTo>
+                  <a:pt x="4208047" y="27089"/>
+                  <a:pt x="3760936" y="22567"/>
+                  <a:pt x="3597783" y="18288"/>
+                </a:cubicBezTo>
+                <a:cubicBezTo>
+                  <a:pt x="3434630" y="14009"/>
+                  <a:pt x="3299718" y="33213"/>
+                  <a:pt x="3029712" y="18288"/>
+                </a:cubicBezTo>
+                <a:cubicBezTo>
+                  <a:pt x="2759706" y="3363"/>
+                  <a:pt x="2640159" y="27394"/>
+                  <a:pt x="2299335" y="18288"/>
+                </a:cubicBezTo>
+                <a:cubicBezTo>
+                  <a:pt x="1958511" y="9182"/>
+                  <a:pt x="1801186" y="28985"/>
+                  <a:pt x="1514856" y="18288"/>
+                </a:cubicBezTo>
+                <a:cubicBezTo>
+                  <a:pt x="1228526" y="7591"/>
+                  <a:pt x="1063509" y="-5305"/>
+                  <a:pt x="892683" y="18288"/>
+                </a:cubicBezTo>
+                <a:cubicBezTo>
+                  <a:pt x="721857" y="41881"/>
+                  <a:pt x="186945" y="-20897"/>
+                  <a:pt x="0" y="18288"/>
+                </a:cubicBezTo>
+                <a:cubicBezTo>
+                  <a:pt x="-570" y="9279"/>
+                  <a:pt x="132" y="5100"/>
+                  <a:pt x="0" y="0"/>
+                </a:cubicBezTo>
+                <a:close/>
+              </a:path>
+              <a:path w="5410200" h="18288" stroke="0" extrusionOk="0">
+                <a:moveTo>
+                  <a:pt x="0" y="0"/>
+                </a:moveTo>
+                <a:cubicBezTo>
+                  <a:pt x="285096" y="-4925"/>
+                  <a:pt x="376456" y="22268"/>
+                  <a:pt x="622173" y="0"/>
+                </a:cubicBezTo>
+                <a:cubicBezTo>
+                  <a:pt x="867890" y="-22268"/>
+                  <a:pt x="1031392" y="7228"/>
+                  <a:pt x="1136142" y="0"/>
+                </a:cubicBezTo>
+                <a:cubicBezTo>
+                  <a:pt x="1240892" y="-7228"/>
+                  <a:pt x="1561853" y="9877"/>
+                  <a:pt x="1920621" y="0"/>
+                </a:cubicBezTo>
+                <a:cubicBezTo>
+                  <a:pt x="2279389" y="-9877"/>
+                  <a:pt x="2367255" y="19546"/>
+                  <a:pt x="2542794" y="0"/>
+                </a:cubicBezTo>
+                <a:cubicBezTo>
+                  <a:pt x="2718333" y="-19546"/>
+                  <a:pt x="2866732" y="-22226"/>
+                  <a:pt x="3164967" y="0"/>
+                </a:cubicBezTo>
+                <a:cubicBezTo>
+                  <a:pt x="3463202" y="22226"/>
+                  <a:pt x="3568055" y="-2765"/>
+                  <a:pt x="3949446" y="0"/>
+                </a:cubicBezTo>
+                <a:cubicBezTo>
+                  <a:pt x="4330837" y="2765"/>
+                  <a:pt x="4287895" y="10557"/>
+                  <a:pt x="4517517" y="0"/>
+                </a:cubicBezTo>
+                <a:cubicBezTo>
+                  <a:pt x="4747139" y="-10557"/>
+                  <a:pt x="5149588" y="8716"/>
+                  <a:pt x="5410200" y="0"/>
+                </a:cubicBezTo>
+                <a:cubicBezTo>
+                  <a:pt x="5409517" y="5414"/>
+                  <a:pt x="5409480" y="12510"/>
+                  <a:pt x="5410200" y="18288"/>
+                </a:cubicBezTo>
+                <a:cubicBezTo>
+                  <a:pt x="5163327" y="41494"/>
+                  <a:pt x="5008749" y="10693"/>
+                  <a:pt x="4842129" y="18288"/>
+                </a:cubicBezTo>
+                <a:cubicBezTo>
+                  <a:pt x="4675509" y="25883"/>
+                  <a:pt x="4433401" y="-615"/>
+                  <a:pt x="4165854" y="18288"/>
+                </a:cubicBezTo>
+                <a:cubicBezTo>
+                  <a:pt x="3898308" y="37191"/>
+                  <a:pt x="3809032" y="-8710"/>
+                  <a:pt x="3543681" y="18288"/>
+                </a:cubicBezTo>
+                <a:cubicBezTo>
+                  <a:pt x="3278330" y="45286"/>
+                  <a:pt x="3073876" y="-15917"/>
+                  <a:pt x="2759202" y="18288"/>
+                </a:cubicBezTo>
+                <a:cubicBezTo>
+                  <a:pt x="2444528" y="52493"/>
+                  <a:pt x="2204144" y="3372"/>
+                  <a:pt x="1974723" y="18288"/>
+                </a:cubicBezTo>
+                <a:cubicBezTo>
+                  <a:pt x="1745302" y="33204"/>
+                  <a:pt x="1602335" y="31490"/>
+                  <a:pt x="1406652" y="18288"/>
+                </a:cubicBezTo>
+                <a:cubicBezTo>
+                  <a:pt x="1210969" y="5086"/>
+                  <a:pt x="923948" y="3161"/>
+                  <a:pt x="730377" y="18288"/>
+                </a:cubicBezTo>
+                <a:cubicBezTo>
+                  <a:pt x="536806" y="33415"/>
+                  <a:pt x="336496" y="-141"/>
+                  <a:pt x="0" y="18288"/>
+                </a:cubicBezTo>
+                <a:cubicBezTo>
+                  <a:pt x="-306" y="11061"/>
+                  <a:pt x="-655" y="7751"/>
+                  <a:pt x="0" y="0"/>
+                </a:cubicBezTo>
+                <a:close/>
+              </a:path>
+            </a:pathLst>
+          </a:custGeom>
+          <a:solidFill>
+            <a:schemeClr val="accent2"/>
+          </a:solidFill>
+          <a:ln w="41275" cap="rnd">
+            <a:solidFill>
+              <a:schemeClr val="accent2"/>
+            </a:solidFill>
+            <a:round/>
+            <a:extLst>
+              <a:ext uri="{C807C97D-BFC1-408E-A445-0C87EB9F89A2}">
+                <ask:lineSketchStyleProps xmlns:ask="http://schemas.microsoft.com/office/drawing/2018/sketchyshapes" sd="1219033472">
+                  <a:prstGeom prst="rect">
+                    <a:avLst/>
+                  </a:prstGeom>
+                  <ask:type>
+                    <ask:lineSketchFreehand/>
+                  </ask:type>
+                </ask:lineSketchStyleProps>
+              </a:ext>
+            </a:extLst>
+          </a:ln>
+        </p:spPr>
+        <p:style>
+          <a:lnRef idx="2">
+            <a:schemeClr val="accent1">
+              <a:shade val="50000"/>
+            </a:schemeClr>
+          </a:lnRef>
+          <a:fillRef idx="1">
+            <a:schemeClr val="accent1"/>
+          </a:fillRef>
+          <a:effectRef idx="0">
+            <a:schemeClr val="accent1"/>
+          </a:effectRef>
+          <a:fontRef idx="minor">
+            <a:schemeClr val="lt1"/>
+          </a:fontRef>
+        </p:style>
+        <p:txBody>
+          <a:bodyPr rtlCol="0" anchor="ctr"/>
           <a:lstStyle/>
           <a:p>
-            <a:endParaRPr lang="en-PL"/>
+            <a:pPr algn="ctr"/>
+            <a:endParaRPr lang="en-US"/>
           </a:p>
         </p:txBody>
       </p:sp>

--- a/Slides/RR_project_slides.pptx
+++ b/Slides/RR_project_slides.pptx
@@ -6,12 +6,20 @@
   </p:sldMasterIdLst>
   <p:sldIdLst>
     <p:sldId id="256" r:id="rId2"/>
-    <p:sldId id="257" r:id="rId3"/>
-    <p:sldId id="265" r:id="rId4"/>
-    <p:sldId id="264" r:id="rId5"/>
-    <p:sldId id="263" r:id="rId6"/>
-    <p:sldId id="266" r:id="rId7"/>
-    <p:sldId id="260" r:id="rId8"/>
+    <p:sldId id="268" r:id="rId3"/>
+    <p:sldId id="257" r:id="rId4"/>
+    <p:sldId id="269" r:id="rId5"/>
+    <p:sldId id="270" r:id="rId6"/>
+    <p:sldId id="271" r:id="rId7"/>
+    <p:sldId id="272" r:id="rId8"/>
+    <p:sldId id="273" r:id="rId9"/>
+    <p:sldId id="274" r:id="rId10"/>
+    <p:sldId id="265" r:id="rId11"/>
+    <p:sldId id="267" r:id="rId12"/>
+    <p:sldId id="264" r:id="rId13"/>
+    <p:sldId id="263" r:id="rId14"/>
+    <p:sldId id="266" r:id="rId15"/>
+    <p:sldId id="260" r:id="rId16"/>
   </p:sldIdLst>
   <p:sldSz cx="12192000" cy="6858000"/>
   <p:notesSz cx="6858000" cy="9144000"/>
@@ -118,6 +126,650 @@
 </p:presentation>
 </file>
 
+<file path=ppt/revisionInfo.xml><?xml version="1.0" encoding="utf-8"?>
+<p1510:revInfo xmlns:a="http://schemas.openxmlformats.org/drawingml/2006/main" xmlns:r="http://schemas.openxmlformats.org/officeDocument/2006/relationships" xmlns:p1510="http://schemas.microsoft.com/office/powerpoint/2015/10/main">
+  <p1510:revLst>
+    <p1510:client id="{5799D50A-D4BB-40C1-8A0D-C9E3F87D0362}" v="12" dt="2024-06-11T20:04:34.177"/>
+  </p1510:revLst>
+</p1510:revInfo>
+</file>
+
+<file path=ppt/changesInfos/changesInfo1.xml><?xml version="1.0" encoding="utf-8"?>
+<pc:chgInfo xmlns:a="http://schemas.openxmlformats.org/drawingml/2006/main" xmlns:r="http://schemas.openxmlformats.org/officeDocument/2006/relationships" xmlns:ac="http://schemas.microsoft.com/office/drawing/2013/main/command" xmlns:pc="http://schemas.microsoft.com/office/powerpoint/2013/main/command">
+  <pc:docChgLst>
+    <pc:chgData name="Tarlan Aghayev" userId="da6ce445de4c2ee1" providerId="LiveId" clId="{5799D50A-D4BB-40C1-8A0D-C9E3F87D0362}"/>
+    <pc:docChg chg="undo custSel addSld delSld modSld sldOrd">
+      <pc:chgData name="Tarlan Aghayev" userId="da6ce445de4c2ee1" providerId="LiveId" clId="{5799D50A-D4BB-40C1-8A0D-C9E3F87D0362}" dt="2024-06-11T20:18:40.613" v="592" actId="20577"/>
+      <pc:docMkLst>
+        <pc:docMk/>
+      </pc:docMkLst>
+      <pc:sldChg chg="modSp mod">
+        <pc:chgData name="Tarlan Aghayev" userId="da6ce445de4c2ee1" providerId="LiveId" clId="{5799D50A-D4BB-40C1-8A0D-C9E3F87D0362}" dt="2024-06-11T19:59:51.090" v="439" actId="27636"/>
+        <pc:sldMkLst>
+          <pc:docMk/>
+          <pc:sldMk cId="3951114197" sldId="265"/>
+        </pc:sldMkLst>
+        <pc:spChg chg="mod">
+          <ac:chgData name="Tarlan Aghayev" userId="da6ce445de4c2ee1" providerId="LiveId" clId="{5799D50A-D4BB-40C1-8A0D-C9E3F87D0362}" dt="2024-06-11T19:59:47.263" v="437" actId="14100"/>
+          <ac:spMkLst>
+            <pc:docMk/>
+            <pc:sldMk cId="3951114197" sldId="265"/>
+            <ac:spMk id="2" creationId="{32C432B7-0A6C-2C12-77FA-7B714600B30E}"/>
+          </ac:spMkLst>
+        </pc:spChg>
+        <pc:spChg chg="mod">
+          <ac:chgData name="Tarlan Aghayev" userId="da6ce445de4c2ee1" providerId="LiveId" clId="{5799D50A-D4BB-40C1-8A0D-C9E3F87D0362}" dt="2024-06-11T19:59:51.090" v="439" actId="27636"/>
+          <ac:spMkLst>
+            <pc:docMk/>
+            <pc:sldMk cId="3951114197" sldId="265"/>
+            <ac:spMk id="7" creationId="{6E2D6785-3FC0-5B4B-8F43-4406AD91B4D7}"/>
+          </ac:spMkLst>
+        </pc:spChg>
+      </pc:sldChg>
+      <pc:sldChg chg="new del">
+        <pc:chgData name="Tarlan Aghayev" userId="da6ce445de4c2ee1" providerId="LiveId" clId="{5799D50A-D4BB-40C1-8A0D-C9E3F87D0362}" dt="2024-06-11T19:19:20.926" v="1" actId="680"/>
+        <pc:sldMkLst>
+          <pc:docMk/>
+          <pc:sldMk cId="679488742" sldId="267"/>
+        </pc:sldMkLst>
+      </pc:sldChg>
+      <pc:sldChg chg="new">
+        <pc:chgData name="Tarlan Aghayev" userId="da6ce445de4c2ee1" providerId="LiveId" clId="{5799D50A-D4BB-40C1-8A0D-C9E3F87D0362}" dt="2024-06-11T19:19:28.379" v="2" actId="680"/>
+        <pc:sldMkLst>
+          <pc:docMk/>
+          <pc:sldMk cId="1819340949" sldId="267"/>
+        </pc:sldMkLst>
+      </pc:sldChg>
+      <pc:sldChg chg="modSp add mod ord">
+        <pc:chgData name="Tarlan Aghayev" userId="da6ce445de4c2ee1" providerId="LiveId" clId="{5799D50A-D4BB-40C1-8A0D-C9E3F87D0362}" dt="2024-06-11T19:22:47.011" v="100"/>
+        <pc:sldMkLst>
+          <pc:docMk/>
+          <pc:sldMk cId="739516936" sldId="268"/>
+        </pc:sldMkLst>
+        <pc:spChg chg="mod">
+          <ac:chgData name="Tarlan Aghayev" userId="da6ce445de4c2ee1" providerId="LiveId" clId="{5799D50A-D4BB-40C1-8A0D-C9E3F87D0362}" dt="2024-06-11T19:19:54.773" v="27" actId="20577"/>
+          <ac:spMkLst>
+            <pc:docMk/>
+            <pc:sldMk cId="739516936" sldId="268"/>
+            <ac:spMk id="2" creationId="{32C432B7-0A6C-2C12-77FA-7B714600B30E}"/>
+          </ac:spMkLst>
+        </pc:spChg>
+        <pc:spChg chg="mod">
+          <ac:chgData name="Tarlan Aghayev" userId="da6ce445de4c2ee1" providerId="LiveId" clId="{5799D50A-D4BB-40C1-8A0D-C9E3F87D0362}" dt="2024-06-11T19:21:26.441" v="98" actId="14100"/>
+          <ac:spMkLst>
+            <pc:docMk/>
+            <pc:sldMk cId="739516936" sldId="268"/>
+            <ac:spMk id="7" creationId="{6E2D6785-3FC0-5B4B-8F43-4406AD91B4D7}"/>
+          </ac:spMkLst>
+        </pc:spChg>
+      </pc:sldChg>
+      <pc:sldChg chg="addSp delSp modSp add mod ord modClrScheme delDesignElem chgLayout">
+        <pc:chgData name="Tarlan Aghayev" userId="da6ce445de4c2ee1" providerId="LiveId" clId="{5799D50A-D4BB-40C1-8A0D-C9E3F87D0362}" dt="2024-06-11T19:35:08.002" v="233" actId="20577"/>
+        <pc:sldMkLst>
+          <pc:docMk/>
+          <pc:sldMk cId="4179524618" sldId="269"/>
+        </pc:sldMkLst>
+        <pc:spChg chg="mod ord">
+          <ac:chgData name="Tarlan Aghayev" userId="da6ce445de4c2ee1" providerId="LiveId" clId="{5799D50A-D4BB-40C1-8A0D-C9E3F87D0362}" dt="2024-06-11T19:35:08.002" v="233" actId="20577"/>
+          <ac:spMkLst>
+            <pc:docMk/>
+            <pc:sldMk cId="4179524618" sldId="269"/>
+            <ac:spMk id="2" creationId="{32C432B7-0A6C-2C12-77FA-7B714600B30E}"/>
+          </ac:spMkLst>
+        </pc:spChg>
+        <pc:spChg chg="add mod ord">
+          <ac:chgData name="Tarlan Aghayev" userId="da6ce445de4c2ee1" providerId="LiveId" clId="{5799D50A-D4BB-40C1-8A0D-C9E3F87D0362}" dt="2024-06-11T19:32:52.524" v="203" actId="20577"/>
+          <ac:spMkLst>
+            <pc:docMk/>
+            <pc:sldMk cId="4179524618" sldId="269"/>
+            <ac:spMk id="3" creationId="{7B91EF2E-17D9-6908-D543-ED1BE99A6B97}"/>
+          </ac:spMkLst>
+        </pc:spChg>
+        <pc:spChg chg="add del mod ord">
+          <ac:chgData name="Tarlan Aghayev" userId="da6ce445de4c2ee1" providerId="LiveId" clId="{5799D50A-D4BB-40C1-8A0D-C9E3F87D0362}" dt="2024-06-11T19:31:38.314" v="174" actId="22"/>
+          <ac:spMkLst>
+            <pc:docMk/>
+            <pc:sldMk cId="4179524618" sldId="269"/>
+            <ac:spMk id="4" creationId="{FB420993-FD64-C28F-B08A-56AF3CE196F5}"/>
+          </ac:spMkLst>
+        </pc:spChg>
+        <pc:spChg chg="add mod ord">
+          <ac:chgData name="Tarlan Aghayev" userId="da6ce445de4c2ee1" providerId="LiveId" clId="{5799D50A-D4BB-40C1-8A0D-C9E3F87D0362}" dt="2024-06-11T19:34:09.780" v="218" actId="20577"/>
+          <ac:spMkLst>
+            <pc:docMk/>
+            <pc:sldMk cId="4179524618" sldId="269"/>
+            <ac:spMk id="5" creationId="{1988AC56-BDBA-946C-7A57-367658B8906F}"/>
+          </ac:spMkLst>
+        </pc:spChg>
+        <pc:spChg chg="add del mod ord">
+          <ac:chgData name="Tarlan Aghayev" userId="da6ce445de4c2ee1" providerId="LiveId" clId="{5799D50A-D4BB-40C1-8A0D-C9E3F87D0362}" dt="2024-06-11T19:30:13.785" v="168" actId="22"/>
+          <ac:spMkLst>
+            <pc:docMk/>
+            <pc:sldMk cId="4179524618" sldId="269"/>
+            <ac:spMk id="6" creationId="{DFC21FD7-68EA-6680-DE51-E33B7668B48E}"/>
+          </ac:spMkLst>
+        </pc:spChg>
+        <pc:spChg chg="mod">
+          <ac:chgData name="Tarlan Aghayev" userId="da6ce445de4c2ee1" providerId="LiveId" clId="{5799D50A-D4BB-40C1-8A0D-C9E3F87D0362}" dt="2024-06-11T19:29:37.972" v="160" actId="6549"/>
+          <ac:spMkLst>
+            <pc:docMk/>
+            <pc:sldMk cId="4179524618" sldId="269"/>
+            <ac:spMk id="7" creationId="{6E2D6785-3FC0-5B4B-8F43-4406AD91B4D7}"/>
+          </ac:spMkLst>
+        </pc:spChg>
+        <pc:spChg chg="del">
+          <ac:chgData name="Tarlan Aghayev" userId="da6ce445de4c2ee1" providerId="LiveId" clId="{5799D50A-D4BB-40C1-8A0D-C9E3F87D0362}" dt="2024-06-11T19:29:43.569" v="161" actId="700"/>
+          <ac:spMkLst>
+            <pc:docMk/>
+            <pc:sldMk cId="4179524618" sldId="269"/>
+            <ac:spMk id="12" creationId="{12609869-9E80-471B-A487-A53288E0E791}"/>
+          </ac:spMkLst>
+        </pc:spChg>
+        <pc:spChg chg="del">
+          <ac:chgData name="Tarlan Aghayev" userId="da6ce445de4c2ee1" providerId="LiveId" clId="{5799D50A-D4BB-40C1-8A0D-C9E3F87D0362}" dt="2024-06-11T19:29:43.569" v="161" actId="700"/>
+          <ac:spMkLst>
+            <pc:docMk/>
+            <pc:sldMk cId="4179524618" sldId="269"/>
+            <ac:spMk id="14" creationId="{7004738A-9D34-43E8-97D2-CA0EED4F8BE0}"/>
+          </ac:spMkLst>
+        </pc:spChg>
+        <pc:spChg chg="del">
+          <ac:chgData name="Tarlan Aghayev" userId="da6ce445de4c2ee1" providerId="LiveId" clId="{5799D50A-D4BB-40C1-8A0D-C9E3F87D0362}" dt="2024-06-11T19:29:43.569" v="161" actId="700"/>
+          <ac:spMkLst>
+            <pc:docMk/>
+            <pc:sldMk cId="4179524618" sldId="269"/>
+            <ac:spMk id="16" creationId="{B8B8D07F-F13E-443E-BA68-2D26672D76B9}"/>
+          </ac:spMkLst>
+        </pc:spChg>
+        <pc:spChg chg="del">
+          <ac:chgData name="Tarlan Aghayev" userId="da6ce445de4c2ee1" providerId="LiveId" clId="{5799D50A-D4BB-40C1-8A0D-C9E3F87D0362}" dt="2024-06-11T19:29:43.569" v="161" actId="700"/>
+          <ac:spMkLst>
+            <pc:docMk/>
+            <pc:sldMk cId="4179524618" sldId="269"/>
+            <ac:spMk id="18" creationId="{2813A4FA-24A5-41ED-A534-3807D1B2F344}"/>
+          </ac:spMkLst>
+        </pc:spChg>
+        <pc:spChg chg="del">
+          <ac:chgData name="Tarlan Aghayev" userId="da6ce445de4c2ee1" providerId="LiveId" clId="{5799D50A-D4BB-40C1-8A0D-C9E3F87D0362}" dt="2024-06-11T19:29:43.569" v="161" actId="700"/>
+          <ac:spMkLst>
+            <pc:docMk/>
+            <pc:sldMk cId="4179524618" sldId="269"/>
+            <ac:spMk id="20" creationId="{C3944F27-CA70-4E84-A51A-E6BF89558979}"/>
+          </ac:spMkLst>
+        </pc:spChg>
+        <pc:picChg chg="add del mod ord">
+          <ac:chgData name="Tarlan Aghayev" userId="da6ce445de4c2ee1" providerId="LiveId" clId="{5799D50A-D4BB-40C1-8A0D-C9E3F87D0362}" dt="2024-06-11T19:30:09.023" v="167" actId="22"/>
+          <ac:picMkLst>
+            <pc:docMk/>
+            <pc:sldMk cId="4179524618" sldId="269"/>
+            <ac:picMk id="9" creationId="{F4FDD8CD-5B29-D638-0541-5B6B0B170DDA}"/>
+          </ac:picMkLst>
+        </pc:picChg>
+        <pc:picChg chg="add mod ord">
+          <ac:chgData name="Tarlan Aghayev" userId="da6ce445de4c2ee1" providerId="LiveId" clId="{5799D50A-D4BB-40C1-8A0D-C9E3F87D0362}" dt="2024-06-11T19:30:41.491" v="173" actId="14100"/>
+          <ac:picMkLst>
+            <pc:docMk/>
+            <pc:sldMk cId="4179524618" sldId="269"/>
+            <ac:picMk id="11" creationId="{D820945C-15D8-CBE2-0E27-70A6DBCFA7FC}"/>
+          </ac:picMkLst>
+        </pc:picChg>
+        <pc:picChg chg="add mod ord">
+          <ac:chgData name="Tarlan Aghayev" userId="da6ce445de4c2ee1" providerId="LiveId" clId="{5799D50A-D4BB-40C1-8A0D-C9E3F87D0362}" dt="2024-06-11T19:31:55.270" v="178" actId="1076"/>
+          <ac:picMkLst>
+            <pc:docMk/>
+            <pc:sldMk cId="4179524618" sldId="269"/>
+            <ac:picMk id="15" creationId="{9D012541-AFD3-300C-2A05-C56228FE1894}"/>
+          </ac:picMkLst>
+        </pc:picChg>
+        <pc:picChg chg="add mod">
+          <ac:chgData name="Tarlan Aghayev" userId="da6ce445de4c2ee1" providerId="LiveId" clId="{5799D50A-D4BB-40C1-8A0D-C9E3F87D0362}" dt="2024-06-11T19:33:12.177" v="207" actId="1076"/>
+          <ac:picMkLst>
+            <pc:docMk/>
+            <pc:sldMk cId="4179524618" sldId="269"/>
+            <ac:picMk id="17" creationId="{DBCE127D-5EFB-DAB0-0582-F48CBEF6EC97}"/>
+          </ac:picMkLst>
+        </pc:picChg>
+        <pc:picChg chg="add mod">
+          <ac:chgData name="Tarlan Aghayev" userId="da6ce445de4c2ee1" providerId="LiveId" clId="{5799D50A-D4BB-40C1-8A0D-C9E3F87D0362}" dt="2024-06-11T19:34:06.646" v="217" actId="1076"/>
+          <ac:picMkLst>
+            <pc:docMk/>
+            <pc:sldMk cId="4179524618" sldId="269"/>
+            <ac:picMk id="19" creationId="{5F72707B-A9E8-5B86-4D06-EE1E2F5C7C53}"/>
+          </ac:picMkLst>
+        </pc:picChg>
+      </pc:sldChg>
+      <pc:sldChg chg="addSp delSp modSp add mod">
+        <pc:chgData name="Tarlan Aghayev" userId="da6ce445de4c2ee1" providerId="LiveId" clId="{5799D50A-D4BB-40C1-8A0D-C9E3F87D0362}" dt="2024-06-11T19:58:22.063" v="376"/>
+        <pc:sldMkLst>
+          <pc:docMk/>
+          <pc:sldMk cId="1797672317" sldId="270"/>
+        </pc:sldMkLst>
+        <pc:spChg chg="mod">
+          <ac:chgData name="Tarlan Aghayev" userId="da6ce445de4c2ee1" providerId="LiveId" clId="{5799D50A-D4BB-40C1-8A0D-C9E3F87D0362}" dt="2024-06-11T19:58:22.063" v="376"/>
+          <ac:spMkLst>
+            <pc:docMk/>
+            <pc:sldMk cId="1797672317" sldId="270"/>
+            <ac:spMk id="2" creationId="{32C432B7-0A6C-2C12-77FA-7B714600B30E}"/>
+          </ac:spMkLst>
+        </pc:spChg>
+        <pc:spChg chg="mod">
+          <ac:chgData name="Tarlan Aghayev" userId="da6ce445de4c2ee1" providerId="LiveId" clId="{5799D50A-D4BB-40C1-8A0D-C9E3F87D0362}" dt="2024-06-11T19:39:29.690" v="275" actId="14100"/>
+          <ac:spMkLst>
+            <pc:docMk/>
+            <pc:sldMk cId="1797672317" sldId="270"/>
+            <ac:spMk id="3" creationId="{7B91EF2E-17D9-6908-D543-ED1BE99A6B97}"/>
+          </ac:spMkLst>
+        </pc:spChg>
+        <pc:spChg chg="mod">
+          <ac:chgData name="Tarlan Aghayev" userId="da6ce445de4c2ee1" providerId="LiveId" clId="{5799D50A-D4BB-40C1-8A0D-C9E3F87D0362}" dt="2024-06-11T19:39:43.431" v="277" actId="14100"/>
+          <ac:spMkLst>
+            <pc:docMk/>
+            <pc:sldMk cId="1797672317" sldId="270"/>
+            <ac:spMk id="5" creationId="{1988AC56-BDBA-946C-7A57-367658B8906F}"/>
+          </ac:spMkLst>
+        </pc:spChg>
+        <pc:spChg chg="add del mod">
+          <ac:chgData name="Tarlan Aghayev" userId="da6ce445de4c2ee1" providerId="LiveId" clId="{5799D50A-D4BB-40C1-8A0D-C9E3F87D0362}" dt="2024-06-11T19:38:05.370" v="270" actId="22"/>
+          <ac:spMkLst>
+            <pc:docMk/>
+            <pc:sldMk cId="1797672317" sldId="270"/>
+            <ac:spMk id="6" creationId="{755D36A9-620B-755A-68B4-5E1127DF544A}"/>
+          </ac:spMkLst>
+        </pc:spChg>
+        <pc:spChg chg="add del mod">
+          <ac:chgData name="Tarlan Aghayev" userId="da6ce445de4c2ee1" providerId="LiveId" clId="{5799D50A-D4BB-40C1-8A0D-C9E3F87D0362}" dt="2024-06-11T19:41:37.236" v="288" actId="22"/>
+          <ac:spMkLst>
+            <pc:docMk/>
+            <pc:sldMk cId="1797672317" sldId="270"/>
+            <ac:spMk id="16" creationId="{D29D8BFA-B5CC-1360-5B2C-8A00A32360AB}"/>
+          </ac:spMkLst>
+        </pc:spChg>
+        <pc:spChg chg="add del mod">
+          <ac:chgData name="Tarlan Aghayev" userId="da6ce445de4c2ee1" providerId="LiveId" clId="{5799D50A-D4BB-40C1-8A0D-C9E3F87D0362}" dt="2024-06-11T19:45:01.903" v="354"/>
+          <ac:spMkLst>
+            <pc:docMk/>
+            <pc:sldMk cId="1797672317" sldId="270"/>
+            <ac:spMk id="22" creationId="{7C56EA5F-E3CF-FE4D-B58E-64AEDB4C9F5D}"/>
+          </ac:spMkLst>
+        </pc:spChg>
+        <pc:spChg chg="add del mod">
+          <ac:chgData name="Tarlan Aghayev" userId="da6ce445de4c2ee1" providerId="LiveId" clId="{5799D50A-D4BB-40C1-8A0D-C9E3F87D0362}" dt="2024-06-11T19:46:09.474" v="357" actId="22"/>
+          <ac:spMkLst>
+            <pc:docMk/>
+            <pc:sldMk cId="1797672317" sldId="270"/>
+            <ac:spMk id="25" creationId="{2219A83C-0FF1-8D06-7F39-891B0C90F178}"/>
+          </ac:spMkLst>
+        </pc:spChg>
+        <pc:picChg chg="add mod">
+          <ac:chgData name="Tarlan Aghayev" userId="da6ce445de4c2ee1" providerId="LiveId" clId="{5799D50A-D4BB-40C1-8A0D-C9E3F87D0362}" dt="2024-06-11T19:37:25.700" v="269"/>
+          <ac:picMkLst>
+            <pc:docMk/>
+            <pc:sldMk cId="1797672317" sldId="270"/>
+            <ac:picMk id="8" creationId="{7BBF0E86-5DD4-4CCB-26B4-A0EB3F396731}"/>
+          </ac:picMkLst>
+        </pc:picChg>
+        <pc:picChg chg="add del mod ord">
+          <ac:chgData name="Tarlan Aghayev" userId="da6ce445de4c2ee1" providerId="LiveId" clId="{5799D50A-D4BB-40C1-8A0D-C9E3F87D0362}" dt="2024-06-11T19:46:01.161" v="356" actId="478"/>
+          <ac:picMkLst>
+            <pc:docMk/>
+            <pc:sldMk cId="1797672317" sldId="270"/>
+            <ac:picMk id="10" creationId="{EB8434C4-3877-4C04-5EA7-62691AC39897}"/>
+          </ac:picMkLst>
+        </pc:picChg>
+        <pc:picChg chg="del">
+          <ac:chgData name="Tarlan Aghayev" userId="da6ce445de4c2ee1" providerId="LiveId" clId="{5799D50A-D4BB-40C1-8A0D-C9E3F87D0362}" dt="2024-06-11T19:40:34.402" v="287" actId="21"/>
+          <ac:picMkLst>
+            <pc:docMk/>
+            <pc:sldMk cId="1797672317" sldId="270"/>
+            <ac:picMk id="11" creationId="{D820945C-15D8-CBE2-0E27-70A6DBCFA7FC}"/>
+          </ac:picMkLst>
+        </pc:picChg>
+        <pc:picChg chg="add del mod">
+          <ac:chgData name="Tarlan Aghayev" userId="da6ce445de4c2ee1" providerId="LiveId" clId="{5799D50A-D4BB-40C1-8A0D-C9E3F87D0362}" dt="2024-06-11T19:42:12.375" v="290" actId="21"/>
+          <ac:picMkLst>
+            <pc:docMk/>
+            <pc:sldMk cId="1797672317" sldId="270"/>
+            <ac:picMk id="13" creationId="{A00D7593-3CAB-FC87-7B0D-322F689B3C60}"/>
+          </ac:picMkLst>
+        </pc:picChg>
+        <pc:picChg chg="del">
+          <ac:chgData name="Tarlan Aghayev" userId="da6ce445de4c2ee1" providerId="LiveId" clId="{5799D50A-D4BB-40C1-8A0D-C9E3F87D0362}" dt="2024-06-11T19:36:58.625" v="267" actId="478"/>
+          <ac:picMkLst>
+            <pc:docMk/>
+            <pc:sldMk cId="1797672317" sldId="270"/>
+            <ac:picMk id="15" creationId="{9D012541-AFD3-300C-2A05-C56228FE1894}"/>
+          </ac:picMkLst>
+        </pc:picChg>
+        <pc:picChg chg="mod">
+          <ac:chgData name="Tarlan Aghayev" userId="da6ce445de4c2ee1" providerId="LiveId" clId="{5799D50A-D4BB-40C1-8A0D-C9E3F87D0362}" dt="2024-06-11T19:39:32.707" v="276" actId="1076"/>
+          <ac:picMkLst>
+            <pc:docMk/>
+            <pc:sldMk cId="1797672317" sldId="270"/>
+            <ac:picMk id="17" creationId="{DBCE127D-5EFB-DAB0-0582-F48CBEF6EC97}"/>
+          </ac:picMkLst>
+        </pc:picChg>
+        <pc:picChg chg="mod">
+          <ac:chgData name="Tarlan Aghayev" userId="da6ce445de4c2ee1" providerId="LiveId" clId="{5799D50A-D4BB-40C1-8A0D-C9E3F87D0362}" dt="2024-06-11T19:39:52.343" v="279" actId="1076"/>
+          <ac:picMkLst>
+            <pc:docMk/>
+            <pc:sldMk cId="1797672317" sldId="270"/>
+            <ac:picMk id="19" creationId="{5F72707B-A9E8-5B86-4D06-EE1E2F5C7C53}"/>
+          </ac:picMkLst>
+        </pc:picChg>
+        <pc:picChg chg="add del mod ord">
+          <ac:chgData name="Tarlan Aghayev" userId="da6ce445de4c2ee1" providerId="LiveId" clId="{5799D50A-D4BB-40C1-8A0D-C9E3F87D0362}" dt="2024-06-11T19:44:56.546" v="353" actId="478"/>
+          <ac:picMkLst>
+            <pc:docMk/>
+            <pc:sldMk cId="1797672317" sldId="270"/>
+            <ac:picMk id="20" creationId="{6F0A65C9-2CCE-0C81-DFC3-899317ACF640}"/>
+          </ac:picMkLst>
+        </pc:picChg>
+        <pc:picChg chg="add mod">
+          <ac:chgData name="Tarlan Aghayev" userId="da6ce445de4c2ee1" providerId="LiveId" clId="{5799D50A-D4BB-40C1-8A0D-C9E3F87D0362}" dt="2024-06-11T19:45:05.675" v="355" actId="14100"/>
+          <ac:picMkLst>
+            <pc:docMk/>
+            <pc:sldMk cId="1797672317" sldId="270"/>
+            <ac:picMk id="23" creationId="{9C15159C-FFBF-4D25-7C14-BBFADB3994BC}"/>
+          </ac:picMkLst>
+        </pc:picChg>
+        <pc:picChg chg="add mod ord">
+          <ac:chgData name="Tarlan Aghayev" userId="da6ce445de4c2ee1" providerId="LiveId" clId="{5799D50A-D4BB-40C1-8A0D-C9E3F87D0362}" dt="2024-06-11T19:46:09.474" v="357" actId="22"/>
+          <ac:picMkLst>
+            <pc:docMk/>
+            <pc:sldMk cId="1797672317" sldId="270"/>
+            <ac:picMk id="27" creationId="{398CB51F-7191-55C0-DC52-DB24AFD1AD76}"/>
+          </ac:picMkLst>
+        </pc:picChg>
+      </pc:sldChg>
+      <pc:sldChg chg="addSp delSp modSp add mod">
+        <pc:chgData name="Tarlan Aghayev" userId="da6ce445de4c2ee1" providerId="LiveId" clId="{5799D50A-D4BB-40C1-8A0D-C9E3F87D0362}" dt="2024-06-11T19:47:33.606" v="361" actId="22"/>
+        <pc:sldMkLst>
+          <pc:docMk/>
+          <pc:sldMk cId="179855361" sldId="271"/>
+        </pc:sldMkLst>
+        <pc:spChg chg="add del mod">
+          <ac:chgData name="Tarlan Aghayev" userId="da6ce445de4c2ee1" providerId="LiveId" clId="{5799D50A-D4BB-40C1-8A0D-C9E3F87D0362}" dt="2024-06-11T19:47:33.606" v="361" actId="22"/>
+          <ac:spMkLst>
+            <pc:docMk/>
+            <pc:sldMk cId="179855361" sldId="271"/>
+            <ac:spMk id="6" creationId="{6A6CFE9F-437C-35D9-ACCF-5479F8A42BD1}"/>
+          </ac:spMkLst>
+        </pc:spChg>
+        <pc:spChg chg="add del mod">
+          <ac:chgData name="Tarlan Aghayev" userId="da6ce445de4c2ee1" providerId="LiveId" clId="{5799D50A-D4BB-40C1-8A0D-C9E3F87D0362}" dt="2024-06-11T19:46:49.011" v="358"/>
+          <ac:spMkLst>
+            <pc:docMk/>
+            <pc:sldMk cId="179855361" sldId="271"/>
+            <ac:spMk id="9" creationId="{48A89930-E156-1B87-AE63-D1FBD896AEB3}"/>
+          </ac:spMkLst>
+        </pc:spChg>
+        <pc:picChg chg="del">
+          <ac:chgData name="Tarlan Aghayev" userId="da6ce445de4c2ee1" providerId="LiveId" clId="{5799D50A-D4BB-40C1-8A0D-C9E3F87D0362}" dt="2024-06-11T19:43:41.424" v="348" actId="21"/>
+          <ac:picMkLst>
+            <pc:docMk/>
+            <pc:sldMk cId="179855361" sldId="271"/>
+            <ac:picMk id="10" creationId="{EB8434C4-3877-4C04-5EA7-62691AC39897}"/>
+          </ac:picMkLst>
+        </pc:picChg>
+        <pc:picChg chg="add mod">
+          <ac:chgData name="Tarlan Aghayev" userId="da6ce445de4c2ee1" providerId="LiveId" clId="{5799D50A-D4BB-40C1-8A0D-C9E3F87D0362}" dt="2024-06-11T19:46:58.447" v="360" actId="14100"/>
+          <ac:picMkLst>
+            <pc:docMk/>
+            <pc:sldMk cId="179855361" sldId="271"/>
+            <ac:picMk id="11" creationId="{FBCB9E5A-1555-121D-8C42-046A307E71C1}"/>
+          </ac:picMkLst>
+        </pc:picChg>
+        <pc:picChg chg="del mod">
+          <ac:chgData name="Tarlan Aghayev" userId="da6ce445de4c2ee1" providerId="LiveId" clId="{5799D50A-D4BB-40C1-8A0D-C9E3F87D0362}" dt="2024-06-11T19:44:05.349" v="352" actId="21"/>
+          <ac:picMkLst>
+            <pc:docMk/>
+            <pc:sldMk cId="179855361" sldId="271"/>
+            <ac:picMk id="13" creationId="{A00D7593-3CAB-FC87-7B0D-322F689B3C60}"/>
+          </ac:picMkLst>
+        </pc:picChg>
+        <pc:picChg chg="add mod ord">
+          <ac:chgData name="Tarlan Aghayev" userId="da6ce445de4c2ee1" providerId="LiveId" clId="{5799D50A-D4BB-40C1-8A0D-C9E3F87D0362}" dt="2024-06-11T19:47:33.606" v="361" actId="22"/>
+          <ac:picMkLst>
+            <pc:docMk/>
+            <pc:sldMk cId="179855361" sldId="271"/>
+            <ac:picMk id="14" creationId="{A2FE36BA-4A83-8675-8394-1E03AD2D16E3}"/>
+          </ac:picMkLst>
+        </pc:picChg>
+        <pc:picChg chg="del">
+          <ac:chgData name="Tarlan Aghayev" userId="da6ce445de4c2ee1" providerId="LiveId" clId="{5799D50A-D4BB-40C1-8A0D-C9E3F87D0362}" dt="2024-06-11T19:43:44.331" v="349" actId="21"/>
+          <ac:picMkLst>
+            <pc:docMk/>
+            <pc:sldMk cId="179855361" sldId="271"/>
+            <ac:picMk id="20" creationId="{6F0A65C9-2CCE-0C81-DFC3-899317ACF640}"/>
+          </ac:picMkLst>
+        </pc:picChg>
+      </pc:sldChg>
+      <pc:sldChg chg="addSp delSp modSp add mod">
+        <pc:chgData name="Tarlan Aghayev" userId="da6ce445de4c2ee1" providerId="LiveId" clId="{5799D50A-D4BB-40C1-8A0D-C9E3F87D0362}" dt="2024-06-11T19:57:53.820" v="375" actId="14100"/>
+        <pc:sldMkLst>
+          <pc:docMk/>
+          <pc:sldMk cId="3069651221" sldId="272"/>
+        </pc:sldMkLst>
+        <pc:spChg chg="add del mod">
+          <ac:chgData name="Tarlan Aghayev" userId="da6ce445de4c2ee1" providerId="LiveId" clId="{5799D50A-D4BB-40C1-8A0D-C9E3F87D0362}" dt="2024-06-11T19:57:11.269" v="370" actId="22"/>
+          <ac:spMkLst>
+            <pc:docMk/>
+            <pc:sldMk cId="3069651221" sldId="272"/>
+            <ac:spMk id="6" creationId="{0FE8C642-0EED-33AB-9FCF-F72B50146E52}"/>
+          </ac:spMkLst>
+        </pc:spChg>
+        <pc:spChg chg="add del mod">
+          <ac:chgData name="Tarlan Aghayev" userId="da6ce445de4c2ee1" providerId="LiveId" clId="{5799D50A-D4BB-40C1-8A0D-C9E3F87D0362}" dt="2024-06-11T19:56:02.462" v="367"/>
+          <ac:spMkLst>
+            <pc:docMk/>
+            <pc:sldMk cId="3069651221" sldId="272"/>
+            <ac:spMk id="9" creationId="{F835B8E3-23DE-8517-487A-3E5F5633E809}"/>
+          </ac:spMkLst>
+        </pc:spChg>
+        <pc:spChg chg="add del mod">
+          <ac:chgData name="Tarlan Aghayev" userId="da6ce445de4c2ee1" providerId="LiveId" clId="{5799D50A-D4BB-40C1-8A0D-C9E3F87D0362}" dt="2024-06-11T19:57:41.048" v="372"/>
+          <ac:spMkLst>
+            <pc:docMk/>
+            <pc:sldMk cId="3069651221" sldId="272"/>
+            <ac:spMk id="18" creationId="{A3B944AA-FA67-E2F3-6A9A-F8C89C727A62}"/>
+          </ac:spMkLst>
+        </pc:spChg>
+        <pc:picChg chg="add mod">
+          <ac:chgData name="Tarlan Aghayev" userId="da6ce445de4c2ee1" providerId="LiveId" clId="{5799D50A-D4BB-40C1-8A0D-C9E3F87D0362}" dt="2024-06-11T19:55:46.095" v="366"/>
+          <ac:picMkLst>
+            <pc:docMk/>
+            <pc:sldMk cId="3069651221" sldId="272"/>
+            <ac:picMk id="10" creationId="{668C4164-20C3-2A81-0C9E-1E3E436C4664}"/>
+          </ac:picMkLst>
+        </pc:picChg>
+        <pc:picChg chg="del">
+          <ac:chgData name="Tarlan Aghayev" userId="da6ce445de4c2ee1" providerId="LiveId" clId="{5799D50A-D4BB-40C1-8A0D-C9E3F87D0362}" dt="2024-06-11T19:55:40.648" v="364" actId="21"/>
+          <ac:picMkLst>
+            <pc:docMk/>
+            <pc:sldMk cId="3069651221" sldId="272"/>
+            <ac:picMk id="11" creationId="{FBCB9E5A-1555-121D-8C42-046A307E71C1}"/>
+          </ac:picMkLst>
+        </pc:picChg>
+        <pc:picChg chg="add del mod">
+          <ac:chgData name="Tarlan Aghayev" userId="da6ce445de4c2ee1" providerId="LiveId" clId="{5799D50A-D4BB-40C1-8A0D-C9E3F87D0362}" dt="2024-06-11T19:57:14.734" v="371" actId="478"/>
+          <ac:picMkLst>
+            <pc:docMk/>
+            <pc:sldMk cId="3069651221" sldId="272"/>
+            <ac:picMk id="12" creationId="{D82B2623-4788-22B2-B4B5-74848E1E9913}"/>
+          </ac:picMkLst>
+        </pc:picChg>
+        <pc:picChg chg="del">
+          <ac:chgData name="Tarlan Aghayev" userId="da6ce445de4c2ee1" providerId="LiveId" clId="{5799D50A-D4BB-40C1-8A0D-C9E3F87D0362}" dt="2024-06-11T19:55:37.431" v="363" actId="21"/>
+          <ac:picMkLst>
+            <pc:docMk/>
+            <pc:sldMk cId="3069651221" sldId="272"/>
+            <ac:picMk id="14" creationId="{A2FE36BA-4A83-8675-8394-1E03AD2D16E3}"/>
+          </ac:picMkLst>
+        </pc:picChg>
+        <pc:picChg chg="add mod ord">
+          <ac:chgData name="Tarlan Aghayev" userId="da6ce445de4c2ee1" providerId="LiveId" clId="{5799D50A-D4BB-40C1-8A0D-C9E3F87D0362}" dt="2024-06-11T19:57:50.669" v="374" actId="14100"/>
+          <ac:picMkLst>
+            <pc:docMk/>
+            <pc:sldMk cId="3069651221" sldId="272"/>
+            <ac:picMk id="15" creationId="{12E05FE3-F8C8-72D9-0ED8-758FDE841F32}"/>
+          </ac:picMkLst>
+        </pc:picChg>
+        <pc:picChg chg="add mod">
+          <ac:chgData name="Tarlan Aghayev" userId="da6ce445de4c2ee1" providerId="LiveId" clId="{5799D50A-D4BB-40C1-8A0D-C9E3F87D0362}" dt="2024-06-11T19:57:53.820" v="375" actId="14100"/>
+          <ac:picMkLst>
+            <pc:docMk/>
+            <pc:sldMk cId="3069651221" sldId="272"/>
+            <ac:picMk id="20" creationId="{83FE4BD1-9C08-E300-7215-752E9F4F377C}"/>
+          </ac:picMkLst>
+        </pc:picChg>
+      </pc:sldChg>
+      <pc:sldChg chg="addSp delSp modSp add mod">
+        <pc:chgData name="Tarlan Aghayev" userId="da6ce445de4c2ee1" providerId="LiveId" clId="{5799D50A-D4BB-40C1-8A0D-C9E3F87D0362}" dt="2024-06-11T20:03:10.769" v="447" actId="14100"/>
+        <pc:sldMkLst>
+          <pc:docMk/>
+          <pc:sldMk cId="1472838854" sldId="273"/>
+        </pc:sldMkLst>
+        <pc:spChg chg="add del mod">
+          <ac:chgData name="Tarlan Aghayev" userId="da6ce445de4c2ee1" providerId="LiveId" clId="{5799D50A-D4BB-40C1-8A0D-C9E3F87D0362}" dt="2024-06-11T20:02:17.552" v="442"/>
+          <ac:spMkLst>
+            <pc:docMk/>
+            <pc:sldMk cId="1472838854" sldId="273"/>
+            <ac:spMk id="6" creationId="{62FB76CB-8B9A-2B96-4818-1F41A6872B31}"/>
+          </ac:spMkLst>
+        </pc:spChg>
+        <pc:spChg chg="add del mod">
+          <ac:chgData name="Tarlan Aghayev" userId="da6ce445de4c2ee1" providerId="LiveId" clId="{5799D50A-D4BB-40C1-8A0D-C9E3F87D0362}" dt="2024-06-11T20:03:07.427" v="446" actId="22"/>
+          <ac:spMkLst>
+            <pc:docMk/>
+            <pc:sldMk cId="1472838854" sldId="273"/>
+            <ac:spMk id="10" creationId="{E35B351B-91B3-68A2-AD1D-53D9E1067E7B}"/>
+          </ac:spMkLst>
+        </pc:spChg>
+        <pc:picChg chg="add mod">
+          <ac:chgData name="Tarlan Aghayev" userId="da6ce445de4c2ee1" providerId="LiveId" clId="{5799D50A-D4BB-40C1-8A0D-C9E3F87D0362}" dt="2024-06-11T20:02:23.821" v="444" actId="14100"/>
+          <ac:picMkLst>
+            <pc:docMk/>
+            <pc:sldMk cId="1472838854" sldId="273"/>
+            <ac:picMk id="8" creationId="{7E5946C5-2475-483E-9E6C-8A182D14E32F}"/>
+          </ac:picMkLst>
+        </pc:picChg>
+        <pc:picChg chg="add mod ord">
+          <ac:chgData name="Tarlan Aghayev" userId="da6ce445de4c2ee1" providerId="LiveId" clId="{5799D50A-D4BB-40C1-8A0D-C9E3F87D0362}" dt="2024-06-11T20:03:10.769" v="447" actId="14100"/>
+          <ac:picMkLst>
+            <pc:docMk/>
+            <pc:sldMk cId="1472838854" sldId="273"/>
+            <ac:picMk id="12" creationId="{583D0A3F-0746-4755-861C-5A920AE685C3}"/>
+          </ac:picMkLst>
+        </pc:picChg>
+        <pc:picChg chg="del">
+          <ac:chgData name="Tarlan Aghayev" userId="da6ce445de4c2ee1" providerId="LiveId" clId="{5799D50A-D4BB-40C1-8A0D-C9E3F87D0362}" dt="2024-06-11T20:03:03.615" v="445" actId="478"/>
+          <ac:picMkLst>
+            <pc:docMk/>
+            <pc:sldMk cId="1472838854" sldId="273"/>
+            <ac:picMk id="15" creationId="{12E05FE3-F8C8-72D9-0ED8-758FDE841F32}"/>
+          </ac:picMkLst>
+        </pc:picChg>
+        <pc:picChg chg="del">
+          <ac:chgData name="Tarlan Aghayev" userId="da6ce445de4c2ee1" providerId="LiveId" clId="{5799D50A-D4BB-40C1-8A0D-C9E3F87D0362}" dt="2024-06-11T20:02:13.057" v="441" actId="478"/>
+          <ac:picMkLst>
+            <pc:docMk/>
+            <pc:sldMk cId="1472838854" sldId="273"/>
+            <ac:picMk id="20" creationId="{83FE4BD1-9C08-E300-7215-752E9F4F377C}"/>
+          </ac:picMkLst>
+        </pc:picChg>
+      </pc:sldChg>
+      <pc:sldChg chg="addSp delSp modSp add mod">
+        <pc:chgData name="Tarlan Aghayev" userId="da6ce445de4c2ee1" providerId="LiveId" clId="{5799D50A-D4BB-40C1-8A0D-C9E3F87D0362}" dt="2024-06-11T20:18:40.613" v="592" actId="20577"/>
+        <pc:sldMkLst>
+          <pc:docMk/>
+          <pc:sldMk cId="4023887771" sldId="274"/>
+        </pc:sldMkLst>
+        <pc:spChg chg="mod">
+          <ac:chgData name="Tarlan Aghayev" userId="da6ce445de4c2ee1" providerId="LiveId" clId="{5799D50A-D4BB-40C1-8A0D-C9E3F87D0362}" dt="2024-06-11T20:18:40.613" v="592" actId="20577"/>
+          <ac:spMkLst>
+            <pc:docMk/>
+            <pc:sldMk cId="4023887771" sldId="274"/>
+            <ac:spMk id="2" creationId="{32C432B7-0A6C-2C12-77FA-7B714600B30E}"/>
+          </ac:spMkLst>
+        </pc:spChg>
+        <pc:spChg chg="add del mod">
+          <ac:chgData name="Tarlan Aghayev" userId="da6ce445de4c2ee1" providerId="LiveId" clId="{5799D50A-D4BB-40C1-8A0D-C9E3F87D0362}" dt="2024-06-11T20:04:34.177" v="450"/>
+          <ac:spMkLst>
+            <pc:docMk/>
+            <pc:sldMk cId="4023887771" sldId="274"/>
+            <ac:spMk id="6" creationId="{D9FF6591-0DC4-9F72-1469-108309FD9D42}"/>
+          </ac:spMkLst>
+        </pc:spChg>
+        <pc:spChg chg="add del mod">
+          <ac:chgData name="Tarlan Aghayev" userId="da6ce445de4c2ee1" providerId="LiveId" clId="{5799D50A-D4BB-40C1-8A0D-C9E3F87D0362}" dt="2024-06-11T20:14:55.989" v="539" actId="22"/>
+          <ac:spMkLst>
+            <pc:docMk/>
+            <pc:sldMk cId="4023887771" sldId="274"/>
+            <ac:spMk id="11" creationId="{3B4B5B42-1977-A9CF-79B6-D5515D9BE7BE}"/>
+          </ac:spMkLst>
+        </pc:spChg>
+        <pc:spChg chg="add del mod">
+          <ac:chgData name="Tarlan Aghayev" userId="da6ce445de4c2ee1" providerId="LiveId" clId="{5799D50A-D4BB-40C1-8A0D-C9E3F87D0362}" dt="2024-06-11T20:16:15.428" v="545" actId="22"/>
+          <ac:spMkLst>
+            <pc:docMk/>
+            <pc:sldMk cId="4023887771" sldId="274"/>
+            <ac:spMk id="20" creationId="{0BBF8511-EA12-F13B-4205-BB047A9DCC9D}"/>
+          </ac:spMkLst>
+        </pc:spChg>
+        <pc:picChg chg="del">
+          <ac:chgData name="Tarlan Aghayev" userId="da6ce445de4c2ee1" providerId="LiveId" clId="{5799D50A-D4BB-40C1-8A0D-C9E3F87D0362}" dt="2024-06-11T20:04:31.410" v="449" actId="478"/>
+          <ac:picMkLst>
+            <pc:docMk/>
+            <pc:sldMk cId="4023887771" sldId="274"/>
+            <ac:picMk id="8" creationId="{7E5946C5-2475-483E-9E6C-8A182D14E32F}"/>
+          </ac:picMkLst>
+        </pc:picChg>
+        <pc:picChg chg="add del mod">
+          <ac:chgData name="Tarlan Aghayev" userId="da6ce445de4c2ee1" providerId="LiveId" clId="{5799D50A-D4BB-40C1-8A0D-C9E3F87D0362}" dt="2024-06-11T20:14:53.187" v="538" actId="478"/>
+          <ac:picMkLst>
+            <pc:docMk/>
+            <pc:sldMk cId="4023887771" sldId="274"/>
+            <ac:picMk id="9" creationId="{CAEA92B0-6795-0A08-7122-EA4032178B72}"/>
+          </ac:picMkLst>
+        </pc:picChg>
+        <pc:picChg chg="del">
+          <ac:chgData name="Tarlan Aghayev" userId="da6ce445de4c2ee1" providerId="LiveId" clId="{5799D50A-D4BB-40C1-8A0D-C9E3F87D0362}" dt="2024-06-11T20:16:08.144" v="543" actId="478"/>
+          <ac:picMkLst>
+            <pc:docMk/>
+            <pc:sldMk cId="4023887771" sldId="274"/>
+            <ac:picMk id="12" creationId="{583D0A3F-0746-4755-861C-5A920AE685C3}"/>
+          </ac:picMkLst>
+        </pc:picChg>
+        <pc:picChg chg="add mod ord">
+          <ac:chgData name="Tarlan Aghayev" userId="da6ce445de4c2ee1" providerId="LiveId" clId="{5799D50A-D4BB-40C1-8A0D-C9E3F87D0362}" dt="2024-06-11T20:15:04.098" v="541" actId="14100"/>
+          <ac:picMkLst>
+            <pc:docMk/>
+            <pc:sldMk cId="4023887771" sldId="274"/>
+            <ac:picMk id="14" creationId="{8C928C7D-B1DB-8169-1ED3-062E9946ACB7}"/>
+          </ac:picMkLst>
+        </pc:picChg>
+        <pc:picChg chg="add del">
+          <ac:chgData name="Tarlan Aghayev" userId="da6ce445de4c2ee1" providerId="LiveId" clId="{5799D50A-D4BB-40C1-8A0D-C9E3F87D0362}" dt="2024-06-11T20:16:12.449" v="544" actId="478"/>
+          <ac:picMkLst>
+            <pc:docMk/>
+            <pc:sldMk cId="4023887771" sldId="274"/>
+            <ac:picMk id="16" creationId="{CEEAE82C-C0D6-298E-1F21-6C8DF4651A6C}"/>
+          </ac:picMkLst>
+        </pc:picChg>
+        <pc:picChg chg="add mod ord">
+          <ac:chgData name="Tarlan Aghayev" userId="da6ce445de4c2ee1" providerId="LiveId" clId="{5799D50A-D4BB-40C1-8A0D-C9E3F87D0362}" dt="2024-06-11T20:16:35.067" v="549" actId="14100"/>
+          <ac:picMkLst>
+            <pc:docMk/>
+            <pc:sldMk cId="4023887771" sldId="274"/>
+            <ac:picMk id="22" creationId="{36A21966-8FA0-6F87-E2F5-F0C34B01F9F7}"/>
+          </ac:picMkLst>
+        </pc:picChg>
+      </pc:sldChg>
+    </pc:docChg>
+  </pc:docChgLst>
+</pc:chgInfo>
+</file>
+
 <file path=ppt/slideLayouts/slideLayout1.xml><?xml version="1.0" encoding="utf-8"?>
 <p:sldLayout xmlns:a="http://schemas.openxmlformats.org/drawingml/2006/main" xmlns:r="http://schemas.openxmlformats.org/officeDocument/2006/relationships" xmlns:p="http://schemas.openxmlformats.org/presentationml/2006/main" type="title" preserve="1">
   <p:cSld name="Title Slide">
@@ -267,7 +919,7 @@
           <a:p>
             <a:fld id="{8FE51000-7EF1-AF44-AAD8-9F8A57785F9C}" type="datetimeFigureOut">
               <a:rPr lang="en-PL" smtClean="0"/>
-              <a:t>11/06/2024</a:t>
+              <a:t>06/11/2024</a:t>
             </a:fld>
             <a:endParaRPr lang="en-PL"/>
           </a:p>
@@ -467,7 +1119,7 @@
           <a:p>
             <a:fld id="{8FE51000-7EF1-AF44-AAD8-9F8A57785F9C}" type="datetimeFigureOut">
               <a:rPr lang="en-PL" smtClean="0"/>
-              <a:t>11/06/2024</a:t>
+              <a:t>06/11/2024</a:t>
             </a:fld>
             <a:endParaRPr lang="en-PL"/>
           </a:p>
@@ -677,7 +1329,7 @@
           <a:p>
             <a:fld id="{8FE51000-7EF1-AF44-AAD8-9F8A57785F9C}" type="datetimeFigureOut">
               <a:rPr lang="en-PL" smtClean="0"/>
-              <a:t>11/06/2024</a:t>
+              <a:t>06/11/2024</a:t>
             </a:fld>
             <a:endParaRPr lang="en-PL"/>
           </a:p>
@@ -877,7 +1529,7 @@
           <a:p>
             <a:fld id="{8FE51000-7EF1-AF44-AAD8-9F8A57785F9C}" type="datetimeFigureOut">
               <a:rPr lang="en-PL" smtClean="0"/>
-              <a:t>11/06/2024</a:t>
+              <a:t>06/11/2024</a:t>
             </a:fld>
             <a:endParaRPr lang="en-PL"/>
           </a:p>
@@ -1153,7 +1805,7 @@
           <a:p>
             <a:fld id="{8FE51000-7EF1-AF44-AAD8-9F8A57785F9C}" type="datetimeFigureOut">
               <a:rPr lang="en-PL" smtClean="0"/>
-              <a:t>11/06/2024</a:t>
+              <a:t>06/11/2024</a:t>
             </a:fld>
             <a:endParaRPr lang="en-PL"/>
           </a:p>
@@ -1421,7 +2073,7 @@
           <a:p>
             <a:fld id="{8FE51000-7EF1-AF44-AAD8-9F8A57785F9C}" type="datetimeFigureOut">
               <a:rPr lang="en-PL" smtClean="0"/>
-              <a:t>11/06/2024</a:t>
+              <a:t>06/11/2024</a:t>
             </a:fld>
             <a:endParaRPr lang="en-PL"/>
           </a:p>
@@ -1836,7 +2488,7 @@
           <a:p>
             <a:fld id="{8FE51000-7EF1-AF44-AAD8-9F8A57785F9C}" type="datetimeFigureOut">
               <a:rPr lang="en-PL" smtClean="0"/>
-              <a:t>11/06/2024</a:t>
+              <a:t>06/11/2024</a:t>
             </a:fld>
             <a:endParaRPr lang="en-PL"/>
           </a:p>
@@ -1978,7 +2630,7 @@
           <a:p>
             <a:fld id="{8FE51000-7EF1-AF44-AAD8-9F8A57785F9C}" type="datetimeFigureOut">
               <a:rPr lang="en-PL" smtClean="0"/>
-              <a:t>11/06/2024</a:t>
+              <a:t>06/11/2024</a:t>
             </a:fld>
             <a:endParaRPr lang="en-PL"/>
           </a:p>
@@ -2091,7 +2743,7 @@
           <a:p>
             <a:fld id="{8FE51000-7EF1-AF44-AAD8-9F8A57785F9C}" type="datetimeFigureOut">
               <a:rPr lang="en-PL" smtClean="0"/>
-              <a:t>11/06/2024</a:t>
+              <a:t>06/11/2024</a:t>
             </a:fld>
             <a:endParaRPr lang="en-PL"/>
           </a:p>
@@ -2404,7 +3056,7 @@
           <a:p>
             <a:fld id="{8FE51000-7EF1-AF44-AAD8-9F8A57785F9C}" type="datetimeFigureOut">
               <a:rPr lang="en-PL" smtClean="0"/>
-              <a:t>11/06/2024</a:t>
+              <a:t>06/11/2024</a:t>
             </a:fld>
             <a:endParaRPr lang="en-PL"/>
           </a:p>
@@ -2693,7 +3345,7 @@
           <a:p>
             <a:fld id="{8FE51000-7EF1-AF44-AAD8-9F8A57785F9C}" type="datetimeFigureOut">
               <a:rPr lang="en-PL" smtClean="0"/>
-              <a:t>11/06/2024</a:t>
+              <a:t>06/11/2024</a:t>
             </a:fld>
             <a:endParaRPr lang="en-PL"/>
           </a:p>
@@ -2936,7 +3588,7 @@
           <a:p>
             <a:fld id="{8FE51000-7EF1-AF44-AAD8-9F8A57785F9C}" type="datetimeFigureOut">
               <a:rPr lang="en-PL" smtClean="0"/>
-              <a:t>11/06/2024</a:t>
+              <a:t>06/11/2024</a:t>
             </a:fld>
             <a:endParaRPr lang="en-PL"/>
           </a:p>
@@ -3441,7 +4093,7 @@
 </p:sld>
 </file>
 
-<file path=ppt/slides/slide2.xml><?xml version="1.0" encoding="utf-8"?>
+<file path=ppt/slides/slide10.xml><?xml version="1.0" encoding="utf-8"?>
 <p:sld xmlns:a="http://schemas.openxmlformats.org/drawingml/2006/main" xmlns:r="http://schemas.openxmlformats.org/officeDocument/2006/relationships" xmlns:p="http://schemas.openxmlformats.org/presentationml/2006/main">
   <p:cSld>
     <p:bg>
@@ -3537,8 +4189,37 @@
           <a:bodyPr rtlCol="0" anchor="ctr"/>
           <a:lstStyle/>
           <a:p>
-            <a:pPr algn="ctr"/>
-            <a:endParaRPr lang="en-US"/>
+            <a:pPr marL="0" marR="0" lvl="0" indent="0" algn="ctr" defTabSz="914400" rtl="0" eaLnBrk="1" fontAlgn="auto" latinLnBrk="0" hangingPunct="1">
+              <a:lnSpc>
+                <a:spcPct val="100000"/>
+              </a:lnSpc>
+              <a:spcBef>
+                <a:spcPts val="0"/>
+              </a:spcBef>
+              <a:spcAft>
+                <a:spcPts val="0"/>
+              </a:spcAft>
+              <a:buClrTx/>
+              <a:buSzTx/>
+              <a:buFontTx/>
+              <a:buNone/>
+              <a:tabLst/>
+              <a:defRPr/>
+            </a:pPr>
+            <a:endParaRPr kumimoji="0" lang="en-US" sz="1800" b="0" i="0" u="none" strike="noStrike" kern="1200" cap="none" spc="0" normalizeH="0" baseline="0" noProof="0">
+              <a:ln>
+                <a:noFill/>
+              </a:ln>
+              <a:solidFill>
+                <a:prstClr val="white"/>
+              </a:solidFill>
+              <a:effectLst/>
+              <a:uLnTx/>
+              <a:uFillTx/>
+              <a:latin typeface="Aptos" panose="02110004020202020204"/>
+              <a:ea typeface="+mn-ea"/>
+              <a:cs typeface="+mn-cs"/>
+            </a:endParaRPr>
           </a:p>
         </p:txBody>
       </p:sp>
@@ -3561,7 +4242,7 @@
         <p:spPr>
           <a:xfrm>
             <a:off x="1136397" y="502020"/>
-            <a:ext cx="5323715" cy="1642970"/>
+            <a:ext cx="5323715" cy="1150934"/>
           </a:xfrm>
         </p:spPr>
         <p:txBody>
@@ -3571,15 +4252,19 @@
           <a:lstStyle/>
           <a:p>
             <a:r>
-              <a:rPr lang="en-US" sz="4000" kern="1200" dirty="0">
-                <a:solidFill>
-                  <a:schemeClr val="tx1"/>
-                </a:solidFill>
+              <a:rPr lang="en-PL" sz="4000" dirty="0">
                 <a:latin typeface="Arial" panose="020B0604020202020204" pitchFamily="34" charset="0"/>
                 <a:cs typeface="Arial" panose="020B0604020202020204" pitchFamily="34" charset="0"/>
               </a:rPr>
-              <a:t>Reference project</a:t>
+              <a:t>Project improvements</a:t>
             </a:r>
+            <a:endParaRPr lang="en-US" sz="4000" kern="1200" dirty="0">
+              <a:solidFill>
+                <a:schemeClr val="tx1"/>
+              </a:solidFill>
+              <a:latin typeface="Arial" panose="020B0604020202020204" pitchFamily="34" charset="0"/>
+              <a:cs typeface="Arial" panose="020B0604020202020204" pitchFamily="34" charset="0"/>
+            </a:endParaRPr>
           </a:p>
         </p:txBody>
       </p:sp>
@@ -3599,8 +4284,8 @@
         </p:nvSpPr>
         <p:spPr>
           <a:xfrm>
-            <a:off x="1144923" y="2405894"/>
-            <a:ext cx="5315189" cy="3535083"/>
+            <a:off x="1144923" y="2154974"/>
+            <a:ext cx="6521210" cy="4201006"/>
           </a:xfrm>
           <a:prstGeom prst="rect">
             <a:avLst/>
@@ -3608,7 +4293,7 @@
         </p:spPr>
         <p:txBody>
           <a:bodyPr vert="horz" lIns="91440" tIns="45720" rIns="91440" bIns="45720" rtlCol="0" anchor="t">
-            <a:normAutofit fontScale="92500" lnSpcReduction="10000"/>
+            <a:normAutofit lnSpcReduction="10000"/>
           </a:bodyPr>
           <a:lstStyle>
             <a:lvl1pPr marL="228600" indent="-228600" algn="l" defTabSz="914400" rtl="0" eaLnBrk="1" latinLnBrk="0" hangingPunct="1">
@@ -3775,58 +4460,84 @@
             </a:lvl9pPr>
           </a:lstStyle>
           <a:p>
-            <a:pPr marL="0"/>
             <a:r>
-              <a:rPr lang="en-US" dirty="0">
+              <a:rPr lang="en-GB" dirty="0">
                 <a:latin typeface="Arial" panose="020B0604020202020204" pitchFamily="34" charset="0"/>
                 <a:cs typeface="Arial" panose="020B0604020202020204" pitchFamily="34" charset="0"/>
               </a:rPr>
-              <a:t>Project was selected from </a:t>
+              <a:t>Transformed project from Python to R</a:t>
             </a:r>
+          </a:p>
+          <a:p>
             <a:r>
-              <a:rPr lang="en-US" dirty="0" err="1">
+              <a:rPr lang="en-PL" dirty="0">
                 <a:latin typeface="Arial" panose="020B0604020202020204" pitchFamily="34" charset="0"/>
                 <a:cs typeface="Arial" panose="020B0604020202020204" pitchFamily="34" charset="0"/>
               </a:rPr>
-              <a:t>kaggle.com</a:t>
+              <a:t>Trained model on complete dataset instead of 5%</a:t>
             </a:r>
+            <a:endParaRPr lang="en-GB" dirty="0">
+              <a:latin typeface="Arial" panose="020B0604020202020204" pitchFamily="34" charset="0"/>
+              <a:cs typeface="Arial" panose="020B0604020202020204" pitchFamily="34" charset="0"/>
+            </a:endParaRPr>
+          </a:p>
+          <a:p>
             <a:r>
-              <a:rPr lang="en-US" dirty="0">
+              <a:rPr lang="en-GB" dirty="0">
                 <a:latin typeface="Arial" panose="020B0604020202020204" pitchFamily="34" charset="0"/>
                 <a:cs typeface="Arial" panose="020B0604020202020204" pitchFamily="34" charset="0"/>
               </a:rPr>
-              <a:t> and presented usage of Decision Tree machine learning model on dataset available on </a:t>
+              <a:t>Additional Exploratory Analysis</a:t>
             </a:r>
+            <a:endParaRPr lang="en-PL" dirty="0">
+              <a:latin typeface="Arial" panose="020B0604020202020204" pitchFamily="34" charset="0"/>
+              <a:cs typeface="Arial" panose="020B0604020202020204" pitchFamily="34" charset="0"/>
+            </a:endParaRPr>
+          </a:p>
+          <a:p>
             <a:r>
-              <a:rPr lang="en-US" dirty="0" err="1">
+              <a:rPr lang="en-PL" dirty="0">
                 <a:latin typeface="Arial" panose="020B0604020202020204" pitchFamily="34" charset="0"/>
                 <a:cs typeface="Arial" panose="020B0604020202020204" pitchFamily="34" charset="0"/>
               </a:rPr>
-              <a:t>kaggle.com</a:t>
+              <a:t>Fixed the error of balancing </a:t>
             </a:r>
             <a:r>
-              <a:rPr lang="en-US" dirty="0">
+              <a:rPr lang="en-GB" dirty="0">
                 <a:latin typeface="Arial" panose="020B0604020202020204" pitchFamily="34" charset="0"/>
                 <a:cs typeface="Arial" panose="020B0604020202020204" pitchFamily="34" charset="0"/>
               </a:rPr>
-              <a:t>.</a:t>
+              <a:t>the </a:t>
             </a:r>
-          </a:p>
-          <a:p>
-            <a:pPr marL="0"/>
-            <a:endParaRPr lang="en-US" dirty="0">
-              <a:latin typeface="Arial" panose="020B0604020202020204" pitchFamily="34" charset="0"/>
-              <a:cs typeface="Arial" panose="020B0604020202020204" pitchFamily="34" charset="0"/>
-            </a:endParaRPr>
-          </a:p>
-          <a:p>
-            <a:pPr marL="0"/>
             <a:r>
-              <a:rPr lang="en-US" dirty="0">
+              <a:rPr lang="en-PL" dirty="0">
                 <a:latin typeface="Arial" panose="020B0604020202020204" pitchFamily="34" charset="0"/>
                 <a:cs typeface="Arial" panose="020B0604020202020204" pitchFamily="34" charset="0"/>
               </a:rPr>
-              <a:t>Dataset was taken from UCI website and represented only selected number of observations – around 5k out of 45k.</a:t>
+              <a:t>test dataset. Now only train data is balanced, </a:t>
+            </a:r>
+            <a:r>
+              <a:rPr lang="en-GB" dirty="0">
+                <a:latin typeface="Arial" panose="020B0604020202020204" pitchFamily="34" charset="0"/>
+                <a:cs typeface="Arial" panose="020B0604020202020204" pitchFamily="34" charset="0"/>
+              </a:rPr>
+              <a:t>and </a:t>
+            </a:r>
+            <a:r>
+              <a:rPr lang="en-PL" dirty="0">
+                <a:latin typeface="Arial" panose="020B0604020202020204" pitchFamily="34" charset="0"/>
+                <a:cs typeface="Arial" panose="020B0604020202020204" pitchFamily="34" charset="0"/>
+              </a:rPr>
+              <a:t>test data follows the distribution of the original dataset.</a:t>
+            </a:r>
+          </a:p>
+          <a:p>
+            <a:r>
+              <a:rPr lang="en-PL" dirty="0">
+                <a:latin typeface="Arial" panose="020B0604020202020204" pitchFamily="34" charset="0"/>
+                <a:cs typeface="Arial" panose="020B0604020202020204" pitchFamily="34" charset="0"/>
+              </a:rPr>
+              <a:t>Implemented Gradient Boosting machine learning model</a:t>
             </a:r>
           </a:p>
         </p:txBody>
@@ -3899,8 +4610,37 @@
           <a:bodyPr rtlCol="0" anchor="ctr"/>
           <a:lstStyle/>
           <a:p>
-            <a:pPr algn="ctr"/>
-            <a:endParaRPr lang="en-US"/>
+            <a:pPr marL="0" marR="0" lvl="0" indent="0" algn="ctr" defTabSz="914400" rtl="0" eaLnBrk="1" fontAlgn="auto" latinLnBrk="0" hangingPunct="1">
+              <a:lnSpc>
+                <a:spcPct val="100000"/>
+              </a:lnSpc>
+              <a:spcBef>
+                <a:spcPts val="0"/>
+              </a:spcBef>
+              <a:spcAft>
+                <a:spcPts val="0"/>
+              </a:spcAft>
+              <a:buClrTx/>
+              <a:buSzTx/>
+              <a:buFontTx/>
+              <a:buNone/>
+              <a:tabLst/>
+              <a:defRPr/>
+            </a:pPr>
+            <a:endParaRPr kumimoji="0" lang="en-US" sz="1800" b="0" i="0" u="none" strike="noStrike" kern="1200" cap="none" spc="0" normalizeH="0" baseline="0" noProof="0">
+              <a:ln>
+                <a:noFill/>
+              </a:ln>
+              <a:solidFill>
+                <a:prstClr val="white"/>
+              </a:solidFill>
+              <a:effectLst/>
+              <a:uLnTx/>
+              <a:uFillTx/>
+              <a:latin typeface="Aptos" panose="02110004020202020204"/>
+              <a:ea typeface="+mn-ea"/>
+              <a:cs typeface="+mn-cs"/>
+            </a:endParaRPr>
           </a:p>
         </p:txBody>
       </p:sp>
@@ -3976,8 +4716,37 @@
           <a:bodyPr rtlCol="0" anchor="ctr"/>
           <a:lstStyle/>
           <a:p>
-            <a:pPr algn="ctr"/>
-            <a:endParaRPr lang="en-US" dirty="0"/>
+            <a:pPr marL="0" marR="0" lvl="0" indent="0" algn="ctr" defTabSz="914400" rtl="0" eaLnBrk="1" fontAlgn="auto" latinLnBrk="0" hangingPunct="1">
+              <a:lnSpc>
+                <a:spcPct val="100000"/>
+              </a:lnSpc>
+              <a:spcBef>
+                <a:spcPts val="0"/>
+              </a:spcBef>
+              <a:spcAft>
+                <a:spcPts val="0"/>
+              </a:spcAft>
+              <a:buClrTx/>
+              <a:buSzTx/>
+              <a:buFontTx/>
+              <a:buNone/>
+              <a:tabLst/>
+              <a:defRPr/>
+            </a:pPr>
+            <a:endParaRPr kumimoji="0" lang="en-US" sz="1800" b="0" i="0" u="none" strike="noStrike" kern="1200" cap="none" spc="0" normalizeH="0" baseline="0" noProof="0" dirty="0">
+              <a:ln>
+                <a:noFill/>
+              </a:ln>
+              <a:solidFill>
+                <a:prstClr val="white"/>
+              </a:solidFill>
+              <a:effectLst/>
+              <a:uLnTx/>
+              <a:uFillTx/>
+              <a:latin typeface="Aptos" panose="02110004020202020204"/>
+              <a:ea typeface="+mn-ea"/>
+              <a:cs typeface="+mn-cs"/>
+            </a:endParaRPr>
           </a:p>
         </p:txBody>
       </p:sp>
@@ -4051,8 +4820,37 @@
           <a:bodyPr rtlCol="0" anchor="ctr"/>
           <a:lstStyle/>
           <a:p>
-            <a:pPr algn="ctr"/>
-            <a:endParaRPr lang="en-US" dirty="0"/>
+            <a:pPr marL="0" marR="0" lvl="0" indent="0" algn="ctr" defTabSz="914400" rtl="0" eaLnBrk="1" fontAlgn="auto" latinLnBrk="0" hangingPunct="1">
+              <a:lnSpc>
+                <a:spcPct val="100000"/>
+              </a:lnSpc>
+              <a:spcBef>
+                <a:spcPts val="0"/>
+              </a:spcBef>
+              <a:spcAft>
+                <a:spcPts val="0"/>
+              </a:spcAft>
+              <a:buClrTx/>
+              <a:buSzTx/>
+              <a:buFontTx/>
+              <a:buNone/>
+              <a:tabLst/>
+              <a:defRPr/>
+            </a:pPr>
+            <a:endParaRPr kumimoji="0" lang="en-US" sz="1800" b="0" i="0" u="none" strike="noStrike" kern="1200" cap="none" spc="0" normalizeH="0" baseline="0" noProof="0" dirty="0">
+              <a:ln>
+                <a:noFill/>
+              </a:ln>
+              <a:solidFill>
+                <a:prstClr val="white"/>
+              </a:solidFill>
+              <a:effectLst/>
+              <a:uLnTx/>
+              <a:uFillTx/>
+              <a:latin typeface="Aptos" panose="02110004020202020204"/>
+              <a:ea typeface="+mn-ea"/>
+              <a:cs typeface="+mn-cs"/>
+            </a:endParaRPr>
           </a:p>
         </p:txBody>
       </p:sp>
@@ -4126,47 +4924,44 @@
           <a:bodyPr rtlCol="0" anchor="ctr"/>
           <a:lstStyle/>
           <a:p>
-            <a:pPr algn="ctr"/>
-            <a:endParaRPr lang="en-US" dirty="0"/>
-          </a:p>
-        </p:txBody>
-      </p:sp>
-      <p:pic>
-        <p:nvPicPr>
-          <p:cNvPr id="6" name="Content Placeholder 5" descr="A qr code with a black background&#10;&#10;Description automatically generated">
-            <a:extLst>
-              <a:ext uri="{FF2B5EF4-FFF2-40B4-BE49-F238E27FC236}">
-                <a16:creationId xmlns:a16="http://schemas.microsoft.com/office/drawing/2014/main" id="{0382BF0A-F019-3306-16C5-0C3C06A57546}"/>
-              </a:ext>
-            </a:extLst>
-          </p:cNvPr>
-          <p:cNvPicPr>
-            <a:picLocks noGrp="1" noChangeAspect="1"/>
-          </p:cNvPicPr>
-          <p:nvPr>
-            <p:ph idx="1"/>
-          </p:nvPr>
-        </p:nvPicPr>
-        <p:blipFill>
-          <a:blip r:embed="rId2"/>
-          <a:stretch>
-            <a:fillRect/>
-          </a:stretch>
-        </p:blipFill>
-        <p:spPr>
-          <a:xfrm>
-            <a:off x="7202276" y="909081"/>
-            <a:ext cx="3917911" cy="5071731"/>
-          </a:xfrm>
-          <a:prstGeom prst="rect">
-            <a:avLst/>
-          </a:prstGeom>
-        </p:spPr>
-      </p:pic>
+            <a:pPr marL="0" marR="0" lvl="0" indent="0" algn="ctr" defTabSz="914400" rtl="0" eaLnBrk="1" fontAlgn="auto" latinLnBrk="0" hangingPunct="1">
+              <a:lnSpc>
+                <a:spcPct val="100000"/>
+              </a:lnSpc>
+              <a:spcBef>
+                <a:spcPts val="0"/>
+              </a:spcBef>
+              <a:spcAft>
+                <a:spcPts val="0"/>
+              </a:spcAft>
+              <a:buClrTx/>
+              <a:buSzTx/>
+              <a:buFontTx/>
+              <a:buNone/>
+              <a:tabLst/>
+              <a:defRPr/>
+            </a:pPr>
+            <a:endParaRPr kumimoji="0" lang="en-US" sz="1800" b="0" i="0" u="none" strike="noStrike" kern="1200" cap="none" spc="0" normalizeH="0" baseline="0" noProof="0" dirty="0">
+              <a:ln>
+                <a:noFill/>
+              </a:ln>
+              <a:solidFill>
+                <a:prstClr val="white"/>
+              </a:solidFill>
+              <a:effectLst/>
+              <a:uLnTx/>
+              <a:uFillTx/>
+              <a:latin typeface="Aptos" panose="02110004020202020204"/>
+              <a:ea typeface="+mn-ea"/>
+              <a:cs typeface="+mn-cs"/>
+            </a:endParaRPr>
+          </a:p>
+        </p:txBody>
+      </p:sp>
     </p:spTree>
     <p:extLst>
       <p:ext uri="{BB962C8B-B14F-4D97-AF65-F5344CB8AC3E}">
-        <p14:creationId xmlns:p14="http://schemas.microsoft.com/office/powerpoint/2010/main" val="3919622244"/>
+        <p14:creationId xmlns:p14="http://schemas.microsoft.com/office/powerpoint/2010/main" val="3951114197"/>
       </p:ext>
     </p:extLst>
   </p:cSld>
@@ -4176,7 +4971,87 @@
 </p:sld>
 </file>
 
-<file path=ppt/slides/slide3.xml><?xml version="1.0" encoding="utf-8"?>
+<file path=ppt/slides/slide11.xml><?xml version="1.0" encoding="utf-8"?>
+<p:sld xmlns:a="http://schemas.openxmlformats.org/drawingml/2006/main" xmlns:r="http://schemas.openxmlformats.org/officeDocument/2006/relationships" xmlns:p="http://schemas.openxmlformats.org/presentationml/2006/main">
+  <p:cSld>
+    <p:spTree>
+      <p:nvGrpSpPr>
+        <p:cNvPr id="1" name=""/>
+        <p:cNvGrpSpPr/>
+        <p:nvPr/>
+      </p:nvGrpSpPr>
+      <p:grpSpPr>
+        <a:xfrm>
+          <a:off x="0" y="0"/>
+          <a:ext cx="0" cy="0"/>
+          <a:chOff x="0" y="0"/>
+          <a:chExt cx="0" cy="0"/>
+        </a:xfrm>
+      </p:grpSpPr>
+      <p:sp>
+        <p:nvSpPr>
+          <p:cNvPr id="2" name="Title 1">
+            <a:extLst>
+              <a:ext uri="{FF2B5EF4-FFF2-40B4-BE49-F238E27FC236}">
+                <a16:creationId xmlns:a16="http://schemas.microsoft.com/office/drawing/2014/main" id="{B27F482F-AAAA-073F-D0FF-2AFEE2238D3D}"/>
+              </a:ext>
+            </a:extLst>
+          </p:cNvPr>
+          <p:cNvSpPr>
+            <a:spLocks noGrp="1"/>
+          </p:cNvSpPr>
+          <p:nvPr>
+            <p:ph type="title"/>
+          </p:nvPr>
+        </p:nvSpPr>
+        <p:spPr/>
+        <p:txBody>
+          <a:bodyPr/>
+          <a:lstStyle/>
+          <a:p>
+            <a:endParaRPr lang="en-GB"/>
+          </a:p>
+        </p:txBody>
+      </p:sp>
+      <p:sp>
+        <p:nvSpPr>
+          <p:cNvPr id="3" name="Content Placeholder 2">
+            <a:extLst>
+              <a:ext uri="{FF2B5EF4-FFF2-40B4-BE49-F238E27FC236}">
+                <a16:creationId xmlns:a16="http://schemas.microsoft.com/office/drawing/2014/main" id="{29F0A6FA-FDE7-BFBD-0CB8-4BD69EC8F40F}"/>
+              </a:ext>
+            </a:extLst>
+          </p:cNvPr>
+          <p:cNvSpPr>
+            <a:spLocks noGrp="1"/>
+          </p:cNvSpPr>
+          <p:nvPr>
+            <p:ph idx="1"/>
+          </p:nvPr>
+        </p:nvSpPr>
+        <p:spPr/>
+        <p:txBody>
+          <a:bodyPr/>
+          <a:lstStyle/>
+          <a:p>
+            <a:endParaRPr lang="en-GB"/>
+          </a:p>
+        </p:txBody>
+      </p:sp>
+    </p:spTree>
+    <p:extLst>
+      <p:ext uri="{BB962C8B-B14F-4D97-AF65-F5344CB8AC3E}">
+        <p14:creationId xmlns:p14="http://schemas.microsoft.com/office/powerpoint/2010/main" val="1819340949"/>
+      </p:ext>
+    </p:extLst>
+  </p:cSld>
+  <p:clrMapOvr>
+    <a:masterClrMapping/>
+  </p:clrMapOvr>
+</p:sld>
+</file>
+
+<file path=ppt/slides/slide12.xml><?xml version="1.0" encoding="utf-8"?>
 <p:sld xmlns:a="http://schemas.openxmlformats.org/drawingml/2006/main" xmlns:r="http://schemas.openxmlformats.org/officeDocument/2006/relationships" xmlns:p="http://schemas.openxmlformats.org/presentationml/2006/main">
   <p:cSld>
     <p:bg>
@@ -4376,7 +5251,7 @@
         </p:spPr>
         <p:txBody>
           <a:bodyPr vert="horz" lIns="91440" tIns="45720" rIns="91440" bIns="45720" rtlCol="0" anchor="t">
-            <a:normAutofit fontScale="92500" lnSpcReduction="20000"/>
+            <a:normAutofit fontScale="92500" lnSpcReduction="10000"/>
           </a:bodyPr>
           <a:lstStyle>
             <a:lvl1pPr marL="228600" indent="-228600" algn="l" defTabSz="914400" rtl="0" eaLnBrk="1" latinLnBrk="0" hangingPunct="1">
@@ -4545,37 +5420,62 @@
           <a:p>
             <a:r>
               <a:rPr lang="en-GB" dirty="0">
+                <a:solidFill>
+                  <a:srgbClr val="000000"/>
+                </a:solidFill>
+                <a:effectLst/>
                 <a:latin typeface="Arial" panose="020B0604020202020204" pitchFamily="34" charset="0"/>
                 <a:cs typeface="Arial" panose="020B0604020202020204" pitchFamily="34" charset="0"/>
               </a:rPr>
-              <a:t>Transformed project from python to R</a:t>
+              <a:t>Added library verification as dependency and fixed versions of libraries</a:t>
             </a:r>
           </a:p>
           <a:p>
             <a:r>
-              <a:rPr lang="en-PL" dirty="0">
+              <a:rPr lang="en-GB" dirty="0">
+                <a:solidFill>
+                  <a:srgbClr val="000000"/>
+                </a:solidFill>
                 <a:latin typeface="Arial" panose="020B0604020202020204" pitchFamily="34" charset="0"/>
                 <a:cs typeface="Arial" panose="020B0604020202020204" pitchFamily="34" charset="0"/>
               </a:rPr>
-              <a:t>Trained model on complete dataset instead of 5%</a:t>
+              <a:t>E</a:t>
             </a:r>
-          </a:p>
-          <a:p>
             <a:r>
-              <a:rPr lang="en-PL" dirty="0">
+              <a:rPr lang="en-GB" dirty="0">
+                <a:solidFill>
+                  <a:srgbClr val="000000"/>
+                </a:solidFill>
+                <a:effectLst/>
                 <a:latin typeface="Arial" panose="020B0604020202020204" pitchFamily="34" charset="0"/>
                 <a:cs typeface="Arial" panose="020B0604020202020204" pitchFamily="34" charset="0"/>
               </a:rPr>
-              <a:t>Fixed the error of balancing test dataset. Now only train data is balanced, test data follows the distribution of the original dataset.</a:t>
+              <a:t>nsured data is loaded from UCI repo (original site where dataset was uploaded) instead of Kaggle</a:t>
             </a:r>
           </a:p>
           <a:p>
             <a:r>
-              <a:rPr lang="en-PL" dirty="0">
+              <a:rPr lang="en-GB" dirty="0">
+                <a:solidFill>
+                  <a:srgbClr val="000000"/>
+                </a:solidFill>
+                <a:effectLst/>
                 <a:latin typeface="Arial" panose="020B0604020202020204" pitchFamily="34" charset="0"/>
                 <a:cs typeface="Arial" panose="020B0604020202020204" pitchFamily="34" charset="0"/>
               </a:rPr>
-              <a:t>Implemented Gradient Boosting machine learning model</a:t>
+              <a:t>Fixed the seed</a:t>
+            </a:r>
+          </a:p>
+          <a:p>
+            <a:r>
+              <a:rPr lang="en-PL" dirty="0">
+                <a:solidFill>
+                  <a:srgbClr val="000000"/>
+                </a:solidFill>
+                <a:latin typeface="Arial" panose="020B0604020202020204" pitchFamily="34" charset="0"/>
+                <a:cs typeface="Arial" panose="020B0604020202020204" pitchFamily="34" charset="0"/>
+              </a:rPr>
+              <a:t>Implemented code comments to provide code narration</a:t>
             </a:r>
           </a:p>
         </p:txBody>
@@ -4999,7 +5899,7 @@
     </p:spTree>
     <p:extLst>
       <p:ext uri="{BB962C8B-B14F-4D97-AF65-F5344CB8AC3E}">
-        <p14:creationId xmlns:p14="http://schemas.microsoft.com/office/powerpoint/2010/main" val="3951114197"/>
+        <p14:creationId xmlns:p14="http://schemas.microsoft.com/office/powerpoint/2010/main" val="1598610406"/>
       </p:ext>
     </p:extLst>
   </p:cSld>
@@ -5009,7 +5909,7 @@
 </p:sld>
 </file>
 
-<file path=ppt/slides/slide4.xml><?xml version="1.0" encoding="utf-8"?>
+<file path=ppt/slides/slide13.xml><?xml version="1.0" encoding="utf-8"?>
 <p:sld xmlns:a="http://schemas.openxmlformats.org/drawingml/2006/main" xmlns:r="http://schemas.openxmlformats.org/officeDocument/2006/relationships" xmlns:p="http://schemas.openxmlformats.org/presentationml/2006/main">
   <p:cSld>
     <p:bg>
@@ -5172,7 +6072,7 @@
                 <a:latin typeface="Arial" panose="020B0604020202020204" pitchFamily="34" charset="0"/>
                 <a:cs typeface="Arial" panose="020B0604020202020204" pitchFamily="34" charset="0"/>
               </a:rPr>
-              <a:t>Project improvements</a:t>
+              <a:t>Results</a:t>
             </a:r>
             <a:endParaRPr lang="en-US" sz="4000" kern="1200" dirty="0">
               <a:solidFill>
@@ -5209,7 +6109,7 @@
         </p:spPr>
         <p:txBody>
           <a:bodyPr vert="horz" lIns="91440" tIns="45720" rIns="91440" bIns="45720" rtlCol="0" anchor="t">
-            <a:normAutofit fontScale="92500" lnSpcReduction="10000"/>
+            <a:normAutofit/>
           </a:bodyPr>
           <a:lstStyle>
             <a:lvl1pPr marL="228600" indent="-228600" algn="l" defTabSz="914400" rtl="0" eaLnBrk="1" latinLnBrk="0" hangingPunct="1">
@@ -5376,65 +6276,27 @@
             </a:lvl9pPr>
           </a:lstStyle>
           <a:p>
+            <a:pPr marL="0" indent="0">
+              <a:buNone/>
+            </a:pPr>
             <a:r>
-              <a:rPr lang="en-GB" dirty="0">
+              <a:rPr lang="en-GB" sz="2600" dirty="0">
                 <a:solidFill>
                   <a:srgbClr val="000000"/>
                 </a:solidFill>
-                <a:effectLst/>
                 <a:latin typeface="Arial" panose="020B0604020202020204" pitchFamily="34" charset="0"/>
                 <a:cs typeface="Arial" panose="020B0604020202020204" pitchFamily="34" charset="0"/>
               </a:rPr>
-              <a:t>Added library verification as dependency and fixed versions of libraries</a:t>
+              <a:t>We did manage to reproduce the project in different code language, however we achieved different results. Difference results from original author not fixing seed used by machine learning functions.</a:t>
             </a:r>
-          </a:p>
-          <a:p>
-            <a:r>
-              <a:rPr lang="en-GB" dirty="0">
-                <a:solidFill>
-                  <a:srgbClr val="000000"/>
-                </a:solidFill>
-                <a:latin typeface="Arial" panose="020B0604020202020204" pitchFamily="34" charset="0"/>
-                <a:cs typeface="Arial" panose="020B0604020202020204" pitchFamily="34" charset="0"/>
-              </a:rPr>
-              <a:t>E</a:t>
-            </a:r>
-            <a:r>
-              <a:rPr lang="en-GB" dirty="0">
-                <a:solidFill>
-                  <a:srgbClr val="000000"/>
-                </a:solidFill>
-                <a:effectLst/>
-                <a:latin typeface="Arial" panose="020B0604020202020204" pitchFamily="34" charset="0"/>
-                <a:cs typeface="Arial" panose="020B0604020202020204" pitchFamily="34" charset="0"/>
-              </a:rPr>
-              <a:t>nsured data is loaded from UCI repo (original site where dataset was uploaded) instead of Kaggle</a:t>
-            </a:r>
-          </a:p>
-          <a:p>
-            <a:r>
-              <a:rPr lang="en-GB" dirty="0">
-                <a:solidFill>
-                  <a:srgbClr val="000000"/>
-                </a:solidFill>
-                <a:effectLst/>
-                <a:latin typeface="Arial" panose="020B0604020202020204" pitchFamily="34" charset="0"/>
-                <a:cs typeface="Arial" panose="020B0604020202020204" pitchFamily="34" charset="0"/>
-              </a:rPr>
-              <a:t>Fixed the seed</a:t>
-            </a:r>
-          </a:p>
-          <a:p>
-            <a:r>
-              <a:rPr lang="en-PL" dirty="0">
-                <a:solidFill>
-                  <a:srgbClr val="000000"/>
-                </a:solidFill>
-                <a:latin typeface="Arial" panose="020B0604020202020204" pitchFamily="34" charset="0"/>
-                <a:cs typeface="Arial" panose="020B0604020202020204" pitchFamily="34" charset="0"/>
-              </a:rPr>
-              <a:t>Implemented code comments to provide code narration</a:t>
-            </a:r>
+            <a:endParaRPr lang="en-GB" sz="2600" dirty="0">
+              <a:solidFill>
+                <a:srgbClr val="000000"/>
+              </a:solidFill>
+              <a:effectLst/>
+              <a:latin typeface="Arial" panose="020B0604020202020204" pitchFamily="34" charset="0"/>
+              <a:cs typeface="Arial" panose="020B0604020202020204" pitchFamily="34" charset="0"/>
+            </a:endParaRPr>
           </a:p>
         </p:txBody>
       </p:sp>
@@ -5854,10 +6716,214 @@
           </a:p>
         </p:txBody>
       </p:sp>
+      <p:sp>
+        <p:nvSpPr>
+          <p:cNvPr id="5" name="Content Placeholder 2">
+            <a:extLst>
+              <a:ext uri="{FF2B5EF4-FFF2-40B4-BE49-F238E27FC236}">
+                <a16:creationId xmlns:a16="http://schemas.microsoft.com/office/drawing/2014/main" id="{19509C26-039A-EC7F-1AFB-262954821CEE}"/>
+              </a:ext>
+            </a:extLst>
+          </p:cNvPr>
+          <p:cNvSpPr txBox="1">
+            <a:spLocks/>
+          </p:cNvSpPr>
+          <p:nvPr/>
+        </p:nvSpPr>
+        <p:spPr>
+          <a:xfrm>
+            <a:off x="1297323" y="2558294"/>
+            <a:ext cx="5429298" cy="3535083"/>
+          </a:xfrm>
+          <a:prstGeom prst="rect">
+            <a:avLst/>
+          </a:prstGeom>
+        </p:spPr>
+        <p:txBody>
+          <a:bodyPr vert="horz" lIns="91440" tIns="45720" rIns="91440" bIns="45720" rtlCol="0" anchor="t">
+            <a:normAutofit/>
+          </a:bodyPr>
+          <a:lstStyle>
+            <a:lvl1pPr marL="228600" indent="-228600" algn="l" defTabSz="914400" rtl="0" eaLnBrk="1" latinLnBrk="0" hangingPunct="1">
+              <a:lnSpc>
+                <a:spcPct val="90000"/>
+              </a:lnSpc>
+              <a:spcBef>
+                <a:spcPts val="1000"/>
+              </a:spcBef>
+              <a:buFont typeface="Arial" panose="020B0604020202020204" pitchFamily="34" charset="0"/>
+              <a:buChar char="•"/>
+              <a:defRPr sz="2800" kern="1200">
+                <a:solidFill>
+                  <a:schemeClr val="tx1"/>
+                </a:solidFill>
+                <a:latin typeface="+mn-lt"/>
+                <a:ea typeface="+mn-ea"/>
+                <a:cs typeface="+mn-cs"/>
+              </a:defRPr>
+            </a:lvl1pPr>
+            <a:lvl2pPr marL="685800" indent="-228600" algn="l" defTabSz="914400" rtl="0" eaLnBrk="1" latinLnBrk="0" hangingPunct="1">
+              <a:lnSpc>
+                <a:spcPct val="90000"/>
+              </a:lnSpc>
+              <a:spcBef>
+                <a:spcPts val="500"/>
+              </a:spcBef>
+              <a:buFont typeface="Arial" panose="020B0604020202020204" pitchFamily="34" charset="0"/>
+              <a:buChar char="•"/>
+              <a:defRPr sz="2400" kern="1200">
+                <a:solidFill>
+                  <a:schemeClr val="tx1"/>
+                </a:solidFill>
+                <a:latin typeface="+mn-lt"/>
+                <a:ea typeface="+mn-ea"/>
+                <a:cs typeface="+mn-cs"/>
+              </a:defRPr>
+            </a:lvl2pPr>
+            <a:lvl3pPr marL="1143000" indent="-228600" algn="l" defTabSz="914400" rtl="0" eaLnBrk="1" latinLnBrk="0" hangingPunct="1">
+              <a:lnSpc>
+                <a:spcPct val="90000"/>
+              </a:lnSpc>
+              <a:spcBef>
+                <a:spcPts val="500"/>
+              </a:spcBef>
+              <a:buFont typeface="Arial" panose="020B0604020202020204" pitchFamily="34" charset="0"/>
+              <a:buChar char="•"/>
+              <a:defRPr sz="2000" kern="1200">
+                <a:solidFill>
+                  <a:schemeClr val="tx1"/>
+                </a:solidFill>
+                <a:latin typeface="+mn-lt"/>
+                <a:ea typeface="+mn-ea"/>
+                <a:cs typeface="+mn-cs"/>
+              </a:defRPr>
+            </a:lvl3pPr>
+            <a:lvl4pPr marL="1600200" indent="-228600" algn="l" defTabSz="914400" rtl="0" eaLnBrk="1" latinLnBrk="0" hangingPunct="1">
+              <a:lnSpc>
+                <a:spcPct val="90000"/>
+              </a:lnSpc>
+              <a:spcBef>
+                <a:spcPts val="500"/>
+              </a:spcBef>
+              <a:buFont typeface="Arial" panose="020B0604020202020204" pitchFamily="34" charset="0"/>
+              <a:buChar char="•"/>
+              <a:defRPr sz="1800" kern="1200">
+                <a:solidFill>
+                  <a:schemeClr val="tx1"/>
+                </a:solidFill>
+                <a:latin typeface="+mn-lt"/>
+                <a:ea typeface="+mn-ea"/>
+                <a:cs typeface="+mn-cs"/>
+              </a:defRPr>
+            </a:lvl4pPr>
+            <a:lvl5pPr marL="2057400" indent="-228600" algn="l" defTabSz="914400" rtl="0" eaLnBrk="1" latinLnBrk="0" hangingPunct="1">
+              <a:lnSpc>
+                <a:spcPct val="90000"/>
+              </a:lnSpc>
+              <a:spcBef>
+                <a:spcPts val="500"/>
+              </a:spcBef>
+              <a:buFont typeface="Arial" panose="020B0604020202020204" pitchFamily="34" charset="0"/>
+              <a:buChar char="•"/>
+              <a:defRPr sz="1800" kern="1200">
+                <a:solidFill>
+                  <a:schemeClr val="tx1"/>
+                </a:solidFill>
+                <a:latin typeface="+mn-lt"/>
+                <a:ea typeface="+mn-ea"/>
+                <a:cs typeface="+mn-cs"/>
+              </a:defRPr>
+            </a:lvl5pPr>
+            <a:lvl6pPr marL="2514600" indent="-228600" algn="l" defTabSz="914400" rtl="0" eaLnBrk="1" latinLnBrk="0" hangingPunct="1">
+              <a:lnSpc>
+                <a:spcPct val="90000"/>
+              </a:lnSpc>
+              <a:spcBef>
+                <a:spcPts val="500"/>
+              </a:spcBef>
+              <a:buFont typeface="Arial" panose="020B0604020202020204" pitchFamily="34" charset="0"/>
+              <a:buChar char="•"/>
+              <a:defRPr sz="1800" kern="1200">
+                <a:solidFill>
+                  <a:schemeClr val="tx1"/>
+                </a:solidFill>
+                <a:latin typeface="+mn-lt"/>
+                <a:ea typeface="+mn-ea"/>
+                <a:cs typeface="+mn-cs"/>
+              </a:defRPr>
+            </a:lvl6pPr>
+            <a:lvl7pPr marL="2971800" indent="-228600" algn="l" defTabSz="914400" rtl="0" eaLnBrk="1" latinLnBrk="0" hangingPunct="1">
+              <a:lnSpc>
+                <a:spcPct val="90000"/>
+              </a:lnSpc>
+              <a:spcBef>
+                <a:spcPts val="500"/>
+              </a:spcBef>
+              <a:buFont typeface="Arial" panose="020B0604020202020204" pitchFamily="34" charset="0"/>
+              <a:buChar char="•"/>
+              <a:defRPr sz="1800" kern="1200">
+                <a:solidFill>
+                  <a:schemeClr val="tx1"/>
+                </a:solidFill>
+                <a:latin typeface="+mn-lt"/>
+                <a:ea typeface="+mn-ea"/>
+                <a:cs typeface="+mn-cs"/>
+              </a:defRPr>
+            </a:lvl7pPr>
+            <a:lvl8pPr marL="3429000" indent="-228600" algn="l" defTabSz="914400" rtl="0" eaLnBrk="1" latinLnBrk="0" hangingPunct="1">
+              <a:lnSpc>
+                <a:spcPct val="90000"/>
+              </a:lnSpc>
+              <a:spcBef>
+                <a:spcPts val="500"/>
+              </a:spcBef>
+              <a:buFont typeface="Arial" panose="020B0604020202020204" pitchFamily="34" charset="0"/>
+              <a:buChar char="•"/>
+              <a:defRPr sz="1800" kern="1200">
+                <a:solidFill>
+                  <a:schemeClr val="tx1"/>
+                </a:solidFill>
+                <a:latin typeface="+mn-lt"/>
+                <a:ea typeface="+mn-ea"/>
+                <a:cs typeface="+mn-cs"/>
+              </a:defRPr>
+            </a:lvl8pPr>
+            <a:lvl9pPr marL="3886200" indent="-228600" algn="l" defTabSz="914400" rtl="0" eaLnBrk="1" latinLnBrk="0" hangingPunct="1">
+              <a:lnSpc>
+                <a:spcPct val="90000"/>
+              </a:lnSpc>
+              <a:spcBef>
+                <a:spcPts val="500"/>
+              </a:spcBef>
+              <a:buFont typeface="Arial" panose="020B0604020202020204" pitchFamily="34" charset="0"/>
+              <a:buChar char="•"/>
+              <a:defRPr sz="1800" kern="1200">
+                <a:solidFill>
+                  <a:schemeClr val="tx1"/>
+                </a:solidFill>
+                <a:latin typeface="+mn-lt"/>
+                <a:ea typeface="+mn-ea"/>
+                <a:cs typeface="+mn-cs"/>
+              </a:defRPr>
+            </a:lvl9pPr>
+          </a:lstStyle>
+          <a:p>
+            <a:pPr marL="0" indent="0">
+              <a:buNone/>
+            </a:pPr>
+            <a:endParaRPr lang="en-PL" dirty="0">
+              <a:solidFill>
+                <a:srgbClr val="000000"/>
+              </a:solidFill>
+              <a:latin typeface="Menlo" panose="020B0609030804020204" pitchFamily="49" charset="0"/>
+            </a:endParaRPr>
+          </a:p>
+        </p:txBody>
+      </p:sp>
     </p:spTree>
     <p:extLst>
       <p:ext uri="{BB962C8B-B14F-4D97-AF65-F5344CB8AC3E}">
-        <p14:creationId xmlns:p14="http://schemas.microsoft.com/office/powerpoint/2010/main" val="1598610406"/>
+        <p14:creationId xmlns:p14="http://schemas.microsoft.com/office/powerpoint/2010/main" val="1761927912"/>
       </p:ext>
     </p:extLst>
   </p:cSld>
@@ -5867,7 +6933,7 @@
 </p:sld>
 </file>
 
-<file path=ppt/slides/slide5.xml><?xml version="1.0" encoding="utf-8"?>
+<file path=ppt/slides/slide14.xml><?xml version="1.0" encoding="utf-8"?>
 <p:sld xmlns:a="http://schemas.openxmlformats.org/drawingml/2006/main" xmlns:r="http://schemas.openxmlformats.org/officeDocument/2006/relationships" xmlns:p="http://schemas.openxmlformats.org/presentationml/2006/main">
   <p:cSld>
     <p:bg>
@@ -6030,7 +7096,7 @@
                 <a:latin typeface="Arial" panose="020B0604020202020204" pitchFamily="34" charset="0"/>
                 <a:cs typeface="Arial" panose="020B0604020202020204" pitchFamily="34" charset="0"/>
               </a:rPr>
-              <a:t>Results</a:t>
+              <a:t>AI usage</a:t>
             </a:r>
             <a:endParaRPr lang="en-US" sz="4000" kern="1200" dirty="0">
               <a:solidFill>
@@ -6234,27 +7300,71 @@
             </a:lvl9pPr>
           </a:lstStyle>
           <a:p>
-            <a:pPr marL="0" indent="0">
+            <a:pPr marL="0" marR="0" lvl="0" indent="0" algn="l" defTabSz="914400" rtl="0" eaLnBrk="1" fontAlgn="auto" latinLnBrk="0" hangingPunct="1">
+              <a:lnSpc>
+                <a:spcPct val="90000"/>
+              </a:lnSpc>
+              <a:spcBef>
+                <a:spcPts val="1000"/>
+              </a:spcBef>
+              <a:spcAft>
+                <a:spcPts val="0"/>
+              </a:spcAft>
+              <a:buClrTx/>
+              <a:buSzTx/>
+              <a:buFont typeface="Arial" panose="020B0604020202020204" pitchFamily="34" charset="0"/>
               <a:buNone/>
+              <a:tabLst/>
+              <a:defRPr/>
             </a:pPr>
             <a:r>
-              <a:rPr lang="en-GB" sz="2600" dirty="0">
+              <a:rPr kumimoji="0" lang="en-GB" sz="2600" b="0" i="0" u="none" strike="noStrike" kern="1200" cap="none" spc="0" normalizeH="0" baseline="0" noProof="0" dirty="0">
+                <a:ln>
+                  <a:noFill/>
+                </a:ln>
                 <a:solidFill>
                   <a:srgbClr val="000000"/>
                 </a:solidFill>
+                <a:effectLst/>
+                <a:uLnTx/>
+                <a:uFillTx/>
                 <a:latin typeface="Arial" panose="020B0604020202020204" pitchFamily="34" charset="0"/>
                 <a:cs typeface="Arial" panose="020B0604020202020204" pitchFamily="34" charset="0"/>
               </a:rPr>
-              <a:t>We did manage to reproduce the project in different code language, however we achieved different results. Difference results from original author not fixing seed used by machine learning functions.</a:t>
+              <a:t>We did use chat GPT 3.5, 4.0 and 4.0omega, Microsoft </a:t>
             </a:r>
-            <a:endParaRPr lang="en-GB" sz="2600" dirty="0">
-              <a:solidFill>
-                <a:srgbClr val="000000"/>
-              </a:solidFill>
-              <a:effectLst/>
-              <a:latin typeface="Arial" panose="020B0604020202020204" pitchFamily="34" charset="0"/>
-              <a:cs typeface="Arial" panose="020B0604020202020204" pitchFamily="34" charset="0"/>
-            </a:endParaRPr>
+            <a:r>
+              <a:rPr kumimoji="0" lang="en-GB" sz="2600" b="0" i="0" u="none" strike="noStrike" kern="1200" cap="none" spc="0" normalizeH="0" baseline="0" noProof="0" dirty="0" err="1">
+                <a:ln>
+                  <a:noFill/>
+                </a:ln>
+                <a:solidFill>
+                  <a:srgbClr val="000000"/>
+                </a:solidFill>
+                <a:effectLst/>
+                <a:uLnTx/>
+                <a:uFillTx/>
+                <a:latin typeface="Arial" panose="020B0604020202020204" pitchFamily="34" charset="0"/>
+                <a:cs typeface="Arial" panose="020B0604020202020204" pitchFamily="34" charset="0"/>
+              </a:rPr>
+              <a:t>Copilot</a:t>
+            </a:r>
+            <a:r>
+              <a:rPr kumimoji="0" lang="en-GB" sz="2600" b="0" i="0" u="none" strike="noStrike" kern="1200" cap="none" spc="0" normalizeH="0" baseline="0" noProof="0" dirty="0">
+                <a:ln>
+                  <a:noFill/>
+                </a:ln>
+                <a:solidFill>
+                  <a:srgbClr val="000000"/>
+                </a:solidFill>
+                <a:effectLst/>
+                <a:uLnTx/>
+                <a:uFillTx/>
+                <a:latin typeface="Arial" panose="020B0604020202020204" pitchFamily="34" charset="0"/>
+                <a:cs typeface="Arial" panose="020B0604020202020204" pitchFamily="34" charset="0"/>
+              </a:rPr>
+              <a:t> for code errors resolution.</a:t>
+            </a:r>
           </a:p>
         </p:txBody>
       </p:sp>
@@ -6866,1074 +7976,6 @@
             </a:lvl9pPr>
           </a:lstStyle>
           <a:p>
-            <a:pPr marL="0" indent="0">
-              <a:buNone/>
-            </a:pPr>
-            <a:endParaRPr lang="en-PL" dirty="0">
-              <a:solidFill>
-                <a:srgbClr val="000000"/>
-              </a:solidFill>
-              <a:latin typeface="Menlo" panose="020B0609030804020204" pitchFamily="49" charset="0"/>
-            </a:endParaRPr>
-          </a:p>
-        </p:txBody>
-      </p:sp>
-    </p:spTree>
-    <p:extLst>
-      <p:ext uri="{BB962C8B-B14F-4D97-AF65-F5344CB8AC3E}">
-        <p14:creationId xmlns:p14="http://schemas.microsoft.com/office/powerpoint/2010/main" val="1761927912"/>
-      </p:ext>
-    </p:extLst>
-  </p:cSld>
-  <p:clrMapOvr>
-    <a:masterClrMapping/>
-  </p:clrMapOvr>
-</p:sld>
-</file>
-
-<file path=ppt/slides/slide6.xml><?xml version="1.0" encoding="utf-8"?>
-<p:sld xmlns:a="http://schemas.openxmlformats.org/drawingml/2006/main" xmlns:r="http://schemas.openxmlformats.org/officeDocument/2006/relationships" xmlns:p="http://schemas.openxmlformats.org/presentationml/2006/main">
-  <p:cSld>
-    <p:bg>
-      <p:bgPr>
-        <a:solidFill>
-          <a:schemeClr val="bg1"/>
-        </a:solidFill>
-        <a:effectLst/>
-      </p:bgPr>
-    </p:bg>
-    <p:spTree>
-      <p:nvGrpSpPr>
-        <p:cNvPr id="1" name=""/>
-        <p:cNvGrpSpPr/>
-        <p:nvPr/>
-      </p:nvGrpSpPr>
-      <p:grpSpPr>
-        <a:xfrm>
-          <a:off x="0" y="0"/>
-          <a:ext cx="0" cy="0"/>
-          <a:chOff x="0" y="0"/>
-          <a:chExt cx="0" cy="0"/>
-        </a:xfrm>
-      </p:grpSpPr>
-      <p:sp useBgFill="1">
-        <p:nvSpPr>
-          <p:cNvPr id="12" name="Rectangle 11">
-            <a:extLst>
-              <a:ext uri="{FF2B5EF4-FFF2-40B4-BE49-F238E27FC236}">
-                <a16:creationId xmlns:a16="http://schemas.microsoft.com/office/drawing/2014/main" id="{12609869-9E80-471B-A487-A53288E0E791}"/>
-              </a:ext>
-              <a:ext uri="{C183D7F6-B498-43B3-948B-1728B52AA6E4}">
-                <adec:decorative xmlns:adec="http://schemas.microsoft.com/office/drawing/2017/decorative" val="1"/>
-              </a:ext>
-            </a:extLst>
-          </p:cNvPr>
-          <p:cNvSpPr>
-            <a:spLocks noGrp="1" noRot="1" noChangeAspect="1" noMove="1" noResize="1" noEditPoints="1" noAdjustHandles="1" noChangeArrowheads="1" noChangeShapeType="1" noTextEdit="1"/>
-          </p:cNvSpPr>
-          <p:nvPr>
-            <p:extLst>
-              <p:ext uri="{386F3935-93C4-4BCD-93E2-E3B085C9AB24}">
-                <p16:designElem xmlns:p16="http://schemas.microsoft.com/office/powerpoint/2015/main" val="1"/>
-              </p:ext>
-            </p:extLst>
-          </p:nvPr>
-        </p:nvSpPr>
-        <p:spPr>
-          <a:xfrm>
-            <a:off x="0" y="0"/>
-            <a:ext cx="12192000" cy="6858000"/>
-          </a:xfrm>
-          <a:prstGeom prst="rect">
-            <a:avLst/>
-          </a:prstGeom>
-          <a:ln w="12700" cap="flat" cmpd="sng" algn="ctr">
-            <a:noFill/>
-            <a:prstDash val="solid"/>
-            <a:miter lim="800000"/>
-          </a:ln>
-          <a:effectLst/>
-          <a:extLst>
-            <a:ext uri="{91240B29-F687-4F45-9708-019B960494DF}">
-              <a14:hiddenLine xmlns:a14="http://schemas.microsoft.com/office/drawing/2010/main" w="12700" cap="flat" cmpd="sng" algn="ctr">
-                <a:solidFill>
-                  <a:schemeClr val="accent1">
-                    <a:shade val="50000"/>
-                  </a:schemeClr>
-                </a:solidFill>
-                <a:prstDash val="solid"/>
-                <a:miter lim="800000"/>
-              </a14:hiddenLine>
-            </a:ext>
-          </a:extLst>
-        </p:spPr>
-        <p:style>
-          <a:lnRef idx="2">
-            <a:schemeClr val="accent1">
-              <a:shade val="50000"/>
-            </a:schemeClr>
-          </a:lnRef>
-          <a:fillRef idx="1">
-            <a:schemeClr val="accent1"/>
-          </a:fillRef>
-          <a:effectRef idx="0">
-            <a:schemeClr val="accent1"/>
-          </a:effectRef>
-          <a:fontRef idx="minor">
-            <a:schemeClr val="lt1"/>
-          </a:fontRef>
-        </p:style>
-        <p:txBody>
-          <a:bodyPr rtlCol="0" anchor="ctr"/>
-          <a:lstStyle/>
-          <a:p>
-            <a:pPr marL="0" marR="0" lvl="0" indent="0" algn="ctr" defTabSz="914400" rtl="0" eaLnBrk="1" fontAlgn="auto" latinLnBrk="0" hangingPunct="1">
-              <a:lnSpc>
-                <a:spcPct val="100000"/>
-              </a:lnSpc>
-              <a:spcBef>
-                <a:spcPts val="0"/>
-              </a:spcBef>
-              <a:spcAft>
-                <a:spcPts val="0"/>
-              </a:spcAft>
-              <a:buClrTx/>
-              <a:buSzTx/>
-              <a:buFontTx/>
-              <a:buNone/>
-              <a:tabLst/>
-              <a:defRPr/>
-            </a:pPr>
-            <a:endParaRPr kumimoji="0" lang="en-US" sz="1800" b="0" i="0" u="none" strike="noStrike" kern="1200" cap="none" spc="0" normalizeH="0" baseline="0" noProof="0">
-              <a:ln>
-                <a:noFill/>
-              </a:ln>
-              <a:solidFill>
-                <a:prstClr val="white"/>
-              </a:solidFill>
-              <a:effectLst/>
-              <a:uLnTx/>
-              <a:uFillTx/>
-              <a:latin typeface="Aptos" panose="02110004020202020204"/>
-              <a:ea typeface="+mn-ea"/>
-              <a:cs typeface="+mn-cs"/>
-            </a:endParaRPr>
-          </a:p>
-        </p:txBody>
-      </p:sp>
-      <p:sp>
-        <p:nvSpPr>
-          <p:cNvPr id="2" name="Title 1">
-            <a:extLst>
-              <a:ext uri="{FF2B5EF4-FFF2-40B4-BE49-F238E27FC236}">
-                <a16:creationId xmlns:a16="http://schemas.microsoft.com/office/drawing/2014/main" id="{32C432B7-0A6C-2C12-77FA-7B714600B30E}"/>
-              </a:ext>
-            </a:extLst>
-          </p:cNvPr>
-          <p:cNvSpPr>
-            <a:spLocks noGrp="1"/>
-          </p:cNvSpPr>
-          <p:nvPr>
-            <p:ph type="title"/>
-          </p:nvPr>
-        </p:nvSpPr>
-        <p:spPr>
-          <a:xfrm>
-            <a:off x="1136397" y="502020"/>
-            <a:ext cx="5323715" cy="1642970"/>
-          </a:xfrm>
-        </p:spPr>
-        <p:txBody>
-          <a:bodyPr vert="horz" lIns="91440" tIns="45720" rIns="91440" bIns="45720" rtlCol="0" anchor="b">
-            <a:normAutofit/>
-          </a:bodyPr>
-          <a:lstStyle/>
-          <a:p>
-            <a:r>
-              <a:rPr lang="en-PL" sz="4000" dirty="0">
-                <a:latin typeface="Arial" panose="020B0604020202020204" pitchFamily="34" charset="0"/>
-                <a:cs typeface="Arial" panose="020B0604020202020204" pitchFamily="34" charset="0"/>
-              </a:rPr>
-              <a:t>AI usage</a:t>
-            </a:r>
-            <a:endParaRPr lang="en-US" sz="4000" kern="1200" dirty="0">
-              <a:solidFill>
-                <a:schemeClr val="tx1"/>
-              </a:solidFill>
-              <a:latin typeface="Arial" panose="020B0604020202020204" pitchFamily="34" charset="0"/>
-              <a:cs typeface="Arial" panose="020B0604020202020204" pitchFamily="34" charset="0"/>
-            </a:endParaRPr>
-          </a:p>
-        </p:txBody>
-      </p:sp>
-      <p:sp>
-        <p:nvSpPr>
-          <p:cNvPr id="7" name="Content Placeholder 2">
-            <a:extLst>
-              <a:ext uri="{FF2B5EF4-FFF2-40B4-BE49-F238E27FC236}">
-                <a16:creationId xmlns:a16="http://schemas.microsoft.com/office/drawing/2014/main" id="{6E2D6785-3FC0-5B4B-8F43-4406AD91B4D7}"/>
-              </a:ext>
-            </a:extLst>
-          </p:cNvPr>
-          <p:cNvSpPr txBox="1">
-            <a:spLocks/>
-          </p:cNvSpPr>
-          <p:nvPr/>
-        </p:nvSpPr>
-        <p:spPr>
-          <a:xfrm>
-            <a:off x="1144923" y="2405894"/>
-            <a:ext cx="5315189" cy="3535083"/>
-          </a:xfrm>
-          <a:prstGeom prst="rect">
-            <a:avLst/>
-          </a:prstGeom>
-        </p:spPr>
-        <p:txBody>
-          <a:bodyPr vert="horz" lIns="91440" tIns="45720" rIns="91440" bIns="45720" rtlCol="0" anchor="t">
-            <a:normAutofit/>
-          </a:bodyPr>
-          <a:lstStyle>
-            <a:lvl1pPr marL="228600" indent="-228600" algn="l" defTabSz="914400" rtl="0" eaLnBrk="1" latinLnBrk="0" hangingPunct="1">
-              <a:lnSpc>
-                <a:spcPct val="90000"/>
-              </a:lnSpc>
-              <a:spcBef>
-                <a:spcPts val="1000"/>
-              </a:spcBef>
-              <a:buFont typeface="Arial" panose="020B0604020202020204" pitchFamily="34" charset="0"/>
-              <a:buChar char="•"/>
-              <a:defRPr sz="2800" kern="1200">
-                <a:solidFill>
-                  <a:schemeClr val="tx1"/>
-                </a:solidFill>
-                <a:latin typeface="+mn-lt"/>
-                <a:ea typeface="+mn-ea"/>
-                <a:cs typeface="+mn-cs"/>
-              </a:defRPr>
-            </a:lvl1pPr>
-            <a:lvl2pPr marL="685800" indent="-228600" algn="l" defTabSz="914400" rtl="0" eaLnBrk="1" latinLnBrk="0" hangingPunct="1">
-              <a:lnSpc>
-                <a:spcPct val="90000"/>
-              </a:lnSpc>
-              <a:spcBef>
-                <a:spcPts val="500"/>
-              </a:spcBef>
-              <a:buFont typeface="Arial" panose="020B0604020202020204" pitchFamily="34" charset="0"/>
-              <a:buChar char="•"/>
-              <a:defRPr sz="2400" kern="1200">
-                <a:solidFill>
-                  <a:schemeClr val="tx1"/>
-                </a:solidFill>
-                <a:latin typeface="+mn-lt"/>
-                <a:ea typeface="+mn-ea"/>
-                <a:cs typeface="+mn-cs"/>
-              </a:defRPr>
-            </a:lvl2pPr>
-            <a:lvl3pPr marL="1143000" indent="-228600" algn="l" defTabSz="914400" rtl="0" eaLnBrk="1" latinLnBrk="0" hangingPunct="1">
-              <a:lnSpc>
-                <a:spcPct val="90000"/>
-              </a:lnSpc>
-              <a:spcBef>
-                <a:spcPts val="500"/>
-              </a:spcBef>
-              <a:buFont typeface="Arial" panose="020B0604020202020204" pitchFamily="34" charset="0"/>
-              <a:buChar char="•"/>
-              <a:defRPr sz="2000" kern="1200">
-                <a:solidFill>
-                  <a:schemeClr val="tx1"/>
-                </a:solidFill>
-                <a:latin typeface="+mn-lt"/>
-                <a:ea typeface="+mn-ea"/>
-                <a:cs typeface="+mn-cs"/>
-              </a:defRPr>
-            </a:lvl3pPr>
-            <a:lvl4pPr marL="1600200" indent="-228600" algn="l" defTabSz="914400" rtl="0" eaLnBrk="1" latinLnBrk="0" hangingPunct="1">
-              <a:lnSpc>
-                <a:spcPct val="90000"/>
-              </a:lnSpc>
-              <a:spcBef>
-                <a:spcPts val="500"/>
-              </a:spcBef>
-              <a:buFont typeface="Arial" panose="020B0604020202020204" pitchFamily="34" charset="0"/>
-              <a:buChar char="•"/>
-              <a:defRPr sz="1800" kern="1200">
-                <a:solidFill>
-                  <a:schemeClr val="tx1"/>
-                </a:solidFill>
-                <a:latin typeface="+mn-lt"/>
-                <a:ea typeface="+mn-ea"/>
-                <a:cs typeface="+mn-cs"/>
-              </a:defRPr>
-            </a:lvl4pPr>
-            <a:lvl5pPr marL="2057400" indent="-228600" algn="l" defTabSz="914400" rtl="0" eaLnBrk="1" latinLnBrk="0" hangingPunct="1">
-              <a:lnSpc>
-                <a:spcPct val="90000"/>
-              </a:lnSpc>
-              <a:spcBef>
-                <a:spcPts val="500"/>
-              </a:spcBef>
-              <a:buFont typeface="Arial" panose="020B0604020202020204" pitchFamily="34" charset="0"/>
-              <a:buChar char="•"/>
-              <a:defRPr sz="1800" kern="1200">
-                <a:solidFill>
-                  <a:schemeClr val="tx1"/>
-                </a:solidFill>
-                <a:latin typeface="+mn-lt"/>
-                <a:ea typeface="+mn-ea"/>
-                <a:cs typeface="+mn-cs"/>
-              </a:defRPr>
-            </a:lvl5pPr>
-            <a:lvl6pPr marL="2514600" indent="-228600" algn="l" defTabSz="914400" rtl="0" eaLnBrk="1" latinLnBrk="0" hangingPunct="1">
-              <a:lnSpc>
-                <a:spcPct val="90000"/>
-              </a:lnSpc>
-              <a:spcBef>
-                <a:spcPts val="500"/>
-              </a:spcBef>
-              <a:buFont typeface="Arial" panose="020B0604020202020204" pitchFamily="34" charset="0"/>
-              <a:buChar char="•"/>
-              <a:defRPr sz="1800" kern="1200">
-                <a:solidFill>
-                  <a:schemeClr val="tx1"/>
-                </a:solidFill>
-                <a:latin typeface="+mn-lt"/>
-                <a:ea typeface="+mn-ea"/>
-                <a:cs typeface="+mn-cs"/>
-              </a:defRPr>
-            </a:lvl6pPr>
-            <a:lvl7pPr marL="2971800" indent="-228600" algn="l" defTabSz="914400" rtl="0" eaLnBrk="1" latinLnBrk="0" hangingPunct="1">
-              <a:lnSpc>
-                <a:spcPct val="90000"/>
-              </a:lnSpc>
-              <a:spcBef>
-                <a:spcPts val="500"/>
-              </a:spcBef>
-              <a:buFont typeface="Arial" panose="020B0604020202020204" pitchFamily="34" charset="0"/>
-              <a:buChar char="•"/>
-              <a:defRPr sz="1800" kern="1200">
-                <a:solidFill>
-                  <a:schemeClr val="tx1"/>
-                </a:solidFill>
-                <a:latin typeface="+mn-lt"/>
-                <a:ea typeface="+mn-ea"/>
-                <a:cs typeface="+mn-cs"/>
-              </a:defRPr>
-            </a:lvl7pPr>
-            <a:lvl8pPr marL="3429000" indent="-228600" algn="l" defTabSz="914400" rtl="0" eaLnBrk="1" latinLnBrk="0" hangingPunct="1">
-              <a:lnSpc>
-                <a:spcPct val="90000"/>
-              </a:lnSpc>
-              <a:spcBef>
-                <a:spcPts val="500"/>
-              </a:spcBef>
-              <a:buFont typeface="Arial" panose="020B0604020202020204" pitchFamily="34" charset="0"/>
-              <a:buChar char="•"/>
-              <a:defRPr sz="1800" kern="1200">
-                <a:solidFill>
-                  <a:schemeClr val="tx1"/>
-                </a:solidFill>
-                <a:latin typeface="+mn-lt"/>
-                <a:ea typeface="+mn-ea"/>
-                <a:cs typeface="+mn-cs"/>
-              </a:defRPr>
-            </a:lvl8pPr>
-            <a:lvl9pPr marL="3886200" indent="-228600" algn="l" defTabSz="914400" rtl="0" eaLnBrk="1" latinLnBrk="0" hangingPunct="1">
-              <a:lnSpc>
-                <a:spcPct val="90000"/>
-              </a:lnSpc>
-              <a:spcBef>
-                <a:spcPts val="500"/>
-              </a:spcBef>
-              <a:buFont typeface="Arial" panose="020B0604020202020204" pitchFamily="34" charset="0"/>
-              <a:buChar char="•"/>
-              <a:defRPr sz="1800" kern="1200">
-                <a:solidFill>
-                  <a:schemeClr val="tx1"/>
-                </a:solidFill>
-                <a:latin typeface="+mn-lt"/>
-                <a:ea typeface="+mn-ea"/>
-                <a:cs typeface="+mn-cs"/>
-              </a:defRPr>
-            </a:lvl9pPr>
-          </a:lstStyle>
-          <a:p>
-            <a:pPr marL="0" marR="0" lvl="0" indent="0" algn="l" defTabSz="914400" rtl="0" eaLnBrk="1" fontAlgn="auto" latinLnBrk="0" hangingPunct="1">
-              <a:lnSpc>
-                <a:spcPct val="90000"/>
-              </a:lnSpc>
-              <a:spcBef>
-                <a:spcPts val="1000"/>
-              </a:spcBef>
-              <a:spcAft>
-                <a:spcPts val="0"/>
-              </a:spcAft>
-              <a:buClrTx/>
-              <a:buSzTx/>
-              <a:buFont typeface="Arial" panose="020B0604020202020204" pitchFamily="34" charset="0"/>
-              <a:buNone/>
-              <a:tabLst/>
-              <a:defRPr/>
-            </a:pPr>
-            <a:r>
-              <a:rPr kumimoji="0" lang="en-GB" sz="2600" b="0" i="0" u="none" strike="noStrike" kern="1200" cap="none" spc="0" normalizeH="0" baseline="0" noProof="0" dirty="0">
-                <a:ln>
-                  <a:noFill/>
-                </a:ln>
-                <a:solidFill>
-                  <a:srgbClr val="000000"/>
-                </a:solidFill>
-                <a:effectLst/>
-                <a:uLnTx/>
-                <a:uFillTx/>
-                <a:latin typeface="Arial" panose="020B0604020202020204" pitchFamily="34" charset="0"/>
-                <a:cs typeface="Arial" panose="020B0604020202020204" pitchFamily="34" charset="0"/>
-              </a:rPr>
-              <a:t>We did use chat GPT 3.5, 4.0 and 4.0omega, Microsoft </a:t>
-            </a:r>
-            <a:r>
-              <a:rPr kumimoji="0" lang="en-GB" sz="2600" b="0" i="0" u="none" strike="noStrike" kern="1200" cap="none" spc="0" normalizeH="0" baseline="0" noProof="0" dirty="0" err="1">
-                <a:ln>
-                  <a:noFill/>
-                </a:ln>
-                <a:solidFill>
-                  <a:srgbClr val="000000"/>
-                </a:solidFill>
-                <a:effectLst/>
-                <a:uLnTx/>
-                <a:uFillTx/>
-                <a:latin typeface="Arial" panose="020B0604020202020204" pitchFamily="34" charset="0"/>
-                <a:cs typeface="Arial" panose="020B0604020202020204" pitchFamily="34" charset="0"/>
-              </a:rPr>
-              <a:t>Copilot</a:t>
-            </a:r>
-            <a:r>
-              <a:rPr kumimoji="0" lang="en-GB" sz="2600" b="0" i="0" u="none" strike="noStrike" kern="1200" cap="none" spc="0" normalizeH="0" baseline="0" noProof="0" dirty="0">
-                <a:ln>
-                  <a:noFill/>
-                </a:ln>
-                <a:solidFill>
-                  <a:srgbClr val="000000"/>
-                </a:solidFill>
-                <a:effectLst/>
-                <a:uLnTx/>
-                <a:uFillTx/>
-                <a:latin typeface="Arial" panose="020B0604020202020204" pitchFamily="34" charset="0"/>
-                <a:cs typeface="Arial" panose="020B0604020202020204" pitchFamily="34" charset="0"/>
-              </a:rPr>
-              <a:t> for code errors resolution.</a:t>
-            </a:r>
-          </a:p>
-        </p:txBody>
-      </p:sp>
-      <p:sp>
-        <p:nvSpPr>
-          <p:cNvPr id="14" name="Rectangle 13">
-            <a:extLst>
-              <a:ext uri="{FF2B5EF4-FFF2-40B4-BE49-F238E27FC236}">
-                <a16:creationId xmlns:a16="http://schemas.microsoft.com/office/drawing/2014/main" id="{7004738A-9D34-43E8-97D2-CA0EED4F8BE0}"/>
-              </a:ext>
-              <a:ext uri="{C183D7F6-B498-43B3-948B-1728B52AA6E4}">
-                <adec:decorative xmlns:adec="http://schemas.microsoft.com/office/drawing/2017/decorative" val="1"/>
-              </a:ext>
-            </a:extLst>
-          </p:cNvPr>
-          <p:cNvSpPr>
-            <a:spLocks noGrp="1" noRot="1" noChangeAspect="1" noMove="1" noResize="1" noEditPoints="1" noAdjustHandles="1" noChangeArrowheads="1" noChangeShapeType="1" noTextEdit="1"/>
-          </p:cNvSpPr>
-          <p:nvPr>
-            <p:extLst>
-              <p:ext uri="{386F3935-93C4-4BCD-93E2-E3B085C9AB24}">
-                <p16:designElem xmlns:p16="http://schemas.microsoft.com/office/powerpoint/2015/main" val="1"/>
-              </p:ext>
-            </p:extLst>
-          </p:nvPr>
-        </p:nvSpPr>
-        <p:spPr>
-          <a:xfrm rot="10800000" flipH="1">
-            <a:off x="8123333" y="-5"/>
-            <a:ext cx="4092521" cy="6858000"/>
-          </a:xfrm>
-          <a:prstGeom prst="rect">
-            <a:avLst/>
-          </a:prstGeom>
-          <a:gradFill>
-            <a:gsLst>
-              <a:gs pos="8000">
-                <a:srgbClr val="000000">
-                  <a:alpha val="94000"/>
-                </a:srgbClr>
-              </a:gs>
-              <a:gs pos="100000">
-                <a:schemeClr val="accent1"/>
-              </a:gs>
-            </a:gsLst>
-            <a:lin ang="2400000" scaled="0"/>
-          </a:gradFill>
-          <a:ln>
-            <a:noFill/>
-          </a:ln>
-        </p:spPr>
-        <p:style>
-          <a:lnRef idx="2">
-            <a:schemeClr val="accent1">
-              <a:shade val="50000"/>
-            </a:schemeClr>
-          </a:lnRef>
-          <a:fillRef idx="1">
-            <a:schemeClr val="accent1"/>
-          </a:fillRef>
-          <a:effectRef idx="0">
-            <a:schemeClr val="accent1"/>
-          </a:effectRef>
-          <a:fontRef idx="minor">
-            <a:schemeClr val="lt1"/>
-          </a:fontRef>
-        </p:style>
-        <p:txBody>
-          <a:bodyPr rtlCol="0" anchor="ctr"/>
-          <a:lstStyle/>
-          <a:p>
-            <a:pPr marL="0" marR="0" lvl="0" indent="0" algn="ctr" defTabSz="914400" rtl="0" eaLnBrk="1" fontAlgn="auto" latinLnBrk="0" hangingPunct="1">
-              <a:lnSpc>
-                <a:spcPct val="100000"/>
-              </a:lnSpc>
-              <a:spcBef>
-                <a:spcPts val="0"/>
-              </a:spcBef>
-              <a:spcAft>
-                <a:spcPts val="0"/>
-              </a:spcAft>
-              <a:buClrTx/>
-              <a:buSzTx/>
-              <a:buFontTx/>
-              <a:buNone/>
-              <a:tabLst/>
-              <a:defRPr/>
-            </a:pPr>
-            <a:endParaRPr kumimoji="0" lang="en-US" sz="1800" b="0" i="0" u="none" strike="noStrike" kern="1200" cap="none" spc="0" normalizeH="0" baseline="0" noProof="0">
-              <a:ln>
-                <a:noFill/>
-              </a:ln>
-              <a:solidFill>
-                <a:prstClr val="white"/>
-              </a:solidFill>
-              <a:effectLst/>
-              <a:uLnTx/>
-              <a:uFillTx/>
-              <a:latin typeface="Aptos" panose="02110004020202020204"/>
-              <a:ea typeface="+mn-ea"/>
-              <a:cs typeface="+mn-cs"/>
-            </a:endParaRPr>
-          </a:p>
-        </p:txBody>
-      </p:sp>
-      <p:sp>
-        <p:nvSpPr>
-          <p:cNvPr id="16" name="Rectangle 15">
-            <a:extLst>
-              <a:ext uri="{FF2B5EF4-FFF2-40B4-BE49-F238E27FC236}">
-                <a16:creationId xmlns:a16="http://schemas.microsoft.com/office/drawing/2014/main" id="{B8B8D07F-F13E-443E-BA68-2D26672D76B9}"/>
-              </a:ext>
-              <a:ext uri="{C183D7F6-B498-43B3-948B-1728B52AA6E4}">
-                <adec:decorative xmlns:adec="http://schemas.microsoft.com/office/drawing/2017/decorative" val="1"/>
-              </a:ext>
-            </a:extLst>
-          </p:cNvPr>
-          <p:cNvSpPr>
-            <a:spLocks noGrp="1" noRot="1" noChangeAspect="1" noMove="1" noResize="1" noEditPoints="1" noAdjustHandles="1" noChangeArrowheads="1" noChangeShapeType="1" noTextEdit="1"/>
-          </p:cNvSpPr>
-          <p:nvPr>
-            <p:extLst>
-              <p:ext uri="{386F3935-93C4-4BCD-93E2-E3B085C9AB24}">
-                <p16:designElem xmlns:p16="http://schemas.microsoft.com/office/powerpoint/2015/main" val="1"/>
-              </p:ext>
-            </p:extLst>
-          </p:nvPr>
-        </p:nvSpPr>
-        <p:spPr>
-          <a:xfrm rot="10800000" flipH="1">
-            <a:off x="8123333" y="-2"/>
-            <a:ext cx="4092521" cy="6400369"/>
-          </a:xfrm>
-          <a:prstGeom prst="rect">
-            <a:avLst/>
-          </a:prstGeom>
-          <a:gradFill>
-            <a:gsLst>
-              <a:gs pos="31000">
-                <a:schemeClr val="accent1">
-                  <a:lumMod val="50000"/>
-                  <a:alpha val="0"/>
-                </a:schemeClr>
-              </a:gs>
-              <a:gs pos="100000">
-                <a:schemeClr val="accent1">
-                  <a:lumMod val="50000"/>
-                  <a:alpha val="26000"/>
-                </a:schemeClr>
-              </a:gs>
-            </a:gsLst>
-            <a:lin ang="18000000" scaled="0"/>
-          </a:gradFill>
-          <a:ln>
-            <a:noFill/>
-          </a:ln>
-        </p:spPr>
-        <p:style>
-          <a:lnRef idx="2">
-            <a:schemeClr val="accent1">
-              <a:shade val="50000"/>
-            </a:schemeClr>
-          </a:lnRef>
-          <a:fillRef idx="1">
-            <a:schemeClr val="accent1"/>
-          </a:fillRef>
-          <a:effectRef idx="0">
-            <a:schemeClr val="accent1"/>
-          </a:effectRef>
-          <a:fontRef idx="minor">
-            <a:schemeClr val="lt1"/>
-          </a:fontRef>
-        </p:style>
-        <p:txBody>
-          <a:bodyPr rtlCol="0" anchor="ctr"/>
-          <a:lstStyle/>
-          <a:p>
-            <a:pPr marL="0" marR="0" lvl="0" indent="0" algn="ctr" defTabSz="914400" rtl="0" eaLnBrk="1" fontAlgn="auto" latinLnBrk="0" hangingPunct="1">
-              <a:lnSpc>
-                <a:spcPct val="100000"/>
-              </a:lnSpc>
-              <a:spcBef>
-                <a:spcPts val="0"/>
-              </a:spcBef>
-              <a:spcAft>
-                <a:spcPts val="0"/>
-              </a:spcAft>
-              <a:buClrTx/>
-              <a:buSzTx/>
-              <a:buFontTx/>
-              <a:buNone/>
-              <a:tabLst/>
-              <a:defRPr/>
-            </a:pPr>
-            <a:endParaRPr kumimoji="0" lang="en-US" sz="1800" b="0" i="0" u="none" strike="noStrike" kern="1200" cap="none" spc="0" normalizeH="0" baseline="0" noProof="0" dirty="0">
-              <a:ln>
-                <a:noFill/>
-              </a:ln>
-              <a:solidFill>
-                <a:prstClr val="white"/>
-              </a:solidFill>
-              <a:effectLst/>
-              <a:uLnTx/>
-              <a:uFillTx/>
-              <a:latin typeface="Aptos" panose="02110004020202020204"/>
-              <a:ea typeface="+mn-ea"/>
-              <a:cs typeface="+mn-cs"/>
-            </a:endParaRPr>
-          </a:p>
-        </p:txBody>
-      </p:sp>
-      <p:sp>
-        <p:nvSpPr>
-          <p:cNvPr id="18" name="Rectangle 17">
-            <a:extLst>
-              <a:ext uri="{FF2B5EF4-FFF2-40B4-BE49-F238E27FC236}">
-                <a16:creationId xmlns:a16="http://schemas.microsoft.com/office/drawing/2014/main" id="{2813A4FA-24A5-41ED-A534-3807D1B2F344}"/>
-              </a:ext>
-              <a:ext uri="{C183D7F6-B498-43B3-948B-1728B52AA6E4}">
-                <adec:decorative xmlns:adec="http://schemas.microsoft.com/office/drawing/2017/decorative" val="1"/>
-              </a:ext>
-            </a:extLst>
-          </p:cNvPr>
-          <p:cNvSpPr>
-            <a:spLocks noGrp="1" noRot="1" noChangeAspect="1" noMove="1" noResize="1" noEditPoints="1" noAdjustHandles="1" noChangeArrowheads="1" noChangeShapeType="1" noTextEdit="1"/>
-          </p:cNvSpPr>
-          <p:nvPr>
-            <p:extLst>
-              <p:ext uri="{386F3935-93C4-4BCD-93E2-E3B085C9AB24}">
-                <p16:designElem xmlns:p16="http://schemas.microsoft.com/office/powerpoint/2015/main" val="1"/>
-              </p:ext>
-            </p:extLst>
-          </p:nvPr>
-        </p:nvSpPr>
-        <p:spPr>
-          <a:xfrm rot="10800000" flipH="1">
-            <a:off x="8123333" y="-22"/>
-            <a:ext cx="4068667" cy="6400389"/>
-          </a:xfrm>
-          <a:prstGeom prst="rect">
-            <a:avLst/>
-          </a:prstGeom>
-          <a:gradFill>
-            <a:gsLst>
-              <a:gs pos="0">
-                <a:schemeClr val="accent1">
-                  <a:alpha val="0"/>
-                </a:schemeClr>
-              </a:gs>
-              <a:gs pos="72000">
-                <a:srgbClr val="000000">
-                  <a:alpha val="21000"/>
-                </a:srgbClr>
-              </a:gs>
-            </a:gsLst>
-            <a:lin ang="3000000" scaled="0"/>
-          </a:gradFill>
-          <a:ln>
-            <a:noFill/>
-          </a:ln>
-        </p:spPr>
-        <p:style>
-          <a:lnRef idx="2">
-            <a:schemeClr val="accent1">
-              <a:shade val="50000"/>
-            </a:schemeClr>
-          </a:lnRef>
-          <a:fillRef idx="1">
-            <a:schemeClr val="accent1"/>
-          </a:fillRef>
-          <a:effectRef idx="0">
-            <a:schemeClr val="accent1"/>
-          </a:effectRef>
-          <a:fontRef idx="minor">
-            <a:schemeClr val="lt1"/>
-          </a:fontRef>
-        </p:style>
-        <p:txBody>
-          <a:bodyPr rtlCol="0" anchor="ctr"/>
-          <a:lstStyle/>
-          <a:p>
-            <a:pPr marL="0" marR="0" lvl="0" indent="0" algn="ctr" defTabSz="914400" rtl="0" eaLnBrk="1" fontAlgn="auto" latinLnBrk="0" hangingPunct="1">
-              <a:lnSpc>
-                <a:spcPct val="100000"/>
-              </a:lnSpc>
-              <a:spcBef>
-                <a:spcPts val="0"/>
-              </a:spcBef>
-              <a:spcAft>
-                <a:spcPts val="0"/>
-              </a:spcAft>
-              <a:buClrTx/>
-              <a:buSzTx/>
-              <a:buFontTx/>
-              <a:buNone/>
-              <a:tabLst/>
-              <a:defRPr/>
-            </a:pPr>
-            <a:endParaRPr kumimoji="0" lang="en-US" sz="1800" b="0" i="0" u="none" strike="noStrike" kern="1200" cap="none" spc="0" normalizeH="0" baseline="0" noProof="0" dirty="0">
-              <a:ln>
-                <a:noFill/>
-              </a:ln>
-              <a:solidFill>
-                <a:prstClr val="white"/>
-              </a:solidFill>
-              <a:effectLst/>
-              <a:uLnTx/>
-              <a:uFillTx/>
-              <a:latin typeface="Aptos" panose="02110004020202020204"/>
-              <a:ea typeface="+mn-ea"/>
-              <a:cs typeface="+mn-cs"/>
-            </a:endParaRPr>
-          </a:p>
-        </p:txBody>
-      </p:sp>
-      <p:sp>
-        <p:nvSpPr>
-          <p:cNvPr id="20" name="Rectangle 19">
-            <a:extLst>
-              <a:ext uri="{FF2B5EF4-FFF2-40B4-BE49-F238E27FC236}">
-                <a16:creationId xmlns:a16="http://schemas.microsoft.com/office/drawing/2014/main" id="{C3944F27-CA70-4E84-A51A-E6BF89558979}"/>
-              </a:ext>
-              <a:ext uri="{C183D7F6-B498-43B3-948B-1728B52AA6E4}">
-                <adec:decorative xmlns:adec="http://schemas.microsoft.com/office/drawing/2017/decorative" val="1"/>
-              </a:ext>
-            </a:extLst>
-          </p:cNvPr>
-          <p:cNvSpPr>
-            <a:spLocks noGrp="1" noRot="1" noChangeAspect="1" noMove="1" noResize="1" noEditPoints="1" noAdjustHandles="1" noChangeArrowheads="1" noChangeShapeType="1" noTextEdit="1"/>
-          </p:cNvSpPr>
-          <p:nvPr>
-            <p:extLst>
-              <p:ext uri="{386F3935-93C4-4BCD-93E2-E3B085C9AB24}">
-                <p16:designElem xmlns:p16="http://schemas.microsoft.com/office/powerpoint/2015/main" val="1"/>
-              </p:ext>
-            </p:extLst>
-          </p:nvPr>
-        </p:nvSpPr>
-        <p:spPr>
-          <a:xfrm rot="10800000" flipH="1">
-            <a:off x="8123333" y="-10"/>
-            <a:ext cx="3611467" cy="6857997"/>
-          </a:xfrm>
-          <a:prstGeom prst="rect">
-            <a:avLst/>
-          </a:prstGeom>
-          <a:gradFill>
-            <a:gsLst>
-              <a:gs pos="0">
-                <a:schemeClr val="accent1">
-                  <a:alpha val="0"/>
-                </a:schemeClr>
-              </a:gs>
-              <a:gs pos="93000">
-                <a:srgbClr val="000000">
-                  <a:alpha val="29000"/>
-                </a:srgbClr>
-              </a:gs>
-            </a:gsLst>
-            <a:lin ang="5400000" scaled="0"/>
-          </a:gradFill>
-          <a:ln>
-            <a:noFill/>
-          </a:ln>
-        </p:spPr>
-        <p:style>
-          <a:lnRef idx="2">
-            <a:schemeClr val="accent1">
-              <a:shade val="50000"/>
-            </a:schemeClr>
-          </a:lnRef>
-          <a:fillRef idx="1">
-            <a:schemeClr val="accent1"/>
-          </a:fillRef>
-          <a:effectRef idx="0">
-            <a:schemeClr val="accent1"/>
-          </a:effectRef>
-          <a:fontRef idx="minor">
-            <a:schemeClr val="lt1"/>
-          </a:fontRef>
-        </p:style>
-        <p:txBody>
-          <a:bodyPr rtlCol="0" anchor="ctr"/>
-          <a:lstStyle/>
-          <a:p>
-            <a:pPr marL="0" marR="0" lvl="0" indent="0" algn="ctr" defTabSz="914400" rtl="0" eaLnBrk="1" fontAlgn="auto" latinLnBrk="0" hangingPunct="1">
-              <a:lnSpc>
-                <a:spcPct val="100000"/>
-              </a:lnSpc>
-              <a:spcBef>
-                <a:spcPts val="0"/>
-              </a:spcBef>
-              <a:spcAft>
-                <a:spcPts val="0"/>
-              </a:spcAft>
-              <a:buClrTx/>
-              <a:buSzTx/>
-              <a:buFontTx/>
-              <a:buNone/>
-              <a:tabLst/>
-              <a:defRPr/>
-            </a:pPr>
-            <a:endParaRPr kumimoji="0" lang="en-US" sz="1800" b="0" i="0" u="none" strike="noStrike" kern="1200" cap="none" spc="0" normalizeH="0" baseline="0" noProof="0" dirty="0">
-              <a:ln>
-                <a:noFill/>
-              </a:ln>
-              <a:solidFill>
-                <a:prstClr val="white"/>
-              </a:solidFill>
-              <a:effectLst/>
-              <a:uLnTx/>
-              <a:uFillTx/>
-              <a:latin typeface="Aptos" panose="02110004020202020204"/>
-              <a:ea typeface="+mn-ea"/>
-              <a:cs typeface="+mn-cs"/>
-            </a:endParaRPr>
-          </a:p>
-        </p:txBody>
-      </p:sp>
-      <p:sp>
-        <p:nvSpPr>
-          <p:cNvPr id="5" name="Content Placeholder 2">
-            <a:extLst>
-              <a:ext uri="{FF2B5EF4-FFF2-40B4-BE49-F238E27FC236}">
-                <a16:creationId xmlns:a16="http://schemas.microsoft.com/office/drawing/2014/main" id="{19509C26-039A-EC7F-1AFB-262954821CEE}"/>
-              </a:ext>
-            </a:extLst>
-          </p:cNvPr>
-          <p:cNvSpPr txBox="1">
-            <a:spLocks/>
-          </p:cNvSpPr>
-          <p:nvPr/>
-        </p:nvSpPr>
-        <p:spPr>
-          <a:xfrm>
-            <a:off x="1297323" y="2558294"/>
-            <a:ext cx="5429298" cy="3535083"/>
-          </a:xfrm>
-          <a:prstGeom prst="rect">
-            <a:avLst/>
-          </a:prstGeom>
-        </p:spPr>
-        <p:txBody>
-          <a:bodyPr vert="horz" lIns="91440" tIns="45720" rIns="91440" bIns="45720" rtlCol="0" anchor="t">
-            <a:normAutofit/>
-          </a:bodyPr>
-          <a:lstStyle>
-            <a:lvl1pPr marL="228600" indent="-228600" algn="l" defTabSz="914400" rtl="0" eaLnBrk="1" latinLnBrk="0" hangingPunct="1">
-              <a:lnSpc>
-                <a:spcPct val="90000"/>
-              </a:lnSpc>
-              <a:spcBef>
-                <a:spcPts val="1000"/>
-              </a:spcBef>
-              <a:buFont typeface="Arial" panose="020B0604020202020204" pitchFamily="34" charset="0"/>
-              <a:buChar char="•"/>
-              <a:defRPr sz="2800" kern="1200">
-                <a:solidFill>
-                  <a:schemeClr val="tx1"/>
-                </a:solidFill>
-                <a:latin typeface="+mn-lt"/>
-                <a:ea typeface="+mn-ea"/>
-                <a:cs typeface="+mn-cs"/>
-              </a:defRPr>
-            </a:lvl1pPr>
-            <a:lvl2pPr marL="685800" indent="-228600" algn="l" defTabSz="914400" rtl="0" eaLnBrk="1" latinLnBrk="0" hangingPunct="1">
-              <a:lnSpc>
-                <a:spcPct val="90000"/>
-              </a:lnSpc>
-              <a:spcBef>
-                <a:spcPts val="500"/>
-              </a:spcBef>
-              <a:buFont typeface="Arial" panose="020B0604020202020204" pitchFamily="34" charset="0"/>
-              <a:buChar char="•"/>
-              <a:defRPr sz="2400" kern="1200">
-                <a:solidFill>
-                  <a:schemeClr val="tx1"/>
-                </a:solidFill>
-                <a:latin typeface="+mn-lt"/>
-                <a:ea typeface="+mn-ea"/>
-                <a:cs typeface="+mn-cs"/>
-              </a:defRPr>
-            </a:lvl2pPr>
-            <a:lvl3pPr marL="1143000" indent="-228600" algn="l" defTabSz="914400" rtl="0" eaLnBrk="1" latinLnBrk="0" hangingPunct="1">
-              <a:lnSpc>
-                <a:spcPct val="90000"/>
-              </a:lnSpc>
-              <a:spcBef>
-                <a:spcPts val="500"/>
-              </a:spcBef>
-              <a:buFont typeface="Arial" panose="020B0604020202020204" pitchFamily="34" charset="0"/>
-              <a:buChar char="•"/>
-              <a:defRPr sz="2000" kern="1200">
-                <a:solidFill>
-                  <a:schemeClr val="tx1"/>
-                </a:solidFill>
-                <a:latin typeface="+mn-lt"/>
-                <a:ea typeface="+mn-ea"/>
-                <a:cs typeface="+mn-cs"/>
-              </a:defRPr>
-            </a:lvl3pPr>
-            <a:lvl4pPr marL="1600200" indent="-228600" algn="l" defTabSz="914400" rtl="0" eaLnBrk="1" latinLnBrk="0" hangingPunct="1">
-              <a:lnSpc>
-                <a:spcPct val="90000"/>
-              </a:lnSpc>
-              <a:spcBef>
-                <a:spcPts val="500"/>
-              </a:spcBef>
-              <a:buFont typeface="Arial" panose="020B0604020202020204" pitchFamily="34" charset="0"/>
-              <a:buChar char="•"/>
-              <a:defRPr sz="1800" kern="1200">
-                <a:solidFill>
-                  <a:schemeClr val="tx1"/>
-                </a:solidFill>
-                <a:latin typeface="+mn-lt"/>
-                <a:ea typeface="+mn-ea"/>
-                <a:cs typeface="+mn-cs"/>
-              </a:defRPr>
-            </a:lvl4pPr>
-            <a:lvl5pPr marL="2057400" indent="-228600" algn="l" defTabSz="914400" rtl="0" eaLnBrk="1" latinLnBrk="0" hangingPunct="1">
-              <a:lnSpc>
-                <a:spcPct val="90000"/>
-              </a:lnSpc>
-              <a:spcBef>
-                <a:spcPts val="500"/>
-              </a:spcBef>
-              <a:buFont typeface="Arial" panose="020B0604020202020204" pitchFamily="34" charset="0"/>
-              <a:buChar char="•"/>
-              <a:defRPr sz="1800" kern="1200">
-                <a:solidFill>
-                  <a:schemeClr val="tx1"/>
-                </a:solidFill>
-                <a:latin typeface="+mn-lt"/>
-                <a:ea typeface="+mn-ea"/>
-                <a:cs typeface="+mn-cs"/>
-              </a:defRPr>
-            </a:lvl5pPr>
-            <a:lvl6pPr marL="2514600" indent="-228600" algn="l" defTabSz="914400" rtl="0" eaLnBrk="1" latinLnBrk="0" hangingPunct="1">
-              <a:lnSpc>
-                <a:spcPct val="90000"/>
-              </a:lnSpc>
-              <a:spcBef>
-                <a:spcPts val="500"/>
-              </a:spcBef>
-              <a:buFont typeface="Arial" panose="020B0604020202020204" pitchFamily="34" charset="0"/>
-              <a:buChar char="•"/>
-              <a:defRPr sz="1800" kern="1200">
-                <a:solidFill>
-                  <a:schemeClr val="tx1"/>
-                </a:solidFill>
-                <a:latin typeface="+mn-lt"/>
-                <a:ea typeface="+mn-ea"/>
-                <a:cs typeface="+mn-cs"/>
-              </a:defRPr>
-            </a:lvl6pPr>
-            <a:lvl7pPr marL="2971800" indent="-228600" algn="l" defTabSz="914400" rtl="0" eaLnBrk="1" latinLnBrk="0" hangingPunct="1">
-              <a:lnSpc>
-                <a:spcPct val="90000"/>
-              </a:lnSpc>
-              <a:spcBef>
-                <a:spcPts val="500"/>
-              </a:spcBef>
-              <a:buFont typeface="Arial" panose="020B0604020202020204" pitchFamily="34" charset="0"/>
-              <a:buChar char="•"/>
-              <a:defRPr sz="1800" kern="1200">
-                <a:solidFill>
-                  <a:schemeClr val="tx1"/>
-                </a:solidFill>
-                <a:latin typeface="+mn-lt"/>
-                <a:ea typeface="+mn-ea"/>
-                <a:cs typeface="+mn-cs"/>
-              </a:defRPr>
-            </a:lvl7pPr>
-            <a:lvl8pPr marL="3429000" indent="-228600" algn="l" defTabSz="914400" rtl="0" eaLnBrk="1" latinLnBrk="0" hangingPunct="1">
-              <a:lnSpc>
-                <a:spcPct val="90000"/>
-              </a:lnSpc>
-              <a:spcBef>
-                <a:spcPts val="500"/>
-              </a:spcBef>
-              <a:buFont typeface="Arial" panose="020B0604020202020204" pitchFamily="34" charset="0"/>
-              <a:buChar char="•"/>
-              <a:defRPr sz="1800" kern="1200">
-                <a:solidFill>
-                  <a:schemeClr val="tx1"/>
-                </a:solidFill>
-                <a:latin typeface="+mn-lt"/>
-                <a:ea typeface="+mn-ea"/>
-                <a:cs typeface="+mn-cs"/>
-              </a:defRPr>
-            </a:lvl8pPr>
-            <a:lvl9pPr marL="3886200" indent="-228600" algn="l" defTabSz="914400" rtl="0" eaLnBrk="1" latinLnBrk="0" hangingPunct="1">
-              <a:lnSpc>
-                <a:spcPct val="90000"/>
-              </a:lnSpc>
-              <a:spcBef>
-                <a:spcPts val="500"/>
-              </a:spcBef>
-              <a:buFont typeface="Arial" panose="020B0604020202020204" pitchFamily="34" charset="0"/>
-              <a:buChar char="•"/>
-              <a:defRPr sz="1800" kern="1200">
-                <a:solidFill>
-                  <a:schemeClr val="tx1"/>
-                </a:solidFill>
-                <a:latin typeface="+mn-lt"/>
-                <a:ea typeface="+mn-ea"/>
-                <a:cs typeface="+mn-cs"/>
-              </a:defRPr>
-            </a:lvl9pPr>
-          </a:lstStyle>
-          <a:p>
             <a:pPr marL="0" marR="0" lvl="0" indent="0" algn="l" defTabSz="914400" rtl="0" eaLnBrk="1" fontAlgn="auto" latinLnBrk="0" hangingPunct="1">
               <a:lnSpc>
                 <a:spcPct val="90000"/>
@@ -7981,7 +8023,7 @@
 </p:sld>
 </file>
 
-<file path=ppt/slides/slide7.xml><?xml version="1.0" encoding="utf-8"?>
+<file path=ppt/slides/slide15.xml><?xml version="1.0" encoding="utf-8"?>
 <p:sld xmlns:a="http://schemas.openxmlformats.org/drawingml/2006/main" xmlns:r="http://schemas.openxmlformats.org/officeDocument/2006/relationships" xmlns:p="http://schemas.openxmlformats.org/presentationml/2006/main">
   <p:cSld>
     <p:bg>
@@ -8484,6 +8526,4425 @@
     <p:extLst>
       <p:ext uri="{BB962C8B-B14F-4D97-AF65-F5344CB8AC3E}">
         <p14:creationId xmlns:p14="http://schemas.microsoft.com/office/powerpoint/2010/main" val="2821872827"/>
+      </p:ext>
+    </p:extLst>
+  </p:cSld>
+  <p:clrMapOvr>
+    <a:masterClrMapping/>
+  </p:clrMapOvr>
+</p:sld>
+</file>
+
+<file path=ppt/slides/slide2.xml><?xml version="1.0" encoding="utf-8"?>
+<p:sld xmlns:a="http://schemas.openxmlformats.org/drawingml/2006/main" xmlns:r="http://schemas.openxmlformats.org/officeDocument/2006/relationships" xmlns:p="http://schemas.openxmlformats.org/presentationml/2006/main">
+  <p:cSld>
+    <p:bg>
+      <p:bgPr>
+        <a:solidFill>
+          <a:schemeClr val="bg1"/>
+        </a:solidFill>
+        <a:effectLst/>
+      </p:bgPr>
+    </p:bg>
+    <p:spTree>
+      <p:nvGrpSpPr>
+        <p:cNvPr id="1" name=""/>
+        <p:cNvGrpSpPr/>
+        <p:nvPr/>
+      </p:nvGrpSpPr>
+      <p:grpSpPr>
+        <a:xfrm>
+          <a:off x="0" y="0"/>
+          <a:ext cx="0" cy="0"/>
+          <a:chOff x="0" y="0"/>
+          <a:chExt cx="0" cy="0"/>
+        </a:xfrm>
+      </p:grpSpPr>
+      <p:sp useBgFill="1">
+        <p:nvSpPr>
+          <p:cNvPr id="12" name="Rectangle 11">
+            <a:extLst>
+              <a:ext uri="{FF2B5EF4-FFF2-40B4-BE49-F238E27FC236}">
+                <a16:creationId xmlns:a16="http://schemas.microsoft.com/office/drawing/2014/main" id="{12609869-9E80-471B-A487-A53288E0E791}"/>
+              </a:ext>
+              <a:ext uri="{C183D7F6-B498-43B3-948B-1728B52AA6E4}">
+                <adec:decorative xmlns:adec="http://schemas.microsoft.com/office/drawing/2017/decorative" val="1"/>
+              </a:ext>
+            </a:extLst>
+          </p:cNvPr>
+          <p:cNvSpPr>
+            <a:spLocks noGrp="1" noRot="1" noChangeAspect="1" noMove="1" noResize="1" noEditPoints="1" noAdjustHandles="1" noChangeArrowheads="1" noChangeShapeType="1" noTextEdit="1"/>
+          </p:cNvSpPr>
+          <p:nvPr>
+            <p:extLst>
+              <p:ext uri="{386F3935-93C4-4BCD-93E2-E3B085C9AB24}">
+                <p16:designElem xmlns:p16="http://schemas.microsoft.com/office/powerpoint/2015/main" val="1"/>
+              </p:ext>
+            </p:extLst>
+          </p:nvPr>
+        </p:nvSpPr>
+        <p:spPr>
+          <a:xfrm>
+            <a:off x="0" y="0"/>
+            <a:ext cx="12192000" cy="6858000"/>
+          </a:xfrm>
+          <a:prstGeom prst="rect">
+            <a:avLst/>
+          </a:prstGeom>
+          <a:ln w="12700" cap="flat" cmpd="sng" algn="ctr">
+            <a:noFill/>
+            <a:prstDash val="solid"/>
+            <a:miter lim="800000"/>
+          </a:ln>
+          <a:effectLst/>
+          <a:extLst>
+            <a:ext uri="{91240B29-F687-4F45-9708-019B960494DF}">
+              <a14:hiddenLine xmlns:a14="http://schemas.microsoft.com/office/drawing/2010/main" w="12700" cap="flat" cmpd="sng" algn="ctr">
+                <a:solidFill>
+                  <a:schemeClr val="accent1">
+                    <a:shade val="50000"/>
+                  </a:schemeClr>
+                </a:solidFill>
+                <a:prstDash val="solid"/>
+                <a:miter lim="800000"/>
+              </a14:hiddenLine>
+            </a:ext>
+          </a:extLst>
+        </p:spPr>
+        <p:style>
+          <a:lnRef idx="2">
+            <a:schemeClr val="accent1">
+              <a:shade val="50000"/>
+            </a:schemeClr>
+          </a:lnRef>
+          <a:fillRef idx="1">
+            <a:schemeClr val="accent1"/>
+          </a:fillRef>
+          <a:effectRef idx="0">
+            <a:schemeClr val="accent1"/>
+          </a:effectRef>
+          <a:fontRef idx="minor">
+            <a:schemeClr val="lt1"/>
+          </a:fontRef>
+        </p:style>
+        <p:txBody>
+          <a:bodyPr rtlCol="0" anchor="ctr"/>
+          <a:lstStyle/>
+          <a:p>
+            <a:pPr marL="0" marR="0" lvl="0" indent="0" algn="ctr" defTabSz="914400" rtl="0" eaLnBrk="1" fontAlgn="auto" latinLnBrk="0" hangingPunct="1">
+              <a:lnSpc>
+                <a:spcPct val="100000"/>
+              </a:lnSpc>
+              <a:spcBef>
+                <a:spcPts val="0"/>
+              </a:spcBef>
+              <a:spcAft>
+                <a:spcPts val="0"/>
+              </a:spcAft>
+              <a:buClrTx/>
+              <a:buSzTx/>
+              <a:buFontTx/>
+              <a:buNone/>
+              <a:tabLst/>
+              <a:defRPr/>
+            </a:pPr>
+            <a:endParaRPr kumimoji="0" lang="en-US" sz="1800" b="0" i="0" u="none" strike="noStrike" kern="1200" cap="none" spc="0" normalizeH="0" baseline="0" noProof="0">
+              <a:ln>
+                <a:noFill/>
+              </a:ln>
+              <a:solidFill>
+                <a:prstClr val="white"/>
+              </a:solidFill>
+              <a:effectLst/>
+              <a:uLnTx/>
+              <a:uFillTx/>
+              <a:latin typeface="Aptos" panose="02110004020202020204"/>
+              <a:ea typeface="+mn-ea"/>
+              <a:cs typeface="+mn-cs"/>
+            </a:endParaRPr>
+          </a:p>
+        </p:txBody>
+      </p:sp>
+      <p:sp>
+        <p:nvSpPr>
+          <p:cNvPr id="2" name="Title 1">
+            <a:extLst>
+              <a:ext uri="{FF2B5EF4-FFF2-40B4-BE49-F238E27FC236}">
+                <a16:creationId xmlns:a16="http://schemas.microsoft.com/office/drawing/2014/main" id="{32C432B7-0A6C-2C12-77FA-7B714600B30E}"/>
+              </a:ext>
+            </a:extLst>
+          </p:cNvPr>
+          <p:cNvSpPr>
+            <a:spLocks noGrp="1"/>
+          </p:cNvSpPr>
+          <p:nvPr>
+            <p:ph type="title"/>
+          </p:nvPr>
+        </p:nvSpPr>
+        <p:spPr>
+          <a:xfrm>
+            <a:off x="1136397" y="502020"/>
+            <a:ext cx="5323715" cy="1642970"/>
+          </a:xfrm>
+        </p:spPr>
+        <p:txBody>
+          <a:bodyPr vert="horz" lIns="91440" tIns="45720" rIns="91440" bIns="45720" rtlCol="0" anchor="b">
+            <a:normAutofit/>
+          </a:bodyPr>
+          <a:lstStyle/>
+          <a:p>
+            <a:r>
+              <a:rPr lang="en-GB" sz="4000" dirty="0">
+                <a:latin typeface="Arial" panose="020B0604020202020204" pitchFamily="34" charset="0"/>
+                <a:cs typeface="Arial" panose="020B0604020202020204" pitchFamily="34" charset="0"/>
+              </a:rPr>
+              <a:t>Aim of the project</a:t>
+            </a:r>
+            <a:endParaRPr lang="en-US" sz="4000" kern="1200" dirty="0">
+              <a:solidFill>
+                <a:schemeClr val="tx1"/>
+              </a:solidFill>
+              <a:latin typeface="Arial" panose="020B0604020202020204" pitchFamily="34" charset="0"/>
+              <a:cs typeface="Arial" panose="020B0604020202020204" pitchFamily="34" charset="0"/>
+            </a:endParaRPr>
+          </a:p>
+        </p:txBody>
+      </p:sp>
+      <p:sp>
+        <p:nvSpPr>
+          <p:cNvPr id="7" name="Content Placeholder 2">
+            <a:extLst>
+              <a:ext uri="{FF2B5EF4-FFF2-40B4-BE49-F238E27FC236}">
+                <a16:creationId xmlns:a16="http://schemas.microsoft.com/office/drawing/2014/main" id="{6E2D6785-3FC0-5B4B-8F43-4406AD91B4D7}"/>
+              </a:ext>
+            </a:extLst>
+          </p:cNvPr>
+          <p:cNvSpPr txBox="1">
+            <a:spLocks/>
+          </p:cNvSpPr>
+          <p:nvPr/>
+        </p:nvSpPr>
+        <p:spPr>
+          <a:xfrm>
+            <a:off x="1144923" y="2405894"/>
+            <a:ext cx="6332509" cy="3535083"/>
+          </a:xfrm>
+          <a:prstGeom prst="rect">
+            <a:avLst/>
+          </a:prstGeom>
+        </p:spPr>
+        <p:txBody>
+          <a:bodyPr vert="horz" lIns="91440" tIns="45720" rIns="91440" bIns="45720" rtlCol="0" anchor="t">
+            <a:normAutofit/>
+          </a:bodyPr>
+          <a:lstStyle>
+            <a:lvl1pPr marL="228600" indent="-228600" algn="l" defTabSz="914400" rtl="0" eaLnBrk="1" latinLnBrk="0" hangingPunct="1">
+              <a:lnSpc>
+                <a:spcPct val="90000"/>
+              </a:lnSpc>
+              <a:spcBef>
+                <a:spcPts val="1000"/>
+              </a:spcBef>
+              <a:buFont typeface="Arial" panose="020B0604020202020204" pitchFamily="34" charset="0"/>
+              <a:buChar char="•"/>
+              <a:defRPr sz="2800" kern="1200">
+                <a:solidFill>
+                  <a:schemeClr val="tx1"/>
+                </a:solidFill>
+                <a:latin typeface="+mn-lt"/>
+                <a:ea typeface="+mn-ea"/>
+                <a:cs typeface="+mn-cs"/>
+              </a:defRPr>
+            </a:lvl1pPr>
+            <a:lvl2pPr marL="685800" indent="-228600" algn="l" defTabSz="914400" rtl="0" eaLnBrk="1" latinLnBrk="0" hangingPunct="1">
+              <a:lnSpc>
+                <a:spcPct val="90000"/>
+              </a:lnSpc>
+              <a:spcBef>
+                <a:spcPts val="500"/>
+              </a:spcBef>
+              <a:buFont typeface="Arial" panose="020B0604020202020204" pitchFamily="34" charset="0"/>
+              <a:buChar char="•"/>
+              <a:defRPr sz="2400" kern="1200">
+                <a:solidFill>
+                  <a:schemeClr val="tx1"/>
+                </a:solidFill>
+                <a:latin typeface="+mn-lt"/>
+                <a:ea typeface="+mn-ea"/>
+                <a:cs typeface="+mn-cs"/>
+              </a:defRPr>
+            </a:lvl2pPr>
+            <a:lvl3pPr marL="1143000" indent="-228600" algn="l" defTabSz="914400" rtl="0" eaLnBrk="1" latinLnBrk="0" hangingPunct="1">
+              <a:lnSpc>
+                <a:spcPct val="90000"/>
+              </a:lnSpc>
+              <a:spcBef>
+                <a:spcPts val="500"/>
+              </a:spcBef>
+              <a:buFont typeface="Arial" panose="020B0604020202020204" pitchFamily="34" charset="0"/>
+              <a:buChar char="•"/>
+              <a:defRPr sz="2000" kern="1200">
+                <a:solidFill>
+                  <a:schemeClr val="tx1"/>
+                </a:solidFill>
+                <a:latin typeface="+mn-lt"/>
+                <a:ea typeface="+mn-ea"/>
+                <a:cs typeface="+mn-cs"/>
+              </a:defRPr>
+            </a:lvl3pPr>
+            <a:lvl4pPr marL="1600200" indent="-228600" algn="l" defTabSz="914400" rtl="0" eaLnBrk="1" latinLnBrk="0" hangingPunct="1">
+              <a:lnSpc>
+                <a:spcPct val="90000"/>
+              </a:lnSpc>
+              <a:spcBef>
+                <a:spcPts val="500"/>
+              </a:spcBef>
+              <a:buFont typeface="Arial" panose="020B0604020202020204" pitchFamily="34" charset="0"/>
+              <a:buChar char="•"/>
+              <a:defRPr sz="1800" kern="1200">
+                <a:solidFill>
+                  <a:schemeClr val="tx1"/>
+                </a:solidFill>
+                <a:latin typeface="+mn-lt"/>
+                <a:ea typeface="+mn-ea"/>
+                <a:cs typeface="+mn-cs"/>
+              </a:defRPr>
+            </a:lvl4pPr>
+            <a:lvl5pPr marL="2057400" indent="-228600" algn="l" defTabSz="914400" rtl="0" eaLnBrk="1" latinLnBrk="0" hangingPunct="1">
+              <a:lnSpc>
+                <a:spcPct val="90000"/>
+              </a:lnSpc>
+              <a:spcBef>
+                <a:spcPts val="500"/>
+              </a:spcBef>
+              <a:buFont typeface="Arial" panose="020B0604020202020204" pitchFamily="34" charset="0"/>
+              <a:buChar char="•"/>
+              <a:defRPr sz="1800" kern="1200">
+                <a:solidFill>
+                  <a:schemeClr val="tx1"/>
+                </a:solidFill>
+                <a:latin typeface="+mn-lt"/>
+                <a:ea typeface="+mn-ea"/>
+                <a:cs typeface="+mn-cs"/>
+              </a:defRPr>
+            </a:lvl5pPr>
+            <a:lvl6pPr marL="2514600" indent="-228600" algn="l" defTabSz="914400" rtl="0" eaLnBrk="1" latinLnBrk="0" hangingPunct="1">
+              <a:lnSpc>
+                <a:spcPct val="90000"/>
+              </a:lnSpc>
+              <a:spcBef>
+                <a:spcPts val="500"/>
+              </a:spcBef>
+              <a:buFont typeface="Arial" panose="020B0604020202020204" pitchFamily="34" charset="0"/>
+              <a:buChar char="•"/>
+              <a:defRPr sz="1800" kern="1200">
+                <a:solidFill>
+                  <a:schemeClr val="tx1"/>
+                </a:solidFill>
+                <a:latin typeface="+mn-lt"/>
+                <a:ea typeface="+mn-ea"/>
+                <a:cs typeface="+mn-cs"/>
+              </a:defRPr>
+            </a:lvl6pPr>
+            <a:lvl7pPr marL="2971800" indent="-228600" algn="l" defTabSz="914400" rtl="0" eaLnBrk="1" latinLnBrk="0" hangingPunct="1">
+              <a:lnSpc>
+                <a:spcPct val="90000"/>
+              </a:lnSpc>
+              <a:spcBef>
+                <a:spcPts val="500"/>
+              </a:spcBef>
+              <a:buFont typeface="Arial" panose="020B0604020202020204" pitchFamily="34" charset="0"/>
+              <a:buChar char="•"/>
+              <a:defRPr sz="1800" kern="1200">
+                <a:solidFill>
+                  <a:schemeClr val="tx1"/>
+                </a:solidFill>
+                <a:latin typeface="+mn-lt"/>
+                <a:ea typeface="+mn-ea"/>
+                <a:cs typeface="+mn-cs"/>
+              </a:defRPr>
+            </a:lvl7pPr>
+            <a:lvl8pPr marL="3429000" indent="-228600" algn="l" defTabSz="914400" rtl="0" eaLnBrk="1" latinLnBrk="0" hangingPunct="1">
+              <a:lnSpc>
+                <a:spcPct val="90000"/>
+              </a:lnSpc>
+              <a:spcBef>
+                <a:spcPts val="500"/>
+              </a:spcBef>
+              <a:buFont typeface="Arial" panose="020B0604020202020204" pitchFamily="34" charset="0"/>
+              <a:buChar char="•"/>
+              <a:defRPr sz="1800" kern="1200">
+                <a:solidFill>
+                  <a:schemeClr val="tx1"/>
+                </a:solidFill>
+                <a:latin typeface="+mn-lt"/>
+                <a:ea typeface="+mn-ea"/>
+                <a:cs typeface="+mn-cs"/>
+              </a:defRPr>
+            </a:lvl8pPr>
+            <a:lvl9pPr marL="3886200" indent="-228600" algn="l" defTabSz="914400" rtl="0" eaLnBrk="1" latinLnBrk="0" hangingPunct="1">
+              <a:lnSpc>
+                <a:spcPct val="90000"/>
+              </a:lnSpc>
+              <a:spcBef>
+                <a:spcPts val="500"/>
+              </a:spcBef>
+              <a:buFont typeface="Arial" panose="020B0604020202020204" pitchFamily="34" charset="0"/>
+              <a:buChar char="•"/>
+              <a:defRPr sz="1800" kern="1200">
+                <a:solidFill>
+                  <a:schemeClr val="tx1"/>
+                </a:solidFill>
+                <a:latin typeface="+mn-lt"/>
+                <a:ea typeface="+mn-ea"/>
+                <a:cs typeface="+mn-cs"/>
+              </a:defRPr>
+            </a:lvl9pPr>
+          </a:lstStyle>
+          <a:p>
+            <a:r>
+              <a:rPr lang="en-GB" b="0" i="0" dirty="0">
+                <a:solidFill>
+                  <a:srgbClr val="333333"/>
+                </a:solidFill>
+                <a:effectLst/>
+                <a:highlight>
+                  <a:srgbClr val="FFFFFF"/>
+                </a:highlight>
+                <a:latin typeface="Helvetica Neue"/>
+              </a:rPr>
+              <a:t>Verify the reproducibility of the code. </a:t>
+            </a:r>
+          </a:p>
+          <a:p>
+            <a:r>
+              <a:rPr lang="en-GB" b="0" i="0" dirty="0">
+                <a:solidFill>
+                  <a:srgbClr val="333333"/>
+                </a:solidFill>
+                <a:effectLst/>
+                <a:highlight>
+                  <a:srgbClr val="FFFFFF"/>
+                </a:highlight>
+                <a:latin typeface="Helvetica Neue"/>
+              </a:rPr>
+              <a:t>Transform code from original code written in Python to R. </a:t>
+            </a:r>
+          </a:p>
+          <a:p>
+            <a:r>
+              <a:rPr lang="en-GB" b="0" i="0" dirty="0">
+                <a:solidFill>
+                  <a:srgbClr val="333333"/>
+                </a:solidFill>
+                <a:effectLst/>
+                <a:highlight>
+                  <a:srgbClr val="FFFFFF"/>
+                </a:highlight>
+                <a:latin typeface="Helvetica Neue"/>
+              </a:rPr>
+              <a:t>Ensure that the project written in R is reproducible.</a:t>
+            </a:r>
+          </a:p>
+          <a:p>
+            <a:r>
+              <a:rPr lang="en-GB" dirty="0">
+                <a:solidFill>
+                  <a:srgbClr val="333333"/>
+                </a:solidFill>
+                <a:highlight>
+                  <a:srgbClr val="FFFFFF"/>
+                </a:highlight>
+                <a:latin typeface="Helvetica Neue"/>
+                <a:cs typeface="Arial" panose="020B0604020202020204" pitchFamily="34" charset="0"/>
+              </a:rPr>
+              <a:t>Improve the results</a:t>
+            </a:r>
+            <a:endParaRPr lang="en-PL" dirty="0">
+              <a:latin typeface="Arial" panose="020B0604020202020204" pitchFamily="34" charset="0"/>
+              <a:cs typeface="Arial" panose="020B0604020202020204" pitchFamily="34" charset="0"/>
+            </a:endParaRPr>
+          </a:p>
+        </p:txBody>
+      </p:sp>
+      <p:sp>
+        <p:nvSpPr>
+          <p:cNvPr id="14" name="Rectangle 13">
+            <a:extLst>
+              <a:ext uri="{FF2B5EF4-FFF2-40B4-BE49-F238E27FC236}">
+                <a16:creationId xmlns:a16="http://schemas.microsoft.com/office/drawing/2014/main" id="{7004738A-9D34-43E8-97D2-CA0EED4F8BE0}"/>
+              </a:ext>
+              <a:ext uri="{C183D7F6-B498-43B3-948B-1728B52AA6E4}">
+                <adec:decorative xmlns:adec="http://schemas.microsoft.com/office/drawing/2017/decorative" val="1"/>
+              </a:ext>
+            </a:extLst>
+          </p:cNvPr>
+          <p:cNvSpPr>
+            <a:spLocks noGrp="1" noRot="1" noChangeAspect="1" noMove="1" noResize="1" noEditPoints="1" noAdjustHandles="1" noChangeArrowheads="1" noChangeShapeType="1" noTextEdit="1"/>
+          </p:cNvSpPr>
+          <p:nvPr>
+            <p:extLst>
+              <p:ext uri="{386F3935-93C4-4BCD-93E2-E3B085C9AB24}">
+                <p16:designElem xmlns:p16="http://schemas.microsoft.com/office/powerpoint/2015/main" val="1"/>
+              </p:ext>
+            </p:extLst>
+          </p:nvPr>
+        </p:nvSpPr>
+        <p:spPr>
+          <a:xfrm rot="10800000" flipH="1">
+            <a:off x="8123333" y="-5"/>
+            <a:ext cx="4092521" cy="6858000"/>
+          </a:xfrm>
+          <a:prstGeom prst="rect">
+            <a:avLst/>
+          </a:prstGeom>
+          <a:gradFill>
+            <a:gsLst>
+              <a:gs pos="8000">
+                <a:srgbClr val="000000">
+                  <a:alpha val="94000"/>
+                </a:srgbClr>
+              </a:gs>
+              <a:gs pos="100000">
+                <a:schemeClr val="accent1"/>
+              </a:gs>
+            </a:gsLst>
+            <a:lin ang="2400000" scaled="0"/>
+          </a:gradFill>
+          <a:ln>
+            <a:noFill/>
+          </a:ln>
+        </p:spPr>
+        <p:style>
+          <a:lnRef idx="2">
+            <a:schemeClr val="accent1">
+              <a:shade val="50000"/>
+            </a:schemeClr>
+          </a:lnRef>
+          <a:fillRef idx="1">
+            <a:schemeClr val="accent1"/>
+          </a:fillRef>
+          <a:effectRef idx="0">
+            <a:schemeClr val="accent1"/>
+          </a:effectRef>
+          <a:fontRef idx="minor">
+            <a:schemeClr val="lt1"/>
+          </a:fontRef>
+        </p:style>
+        <p:txBody>
+          <a:bodyPr rtlCol="0" anchor="ctr"/>
+          <a:lstStyle/>
+          <a:p>
+            <a:pPr marL="0" marR="0" lvl="0" indent="0" algn="ctr" defTabSz="914400" rtl="0" eaLnBrk="1" fontAlgn="auto" latinLnBrk="0" hangingPunct="1">
+              <a:lnSpc>
+                <a:spcPct val="100000"/>
+              </a:lnSpc>
+              <a:spcBef>
+                <a:spcPts val="0"/>
+              </a:spcBef>
+              <a:spcAft>
+                <a:spcPts val="0"/>
+              </a:spcAft>
+              <a:buClrTx/>
+              <a:buSzTx/>
+              <a:buFontTx/>
+              <a:buNone/>
+              <a:tabLst/>
+              <a:defRPr/>
+            </a:pPr>
+            <a:endParaRPr kumimoji="0" lang="en-US" sz="1800" b="0" i="0" u="none" strike="noStrike" kern="1200" cap="none" spc="0" normalizeH="0" baseline="0" noProof="0">
+              <a:ln>
+                <a:noFill/>
+              </a:ln>
+              <a:solidFill>
+                <a:prstClr val="white"/>
+              </a:solidFill>
+              <a:effectLst/>
+              <a:uLnTx/>
+              <a:uFillTx/>
+              <a:latin typeface="Aptos" panose="02110004020202020204"/>
+              <a:ea typeface="+mn-ea"/>
+              <a:cs typeface="+mn-cs"/>
+            </a:endParaRPr>
+          </a:p>
+        </p:txBody>
+      </p:sp>
+      <p:sp>
+        <p:nvSpPr>
+          <p:cNvPr id="16" name="Rectangle 15">
+            <a:extLst>
+              <a:ext uri="{FF2B5EF4-FFF2-40B4-BE49-F238E27FC236}">
+                <a16:creationId xmlns:a16="http://schemas.microsoft.com/office/drawing/2014/main" id="{B8B8D07F-F13E-443E-BA68-2D26672D76B9}"/>
+              </a:ext>
+              <a:ext uri="{C183D7F6-B498-43B3-948B-1728B52AA6E4}">
+                <adec:decorative xmlns:adec="http://schemas.microsoft.com/office/drawing/2017/decorative" val="1"/>
+              </a:ext>
+            </a:extLst>
+          </p:cNvPr>
+          <p:cNvSpPr>
+            <a:spLocks noGrp="1" noRot="1" noChangeAspect="1" noMove="1" noResize="1" noEditPoints="1" noAdjustHandles="1" noChangeArrowheads="1" noChangeShapeType="1" noTextEdit="1"/>
+          </p:cNvSpPr>
+          <p:nvPr>
+            <p:extLst>
+              <p:ext uri="{386F3935-93C4-4BCD-93E2-E3B085C9AB24}">
+                <p16:designElem xmlns:p16="http://schemas.microsoft.com/office/powerpoint/2015/main" val="1"/>
+              </p:ext>
+            </p:extLst>
+          </p:nvPr>
+        </p:nvSpPr>
+        <p:spPr>
+          <a:xfrm rot="10800000" flipH="1">
+            <a:off x="8123333" y="-2"/>
+            <a:ext cx="4092521" cy="6400369"/>
+          </a:xfrm>
+          <a:prstGeom prst="rect">
+            <a:avLst/>
+          </a:prstGeom>
+          <a:gradFill>
+            <a:gsLst>
+              <a:gs pos="31000">
+                <a:schemeClr val="accent1">
+                  <a:lumMod val="50000"/>
+                  <a:alpha val="0"/>
+                </a:schemeClr>
+              </a:gs>
+              <a:gs pos="100000">
+                <a:schemeClr val="accent1">
+                  <a:lumMod val="50000"/>
+                  <a:alpha val="26000"/>
+                </a:schemeClr>
+              </a:gs>
+            </a:gsLst>
+            <a:lin ang="18000000" scaled="0"/>
+          </a:gradFill>
+          <a:ln>
+            <a:noFill/>
+          </a:ln>
+        </p:spPr>
+        <p:style>
+          <a:lnRef idx="2">
+            <a:schemeClr val="accent1">
+              <a:shade val="50000"/>
+            </a:schemeClr>
+          </a:lnRef>
+          <a:fillRef idx="1">
+            <a:schemeClr val="accent1"/>
+          </a:fillRef>
+          <a:effectRef idx="0">
+            <a:schemeClr val="accent1"/>
+          </a:effectRef>
+          <a:fontRef idx="minor">
+            <a:schemeClr val="lt1"/>
+          </a:fontRef>
+        </p:style>
+        <p:txBody>
+          <a:bodyPr rtlCol="0" anchor="ctr"/>
+          <a:lstStyle/>
+          <a:p>
+            <a:pPr marL="0" marR="0" lvl="0" indent="0" algn="ctr" defTabSz="914400" rtl="0" eaLnBrk="1" fontAlgn="auto" latinLnBrk="0" hangingPunct="1">
+              <a:lnSpc>
+                <a:spcPct val="100000"/>
+              </a:lnSpc>
+              <a:spcBef>
+                <a:spcPts val="0"/>
+              </a:spcBef>
+              <a:spcAft>
+                <a:spcPts val="0"/>
+              </a:spcAft>
+              <a:buClrTx/>
+              <a:buSzTx/>
+              <a:buFontTx/>
+              <a:buNone/>
+              <a:tabLst/>
+              <a:defRPr/>
+            </a:pPr>
+            <a:endParaRPr kumimoji="0" lang="en-US" sz="1800" b="0" i="0" u="none" strike="noStrike" kern="1200" cap="none" spc="0" normalizeH="0" baseline="0" noProof="0" dirty="0">
+              <a:ln>
+                <a:noFill/>
+              </a:ln>
+              <a:solidFill>
+                <a:prstClr val="white"/>
+              </a:solidFill>
+              <a:effectLst/>
+              <a:uLnTx/>
+              <a:uFillTx/>
+              <a:latin typeface="Aptos" panose="02110004020202020204"/>
+              <a:ea typeface="+mn-ea"/>
+              <a:cs typeface="+mn-cs"/>
+            </a:endParaRPr>
+          </a:p>
+        </p:txBody>
+      </p:sp>
+      <p:sp>
+        <p:nvSpPr>
+          <p:cNvPr id="18" name="Rectangle 17">
+            <a:extLst>
+              <a:ext uri="{FF2B5EF4-FFF2-40B4-BE49-F238E27FC236}">
+                <a16:creationId xmlns:a16="http://schemas.microsoft.com/office/drawing/2014/main" id="{2813A4FA-24A5-41ED-A534-3807D1B2F344}"/>
+              </a:ext>
+              <a:ext uri="{C183D7F6-B498-43B3-948B-1728B52AA6E4}">
+                <adec:decorative xmlns:adec="http://schemas.microsoft.com/office/drawing/2017/decorative" val="1"/>
+              </a:ext>
+            </a:extLst>
+          </p:cNvPr>
+          <p:cNvSpPr>
+            <a:spLocks noGrp="1" noRot="1" noChangeAspect="1" noMove="1" noResize="1" noEditPoints="1" noAdjustHandles="1" noChangeArrowheads="1" noChangeShapeType="1" noTextEdit="1"/>
+          </p:cNvSpPr>
+          <p:nvPr>
+            <p:extLst>
+              <p:ext uri="{386F3935-93C4-4BCD-93E2-E3B085C9AB24}">
+                <p16:designElem xmlns:p16="http://schemas.microsoft.com/office/powerpoint/2015/main" val="1"/>
+              </p:ext>
+            </p:extLst>
+          </p:nvPr>
+        </p:nvSpPr>
+        <p:spPr>
+          <a:xfrm rot="10800000" flipH="1">
+            <a:off x="8123333" y="-22"/>
+            <a:ext cx="4068667" cy="6400389"/>
+          </a:xfrm>
+          <a:prstGeom prst="rect">
+            <a:avLst/>
+          </a:prstGeom>
+          <a:gradFill>
+            <a:gsLst>
+              <a:gs pos="0">
+                <a:schemeClr val="accent1">
+                  <a:alpha val="0"/>
+                </a:schemeClr>
+              </a:gs>
+              <a:gs pos="72000">
+                <a:srgbClr val="000000">
+                  <a:alpha val="21000"/>
+                </a:srgbClr>
+              </a:gs>
+            </a:gsLst>
+            <a:lin ang="3000000" scaled="0"/>
+          </a:gradFill>
+          <a:ln>
+            <a:noFill/>
+          </a:ln>
+        </p:spPr>
+        <p:style>
+          <a:lnRef idx="2">
+            <a:schemeClr val="accent1">
+              <a:shade val="50000"/>
+            </a:schemeClr>
+          </a:lnRef>
+          <a:fillRef idx="1">
+            <a:schemeClr val="accent1"/>
+          </a:fillRef>
+          <a:effectRef idx="0">
+            <a:schemeClr val="accent1"/>
+          </a:effectRef>
+          <a:fontRef idx="minor">
+            <a:schemeClr val="lt1"/>
+          </a:fontRef>
+        </p:style>
+        <p:txBody>
+          <a:bodyPr rtlCol="0" anchor="ctr"/>
+          <a:lstStyle/>
+          <a:p>
+            <a:pPr marL="0" marR="0" lvl="0" indent="0" algn="ctr" defTabSz="914400" rtl="0" eaLnBrk="1" fontAlgn="auto" latinLnBrk="0" hangingPunct="1">
+              <a:lnSpc>
+                <a:spcPct val="100000"/>
+              </a:lnSpc>
+              <a:spcBef>
+                <a:spcPts val="0"/>
+              </a:spcBef>
+              <a:spcAft>
+                <a:spcPts val="0"/>
+              </a:spcAft>
+              <a:buClrTx/>
+              <a:buSzTx/>
+              <a:buFontTx/>
+              <a:buNone/>
+              <a:tabLst/>
+              <a:defRPr/>
+            </a:pPr>
+            <a:endParaRPr kumimoji="0" lang="en-US" sz="1800" b="0" i="0" u="none" strike="noStrike" kern="1200" cap="none" spc="0" normalizeH="0" baseline="0" noProof="0" dirty="0">
+              <a:ln>
+                <a:noFill/>
+              </a:ln>
+              <a:solidFill>
+                <a:prstClr val="white"/>
+              </a:solidFill>
+              <a:effectLst/>
+              <a:uLnTx/>
+              <a:uFillTx/>
+              <a:latin typeface="Aptos" panose="02110004020202020204"/>
+              <a:ea typeface="+mn-ea"/>
+              <a:cs typeface="+mn-cs"/>
+            </a:endParaRPr>
+          </a:p>
+        </p:txBody>
+      </p:sp>
+      <p:sp>
+        <p:nvSpPr>
+          <p:cNvPr id="20" name="Rectangle 19">
+            <a:extLst>
+              <a:ext uri="{FF2B5EF4-FFF2-40B4-BE49-F238E27FC236}">
+                <a16:creationId xmlns:a16="http://schemas.microsoft.com/office/drawing/2014/main" id="{C3944F27-CA70-4E84-A51A-E6BF89558979}"/>
+              </a:ext>
+              <a:ext uri="{C183D7F6-B498-43B3-948B-1728B52AA6E4}">
+                <adec:decorative xmlns:adec="http://schemas.microsoft.com/office/drawing/2017/decorative" val="1"/>
+              </a:ext>
+            </a:extLst>
+          </p:cNvPr>
+          <p:cNvSpPr>
+            <a:spLocks noGrp="1" noRot="1" noChangeAspect="1" noMove="1" noResize="1" noEditPoints="1" noAdjustHandles="1" noChangeArrowheads="1" noChangeShapeType="1" noTextEdit="1"/>
+          </p:cNvSpPr>
+          <p:nvPr>
+            <p:extLst>
+              <p:ext uri="{386F3935-93C4-4BCD-93E2-E3B085C9AB24}">
+                <p16:designElem xmlns:p16="http://schemas.microsoft.com/office/powerpoint/2015/main" val="1"/>
+              </p:ext>
+            </p:extLst>
+          </p:nvPr>
+        </p:nvSpPr>
+        <p:spPr>
+          <a:xfrm rot="10800000" flipH="1">
+            <a:off x="8123333" y="-10"/>
+            <a:ext cx="3611467" cy="6857997"/>
+          </a:xfrm>
+          <a:prstGeom prst="rect">
+            <a:avLst/>
+          </a:prstGeom>
+          <a:gradFill>
+            <a:gsLst>
+              <a:gs pos="0">
+                <a:schemeClr val="accent1">
+                  <a:alpha val="0"/>
+                </a:schemeClr>
+              </a:gs>
+              <a:gs pos="93000">
+                <a:srgbClr val="000000">
+                  <a:alpha val="29000"/>
+                </a:srgbClr>
+              </a:gs>
+            </a:gsLst>
+            <a:lin ang="5400000" scaled="0"/>
+          </a:gradFill>
+          <a:ln>
+            <a:noFill/>
+          </a:ln>
+        </p:spPr>
+        <p:style>
+          <a:lnRef idx="2">
+            <a:schemeClr val="accent1">
+              <a:shade val="50000"/>
+            </a:schemeClr>
+          </a:lnRef>
+          <a:fillRef idx="1">
+            <a:schemeClr val="accent1"/>
+          </a:fillRef>
+          <a:effectRef idx="0">
+            <a:schemeClr val="accent1"/>
+          </a:effectRef>
+          <a:fontRef idx="minor">
+            <a:schemeClr val="lt1"/>
+          </a:fontRef>
+        </p:style>
+        <p:txBody>
+          <a:bodyPr rtlCol="0" anchor="ctr"/>
+          <a:lstStyle/>
+          <a:p>
+            <a:pPr marL="0" marR="0" lvl="0" indent="0" algn="ctr" defTabSz="914400" rtl="0" eaLnBrk="1" fontAlgn="auto" latinLnBrk="0" hangingPunct="1">
+              <a:lnSpc>
+                <a:spcPct val="100000"/>
+              </a:lnSpc>
+              <a:spcBef>
+                <a:spcPts val="0"/>
+              </a:spcBef>
+              <a:spcAft>
+                <a:spcPts val="0"/>
+              </a:spcAft>
+              <a:buClrTx/>
+              <a:buSzTx/>
+              <a:buFontTx/>
+              <a:buNone/>
+              <a:tabLst/>
+              <a:defRPr/>
+            </a:pPr>
+            <a:endParaRPr kumimoji="0" lang="en-US" sz="1800" b="0" i="0" u="none" strike="noStrike" kern="1200" cap="none" spc="0" normalizeH="0" baseline="0" noProof="0" dirty="0">
+              <a:ln>
+                <a:noFill/>
+              </a:ln>
+              <a:solidFill>
+                <a:prstClr val="white"/>
+              </a:solidFill>
+              <a:effectLst/>
+              <a:uLnTx/>
+              <a:uFillTx/>
+              <a:latin typeface="Aptos" panose="02110004020202020204"/>
+              <a:ea typeface="+mn-ea"/>
+              <a:cs typeface="+mn-cs"/>
+            </a:endParaRPr>
+          </a:p>
+        </p:txBody>
+      </p:sp>
+    </p:spTree>
+    <p:extLst>
+      <p:ext uri="{BB962C8B-B14F-4D97-AF65-F5344CB8AC3E}">
+        <p14:creationId xmlns:p14="http://schemas.microsoft.com/office/powerpoint/2010/main" val="739516936"/>
+      </p:ext>
+    </p:extLst>
+  </p:cSld>
+  <p:clrMapOvr>
+    <a:masterClrMapping/>
+  </p:clrMapOvr>
+</p:sld>
+</file>
+
+<file path=ppt/slides/slide3.xml><?xml version="1.0" encoding="utf-8"?>
+<p:sld xmlns:a="http://schemas.openxmlformats.org/drawingml/2006/main" xmlns:r="http://schemas.openxmlformats.org/officeDocument/2006/relationships" xmlns:p="http://schemas.openxmlformats.org/presentationml/2006/main">
+  <p:cSld>
+    <p:bg>
+      <p:bgPr>
+        <a:solidFill>
+          <a:schemeClr val="bg1"/>
+        </a:solidFill>
+        <a:effectLst/>
+      </p:bgPr>
+    </p:bg>
+    <p:spTree>
+      <p:nvGrpSpPr>
+        <p:cNvPr id="1" name=""/>
+        <p:cNvGrpSpPr/>
+        <p:nvPr/>
+      </p:nvGrpSpPr>
+      <p:grpSpPr>
+        <a:xfrm>
+          <a:off x="0" y="0"/>
+          <a:ext cx="0" cy="0"/>
+          <a:chOff x="0" y="0"/>
+          <a:chExt cx="0" cy="0"/>
+        </a:xfrm>
+      </p:grpSpPr>
+      <p:sp useBgFill="1">
+        <p:nvSpPr>
+          <p:cNvPr id="12" name="Rectangle 11">
+            <a:extLst>
+              <a:ext uri="{FF2B5EF4-FFF2-40B4-BE49-F238E27FC236}">
+                <a16:creationId xmlns:a16="http://schemas.microsoft.com/office/drawing/2014/main" id="{12609869-9E80-471B-A487-A53288E0E791}"/>
+              </a:ext>
+              <a:ext uri="{C183D7F6-B498-43B3-948B-1728B52AA6E4}">
+                <adec:decorative xmlns:adec="http://schemas.microsoft.com/office/drawing/2017/decorative" val="1"/>
+              </a:ext>
+            </a:extLst>
+          </p:cNvPr>
+          <p:cNvSpPr>
+            <a:spLocks noGrp="1" noRot="1" noChangeAspect="1" noMove="1" noResize="1" noEditPoints="1" noAdjustHandles="1" noChangeArrowheads="1" noChangeShapeType="1" noTextEdit="1"/>
+          </p:cNvSpPr>
+          <p:nvPr>
+            <p:extLst>
+              <p:ext uri="{386F3935-93C4-4BCD-93E2-E3B085C9AB24}">
+                <p16:designElem xmlns:p16="http://schemas.microsoft.com/office/powerpoint/2015/main" val="1"/>
+              </p:ext>
+            </p:extLst>
+          </p:nvPr>
+        </p:nvSpPr>
+        <p:spPr>
+          <a:xfrm>
+            <a:off x="0" y="0"/>
+            <a:ext cx="12192000" cy="6858000"/>
+          </a:xfrm>
+          <a:prstGeom prst="rect">
+            <a:avLst/>
+          </a:prstGeom>
+          <a:ln w="12700" cap="flat" cmpd="sng" algn="ctr">
+            <a:noFill/>
+            <a:prstDash val="solid"/>
+            <a:miter lim="800000"/>
+          </a:ln>
+          <a:effectLst/>
+          <a:extLst>
+            <a:ext uri="{91240B29-F687-4F45-9708-019B960494DF}">
+              <a14:hiddenLine xmlns:a14="http://schemas.microsoft.com/office/drawing/2010/main" w="12700" cap="flat" cmpd="sng" algn="ctr">
+                <a:solidFill>
+                  <a:schemeClr val="accent1">
+                    <a:shade val="50000"/>
+                  </a:schemeClr>
+                </a:solidFill>
+                <a:prstDash val="solid"/>
+                <a:miter lim="800000"/>
+              </a14:hiddenLine>
+            </a:ext>
+          </a:extLst>
+        </p:spPr>
+        <p:style>
+          <a:lnRef idx="2">
+            <a:schemeClr val="accent1">
+              <a:shade val="50000"/>
+            </a:schemeClr>
+          </a:lnRef>
+          <a:fillRef idx="1">
+            <a:schemeClr val="accent1"/>
+          </a:fillRef>
+          <a:effectRef idx="0">
+            <a:schemeClr val="accent1"/>
+          </a:effectRef>
+          <a:fontRef idx="minor">
+            <a:schemeClr val="lt1"/>
+          </a:fontRef>
+        </p:style>
+        <p:txBody>
+          <a:bodyPr rtlCol="0" anchor="ctr"/>
+          <a:lstStyle/>
+          <a:p>
+            <a:pPr algn="ctr"/>
+            <a:endParaRPr lang="en-US"/>
+          </a:p>
+        </p:txBody>
+      </p:sp>
+      <p:sp>
+        <p:nvSpPr>
+          <p:cNvPr id="2" name="Title 1">
+            <a:extLst>
+              <a:ext uri="{FF2B5EF4-FFF2-40B4-BE49-F238E27FC236}">
+                <a16:creationId xmlns:a16="http://schemas.microsoft.com/office/drawing/2014/main" id="{32C432B7-0A6C-2C12-77FA-7B714600B30E}"/>
+              </a:ext>
+            </a:extLst>
+          </p:cNvPr>
+          <p:cNvSpPr>
+            <a:spLocks noGrp="1"/>
+          </p:cNvSpPr>
+          <p:nvPr>
+            <p:ph type="title"/>
+          </p:nvPr>
+        </p:nvSpPr>
+        <p:spPr>
+          <a:xfrm>
+            <a:off x="1136397" y="502020"/>
+            <a:ext cx="5323715" cy="1642970"/>
+          </a:xfrm>
+        </p:spPr>
+        <p:txBody>
+          <a:bodyPr vert="horz" lIns="91440" tIns="45720" rIns="91440" bIns="45720" rtlCol="0" anchor="b">
+            <a:normAutofit/>
+          </a:bodyPr>
+          <a:lstStyle/>
+          <a:p>
+            <a:r>
+              <a:rPr lang="en-US" sz="4000" kern="1200" dirty="0">
+                <a:solidFill>
+                  <a:schemeClr val="tx1"/>
+                </a:solidFill>
+                <a:latin typeface="Arial" panose="020B0604020202020204" pitchFamily="34" charset="0"/>
+                <a:cs typeface="Arial" panose="020B0604020202020204" pitchFamily="34" charset="0"/>
+              </a:rPr>
+              <a:t>Reference project</a:t>
+            </a:r>
+          </a:p>
+        </p:txBody>
+      </p:sp>
+      <p:sp>
+        <p:nvSpPr>
+          <p:cNvPr id="7" name="Content Placeholder 2">
+            <a:extLst>
+              <a:ext uri="{FF2B5EF4-FFF2-40B4-BE49-F238E27FC236}">
+                <a16:creationId xmlns:a16="http://schemas.microsoft.com/office/drawing/2014/main" id="{6E2D6785-3FC0-5B4B-8F43-4406AD91B4D7}"/>
+              </a:ext>
+            </a:extLst>
+          </p:cNvPr>
+          <p:cNvSpPr txBox="1">
+            <a:spLocks/>
+          </p:cNvSpPr>
+          <p:nvPr/>
+        </p:nvSpPr>
+        <p:spPr>
+          <a:xfrm>
+            <a:off x="1144923" y="2405894"/>
+            <a:ext cx="5315189" cy="3535083"/>
+          </a:xfrm>
+          <a:prstGeom prst="rect">
+            <a:avLst/>
+          </a:prstGeom>
+        </p:spPr>
+        <p:txBody>
+          <a:bodyPr vert="horz" lIns="91440" tIns="45720" rIns="91440" bIns="45720" rtlCol="0" anchor="t">
+            <a:normAutofit fontScale="92500" lnSpcReduction="10000"/>
+          </a:bodyPr>
+          <a:lstStyle>
+            <a:lvl1pPr marL="228600" indent="-228600" algn="l" defTabSz="914400" rtl="0" eaLnBrk="1" latinLnBrk="0" hangingPunct="1">
+              <a:lnSpc>
+                <a:spcPct val="90000"/>
+              </a:lnSpc>
+              <a:spcBef>
+                <a:spcPts val="1000"/>
+              </a:spcBef>
+              <a:buFont typeface="Arial" panose="020B0604020202020204" pitchFamily="34" charset="0"/>
+              <a:buChar char="•"/>
+              <a:defRPr sz="2800" kern="1200">
+                <a:solidFill>
+                  <a:schemeClr val="tx1"/>
+                </a:solidFill>
+                <a:latin typeface="+mn-lt"/>
+                <a:ea typeface="+mn-ea"/>
+                <a:cs typeface="+mn-cs"/>
+              </a:defRPr>
+            </a:lvl1pPr>
+            <a:lvl2pPr marL="685800" indent="-228600" algn="l" defTabSz="914400" rtl="0" eaLnBrk="1" latinLnBrk="0" hangingPunct="1">
+              <a:lnSpc>
+                <a:spcPct val="90000"/>
+              </a:lnSpc>
+              <a:spcBef>
+                <a:spcPts val="500"/>
+              </a:spcBef>
+              <a:buFont typeface="Arial" panose="020B0604020202020204" pitchFamily="34" charset="0"/>
+              <a:buChar char="•"/>
+              <a:defRPr sz="2400" kern="1200">
+                <a:solidFill>
+                  <a:schemeClr val="tx1"/>
+                </a:solidFill>
+                <a:latin typeface="+mn-lt"/>
+                <a:ea typeface="+mn-ea"/>
+                <a:cs typeface="+mn-cs"/>
+              </a:defRPr>
+            </a:lvl2pPr>
+            <a:lvl3pPr marL="1143000" indent="-228600" algn="l" defTabSz="914400" rtl="0" eaLnBrk="1" latinLnBrk="0" hangingPunct="1">
+              <a:lnSpc>
+                <a:spcPct val="90000"/>
+              </a:lnSpc>
+              <a:spcBef>
+                <a:spcPts val="500"/>
+              </a:spcBef>
+              <a:buFont typeface="Arial" panose="020B0604020202020204" pitchFamily="34" charset="0"/>
+              <a:buChar char="•"/>
+              <a:defRPr sz="2000" kern="1200">
+                <a:solidFill>
+                  <a:schemeClr val="tx1"/>
+                </a:solidFill>
+                <a:latin typeface="+mn-lt"/>
+                <a:ea typeface="+mn-ea"/>
+                <a:cs typeface="+mn-cs"/>
+              </a:defRPr>
+            </a:lvl3pPr>
+            <a:lvl4pPr marL="1600200" indent="-228600" algn="l" defTabSz="914400" rtl="0" eaLnBrk="1" latinLnBrk="0" hangingPunct="1">
+              <a:lnSpc>
+                <a:spcPct val="90000"/>
+              </a:lnSpc>
+              <a:spcBef>
+                <a:spcPts val="500"/>
+              </a:spcBef>
+              <a:buFont typeface="Arial" panose="020B0604020202020204" pitchFamily="34" charset="0"/>
+              <a:buChar char="•"/>
+              <a:defRPr sz="1800" kern="1200">
+                <a:solidFill>
+                  <a:schemeClr val="tx1"/>
+                </a:solidFill>
+                <a:latin typeface="+mn-lt"/>
+                <a:ea typeface="+mn-ea"/>
+                <a:cs typeface="+mn-cs"/>
+              </a:defRPr>
+            </a:lvl4pPr>
+            <a:lvl5pPr marL="2057400" indent="-228600" algn="l" defTabSz="914400" rtl="0" eaLnBrk="1" latinLnBrk="0" hangingPunct="1">
+              <a:lnSpc>
+                <a:spcPct val="90000"/>
+              </a:lnSpc>
+              <a:spcBef>
+                <a:spcPts val="500"/>
+              </a:spcBef>
+              <a:buFont typeface="Arial" panose="020B0604020202020204" pitchFamily="34" charset="0"/>
+              <a:buChar char="•"/>
+              <a:defRPr sz="1800" kern="1200">
+                <a:solidFill>
+                  <a:schemeClr val="tx1"/>
+                </a:solidFill>
+                <a:latin typeface="+mn-lt"/>
+                <a:ea typeface="+mn-ea"/>
+                <a:cs typeface="+mn-cs"/>
+              </a:defRPr>
+            </a:lvl5pPr>
+            <a:lvl6pPr marL="2514600" indent="-228600" algn="l" defTabSz="914400" rtl="0" eaLnBrk="1" latinLnBrk="0" hangingPunct="1">
+              <a:lnSpc>
+                <a:spcPct val="90000"/>
+              </a:lnSpc>
+              <a:spcBef>
+                <a:spcPts val="500"/>
+              </a:spcBef>
+              <a:buFont typeface="Arial" panose="020B0604020202020204" pitchFamily="34" charset="0"/>
+              <a:buChar char="•"/>
+              <a:defRPr sz="1800" kern="1200">
+                <a:solidFill>
+                  <a:schemeClr val="tx1"/>
+                </a:solidFill>
+                <a:latin typeface="+mn-lt"/>
+                <a:ea typeface="+mn-ea"/>
+                <a:cs typeface="+mn-cs"/>
+              </a:defRPr>
+            </a:lvl6pPr>
+            <a:lvl7pPr marL="2971800" indent="-228600" algn="l" defTabSz="914400" rtl="0" eaLnBrk="1" latinLnBrk="0" hangingPunct="1">
+              <a:lnSpc>
+                <a:spcPct val="90000"/>
+              </a:lnSpc>
+              <a:spcBef>
+                <a:spcPts val="500"/>
+              </a:spcBef>
+              <a:buFont typeface="Arial" panose="020B0604020202020204" pitchFamily="34" charset="0"/>
+              <a:buChar char="•"/>
+              <a:defRPr sz="1800" kern="1200">
+                <a:solidFill>
+                  <a:schemeClr val="tx1"/>
+                </a:solidFill>
+                <a:latin typeface="+mn-lt"/>
+                <a:ea typeface="+mn-ea"/>
+                <a:cs typeface="+mn-cs"/>
+              </a:defRPr>
+            </a:lvl7pPr>
+            <a:lvl8pPr marL="3429000" indent="-228600" algn="l" defTabSz="914400" rtl="0" eaLnBrk="1" latinLnBrk="0" hangingPunct="1">
+              <a:lnSpc>
+                <a:spcPct val="90000"/>
+              </a:lnSpc>
+              <a:spcBef>
+                <a:spcPts val="500"/>
+              </a:spcBef>
+              <a:buFont typeface="Arial" panose="020B0604020202020204" pitchFamily="34" charset="0"/>
+              <a:buChar char="•"/>
+              <a:defRPr sz="1800" kern="1200">
+                <a:solidFill>
+                  <a:schemeClr val="tx1"/>
+                </a:solidFill>
+                <a:latin typeface="+mn-lt"/>
+                <a:ea typeface="+mn-ea"/>
+                <a:cs typeface="+mn-cs"/>
+              </a:defRPr>
+            </a:lvl8pPr>
+            <a:lvl9pPr marL="3886200" indent="-228600" algn="l" defTabSz="914400" rtl="0" eaLnBrk="1" latinLnBrk="0" hangingPunct="1">
+              <a:lnSpc>
+                <a:spcPct val="90000"/>
+              </a:lnSpc>
+              <a:spcBef>
+                <a:spcPts val="500"/>
+              </a:spcBef>
+              <a:buFont typeface="Arial" panose="020B0604020202020204" pitchFamily="34" charset="0"/>
+              <a:buChar char="•"/>
+              <a:defRPr sz="1800" kern="1200">
+                <a:solidFill>
+                  <a:schemeClr val="tx1"/>
+                </a:solidFill>
+                <a:latin typeface="+mn-lt"/>
+                <a:ea typeface="+mn-ea"/>
+                <a:cs typeface="+mn-cs"/>
+              </a:defRPr>
+            </a:lvl9pPr>
+          </a:lstStyle>
+          <a:p>
+            <a:pPr marL="0"/>
+            <a:r>
+              <a:rPr lang="en-US" dirty="0">
+                <a:latin typeface="Arial" panose="020B0604020202020204" pitchFamily="34" charset="0"/>
+                <a:cs typeface="Arial" panose="020B0604020202020204" pitchFamily="34" charset="0"/>
+              </a:rPr>
+              <a:t>Project was selected from </a:t>
+            </a:r>
+            <a:r>
+              <a:rPr lang="en-US" dirty="0" err="1">
+                <a:latin typeface="Arial" panose="020B0604020202020204" pitchFamily="34" charset="0"/>
+                <a:cs typeface="Arial" panose="020B0604020202020204" pitchFamily="34" charset="0"/>
+              </a:rPr>
+              <a:t>kaggle.com</a:t>
+            </a:r>
+            <a:r>
+              <a:rPr lang="en-US" dirty="0">
+                <a:latin typeface="Arial" panose="020B0604020202020204" pitchFamily="34" charset="0"/>
+                <a:cs typeface="Arial" panose="020B0604020202020204" pitchFamily="34" charset="0"/>
+              </a:rPr>
+              <a:t> and presented usage of Decision Tree machine learning model on dataset available on </a:t>
+            </a:r>
+            <a:r>
+              <a:rPr lang="en-US" dirty="0" err="1">
+                <a:latin typeface="Arial" panose="020B0604020202020204" pitchFamily="34" charset="0"/>
+                <a:cs typeface="Arial" panose="020B0604020202020204" pitchFamily="34" charset="0"/>
+              </a:rPr>
+              <a:t>kaggle.com</a:t>
+            </a:r>
+            <a:r>
+              <a:rPr lang="en-US" dirty="0">
+                <a:latin typeface="Arial" panose="020B0604020202020204" pitchFamily="34" charset="0"/>
+                <a:cs typeface="Arial" panose="020B0604020202020204" pitchFamily="34" charset="0"/>
+              </a:rPr>
+              <a:t>.</a:t>
+            </a:r>
+          </a:p>
+          <a:p>
+            <a:pPr marL="0"/>
+            <a:endParaRPr lang="en-US" dirty="0">
+              <a:latin typeface="Arial" panose="020B0604020202020204" pitchFamily="34" charset="0"/>
+              <a:cs typeface="Arial" panose="020B0604020202020204" pitchFamily="34" charset="0"/>
+            </a:endParaRPr>
+          </a:p>
+          <a:p>
+            <a:pPr marL="0"/>
+            <a:r>
+              <a:rPr lang="en-US" dirty="0">
+                <a:latin typeface="Arial" panose="020B0604020202020204" pitchFamily="34" charset="0"/>
+                <a:cs typeface="Arial" panose="020B0604020202020204" pitchFamily="34" charset="0"/>
+              </a:rPr>
+              <a:t>Dataset was taken from UCI website and represented only selected number of observations – around 5k out of 45k.</a:t>
+            </a:r>
+          </a:p>
+        </p:txBody>
+      </p:sp>
+      <p:sp>
+        <p:nvSpPr>
+          <p:cNvPr id="14" name="Rectangle 13">
+            <a:extLst>
+              <a:ext uri="{FF2B5EF4-FFF2-40B4-BE49-F238E27FC236}">
+                <a16:creationId xmlns:a16="http://schemas.microsoft.com/office/drawing/2014/main" id="{7004738A-9D34-43E8-97D2-CA0EED4F8BE0}"/>
+              </a:ext>
+              <a:ext uri="{C183D7F6-B498-43B3-948B-1728B52AA6E4}">
+                <adec:decorative xmlns:adec="http://schemas.microsoft.com/office/drawing/2017/decorative" val="1"/>
+              </a:ext>
+            </a:extLst>
+          </p:cNvPr>
+          <p:cNvSpPr>
+            <a:spLocks noGrp="1" noRot="1" noChangeAspect="1" noMove="1" noResize="1" noEditPoints="1" noAdjustHandles="1" noChangeArrowheads="1" noChangeShapeType="1" noTextEdit="1"/>
+          </p:cNvSpPr>
+          <p:nvPr>
+            <p:extLst>
+              <p:ext uri="{386F3935-93C4-4BCD-93E2-E3B085C9AB24}">
+                <p16:designElem xmlns:p16="http://schemas.microsoft.com/office/powerpoint/2015/main" val="1"/>
+              </p:ext>
+            </p:extLst>
+          </p:nvPr>
+        </p:nvSpPr>
+        <p:spPr>
+          <a:xfrm rot="10800000" flipH="1">
+            <a:off x="8123333" y="-5"/>
+            <a:ext cx="4092521" cy="6858000"/>
+          </a:xfrm>
+          <a:prstGeom prst="rect">
+            <a:avLst/>
+          </a:prstGeom>
+          <a:gradFill>
+            <a:gsLst>
+              <a:gs pos="8000">
+                <a:srgbClr val="000000">
+                  <a:alpha val="94000"/>
+                </a:srgbClr>
+              </a:gs>
+              <a:gs pos="100000">
+                <a:schemeClr val="accent1"/>
+              </a:gs>
+            </a:gsLst>
+            <a:lin ang="2400000" scaled="0"/>
+          </a:gradFill>
+          <a:ln>
+            <a:noFill/>
+          </a:ln>
+        </p:spPr>
+        <p:style>
+          <a:lnRef idx="2">
+            <a:schemeClr val="accent1">
+              <a:shade val="50000"/>
+            </a:schemeClr>
+          </a:lnRef>
+          <a:fillRef idx="1">
+            <a:schemeClr val="accent1"/>
+          </a:fillRef>
+          <a:effectRef idx="0">
+            <a:schemeClr val="accent1"/>
+          </a:effectRef>
+          <a:fontRef idx="minor">
+            <a:schemeClr val="lt1"/>
+          </a:fontRef>
+        </p:style>
+        <p:txBody>
+          <a:bodyPr rtlCol="0" anchor="ctr"/>
+          <a:lstStyle/>
+          <a:p>
+            <a:pPr algn="ctr"/>
+            <a:endParaRPr lang="en-US"/>
+          </a:p>
+        </p:txBody>
+      </p:sp>
+      <p:sp>
+        <p:nvSpPr>
+          <p:cNvPr id="16" name="Rectangle 15">
+            <a:extLst>
+              <a:ext uri="{FF2B5EF4-FFF2-40B4-BE49-F238E27FC236}">
+                <a16:creationId xmlns:a16="http://schemas.microsoft.com/office/drawing/2014/main" id="{B8B8D07F-F13E-443E-BA68-2D26672D76B9}"/>
+              </a:ext>
+              <a:ext uri="{C183D7F6-B498-43B3-948B-1728B52AA6E4}">
+                <adec:decorative xmlns:adec="http://schemas.microsoft.com/office/drawing/2017/decorative" val="1"/>
+              </a:ext>
+            </a:extLst>
+          </p:cNvPr>
+          <p:cNvSpPr>
+            <a:spLocks noGrp="1" noRot="1" noChangeAspect="1" noMove="1" noResize="1" noEditPoints="1" noAdjustHandles="1" noChangeArrowheads="1" noChangeShapeType="1" noTextEdit="1"/>
+          </p:cNvSpPr>
+          <p:nvPr>
+            <p:extLst>
+              <p:ext uri="{386F3935-93C4-4BCD-93E2-E3B085C9AB24}">
+                <p16:designElem xmlns:p16="http://schemas.microsoft.com/office/powerpoint/2015/main" val="1"/>
+              </p:ext>
+            </p:extLst>
+          </p:nvPr>
+        </p:nvSpPr>
+        <p:spPr>
+          <a:xfrm rot="10800000" flipH="1">
+            <a:off x="8123333" y="-2"/>
+            <a:ext cx="4092521" cy="6400369"/>
+          </a:xfrm>
+          <a:prstGeom prst="rect">
+            <a:avLst/>
+          </a:prstGeom>
+          <a:gradFill>
+            <a:gsLst>
+              <a:gs pos="31000">
+                <a:schemeClr val="accent1">
+                  <a:lumMod val="50000"/>
+                  <a:alpha val="0"/>
+                </a:schemeClr>
+              </a:gs>
+              <a:gs pos="100000">
+                <a:schemeClr val="accent1">
+                  <a:lumMod val="50000"/>
+                  <a:alpha val="26000"/>
+                </a:schemeClr>
+              </a:gs>
+            </a:gsLst>
+            <a:lin ang="18000000" scaled="0"/>
+          </a:gradFill>
+          <a:ln>
+            <a:noFill/>
+          </a:ln>
+        </p:spPr>
+        <p:style>
+          <a:lnRef idx="2">
+            <a:schemeClr val="accent1">
+              <a:shade val="50000"/>
+            </a:schemeClr>
+          </a:lnRef>
+          <a:fillRef idx="1">
+            <a:schemeClr val="accent1"/>
+          </a:fillRef>
+          <a:effectRef idx="0">
+            <a:schemeClr val="accent1"/>
+          </a:effectRef>
+          <a:fontRef idx="minor">
+            <a:schemeClr val="lt1"/>
+          </a:fontRef>
+        </p:style>
+        <p:txBody>
+          <a:bodyPr rtlCol="0" anchor="ctr"/>
+          <a:lstStyle/>
+          <a:p>
+            <a:pPr algn="ctr"/>
+            <a:endParaRPr lang="en-US" dirty="0"/>
+          </a:p>
+        </p:txBody>
+      </p:sp>
+      <p:sp>
+        <p:nvSpPr>
+          <p:cNvPr id="18" name="Rectangle 17">
+            <a:extLst>
+              <a:ext uri="{FF2B5EF4-FFF2-40B4-BE49-F238E27FC236}">
+                <a16:creationId xmlns:a16="http://schemas.microsoft.com/office/drawing/2014/main" id="{2813A4FA-24A5-41ED-A534-3807D1B2F344}"/>
+              </a:ext>
+              <a:ext uri="{C183D7F6-B498-43B3-948B-1728B52AA6E4}">
+                <adec:decorative xmlns:adec="http://schemas.microsoft.com/office/drawing/2017/decorative" val="1"/>
+              </a:ext>
+            </a:extLst>
+          </p:cNvPr>
+          <p:cNvSpPr>
+            <a:spLocks noGrp="1" noRot="1" noChangeAspect="1" noMove="1" noResize="1" noEditPoints="1" noAdjustHandles="1" noChangeArrowheads="1" noChangeShapeType="1" noTextEdit="1"/>
+          </p:cNvSpPr>
+          <p:nvPr>
+            <p:extLst>
+              <p:ext uri="{386F3935-93C4-4BCD-93E2-E3B085C9AB24}">
+                <p16:designElem xmlns:p16="http://schemas.microsoft.com/office/powerpoint/2015/main" val="1"/>
+              </p:ext>
+            </p:extLst>
+          </p:nvPr>
+        </p:nvSpPr>
+        <p:spPr>
+          <a:xfrm rot="10800000" flipH="1">
+            <a:off x="8123333" y="-22"/>
+            <a:ext cx="4068667" cy="6400389"/>
+          </a:xfrm>
+          <a:prstGeom prst="rect">
+            <a:avLst/>
+          </a:prstGeom>
+          <a:gradFill>
+            <a:gsLst>
+              <a:gs pos="0">
+                <a:schemeClr val="accent1">
+                  <a:alpha val="0"/>
+                </a:schemeClr>
+              </a:gs>
+              <a:gs pos="72000">
+                <a:srgbClr val="000000">
+                  <a:alpha val="21000"/>
+                </a:srgbClr>
+              </a:gs>
+            </a:gsLst>
+            <a:lin ang="3000000" scaled="0"/>
+          </a:gradFill>
+          <a:ln>
+            <a:noFill/>
+          </a:ln>
+        </p:spPr>
+        <p:style>
+          <a:lnRef idx="2">
+            <a:schemeClr val="accent1">
+              <a:shade val="50000"/>
+            </a:schemeClr>
+          </a:lnRef>
+          <a:fillRef idx="1">
+            <a:schemeClr val="accent1"/>
+          </a:fillRef>
+          <a:effectRef idx="0">
+            <a:schemeClr val="accent1"/>
+          </a:effectRef>
+          <a:fontRef idx="minor">
+            <a:schemeClr val="lt1"/>
+          </a:fontRef>
+        </p:style>
+        <p:txBody>
+          <a:bodyPr rtlCol="0" anchor="ctr"/>
+          <a:lstStyle/>
+          <a:p>
+            <a:pPr algn="ctr"/>
+            <a:endParaRPr lang="en-US" dirty="0"/>
+          </a:p>
+        </p:txBody>
+      </p:sp>
+      <p:sp>
+        <p:nvSpPr>
+          <p:cNvPr id="20" name="Rectangle 19">
+            <a:extLst>
+              <a:ext uri="{FF2B5EF4-FFF2-40B4-BE49-F238E27FC236}">
+                <a16:creationId xmlns:a16="http://schemas.microsoft.com/office/drawing/2014/main" id="{C3944F27-CA70-4E84-A51A-E6BF89558979}"/>
+              </a:ext>
+              <a:ext uri="{C183D7F6-B498-43B3-948B-1728B52AA6E4}">
+                <adec:decorative xmlns:adec="http://schemas.microsoft.com/office/drawing/2017/decorative" val="1"/>
+              </a:ext>
+            </a:extLst>
+          </p:cNvPr>
+          <p:cNvSpPr>
+            <a:spLocks noGrp="1" noRot="1" noChangeAspect="1" noMove="1" noResize="1" noEditPoints="1" noAdjustHandles="1" noChangeArrowheads="1" noChangeShapeType="1" noTextEdit="1"/>
+          </p:cNvSpPr>
+          <p:nvPr>
+            <p:extLst>
+              <p:ext uri="{386F3935-93C4-4BCD-93E2-E3B085C9AB24}">
+                <p16:designElem xmlns:p16="http://schemas.microsoft.com/office/powerpoint/2015/main" val="1"/>
+              </p:ext>
+            </p:extLst>
+          </p:nvPr>
+        </p:nvSpPr>
+        <p:spPr>
+          <a:xfrm rot="10800000" flipH="1">
+            <a:off x="8123333" y="-10"/>
+            <a:ext cx="3611467" cy="6857997"/>
+          </a:xfrm>
+          <a:prstGeom prst="rect">
+            <a:avLst/>
+          </a:prstGeom>
+          <a:gradFill>
+            <a:gsLst>
+              <a:gs pos="0">
+                <a:schemeClr val="accent1">
+                  <a:alpha val="0"/>
+                </a:schemeClr>
+              </a:gs>
+              <a:gs pos="93000">
+                <a:srgbClr val="000000">
+                  <a:alpha val="29000"/>
+                </a:srgbClr>
+              </a:gs>
+            </a:gsLst>
+            <a:lin ang="5400000" scaled="0"/>
+          </a:gradFill>
+          <a:ln>
+            <a:noFill/>
+          </a:ln>
+        </p:spPr>
+        <p:style>
+          <a:lnRef idx="2">
+            <a:schemeClr val="accent1">
+              <a:shade val="50000"/>
+            </a:schemeClr>
+          </a:lnRef>
+          <a:fillRef idx="1">
+            <a:schemeClr val="accent1"/>
+          </a:fillRef>
+          <a:effectRef idx="0">
+            <a:schemeClr val="accent1"/>
+          </a:effectRef>
+          <a:fontRef idx="minor">
+            <a:schemeClr val="lt1"/>
+          </a:fontRef>
+        </p:style>
+        <p:txBody>
+          <a:bodyPr rtlCol="0" anchor="ctr"/>
+          <a:lstStyle/>
+          <a:p>
+            <a:pPr algn="ctr"/>
+            <a:endParaRPr lang="en-US" dirty="0"/>
+          </a:p>
+        </p:txBody>
+      </p:sp>
+      <p:pic>
+        <p:nvPicPr>
+          <p:cNvPr id="6" name="Content Placeholder 5" descr="A qr code with a black background&#10;&#10;Description automatically generated">
+            <a:extLst>
+              <a:ext uri="{FF2B5EF4-FFF2-40B4-BE49-F238E27FC236}">
+                <a16:creationId xmlns:a16="http://schemas.microsoft.com/office/drawing/2014/main" id="{0382BF0A-F019-3306-16C5-0C3C06A57546}"/>
+              </a:ext>
+            </a:extLst>
+          </p:cNvPr>
+          <p:cNvPicPr>
+            <a:picLocks noGrp="1" noChangeAspect="1"/>
+          </p:cNvPicPr>
+          <p:nvPr>
+            <p:ph idx="1"/>
+          </p:nvPr>
+        </p:nvPicPr>
+        <p:blipFill>
+          <a:blip r:embed="rId2"/>
+          <a:stretch>
+            <a:fillRect/>
+          </a:stretch>
+        </p:blipFill>
+        <p:spPr>
+          <a:xfrm>
+            <a:off x="7202276" y="909081"/>
+            <a:ext cx="3917911" cy="5071731"/>
+          </a:xfrm>
+          <a:prstGeom prst="rect">
+            <a:avLst/>
+          </a:prstGeom>
+        </p:spPr>
+      </p:pic>
+    </p:spTree>
+    <p:extLst>
+      <p:ext uri="{BB962C8B-B14F-4D97-AF65-F5344CB8AC3E}">
+        <p14:creationId xmlns:p14="http://schemas.microsoft.com/office/powerpoint/2010/main" val="3919622244"/>
+      </p:ext>
+    </p:extLst>
+  </p:cSld>
+  <p:clrMapOvr>
+    <a:masterClrMapping/>
+  </p:clrMapOvr>
+</p:sld>
+</file>
+
+<file path=ppt/slides/slide4.xml><?xml version="1.0" encoding="utf-8"?>
+<p:sld xmlns:a="http://schemas.openxmlformats.org/drawingml/2006/main" xmlns:r="http://schemas.openxmlformats.org/officeDocument/2006/relationships" xmlns:p="http://schemas.openxmlformats.org/presentationml/2006/main">
+  <p:cSld>
+    <p:bg>
+      <p:bgPr>
+        <a:solidFill>
+          <a:schemeClr val="bg1"/>
+        </a:solidFill>
+        <a:effectLst/>
+      </p:bgPr>
+    </p:bg>
+    <p:spTree>
+      <p:nvGrpSpPr>
+        <p:cNvPr id="1" name=""/>
+        <p:cNvGrpSpPr/>
+        <p:nvPr/>
+      </p:nvGrpSpPr>
+      <p:grpSpPr>
+        <a:xfrm>
+          <a:off x="0" y="0"/>
+          <a:ext cx="0" cy="0"/>
+          <a:chOff x="0" y="0"/>
+          <a:chExt cx="0" cy="0"/>
+        </a:xfrm>
+      </p:grpSpPr>
+      <p:sp>
+        <p:nvSpPr>
+          <p:cNvPr id="2" name="Title 1">
+            <a:extLst>
+              <a:ext uri="{FF2B5EF4-FFF2-40B4-BE49-F238E27FC236}">
+                <a16:creationId xmlns:a16="http://schemas.microsoft.com/office/drawing/2014/main" id="{32C432B7-0A6C-2C12-77FA-7B714600B30E}"/>
+              </a:ext>
+            </a:extLst>
+          </p:cNvPr>
+          <p:cNvSpPr>
+            <a:spLocks noGrp="1"/>
+          </p:cNvSpPr>
+          <p:nvPr>
+            <p:ph type="title"/>
+          </p:nvPr>
+        </p:nvSpPr>
+        <p:spPr>
+          <a:xfrm>
+            <a:off x="839788" y="365125"/>
+            <a:ext cx="10515600" cy="711507"/>
+          </a:xfrm>
+        </p:spPr>
+        <p:txBody>
+          <a:bodyPr vert="horz" lIns="91440" tIns="45720" rIns="91440" bIns="45720" rtlCol="0" anchor="b">
+            <a:normAutofit/>
+          </a:bodyPr>
+          <a:lstStyle/>
+          <a:p>
+            <a:r>
+              <a:rPr lang="en-GB" sz="4000" kern="1200" dirty="0">
+                <a:solidFill>
+                  <a:schemeClr val="tx1"/>
+                </a:solidFill>
+                <a:latin typeface="Arial" panose="020B0604020202020204" pitchFamily="34" charset="0"/>
+                <a:cs typeface="Arial" panose="020B0604020202020204" pitchFamily="34" charset="0"/>
+              </a:rPr>
+              <a:t>Code Transformation - Libraries</a:t>
+            </a:r>
+            <a:endParaRPr lang="en-US" sz="4000" kern="1200" dirty="0">
+              <a:solidFill>
+                <a:schemeClr val="tx1"/>
+              </a:solidFill>
+              <a:latin typeface="Arial" panose="020B0604020202020204" pitchFamily="34" charset="0"/>
+              <a:cs typeface="Arial" panose="020B0604020202020204" pitchFamily="34" charset="0"/>
+            </a:endParaRPr>
+          </a:p>
+        </p:txBody>
+      </p:sp>
+      <p:sp>
+        <p:nvSpPr>
+          <p:cNvPr id="3" name="Text Placeholder 2">
+            <a:extLst>
+              <a:ext uri="{FF2B5EF4-FFF2-40B4-BE49-F238E27FC236}">
+                <a16:creationId xmlns:a16="http://schemas.microsoft.com/office/drawing/2014/main" id="{7B91EF2E-17D9-6908-D543-ED1BE99A6B97}"/>
+              </a:ext>
+            </a:extLst>
+          </p:cNvPr>
+          <p:cNvSpPr>
+            <a:spLocks noGrp="1"/>
+          </p:cNvSpPr>
+          <p:nvPr>
+            <p:ph type="body" idx="1"/>
+          </p:nvPr>
+        </p:nvSpPr>
+        <p:spPr>
+          <a:xfrm>
+            <a:off x="839787" y="1219617"/>
+            <a:ext cx="5157787" cy="823912"/>
+          </a:xfrm>
+        </p:spPr>
+        <p:txBody>
+          <a:bodyPr/>
+          <a:lstStyle/>
+          <a:p>
+            <a:r>
+              <a:rPr lang="en-GB" dirty="0"/>
+              <a:t>              Python</a:t>
+            </a:r>
+          </a:p>
+        </p:txBody>
+      </p:sp>
+      <p:pic>
+        <p:nvPicPr>
+          <p:cNvPr id="15" name="Content Placeholder 14">
+            <a:extLst>
+              <a:ext uri="{FF2B5EF4-FFF2-40B4-BE49-F238E27FC236}">
+                <a16:creationId xmlns:a16="http://schemas.microsoft.com/office/drawing/2014/main" id="{9D012541-AFD3-300C-2A05-C56228FE1894}"/>
+              </a:ext>
+            </a:extLst>
+          </p:cNvPr>
+          <p:cNvPicPr>
+            <a:picLocks noGrp="1" noChangeAspect="1"/>
+          </p:cNvPicPr>
+          <p:nvPr>
+            <p:ph sz="half" idx="2"/>
+          </p:nvPr>
+        </p:nvPicPr>
+        <p:blipFill>
+          <a:blip r:embed="rId2"/>
+          <a:stretch>
+            <a:fillRect/>
+          </a:stretch>
+        </p:blipFill>
+        <p:spPr>
+          <a:xfrm>
+            <a:off x="722091" y="2610711"/>
+            <a:ext cx="5373909" cy="3404971"/>
+          </a:xfrm>
+        </p:spPr>
+      </p:pic>
+      <p:sp>
+        <p:nvSpPr>
+          <p:cNvPr id="5" name="Text Placeholder 4">
+            <a:extLst>
+              <a:ext uri="{FF2B5EF4-FFF2-40B4-BE49-F238E27FC236}">
+                <a16:creationId xmlns:a16="http://schemas.microsoft.com/office/drawing/2014/main" id="{1988AC56-BDBA-946C-7A57-367658B8906F}"/>
+              </a:ext>
+            </a:extLst>
+          </p:cNvPr>
+          <p:cNvSpPr>
+            <a:spLocks noGrp="1"/>
+          </p:cNvSpPr>
+          <p:nvPr>
+            <p:ph type="body" sz="quarter" idx="3"/>
+          </p:nvPr>
+        </p:nvSpPr>
+        <p:spPr>
+          <a:xfrm>
+            <a:off x="6169024" y="1219617"/>
+            <a:ext cx="5183188" cy="823912"/>
+          </a:xfrm>
+        </p:spPr>
+        <p:txBody>
+          <a:bodyPr/>
+          <a:lstStyle/>
+          <a:p>
+            <a:r>
+              <a:rPr lang="en-GB" dirty="0"/>
+              <a:t>        R</a:t>
+            </a:r>
+          </a:p>
+        </p:txBody>
+      </p:sp>
+      <p:pic>
+        <p:nvPicPr>
+          <p:cNvPr id="11" name="Content Placeholder 10">
+            <a:extLst>
+              <a:ext uri="{FF2B5EF4-FFF2-40B4-BE49-F238E27FC236}">
+                <a16:creationId xmlns:a16="http://schemas.microsoft.com/office/drawing/2014/main" id="{D820945C-15D8-CBE2-0E27-70A6DBCFA7FC}"/>
+              </a:ext>
+            </a:extLst>
+          </p:cNvPr>
+          <p:cNvPicPr>
+            <a:picLocks noGrp="1" noChangeAspect="1"/>
+          </p:cNvPicPr>
+          <p:nvPr>
+            <p:ph sz="quarter" idx="4"/>
+          </p:nvPr>
+        </p:nvPicPr>
+        <p:blipFill>
+          <a:blip r:embed="rId3"/>
+          <a:stretch>
+            <a:fillRect/>
+          </a:stretch>
+        </p:blipFill>
+        <p:spPr>
+          <a:xfrm>
+            <a:off x="6179950" y="2331189"/>
+            <a:ext cx="5157787" cy="4040114"/>
+          </a:xfrm>
+        </p:spPr>
+      </p:pic>
+      <p:sp>
+        <p:nvSpPr>
+          <p:cNvPr id="7" name="Content Placeholder 2">
+            <a:extLst>
+              <a:ext uri="{FF2B5EF4-FFF2-40B4-BE49-F238E27FC236}">
+                <a16:creationId xmlns:a16="http://schemas.microsoft.com/office/drawing/2014/main" id="{6E2D6785-3FC0-5B4B-8F43-4406AD91B4D7}"/>
+              </a:ext>
+            </a:extLst>
+          </p:cNvPr>
+          <p:cNvSpPr txBox="1">
+            <a:spLocks/>
+          </p:cNvSpPr>
+          <p:nvPr/>
+        </p:nvSpPr>
+        <p:spPr>
+          <a:xfrm>
+            <a:off x="1144923" y="2405894"/>
+            <a:ext cx="6332509" cy="3535083"/>
+          </a:xfrm>
+          <a:prstGeom prst="rect">
+            <a:avLst/>
+          </a:prstGeom>
+        </p:spPr>
+        <p:txBody>
+          <a:bodyPr vert="horz" lIns="91440" tIns="45720" rIns="91440" bIns="45720" rtlCol="0" anchor="t">
+            <a:normAutofit/>
+          </a:bodyPr>
+          <a:lstStyle>
+            <a:lvl1pPr marL="228600" indent="-228600" algn="l" defTabSz="914400" rtl="0" eaLnBrk="1" latinLnBrk="0" hangingPunct="1">
+              <a:lnSpc>
+                <a:spcPct val="90000"/>
+              </a:lnSpc>
+              <a:spcBef>
+                <a:spcPts val="1000"/>
+              </a:spcBef>
+              <a:buFont typeface="Arial" panose="020B0604020202020204" pitchFamily="34" charset="0"/>
+              <a:buChar char="•"/>
+              <a:defRPr sz="2800" kern="1200">
+                <a:solidFill>
+                  <a:schemeClr val="tx1"/>
+                </a:solidFill>
+                <a:latin typeface="+mn-lt"/>
+                <a:ea typeface="+mn-ea"/>
+                <a:cs typeface="+mn-cs"/>
+              </a:defRPr>
+            </a:lvl1pPr>
+            <a:lvl2pPr marL="685800" indent="-228600" algn="l" defTabSz="914400" rtl="0" eaLnBrk="1" latinLnBrk="0" hangingPunct="1">
+              <a:lnSpc>
+                <a:spcPct val="90000"/>
+              </a:lnSpc>
+              <a:spcBef>
+                <a:spcPts val="500"/>
+              </a:spcBef>
+              <a:buFont typeface="Arial" panose="020B0604020202020204" pitchFamily="34" charset="0"/>
+              <a:buChar char="•"/>
+              <a:defRPr sz="2400" kern="1200">
+                <a:solidFill>
+                  <a:schemeClr val="tx1"/>
+                </a:solidFill>
+                <a:latin typeface="+mn-lt"/>
+                <a:ea typeface="+mn-ea"/>
+                <a:cs typeface="+mn-cs"/>
+              </a:defRPr>
+            </a:lvl2pPr>
+            <a:lvl3pPr marL="1143000" indent="-228600" algn="l" defTabSz="914400" rtl="0" eaLnBrk="1" latinLnBrk="0" hangingPunct="1">
+              <a:lnSpc>
+                <a:spcPct val="90000"/>
+              </a:lnSpc>
+              <a:spcBef>
+                <a:spcPts val="500"/>
+              </a:spcBef>
+              <a:buFont typeface="Arial" panose="020B0604020202020204" pitchFamily="34" charset="0"/>
+              <a:buChar char="•"/>
+              <a:defRPr sz="2000" kern="1200">
+                <a:solidFill>
+                  <a:schemeClr val="tx1"/>
+                </a:solidFill>
+                <a:latin typeface="+mn-lt"/>
+                <a:ea typeface="+mn-ea"/>
+                <a:cs typeface="+mn-cs"/>
+              </a:defRPr>
+            </a:lvl3pPr>
+            <a:lvl4pPr marL="1600200" indent="-228600" algn="l" defTabSz="914400" rtl="0" eaLnBrk="1" latinLnBrk="0" hangingPunct="1">
+              <a:lnSpc>
+                <a:spcPct val="90000"/>
+              </a:lnSpc>
+              <a:spcBef>
+                <a:spcPts val="500"/>
+              </a:spcBef>
+              <a:buFont typeface="Arial" panose="020B0604020202020204" pitchFamily="34" charset="0"/>
+              <a:buChar char="•"/>
+              <a:defRPr sz="1800" kern="1200">
+                <a:solidFill>
+                  <a:schemeClr val="tx1"/>
+                </a:solidFill>
+                <a:latin typeface="+mn-lt"/>
+                <a:ea typeface="+mn-ea"/>
+                <a:cs typeface="+mn-cs"/>
+              </a:defRPr>
+            </a:lvl4pPr>
+            <a:lvl5pPr marL="2057400" indent="-228600" algn="l" defTabSz="914400" rtl="0" eaLnBrk="1" latinLnBrk="0" hangingPunct="1">
+              <a:lnSpc>
+                <a:spcPct val="90000"/>
+              </a:lnSpc>
+              <a:spcBef>
+                <a:spcPts val="500"/>
+              </a:spcBef>
+              <a:buFont typeface="Arial" panose="020B0604020202020204" pitchFamily="34" charset="0"/>
+              <a:buChar char="•"/>
+              <a:defRPr sz="1800" kern="1200">
+                <a:solidFill>
+                  <a:schemeClr val="tx1"/>
+                </a:solidFill>
+                <a:latin typeface="+mn-lt"/>
+                <a:ea typeface="+mn-ea"/>
+                <a:cs typeface="+mn-cs"/>
+              </a:defRPr>
+            </a:lvl5pPr>
+            <a:lvl6pPr marL="2514600" indent="-228600" algn="l" defTabSz="914400" rtl="0" eaLnBrk="1" latinLnBrk="0" hangingPunct="1">
+              <a:lnSpc>
+                <a:spcPct val="90000"/>
+              </a:lnSpc>
+              <a:spcBef>
+                <a:spcPts val="500"/>
+              </a:spcBef>
+              <a:buFont typeface="Arial" panose="020B0604020202020204" pitchFamily="34" charset="0"/>
+              <a:buChar char="•"/>
+              <a:defRPr sz="1800" kern="1200">
+                <a:solidFill>
+                  <a:schemeClr val="tx1"/>
+                </a:solidFill>
+                <a:latin typeface="+mn-lt"/>
+                <a:ea typeface="+mn-ea"/>
+                <a:cs typeface="+mn-cs"/>
+              </a:defRPr>
+            </a:lvl6pPr>
+            <a:lvl7pPr marL="2971800" indent="-228600" algn="l" defTabSz="914400" rtl="0" eaLnBrk="1" latinLnBrk="0" hangingPunct="1">
+              <a:lnSpc>
+                <a:spcPct val="90000"/>
+              </a:lnSpc>
+              <a:spcBef>
+                <a:spcPts val="500"/>
+              </a:spcBef>
+              <a:buFont typeface="Arial" panose="020B0604020202020204" pitchFamily="34" charset="0"/>
+              <a:buChar char="•"/>
+              <a:defRPr sz="1800" kern="1200">
+                <a:solidFill>
+                  <a:schemeClr val="tx1"/>
+                </a:solidFill>
+                <a:latin typeface="+mn-lt"/>
+                <a:ea typeface="+mn-ea"/>
+                <a:cs typeface="+mn-cs"/>
+              </a:defRPr>
+            </a:lvl7pPr>
+            <a:lvl8pPr marL="3429000" indent="-228600" algn="l" defTabSz="914400" rtl="0" eaLnBrk="1" latinLnBrk="0" hangingPunct="1">
+              <a:lnSpc>
+                <a:spcPct val="90000"/>
+              </a:lnSpc>
+              <a:spcBef>
+                <a:spcPts val="500"/>
+              </a:spcBef>
+              <a:buFont typeface="Arial" panose="020B0604020202020204" pitchFamily="34" charset="0"/>
+              <a:buChar char="•"/>
+              <a:defRPr sz="1800" kern="1200">
+                <a:solidFill>
+                  <a:schemeClr val="tx1"/>
+                </a:solidFill>
+                <a:latin typeface="+mn-lt"/>
+                <a:ea typeface="+mn-ea"/>
+                <a:cs typeface="+mn-cs"/>
+              </a:defRPr>
+            </a:lvl8pPr>
+            <a:lvl9pPr marL="3886200" indent="-228600" algn="l" defTabSz="914400" rtl="0" eaLnBrk="1" latinLnBrk="0" hangingPunct="1">
+              <a:lnSpc>
+                <a:spcPct val="90000"/>
+              </a:lnSpc>
+              <a:spcBef>
+                <a:spcPts val="500"/>
+              </a:spcBef>
+              <a:buFont typeface="Arial" panose="020B0604020202020204" pitchFamily="34" charset="0"/>
+              <a:buChar char="•"/>
+              <a:defRPr sz="1800" kern="1200">
+                <a:solidFill>
+                  <a:schemeClr val="tx1"/>
+                </a:solidFill>
+                <a:latin typeface="+mn-lt"/>
+                <a:ea typeface="+mn-ea"/>
+                <a:cs typeface="+mn-cs"/>
+              </a:defRPr>
+            </a:lvl9pPr>
+          </a:lstStyle>
+          <a:p>
+            <a:endParaRPr lang="en-PL" dirty="0">
+              <a:latin typeface="Arial" panose="020B0604020202020204" pitchFamily="34" charset="0"/>
+              <a:cs typeface="Arial" panose="020B0604020202020204" pitchFamily="34" charset="0"/>
+            </a:endParaRPr>
+          </a:p>
+        </p:txBody>
+      </p:sp>
+      <p:pic>
+        <p:nvPicPr>
+          <p:cNvPr id="17" name="Picture 16">
+            <a:extLst>
+              <a:ext uri="{FF2B5EF4-FFF2-40B4-BE49-F238E27FC236}">
+                <a16:creationId xmlns:a16="http://schemas.microsoft.com/office/drawing/2014/main" id="{DBCE127D-5EFB-DAB0-0582-F48CBEF6EC97}"/>
+              </a:ext>
+            </a:extLst>
+          </p:cNvPr>
+          <p:cNvPicPr>
+            <a:picLocks noChangeAspect="1"/>
+          </p:cNvPicPr>
+          <p:nvPr/>
+        </p:nvPicPr>
+        <p:blipFill>
+          <a:blip r:embed="rId4"/>
+          <a:stretch>
+            <a:fillRect/>
+          </a:stretch>
+        </p:blipFill>
+        <p:spPr>
+          <a:xfrm>
+            <a:off x="1050981" y="1557155"/>
+            <a:ext cx="516773" cy="486374"/>
+          </a:xfrm>
+          <a:prstGeom prst="rect">
+            <a:avLst/>
+          </a:prstGeom>
+        </p:spPr>
+      </p:pic>
+      <p:pic>
+        <p:nvPicPr>
+          <p:cNvPr id="19" name="Picture 18">
+            <a:extLst>
+              <a:ext uri="{FF2B5EF4-FFF2-40B4-BE49-F238E27FC236}">
+                <a16:creationId xmlns:a16="http://schemas.microsoft.com/office/drawing/2014/main" id="{5F72707B-A9E8-5B86-4D06-EE1E2F5C7C53}"/>
+              </a:ext>
+            </a:extLst>
+          </p:cNvPr>
+          <p:cNvPicPr>
+            <a:picLocks noChangeAspect="1"/>
+          </p:cNvPicPr>
+          <p:nvPr/>
+        </p:nvPicPr>
+        <p:blipFill>
+          <a:blip r:embed="rId5"/>
+          <a:stretch>
+            <a:fillRect/>
+          </a:stretch>
+        </p:blipFill>
+        <p:spPr>
+          <a:xfrm>
+            <a:off x="6096000" y="1483043"/>
+            <a:ext cx="548718" cy="516440"/>
+          </a:xfrm>
+          <a:prstGeom prst="rect">
+            <a:avLst/>
+          </a:prstGeom>
+        </p:spPr>
+      </p:pic>
+    </p:spTree>
+    <p:extLst>
+      <p:ext uri="{BB962C8B-B14F-4D97-AF65-F5344CB8AC3E}">
+        <p14:creationId xmlns:p14="http://schemas.microsoft.com/office/powerpoint/2010/main" val="4179524618"/>
+      </p:ext>
+    </p:extLst>
+  </p:cSld>
+  <p:clrMapOvr>
+    <a:masterClrMapping/>
+  </p:clrMapOvr>
+</p:sld>
+</file>
+
+<file path=ppt/slides/slide5.xml><?xml version="1.0" encoding="utf-8"?>
+<p:sld xmlns:a="http://schemas.openxmlformats.org/drawingml/2006/main" xmlns:r="http://schemas.openxmlformats.org/officeDocument/2006/relationships" xmlns:p="http://schemas.openxmlformats.org/presentationml/2006/main">
+  <p:cSld>
+    <p:bg>
+      <p:bgPr>
+        <a:solidFill>
+          <a:schemeClr val="bg1"/>
+        </a:solidFill>
+        <a:effectLst/>
+      </p:bgPr>
+    </p:bg>
+    <p:spTree>
+      <p:nvGrpSpPr>
+        <p:cNvPr id="1" name=""/>
+        <p:cNvGrpSpPr/>
+        <p:nvPr/>
+      </p:nvGrpSpPr>
+      <p:grpSpPr>
+        <a:xfrm>
+          <a:off x="0" y="0"/>
+          <a:ext cx="0" cy="0"/>
+          <a:chOff x="0" y="0"/>
+          <a:chExt cx="0" cy="0"/>
+        </a:xfrm>
+      </p:grpSpPr>
+      <p:sp>
+        <p:nvSpPr>
+          <p:cNvPr id="2" name="Title 1">
+            <a:extLst>
+              <a:ext uri="{FF2B5EF4-FFF2-40B4-BE49-F238E27FC236}">
+                <a16:creationId xmlns:a16="http://schemas.microsoft.com/office/drawing/2014/main" id="{32C432B7-0A6C-2C12-77FA-7B714600B30E}"/>
+              </a:ext>
+            </a:extLst>
+          </p:cNvPr>
+          <p:cNvSpPr>
+            <a:spLocks noGrp="1"/>
+          </p:cNvSpPr>
+          <p:nvPr>
+            <p:ph type="title"/>
+          </p:nvPr>
+        </p:nvSpPr>
+        <p:spPr>
+          <a:xfrm>
+            <a:off x="839788" y="365125"/>
+            <a:ext cx="10515600" cy="711507"/>
+          </a:xfrm>
+        </p:spPr>
+        <p:txBody>
+          <a:bodyPr vert="horz" lIns="91440" tIns="45720" rIns="91440" bIns="45720" rtlCol="0" anchor="b">
+            <a:normAutofit/>
+          </a:bodyPr>
+          <a:lstStyle/>
+          <a:p>
+            <a:r>
+              <a:rPr lang="en-GB" sz="4000" kern="1200" dirty="0">
+                <a:solidFill>
+                  <a:schemeClr val="tx1"/>
+                </a:solidFill>
+                <a:latin typeface="Arial" panose="020B0604020202020204" pitchFamily="34" charset="0"/>
+                <a:cs typeface="Arial" panose="020B0604020202020204" pitchFamily="34" charset="0"/>
+              </a:rPr>
+              <a:t>Code Transformation – Data Analysis</a:t>
+            </a:r>
+            <a:endParaRPr lang="en-US" sz="4000" kern="1200" dirty="0">
+              <a:solidFill>
+                <a:schemeClr val="tx1"/>
+              </a:solidFill>
+              <a:latin typeface="Arial" panose="020B0604020202020204" pitchFamily="34" charset="0"/>
+              <a:cs typeface="Arial" panose="020B0604020202020204" pitchFamily="34" charset="0"/>
+            </a:endParaRPr>
+          </a:p>
+        </p:txBody>
+      </p:sp>
+      <p:sp>
+        <p:nvSpPr>
+          <p:cNvPr id="3" name="Text Placeholder 2">
+            <a:extLst>
+              <a:ext uri="{FF2B5EF4-FFF2-40B4-BE49-F238E27FC236}">
+                <a16:creationId xmlns:a16="http://schemas.microsoft.com/office/drawing/2014/main" id="{7B91EF2E-17D9-6908-D543-ED1BE99A6B97}"/>
+              </a:ext>
+            </a:extLst>
+          </p:cNvPr>
+          <p:cNvSpPr>
+            <a:spLocks noGrp="1"/>
+          </p:cNvSpPr>
+          <p:nvPr>
+            <p:ph type="body" idx="1"/>
+          </p:nvPr>
+        </p:nvSpPr>
+        <p:spPr>
+          <a:xfrm>
+            <a:off x="839787" y="1219617"/>
+            <a:ext cx="5157787" cy="486374"/>
+          </a:xfrm>
+        </p:spPr>
+        <p:txBody>
+          <a:bodyPr/>
+          <a:lstStyle/>
+          <a:p>
+            <a:r>
+              <a:rPr lang="en-GB" dirty="0"/>
+              <a:t>              Python</a:t>
+            </a:r>
+          </a:p>
+        </p:txBody>
+      </p:sp>
+      <p:sp>
+        <p:nvSpPr>
+          <p:cNvPr id="5" name="Text Placeholder 4">
+            <a:extLst>
+              <a:ext uri="{FF2B5EF4-FFF2-40B4-BE49-F238E27FC236}">
+                <a16:creationId xmlns:a16="http://schemas.microsoft.com/office/drawing/2014/main" id="{1988AC56-BDBA-946C-7A57-367658B8906F}"/>
+              </a:ext>
+            </a:extLst>
+          </p:cNvPr>
+          <p:cNvSpPr>
+            <a:spLocks noGrp="1"/>
+          </p:cNvSpPr>
+          <p:nvPr>
+            <p:ph type="body" sz="quarter" idx="3"/>
+          </p:nvPr>
+        </p:nvSpPr>
+        <p:spPr>
+          <a:xfrm>
+            <a:off x="6169024" y="1219617"/>
+            <a:ext cx="5183188" cy="486374"/>
+          </a:xfrm>
+        </p:spPr>
+        <p:txBody>
+          <a:bodyPr/>
+          <a:lstStyle/>
+          <a:p>
+            <a:r>
+              <a:rPr lang="en-GB" dirty="0"/>
+              <a:t>        R</a:t>
+            </a:r>
+          </a:p>
+        </p:txBody>
+      </p:sp>
+      <p:sp>
+        <p:nvSpPr>
+          <p:cNvPr id="7" name="Content Placeholder 2">
+            <a:extLst>
+              <a:ext uri="{FF2B5EF4-FFF2-40B4-BE49-F238E27FC236}">
+                <a16:creationId xmlns:a16="http://schemas.microsoft.com/office/drawing/2014/main" id="{6E2D6785-3FC0-5B4B-8F43-4406AD91B4D7}"/>
+              </a:ext>
+            </a:extLst>
+          </p:cNvPr>
+          <p:cNvSpPr txBox="1">
+            <a:spLocks/>
+          </p:cNvSpPr>
+          <p:nvPr/>
+        </p:nvSpPr>
+        <p:spPr>
+          <a:xfrm>
+            <a:off x="1144923" y="2405894"/>
+            <a:ext cx="6332509" cy="3535083"/>
+          </a:xfrm>
+          <a:prstGeom prst="rect">
+            <a:avLst/>
+          </a:prstGeom>
+        </p:spPr>
+        <p:txBody>
+          <a:bodyPr vert="horz" lIns="91440" tIns="45720" rIns="91440" bIns="45720" rtlCol="0" anchor="t">
+            <a:normAutofit/>
+          </a:bodyPr>
+          <a:lstStyle>
+            <a:lvl1pPr marL="228600" indent="-228600" algn="l" defTabSz="914400" rtl="0" eaLnBrk="1" latinLnBrk="0" hangingPunct="1">
+              <a:lnSpc>
+                <a:spcPct val="90000"/>
+              </a:lnSpc>
+              <a:spcBef>
+                <a:spcPts val="1000"/>
+              </a:spcBef>
+              <a:buFont typeface="Arial" panose="020B0604020202020204" pitchFamily="34" charset="0"/>
+              <a:buChar char="•"/>
+              <a:defRPr sz="2800" kern="1200">
+                <a:solidFill>
+                  <a:schemeClr val="tx1"/>
+                </a:solidFill>
+                <a:latin typeface="+mn-lt"/>
+                <a:ea typeface="+mn-ea"/>
+                <a:cs typeface="+mn-cs"/>
+              </a:defRPr>
+            </a:lvl1pPr>
+            <a:lvl2pPr marL="685800" indent="-228600" algn="l" defTabSz="914400" rtl="0" eaLnBrk="1" latinLnBrk="0" hangingPunct="1">
+              <a:lnSpc>
+                <a:spcPct val="90000"/>
+              </a:lnSpc>
+              <a:spcBef>
+                <a:spcPts val="500"/>
+              </a:spcBef>
+              <a:buFont typeface="Arial" panose="020B0604020202020204" pitchFamily="34" charset="0"/>
+              <a:buChar char="•"/>
+              <a:defRPr sz="2400" kern="1200">
+                <a:solidFill>
+                  <a:schemeClr val="tx1"/>
+                </a:solidFill>
+                <a:latin typeface="+mn-lt"/>
+                <a:ea typeface="+mn-ea"/>
+                <a:cs typeface="+mn-cs"/>
+              </a:defRPr>
+            </a:lvl2pPr>
+            <a:lvl3pPr marL="1143000" indent="-228600" algn="l" defTabSz="914400" rtl="0" eaLnBrk="1" latinLnBrk="0" hangingPunct="1">
+              <a:lnSpc>
+                <a:spcPct val="90000"/>
+              </a:lnSpc>
+              <a:spcBef>
+                <a:spcPts val="500"/>
+              </a:spcBef>
+              <a:buFont typeface="Arial" panose="020B0604020202020204" pitchFamily="34" charset="0"/>
+              <a:buChar char="•"/>
+              <a:defRPr sz="2000" kern="1200">
+                <a:solidFill>
+                  <a:schemeClr val="tx1"/>
+                </a:solidFill>
+                <a:latin typeface="+mn-lt"/>
+                <a:ea typeface="+mn-ea"/>
+                <a:cs typeface="+mn-cs"/>
+              </a:defRPr>
+            </a:lvl3pPr>
+            <a:lvl4pPr marL="1600200" indent="-228600" algn="l" defTabSz="914400" rtl="0" eaLnBrk="1" latinLnBrk="0" hangingPunct="1">
+              <a:lnSpc>
+                <a:spcPct val="90000"/>
+              </a:lnSpc>
+              <a:spcBef>
+                <a:spcPts val="500"/>
+              </a:spcBef>
+              <a:buFont typeface="Arial" panose="020B0604020202020204" pitchFamily="34" charset="0"/>
+              <a:buChar char="•"/>
+              <a:defRPr sz="1800" kern="1200">
+                <a:solidFill>
+                  <a:schemeClr val="tx1"/>
+                </a:solidFill>
+                <a:latin typeface="+mn-lt"/>
+                <a:ea typeface="+mn-ea"/>
+                <a:cs typeface="+mn-cs"/>
+              </a:defRPr>
+            </a:lvl4pPr>
+            <a:lvl5pPr marL="2057400" indent="-228600" algn="l" defTabSz="914400" rtl="0" eaLnBrk="1" latinLnBrk="0" hangingPunct="1">
+              <a:lnSpc>
+                <a:spcPct val="90000"/>
+              </a:lnSpc>
+              <a:spcBef>
+                <a:spcPts val="500"/>
+              </a:spcBef>
+              <a:buFont typeface="Arial" panose="020B0604020202020204" pitchFamily="34" charset="0"/>
+              <a:buChar char="•"/>
+              <a:defRPr sz="1800" kern="1200">
+                <a:solidFill>
+                  <a:schemeClr val="tx1"/>
+                </a:solidFill>
+                <a:latin typeface="+mn-lt"/>
+                <a:ea typeface="+mn-ea"/>
+                <a:cs typeface="+mn-cs"/>
+              </a:defRPr>
+            </a:lvl5pPr>
+            <a:lvl6pPr marL="2514600" indent="-228600" algn="l" defTabSz="914400" rtl="0" eaLnBrk="1" latinLnBrk="0" hangingPunct="1">
+              <a:lnSpc>
+                <a:spcPct val="90000"/>
+              </a:lnSpc>
+              <a:spcBef>
+                <a:spcPts val="500"/>
+              </a:spcBef>
+              <a:buFont typeface="Arial" panose="020B0604020202020204" pitchFamily="34" charset="0"/>
+              <a:buChar char="•"/>
+              <a:defRPr sz="1800" kern="1200">
+                <a:solidFill>
+                  <a:schemeClr val="tx1"/>
+                </a:solidFill>
+                <a:latin typeface="+mn-lt"/>
+                <a:ea typeface="+mn-ea"/>
+                <a:cs typeface="+mn-cs"/>
+              </a:defRPr>
+            </a:lvl6pPr>
+            <a:lvl7pPr marL="2971800" indent="-228600" algn="l" defTabSz="914400" rtl="0" eaLnBrk="1" latinLnBrk="0" hangingPunct="1">
+              <a:lnSpc>
+                <a:spcPct val="90000"/>
+              </a:lnSpc>
+              <a:spcBef>
+                <a:spcPts val="500"/>
+              </a:spcBef>
+              <a:buFont typeface="Arial" panose="020B0604020202020204" pitchFamily="34" charset="0"/>
+              <a:buChar char="•"/>
+              <a:defRPr sz="1800" kern="1200">
+                <a:solidFill>
+                  <a:schemeClr val="tx1"/>
+                </a:solidFill>
+                <a:latin typeface="+mn-lt"/>
+                <a:ea typeface="+mn-ea"/>
+                <a:cs typeface="+mn-cs"/>
+              </a:defRPr>
+            </a:lvl7pPr>
+            <a:lvl8pPr marL="3429000" indent="-228600" algn="l" defTabSz="914400" rtl="0" eaLnBrk="1" latinLnBrk="0" hangingPunct="1">
+              <a:lnSpc>
+                <a:spcPct val="90000"/>
+              </a:lnSpc>
+              <a:spcBef>
+                <a:spcPts val="500"/>
+              </a:spcBef>
+              <a:buFont typeface="Arial" panose="020B0604020202020204" pitchFamily="34" charset="0"/>
+              <a:buChar char="•"/>
+              <a:defRPr sz="1800" kern="1200">
+                <a:solidFill>
+                  <a:schemeClr val="tx1"/>
+                </a:solidFill>
+                <a:latin typeface="+mn-lt"/>
+                <a:ea typeface="+mn-ea"/>
+                <a:cs typeface="+mn-cs"/>
+              </a:defRPr>
+            </a:lvl8pPr>
+            <a:lvl9pPr marL="3886200" indent="-228600" algn="l" defTabSz="914400" rtl="0" eaLnBrk="1" latinLnBrk="0" hangingPunct="1">
+              <a:lnSpc>
+                <a:spcPct val="90000"/>
+              </a:lnSpc>
+              <a:spcBef>
+                <a:spcPts val="500"/>
+              </a:spcBef>
+              <a:buFont typeface="Arial" panose="020B0604020202020204" pitchFamily="34" charset="0"/>
+              <a:buChar char="•"/>
+              <a:defRPr sz="1800" kern="1200">
+                <a:solidFill>
+                  <a:schemeClr val="tx1"/>
+                </a:solidFill>
+                <a:latin typeface="+mn-lt"/>
+                <a:ea typeface="+mn-ea"/>
+                <a:cs typeface="+mn-cs"/>
+              </a:defRPr>
+            </a:lvl9pPr>
+          </a:lstStyle>
+          <a:p>
+            <a:endParaRPr lang="en-PL" dirty="0">
+              <a:latin typeface="Arial" panose="020B0604020202020204" pitchFamily="34" charset="0"/>
+              <a:cs typeface="Arial" panose="020B0604020202020204" pitchFamily="34" charset="0"/>
+            </a:endParaRPr>
+          </a:p>
+        </p:txBody>
+      </p:sp>
+      <p:pic>
+        <p:nvPicPr>
+          <p:cNvPr id="17" name="Picture 16">
+            <a:extLst>
+              <a:ext uri="{FF2B5EF4-FFF2-40B4-BE49-F238E27FC236}">
+                <a16:creationId xmlns:a16="http://schemas.microsoft.com/office/drawing/2014/main" id="{DBCE127D-5EFB-DAB0-0582-F48CBEF6EC97}"/>
+              </a:ext>
+            </a:extLst>
+          </p:cNvPr>
+          <p:cNvPicPr>
+            <a:picLocks noChangeAspect="1"/>
+          </p:cNvPicPr>
+          <p:nvPr/>
+        </p:nvPicPr>
+        <p:blipFill>
+          <a:blip r:embed="rId2"/>
+          <a:stretch>
+            <a:fillRect/>
+          </a:stretch>
+        </p:blipFill>
+        <p:spPr>
+          <a:xfrm>
+            <a:off x="1050981" y="1247958"/>
+            <a:ext cx="516773" cy="486374"/>
+          </a:xfrm>
+          <a:prstGeom prst="rect">
+            <a:avLst/>
+          </a:prstGeom>
+        </p:spPr>
+      </p:pic>
+      <p:pic>
+        <p:nvPicPr>
+          <p:cNvPr id="19" name="Picture 18">
+            <a:extLst>
+              <a:ext uri="{FF2B5EF4-FFF2-40B4-BE49-F238E27FC236}">
+                <a16:creationId xmlns:a16="http://schemas.microsoft.com/office/drawing/2014/main" id="{5F72707B-A9E8-5B86-4D06-EE1E2F5C7C53}"/>
+              </a:ext>
+            </a:extLst>
+          </p:cNvPr>
+          <p:cNvPicPr>
+            <a:picLocks noChangeAspect="1"/>
+          </p:cNvPicPr>
+          <p:nvPr/>
+        </p:nvPicPr>
+        <p:blipFill>
+          <a:blip r:embed="rId3"/>
+          <a:stretch>
+            <a:fillRect/>
+          </a:stretch>
+        </p:blipFill>
+        <p:spPr>
+          <a:xfrm>
+            <a:off x="6096000" y="1185390"/>
+            <a:ext cx="548718" cy="516440"/>
+          </a:xfrm>
+          <a:prstGeom prst="rect">
+            <a:avLst/>
+          </a:prstGeom>
+        </p:spPr>
+      </p:pic>
+      <p:pic>
+        <p:nvPicPr>
+          <p:cNvPr id="23" name="Content Placeholder 22">
+            <a:extLst>
+              <a:ext uri="{FF2B5EF4-FFF2-40B4-BE49-F238E27FC236}">
+                <a16:creationId xmlns:a16="http://schemas.microsoft.com/office/drawing/2014/main" id="{9C15159C-FFBF-4D25-7C14-BBFADB3994BC}"/>
+              </a:ext>
+            </a:extLst>
+          </p:cNvPr>
+          <p:cNvPicPr>
+            <a:picLocks noGrp="1" noChangeAspect="1"/>
+          </p:cNvPicPr>
+          <p:nvPr>
+            <p:ph sz="quarter" idx="4"/>
+          </p:nvPr>
+        </p:nvPicPr>
+        <p:blipFill>
+          <a:blip r:embed="rId4"/>
+          <a:stretch>
+            <a:fillRect/>
+          </a:stretch>
+        </p:blipFill>
+        <p:spPr>
+          <a:xfrm>
+            <a:off x="6172200" y="2410055"/>
+            <a:ext cx="5726788" cy="3538723"/>
+          </a:xfrm>
+          <a:prstGeom prst="rect">
+            <a:avLst/>
+          </a:prstGeom>
+        </p:spPr>
+      </p:pic>
+      <p:pic>
+        <p:nvPicPr>
+          <p:cNvPr id="27" name="Content Placeholder 26">
+            <a:extLst>
+              <a:ext uri="{FF2B5EF4-FFF2-40B4-BE49-F238E27FC236}">
+                <a16:creationId xmlns:a16="http://schemas.microsoft.com/office/drawing/2014/main" id="{398CB51F-7191-55C0-DC52-DB24AFD1AD76}"/>
+              </a:ext>
+            </a:extLst>
+          </p:cNvPr>
+          <p:cNvPicPr>
+            <a:picLocks noGrp="1" noChangeAspect="1"/>
+          </p:cNvPicPr>
+          <p:nvPr>
+            <p:ph sz="half" idx="2"/>
+          </p:nvPr>
+        </p:nvPicPr>
+        <p:blipFill>
+          <a:blip r:embed="rId5"/>
+          <a:stretch>
+            <a:fillRect/>
+          </a:stretch>
+        </p:blipFill>
+        <p:spPr>
+          <a:xfrm>
+            <a:off x="839788" y="2571052"/>
+            <a:ext cx="5157787" cy="3552634"/>
+          </a:xfrm>
+        </p:spPr>
+      </p:pic>
+    </p:spTree>
+    <p:extLst>
+      <p:ext uri="{BB962C8B-B14F-4D97-AF65-F5344CB8AC3E}">
+        <p14:creationId xmlns:p14="http://schemas.microsoft.com/office/powerpoint/2010/main" val="1797672317"/>
+      </p:ext>
+    </p:extLst>
+  </p:cSld>
+  <p:clrMapOvr>
+    <a:masterClrMapping/>
+  </p:clrMapOvr>
+</p:sld>
+</file>
+
+<file path=ppt/slides/slide6.xml><?xml version="1.0" encoding="utf-8"?>
+<p:sld xmlns:a="http://schemas.openxmlformats.org/drawingml/2006/main" xmlns:r="http://schemas.openxmlformats.org/officeDocument/2006/relationships" xmlns:p="http://schemas.openxmlformats.org/presentationml/2006/main">
+  <p:cSld>
+    <p:bg>
+      <p:bgPr>
+        <a:solidFill>
+          <a:schemeClr val="bg1"/>
+        </a:solidFill>
+        <a:effectLst/>
+      </p:bgPr>
+    </p:bg>
+    <p:spTree>
+      <p:nvGrpSpPr>
+        <p:cNvPr id="1" name=""/>
+        <p:cNvGrpSpPr/>
+        <p:nvPr/>
+      </p:nvGrpSpPr>
+      <p:grpSpPr>
+        <a:xfrm>
+          <a:off x="0" y="0"/>
+          <a:ext cx="0" cy="0"/>
+          <a:chOff x="0" y="0"/>
+          <a:chExt cx="0" cy="0"/>
+        </a:xfrm>
+      </p:grpSpPr>
+      <p:sp>
+        <p:nvSpPr>
+          <p:cNvPr id="2" name="Title 1">
+            <a:extLst>
+              <a:ext uri="{FF2B5EF4-FFF2-40B4-BE49-F238E27FC236}">
+                <a16:creationId xmlns:a16="http://schemas.microsoft.com/office/drawing/2014/main" id="{32C432B7-0A6C-2C12-77FA-7B714600B30E}"/>
+              </a:ext>
+            </a:extLst>
+          </p:cNvPr>
+          <p:cNvSpPr>
+            <a:spLocks noGrp="1"/>
+          </p:cNvSpPr>
+          <p:nvPr>
+            <p:ph type="title"/>
+          </p:nvPr>
+        </p:nvSpPr>
+        <p:spPr>
+          <a:xfrm>
+            <a:off x="839788" y="365125"/>
+            <a:ext cx="10515600" cy="711507"/>
+          </a:xfrm>
+        </p:spPr>
+        <p:txBody>
+          <a:bodyPr vert="horz" lIns="91440" tIns="45720" rIns="91440" bIns="45720" rtlCol="0" anchor="b">
+            <a:normAutofit/>
+          </a:bodyPr>
+          <a:lstStyle/>
+          <a:p>
+            <a:r>
+              <a:rPr lang="en-GB" sz="4000" kern="1200" dirty="0">
+                <a:solidFill>
+                  <a:schemeClr val="tx1"/>
+                </a:solidFill>
+                <a:latin typeface="Arial" panose="020B0604020202020204" pitchFamily="34" charset="0"/>
+                <a:cs typeface="Arial" panose="020B0604020202020204" pitchFamily="34" charset="0"/>
+              </a:rPr>
+              <a:t>Code Transformation – Data Analysis</a:t>
+            </a:r>
+            <a:endParaRPr lang="en-US" sz="4000" kern="1200" dirty="0">
+              <a:solidFill>
+                <a:schemeClr val="tx1"/>
+              </a:solidFill>
+              <a:latin typeface="Arial" panose="020B0604020202020204" pitchFamily="34" charset="0"/>
+              <a:cs typeface="Arial" panose="020B0604020202020204" pitchFamily="34" charset="0"/>
+            </a:endParaRPr>
+          </a:p>
+        </p:txBody>
+      </p:sp>
+      <p:sp>
+        <p:nvSpPr>
+          <p:cNvPr id="3" name="Text Placeholder 2">
+            <a:extLst>
+              <a:ext uri="{FF2B5EF4-FFF2-40B4-BE49-F238E27FC236}">
+                <a16:creationId xmlns:a16="http://schemas.microsoft.com/office/drawing/2014/main" id="{7B91EF2E-17D9-6908-D543-ED1BE99A6B97}"/>
+              </a:ext>
+            </a:extLst>
+          </p:cNvPr>
+          <p:cNvSpPr>
+            <a:spLocks noGrp="1"/>
+          </p:cNvSpPr>
+          <p:nvPr>
+            <p:ph type="body" idx="1"/>
+          </p:nvPr>
+        </p:nvSpPr>
+        <p:spPr>
+          <a:xfrm>
+            <a:off x="839787" y="1219617"/>
+            <a:ext cx="5157787" cy="486374"/>
+          </a:xfrm>
+        </p:spPr>
+        <p:txBody>
+          <a:bodyPr/>
+          <a:lstStyle/>
+          <a:p>
+            <a:r>
+              <a:rPr lang="en-GB" dirty="0"/>
+              <a:t>              Python</a:t>
+            </a:r>
+          </a:p>
+        </p:txBody>
+      </p:sp>
+      <p:sp>
+        <p:nvSpPr>
+          <p:cNvPr id="5" name="Text Placeholder 4">
+            <a:extLst>
+              <a:ext uri="{FF2B5EF4-FFF2-40B4-BE49-F238E27FC236}">
+                <a16:creationId xmlns:a16="http://schemas.microsoft.com/office/drawing/2014/main" id="{1988AC56-BDBA-946C-7A57-367658B8906F}"/>
+              </a:ext>
+            </a:extLst>
+          </p:cNvPr>
+          <p:cNvSpPr>
+            <a:spLocks noGrp="1"/>
+          </p:cNvSpPr>
+          <p:nvPr>
+            <p:ph type="body" sz="quarter" idx="3"/>
+          </p:nvPr>
+        </p:nvSpPr>
+        <p:spPr>
+          <a:xfrm>
+            <a:off x="6169024" y="1219617"/>
+            <a:ext cx="5183188" cy="486374"/>
+          </a:xfrm>
+        </p:spPr>
+        <p:txBody>
+          <a:bodyPr/>
+          <a:lstStyle/>
+          <a:p>
+            <a:r>
+              <a:rPr lang="en-GB" dirty="0"/>
+              <a:t>        R</a:t>
+            </a:r>
+          </a:p>
+        </p:txBody>
+      </p:sp>
+      <p:sp>
+        <p:nvSpPr>
+          <p:cNvPr id="7" name="Content Placeholder 2">
+            <a:extLst>
+              <a:ext uri="{FF2B5EF4-FFF2-40B4-BE49-F238E27FC236}">
+                <a16:creationId xmlns:a16="http://schemas.microsoft.com/office/drawing/2014/main" id="{6E2D6785-3FC0-5B4B-8F43-4406AD91B4D7}"/>
+              </a:ext>
+            </a:extLst>
+          </p:cNvPr>
+          <p:cNvSpPr txBox="1">
+            <a:spLocks/>
+          </p:cNvSpPr>
+          <p:nvPr/>
+        </p:nvSpPr>
+        <p:spPr>
+          <a:xfrm>
+            <a:off x="1144923" y="2405894"/>
+            <a:ext cx="6332509" cy="3535083"/>
+          </a:xfrm>
+          <a:prstGeom prst="rect">
+            <a:avLst/>
+          </a:prstGeom>
+        </p:spPr>
+        <p:txBody>
+          <a:bodyPr vert="horz" lIns="91440" tIns="45720" rIns="91440" bIns="45720" rtlCol="0" anchor="t">
+            <a:normAutofit/>
+          </a:bodyPr>
+          <a:lstStyle>
+            <a:lvl1pPr marL="228600" indent="-228600" algn="l" defTabSz="914400" rtl="0" eaLnBrk="1" latinLnBrk="0" hangingPunct="1">
+              <a:lnSpc>
+                <a:spcPct val="90000"/>
+              </a:lnSpc>
+              <a:spcBef>
+                <a:spcPts val="1000"/>
+              </a:spcBef>
+              <a:buFont typeface="Arial" panose="020B0604020202020204" pitchFamily="34" charset="0"/>
+              <a:buChar char="•"/>
+              <a:defRPr sz="2800" kern="1200">
+                <a:solidFill>
+                  <a:schemeClr val="tx1"/>
+                </a:solidFill>
+                <a:latin typeface="+mn-lt"/>
+                <a:ea typeface="+mn-ea"/>
+                <a:cs typeface="+mn-cs"/>
+              </a:defRPr>
+            </a:lvl1pPr>
+            <a:lvl2pPr marL="685800" indent="-228600" algn="l" defTabSz="914400" rtl="0" eaLnBrk="1" latinLnBrk="0" hangingPunct="1">
+              <a:lnSpc>
+                <a:spcPct val="90000"/>
+              </a:lnSpc>
+              <a:spcBef>
+                <a:spcPts val="500"/>
+              </a:spcBef>
+              <a:buFont typeface="Arial" panose="020B0604020202020204" pitchFamily="34" charset="0"/>
+              <a:buChar char="•"/>
+              <a:defRPr sz="2400" kern="1200">
+                <a:solidFill>
+                  <a:schemeClr val="tx1"/>
+                </a:solidFill>
+                <a:latin typeface="+mn-lt"/>
+                <a:ea typeface="+mn-ea"/>
+                <a:cs typeface="+mn-cs"/>
+              </a:defRPr>
+            </a:lvl2pPr>
+            <a:lvl3pPr marL="1143000" indent="-228600" algn="l" defTabSz="914400" rtl="0" eaLnBrk="1" latinLnBrk="0" hangingPunct="1">
+              <a:lnSpc>
+                <a:spcPct val="90000"/>
+              </a:lnSpc>
+              <a:spcBef>
+                <a:spcPts val="500"/>
+              </a:spcBef>
+              <a:buFont typeface="Arial" panose="020B0604020202020204" pitchFamily="34" charset="0"/>
+              <a:buChar char="•"/>
+              <a:defRPr sz="2000" kern="1200">
+                <a:solidFill>
+                  <a:schemeClr val="tx1"/>
+                </a:solidFill>
+                <a:latin typeface="+mn-lt"/>
+                <a:ea typeface="+mn-ea"/>
+                <a:cs typeface="+mn-cs"/>
+              </a:defRPr>
+            </a:lvl3pPr>
+            <a:lvl4pPr marL="1600200" indent="-228600" algn="l" defTabSz="914400" rtl="0" eaLnBrk="1" latinLnBrk="0" hangingPunct="1">
+              <a:lnSpc>
+                <a:spcPct val="90000"/>
+              </a:lnSpc>
+              <a:spcBef>
+                <a:spcPts val="500"/>
+              </a:spcBef>
+              <a:buFont typeface="Arial" panose="020B0604020202020204" pitchFamily="34" charset="0"/>
+              <a:buChar char="•"/>
+              <a:defRPr sz="1800" kern="1200">
+                <a:solidFill>
+                  <a:schemeClr val="tx1"/>
+                </a:solidFill>
+                <a:latin typeface="+mn-lt"/>
+                <a:ea typeface="+mn-ea"/>
+                <a:cs typeface="+mn-cs"/>
+              </a:defRPr>
+            </a:lvl4pPr>
+            <a:lvl5pPr marL="2057400" indent="-228600" algn="l" defTabSz="914400" rtl="0" eaLnBrk="1" latinLnBrk="0" hangingPunct="1">
+              <a:lnSpc>
+                <a:spcPct val="90000"/>
+              </a:lnSpc>
+              <a:spcBef>
+                <a:spcPts val="500"/>
+              </a:spcBef>
+              <a:buFont typeface="Arial" panose="020B0604020202020204" pitchFamily="34" charset="0"/>
+              <a:buChar char="•"/>
+              <a:defRPr sz="1800" kern="1200">
+                <a:solidFill>
+                  <a:schemeClr val="tx1"/>
+                </a:solidFill>
+                <a:latin typeface="+mn-lt"/>
+                <a:ea typeface="+mn-ea"/>
+                <a:cs typeface="+mn-cs"/>
+              </a:defRPr>
+            </a:lvl5pPr>
+            <a:lvl6pPr marL="2514600" indent="-228600" algn="l" defTabSz="914400" rtl="0" eaLnBrk="1" latinLnBrk="0" hangingPunct="1">
+              <a:lnSpc>
+                <a:spcPct val="90000"/>
+              </a:lnSpc>
+              <a:spcBef>
+                <a:spcPts val="500"/>
+              </a:spcBef>
+              <a:buFont typeface="Arial" panose="020B0604020202020204" pitchFamily="34" charset="0"/>
+              <a:buChar char="•"/>
+              <a:defRPr sz="1800" kern="1200">
+                <a:solidFill>
+                  <a:schemeClr val="tx1"/>
+                </a:solidFill>
+                <a:latin typeface="+mn-lt"/>
+                <a:ea typeface="+mn-ea"/>
+                <a:cs typeface="+mn-cs"/>
+              </a:defRPr>
+            </a:lvl6pPr>
+            <a:lvl7pPr marL="2971800" indent="-228600" algn="l" defTabSz="914400" rtl="0" eaLnBrk="1" latinLnBrk="0" hangingPunct="1">
+              <a:lnSpc>
+                <a:spcPct val="90000"/>
+              </a:lnSpc>
+              <a:spcBef>
+                <a:spcPts val="500"/>
+              </a:spcBef>
+              <a:buFont typeface="Arial" panose="020B0604020202020204" pitchFamily="34" charset="0"/>
+              <a:buChar char="•"/>
+              <a:defRPr sz="1800" kern="1200">
+                <a:solidFill>
+                  <a:schemeClr val="tx1"/>
+                </a:solidFill>
+                <a:latin typeface="+mn-lt"/>
+                <a:ea typeface="+mn-ea"/>
+                <a:cs typeface="+mn-cs"/>
+              </a:defRPr>
+            </a:lvl7pPr>
+            <a:lvl8pPr marL="3429000" indent="-228600" algn="l" defTabSz="914400" rtl="0" eaLnBrk="1" latinLnBrk="0" hangingPunct="1">
+              <a:lnSpc>
+                <a:spcPct val="90000"/>
+              </a:lnSpc>
+              <a:spcBef>
+                <a:spcPts val="500"/>
+              </a:spcBef>
+              <a:buFont typeface="Arial" panose="020B0604020202020204" pitchFamily="34" charset="0"/>
+              <a:buChar char="•"/>
+              <a:defRPr sz="1800" kern="1200">
+                <a:solidFill>
+                  <a:schemeClr val="tx1"/>
+                </a:solidFill>
+                <a:latin typeface="+mn-lt"/>
+                <a:ea typeface="+mn-ea"/>
+                <a:cs typeface="+mn-cs"/>
+              </a:defRPr>
+            </a:lvl8pPr>
+            <a:lvl9pPr marL="3886200" indent="-228600" algn="l" defTabSz="914400" rtl="0" eaLnBrk="1" latinLnBrk="0" hangingPunct="1">
+              <a:lnSpc>
+                <a:spcPct val="90000"/>
+              </a:lnSpc>
+              <a:spcBef>
+                <a:spcPts val="500"/>
+              </a:spcBef>
+              <a:buFont typeface="Arial" panose="020B0604020202020204" pitchFamily="34" charset="0"/>
+              <a:buChar char="•"/>
+              <a:defRPr sz="1800" kern="1200">
+                <a:solidFill>
+                  <a:schemeClr val="tx1"/>
+                </a:solidFill>
+                <a:latin typeface="+mn-lt"/>
+                <a:ea typeface="+mn-ea"/>
+                <a:cs typeface="+mn-cs"/>
+              </a:defRPr>
+            </a:lvl9pPr>
+          </a:lstStyle>
+          <a:p>
+            <a:endParaRPr lang="en-PL" dirty="0">
+              <a:latin typeface="Arial" panose="020B0604020202020204" pitchFamily="34" charset="0"/>
+              <a:cs typeface="Arial" panose="020B0604020202020204" pitchFamily="34" charset="0"/>
+            </a:endParaRPr>
+          </a:p>
+        </p:txBody>
+      </p:sp>
+      <p:pic>
+        <p:nvPicPr>
+          <p:cNvPr id="17" name="Picture 16">
+            <a:extLst>
+              <a:ext uri="{FF2B5EF4-FFF2-40B4-BE49-F238E27FC236}">
+                <a16:creationId xmlns:a16="http://schemas.microsoft.com/office/drawing/2014/main" id="{DBCE127D-5EFB-DAB0-0582-F48CBEF6EC97}"/>
+              </a:ext>
+            </a:extLst>
+          </p:cNvPr>
+          <p:cNvPicPr>
+            <a:picLocks noChangeAspect="1"/>
+          </p:cNvPicPr>
+          <p:nvPr/>
+        </p:nvPicPr>
+        <p:blipFill>
+          <a:blip r:embed="rId2"/>
+          <a:stretch>
+            <a:fillRect/>
+          </a:stretch>
+        </p:blipFill>
+        <p:spPr>
+          <a:xfrm>
+            <a:off x="1050981" y="1247958"/>
+            <a:ext cx="516773" cy="486374"/>
+          </a:xfrm>
+          <a:prstGeom prst="rect">
+            <a:avLst/>
+          </a:prstGeom>
+        </p:spPr>
+      </p:pic>
+      <p:pic>
+        <p:nvPicPr>
+          <p:cNvPr id="19" name="Picture 18">
+            <a:extLst>
+              <a:ext uri="{FF2B5EF4-FFF2-40B4-BE49-F238E27FC236}">
+                <a16:creationId xmlns:a16="http://schemas.microsoft.com/office/drawing/2014/main" id="{5F72707B-A9E8-5B86-4D06-EE1E2F5C7C53}"/>
+              </a:ext>
+            </a:extLst>
+          </p:cNvPr>
+          <p:cNvPicPr>
+            <a:picLocks noChangeAspect="1"/>
+          </p:cNvPicPr>
+          <p:nvPr/>
+        </p:nvPicPr>
+        <p:blipFill>
+          <a:blip r:embed="rId3"/>
+          <a:stretch>
+            <a:fillRect/>
+          </a:stretch>
+        </p:blipFill>
+        <p:spPr>
+          <a:xfrm>
+            <a:off x="6096000" y="1185390"/>
+            <a:ext cx="548718" cy="516440"/>
+          </a:xfrm>
+          <a:prstGeom prst="rect">
+            <a:avLst/>
+          </a:prstGeom>
+        </p:spPr>
+      </p:pic>
+      <p:pic>
+        <p:nvPicPr>
+          <p:cNvPr id="14" name="Content Placeholder 13">
+            <a:extLst>
+              <a:ext uri="{FF2B5EF4-FFF2-40B4-BE49-F238E27FC236}">
+                <a16:creationId xmlns:a16="http://schemas.microsoft.com/office/drawing/2014/main" id="{A2FE36BA-4A83-8675-8394-1E03AD2D16E3}"/>
+              </a:ext>
+            </a:extLst>
+          </p:cNvPr>
+          <p:cNvPicPr>
+            <a:picLocks noGrp="1" noChangeAspect="1"/>
+          </p:cNvPicPr>
+          <p:nvPr>
+            <p:ph sz="half" idx="2"/>
+          </p:nvPr>
+        </p:nvPicPr>
+        <p:blipFill>
+          <a:blip r:embed="rId4"/>
+          <a:stretch>
+            <a:fillRect/>
+          </a:stretch>
+        </p:blipFill>
+        <p:spPr>
+          <a:xfrm>
+            <a:off x="839788" y="2527429"/>
+            <a:ext cx="5157787" cy="3639879"/>
+          </a:xfrm>
+        </p:spPr>
+      </p:pic>
+      <p:pic>
+        <p:nvPicPr>
+          <p:cNvPr id="11" name="Content Placeholder 10">
+            <a:extLst>
+              <a:ext uri="{FF2B5EF4-FFF2-40B4-BE49-F238E27FC236}">
+                <a16:creationId xmlns:a16="http://schemas.microsoft.com/office/drawing/2014/main" id="{FBCB9E5A-1555-121D-8C42-046A307E71C1}"/>
+              </a:ext>
+            </a:extLst>
+          </p:cNvPr>
+          <p:cNvPicPr>
+            <a:picLocks noGrp="1" noChangeAspect="1"/>
+          </p:cNvPicPr>
+          <p:nvPr>
+            <p:ph sz="quarter" idx="4"/>
+          </p:nvPr>
+        </p:nvPicPr>
+        <p:blipFill>
+          <a:blip r:embed="rId5"/>
+          <a:stretch>
+            <a:fillRect/>
+          </a:stretch>
+        </p:blipFill>
+        <p:spPr>
+          <a:xfrm>
+            <a:off x="6172200" y="2410055"/>
+            <a:ext cx="5726788" cy="3779608"/>
+          </a:xfrm>
+          <a:prstGeom prst="rect">
+            <a:avLst/>
+          </a:prstGeom>
+        </p:spPr>
+      </p:pic>
+    </p:spTree>
+    <p:extLst>
+      <p:ext uri="{BB962C8B-B14F-4D97-AF65-F5344CB8AC3E}">
+        <p14:creationId xmlns:p14="http://schemas.microsoft.com/office/powerpoint/2010/main" val="179855361"/>
+      </p:ext>
+    </p:extLst>
+  </p:cSld>
+  <p:clrMapOvr>
+    <a:masterClrMapping/>
+  </p:clrMapOvr>
+</p:sld>
+</file>
+
+<file path=ppt/slides/slide7.xml><?xml version="1.0" encoding="utf-8"?>
+<p:sld xmlns:a="http://schemas.openxmlformats.org/drawingml/2006/main" xmlns:r="http://schemas.openxmlformats.org/officeDocument/2006/relationships" xmlns:p="http://schemas.openxmlformats.org/presentationml/2006/main">
+  <p:cSld>
+    <p:bg>
+      <p:bgPr>
+        <a:solidFill>
+          <a:schemeClr val="bg1"/>
+        </a:solidFill>
+        <a:effectLst/>
+      </p:bgPr>
+    </p:bg>
+    <p:spTree>
+      <p:nvGrpSpPr>
+        <p:cNvPr id="1" name=""/>
+        <p:cNvGrpSpPr/>
+        <p:nvPr/>
+      </p:nvGrpSpPr>
+      <p:grpSpPr>
+        <a:xfrm>
+          <a:off x="0" y="0"/>
+          <a:ext cx="0" cy="0"/>
+          <a:chOff x="0" y="0"/>
+          <a:chExt cx="0" cy="0"/>
+        </a:xfrm>
+      </p:grpSpPr>
+      <p:sp>
+        <p:nvSpPr>
+          <p:cNvPr id="2" name="Title 1">
+            <a:extLst>
+              <a:ext uri="{FF2B5EF4-FFF2-40B4-BE49-F238E27FC236}">
+                <a16:creationId xmlns:a16="http://schemas.microsoft.com/office/drawing/2014/main" id="{32C432B7-0A6C-2C12-77FA-7B714600B30E}"/>
+              </a:ext>
+            </a:extLst>
+          </p:cNvPr>
+          <p:cNvSpPr>
+            <a:spLocks noGrp="1"/>
+          </p:cNvSpPr>
+          <p:nvPr>
+            <p:ph type="title"/>
+          </p:nvPr>
+        </p:nvSpPr>
+        <p:spPr>
+          <a:xfrm>
+            <a:off x="839788" y="365125"/>
+            <a:ext cx="10515600" cy="711507"/>
+          </a:xfrm>
+        </p:spPr>
+        <p:txBody>
+          <a:bodyPr vert="horz" lIns="91440" tIns="45720" rIns="91440" bIns="45720" rtlCol="0" anchor="b">
+            <a:normAutofit/>
+          </a:bodyPr>
+          <a:lstStyle/>
+          <a:p>
+            <a:r>
+              <a:rPr lang="en-GB" sz="4000" kern="1200" dirty="0">
+                <a:solidFill>
+                  <a:schemeClr val="tx1"/>
+                </a:solidFill>
+                <a:latin typeface="Arial" panose="020B0604020202020204" pitchFamily="34" charset="0"/>
+                <a:cs typeface="Arial" panose="020B0604020202020204" pitchFamily="34" charset="0"/>
+              </a:rPr>
+              <a:t>Code Transformation – Data Analysis</a:t>
+            </a:r>
+            <a:endParaRPr lang="en-US" sz="4000" kern="1200" dirty="0">
+              <a:solidFill>
+                <a:schemeClr val="tx1"/>
+              </a:solidFill>
+              <a:latin typeface="Arial" panose="020B0604020202020204" pitchFamily="34" charset="0"/>
+              <a:cs typeface="Arial" panose="020B0604020202020204" pitchFamily="34" charset="0"/>
+            </a:endParaRPr>
+          </a:p>
+        </p:txBody>
+      </p:sp>
+      <p:sp>
+        <p:nvSpPr>
+          <p:cNvPr id="3" name="Text Placeholder 2">
+            <a:extLst>
+              <a:ext uri="{FF2B5EF4-FFF2-40B4-BE49-F238E27FC236}">
+                <a16:creationId xmlns:a16="http://schemas.microsoft.com/office/drawing/2014/main" id="{7B91EF2E-17D9-6908-D543-ED1BE99A6B97}"/>
+              </a:ext>
+            </a:extLst>
+          </p:cNvPr>
+          <p:cNvSpPr>
+            <a:spLocks noGrp="1"/>
+          </p:cNvSpPr>
+          <p:nvPr>
+            <p:ph type="body" idx="1"/>
+          </p:nvPr>
+        </p:nvSpPr>
+        <p:spPr>
+          <a:xfrm>
+            <a:off x="839787" y="1219617"/>
+            <a:ext cx="5157787" cy="486374"/>
+          </a:xfrm>
+        </p:spPr>
+        <p:txBody>
+          <a:bodyPr/>
+          <a:lstStyle/>
+          <a:p>
+            <a:r>
+              <a:rPr lang="en-GB" dirty="0"/>
+              <a:t>              Python</a:t>
+            </a:r>
+          </a:p>
+        </p:txBody>
+      </p:sp>
+      <p:sp>
+        <p:nvSpPr>
+          <p:cNvPr id="5" name="Text Placeholder 4">
+            <a:extLst>
+              <a:ext uri="{FF2B5EF4-FFF2-40B4-BE49-F238E27FC236}">
+                <a16:creationId xmlns:a16="http://schemas.microsoft.com/office/drawing/2014/main" id="{1988AC56-BDBA-946C-7A57-367658B8906F}"/>
+              </a:ext>
+            </a:extLst>
+          </p:cNvPr>
+          <p:cNvSpPr>
+            <a:spLocks noGrp="1"/>
+          </p:cNvSpPr>
+          <p:nvPr>
+            <p:ph type="body" sz="quarter" idx="3"/>
+          </p:nvPr>
+        </p:nvSpPr>
+        <p:spPr>
+          <a:xfrm>
+            <a:off x="6169024" y="1219617"/>
+            <a:ext cx="5183188" cy="486374"/>
+          </a:xfrm>
+        </p:spPr>
+        <p:txBody>
+          <a:bodyPr/>
+          <a:lstStyle/>
+          <a:p>
+            <a:r>
+              <a:rPr lang="en-GB" dirty="0"/>
+              <a:t>        R</a:t>
+            </a:r>
+          </a:p>
+        </p:txBody>
+      </p:sp>
+      <p:sp>
+        <p:nvSpPr>
+          <p:cNvPr id="7" name="Content Placeholder 2">
+            <a:extLst>
+              <a:ext uri="{FF2B5EF4-FFF2-40B4-BE49-F238E27FC236}">
+                <a16:creationId xmlns:a16="http://schemas.microsoft.com/office/drawing/2014/main" id="{6E2D6785-3FC0-5B4B-8F43-4406AD91B4D7}"/>
+              </a:ext>
+            </a:extLst>
+          </p:cNvPr>
+          <p:cNvSpPr txBox="1">
+            <a:spLocks/>
+          </p:cNvSpPr>
+          <p:nvPr/>
+        </p:nvSpPr>
+        <p:spPr>
+          <a:xfrm>
+            <a:off x="1144923" y="2405894"/>
+            <a:ext cx="6332509" cy="3535083"/>
+          </a:xfrm>
+          <a:prstGeom prst="rect">
+            <a:avLst/>
+          </a:prstGeom>
+        </p:spPr>
+        <p:txBody>
+          <a:bodyPr vert="horz" lIns="91440" tIns="45720" rIns="91440" bIns="45720" rtlCol="0" anchor="t">
+            <a:normAutofit/>
+          </a:bodyPr>
+          <a:lstStyle>
+            <a:lvl1pPr marL="228600" indent="-228600" algn="l" defTabSz="914400" rtl="0" eaLnBrk="1" latinLnBrk="0" hangingPunct="1">
+              <a:lnSpc>
+                <a:spcPct val="90000"/>
+              </a:lnSpc>
+              <a:spcBef>
+                <a:spcPts val="1000"/>
+              </a:spcBef>
+              <a:buFont typeface="Arial" panose="020B0604020202020204" pitchFamily="34" charset="0"/>
+              <a:buChar char="•"/>
+              <a:defRPr sz="2800" kern="1200">
+                <a:solidFill>
+                  <a:schemeClr val="tx1"/>
+                </a:solidFill>
+                <a:latin typeface="+mn-lt"/>
+                <a:ea typeface="+mn-ea"/>
+                <a:cs typeface="+mn-cs"/>
+              </a:defRPr>
+            </a:lvl1pPr>
+            <a:lvl2pPr marL="685800" indent="-228600" algn="l" defTabSz="914400" rtl="0" eaLnBrk="1" latinLnBrk="0" hangingPunct="1">
+              <a:lnSpc>
+                <a:spcPct val="90000"/>
+              </a:lnSpc>
+              <a:spcBef>
+                <a:spcPts val="500"/>
+              </a:spcBef>
+              <a:buFont typeface="Arial" panose="020B0604020202020204" pitchFamily="34" charset="0"/>
+              <a:buChar char="•"/>
+              <a:defRPr sz="2400" kern="1200">
+                <a:solidFill>
+                  <a:schemeClr val="tx1"/>
+                </a:solidFill>
+                <a:latin typeface="+mn-lt"/>
+                <a:ea typeface="+mn-ea"/>
+                <a:cs typeface="+mn-cs"/>
+              </a:defRPr>
+            </a:lvl2pPr>
+            <a:lvl3pPr marL="1143000" indent="-228600" algn="l" defTabSz="914400" rtl="0" eaLnBrk="1" latinLnBrk="0" hangingPunct="1">
+              <a:lnSpc>
+                <a:spcPct val="90000"/>
+              </a:lnSpc>
+              <a:spcBef>
+                <a:spcPts val="500"/>
+              </a:spcBef>
+              <a:buFont typeface="Arial" panose="020B0604020202020204" pitchFamily="34" charset="0"/>
+              <a:buChar char="•"/>
+              <a:defRPr sz="2000" kern="1200">
+                <a:solidFill>
+                  <a:schemeClr val="tx1"/>
+                </a:solidFill>
+                <a:latin typeface="+mn-lt"/>
+                <a:ea typeface="+mn-ea"/>
+                <a:cs typeface="+mn-cs"/>
+              </a:defRPr>
+            </a:lvl3pPr>
+            <a:lvl4pPr marL="1600200" indent="-228600" algn="l" defTabSz="914400" rtl="0" eaLnBrk="1" latinLnBrk="0" hangingPunct="1">
+              <a:lnSpc>
+                <a:spcPct val="90000"/>
+              </a:lnSpc>
+              <a:spcBef>
+                <a:spcPts val="500"/>
+              </a:spcBef>
+              <a:buFont typeface="Arial" panose="020B0604020202020204" pitchFamily="34" charset="0"/>
+              <a:buChar char="•"/>
+              <a:defRPr sz="1800" kern="1200">
+                <a:solidFill>
+                  <a:schemeClr val="tx1"/>
+                </a:solidFill>
+                <a:latin typeface="+mn-lt"/>
+                <a:ea typeface="+mn-ea"/>
+                <a:cs typeface="+mn-cs"/>
+              </a:defRPr>
+            </a:lvl4pPr>
+            <a:lvl5pPr marL="2057400" indent="-228600" algn="l" defTabSz="914400" rtl="0" eaLnBrk="1" latinLnBrk="0" hangingPunct="1">
+              <a:lnSpc>
+                <a:spcPct val="90000"/>
+              </a:lnSpc>
+              <a:spcBef>
+                <a:spcPts val="500"/>
+              </a:spcBef>
+              <a:buFont typeface="Arial" panose="020B0604020202020204" pitchFamily="34" charset="0"/>
+              <a:buChar char="•"/>
+              <a:defRPr sz="1800" kern="1200">
+                <a:solidFill>
+                  <a:schemeClr val="tx1"/>
+                </a:solidFill>
+                <a:latin typeface="+mn-lt"/>
+                <a:ea typeface="+mn-ea"/>
+                <a:cs typeface="+mn-cs"/>
+              </a:defRPr>
+            </a:lvl5pPr>
+            <a:lvl6pPr marL="2514600" indent="-228600" algn="l" defTabSz="914400" rtl="0" eaLnBrk="1" latinLnBrk="0" hangingPunct="1">
+              <a:lnSpc>
+                <a:spcPct val="90000"/>
+              </a:lnSpc>
+              <a:spcBef>
+                <a:spcPts val="500"/>
+              </a:spcBef>
+              <a:buFont typeface="Arial" panose="020B0604020202020204" pitchFamily="34" charset="0"/>
+              <a:buChar char="•"/>
+              <a:defRPr sz="1800" kern="1200">
+                <a:solidFill>
+                  <a:schemeClr val="tx1"/>
+                </a:solidFill>
+                <a:latin typeface="+mn-lt"/>
+                <a:ea typeface="+mn-ea"/>
+                <a:cs typeface="+mn-cs"/>
+              </a:defRPr>
+            </a:lvl6pPr>
+            <a:lvl7pPr marL="2971800" indent="-228600" algn="l" defTabSz="914400" rtl="0" eaLnBrk="1" latinLnBrk="0" hangingPunct="1">
+              <a:lnSpc>
+                <a:spcPct val="90000"/>
+              </a:lnSpc>
+              <a:spcBef>
+                <a:spcPts val="500"/>
+              </a:spcBef>
+              <a:buFont typeface="Arial" panose="020B0604020202020204" pitchFamily="34" charset="0"/>
+              <a:buChar char="•"/>
+              <a:defRPr sz="1800" kern="1200">
+                <a:solidFill>
+                  <a:schemeClr val="tx1"/>
+                </a:solidFill>
+                <a:latin typeface="+mn-lt"/>
+                <a:ea typeface="+mn-ea"/>
+                <a:cs typeface="+mn-cs"/>
+              </a:defRPr>
+            </a:lvl7pPr>
+            <a:lvl8pPr marL="3429000" indent="-228600" algn="l" defTabSz="914400" rtl="0" eaLnBrk="1" latinLnBrk="0" hangingPunct="1">
+              <a:lnSpc>
+                <a:spcPct val="90000"/>
+              </a:lnSpc>
+              <a:spcBef>
+                <a:spcPts val="500"/>
+              </a:spcBef>
+              <a:buFont typeface="Arial" panose="020B0604020202020204" pitchFamily="34" charset="0"/>
+              <a:buChar char="•"/>
+              <a:defRPr sz="1800" kern="1200">
+                <a:solidFill>
+                  <a:schemeClr val="tx1"/>
+                </a:solidFill>
+                <a:latin typeface="+mn-lt"/>
+                <a:ea typeface="+mn-ea"/>
+                <a:cs typeface="+mn-cs"/>
+              </a:defRPr>
+            </a:lvl8pPr>
+            <a:lvl9pPr marL="3886200" indent="-228600" algn="l" defTabSz="914400" rtl="0" eaLnBrk="1" latinLnBrk="0" hangingPunct="1">
+              <a:lnSpc>
+                <a:spcPct val="90000"/>
+              </a:lnSpc>
+              <a:spcBef>
+                <a:spcPts val="500"/>
+              </a:spcBef>
+              <a:buFont typeface="Arial" panose="020B0604020202020204" pitchFamily="34" charset="0"/>
+              <a:buChar char="•"/>
+              <a:defRPr sz="1800" kern="1200">
+                <a:solidFill>
+                  <a:schemeClr val="tx1"/>
+                </a:solidFill>
+                <a:latin typeface="+mn-lt"/>
+                <a:ea typeface="+mn-ea"/>
+                <a:cs typeface="+mn-cs"/>
+              </a:defRPr>
+            </a:lvl9pPr>
+          </a:lstStyle>
+          <a:p>
+            <a:endParaRPr lang="en-PL" dirty="0">
+              <a:latin typeface="Arial" panose="020B0604020202020204" pitchFamily="34" charset="0"/>
+              <a:cs typeface="Arial" panose="020B0604020202020204" pitchFamily="34" charset="0"/>
+            </a:endParaRPr>
+          </a:p>
+        </p:txBody>
+      </p:sp>
+      <p:pic>
+        <p:nvPicPr>
+          <p:cNvPr id="17" name="Picture 16">
+            <a:extLst>
+              <a:ext uri="{FF2B5EF4-FFF2-40B4-BE49-F238E27FC236}">
+                <a16:creationId xmlns:a16="http://schemas.microsoft.com/office/drawing/2014/main" id="{DBCE127D-5EFB-DAB0-0582-F48CBEF6EC97}"/>
+              </a:ext>
+            </a:extLst>
+          </p:cNvPr>
+          <p:cNvPicPr>
+            <a:picLocks noChangeAspect="1"/>
+          </p:cNvPicPr>
+          <p:nvPr/>
+        </p:nvPicPr>
+        <p:blipFill>
+          <a:blip r:embed="rId2"/>
+          <a:stretch>
+            <a:fillRect/>
+          </a:stretch>
+        </p:blipFill>
+        <p:spPr>
+          <a:xfrm>
+            <a:off x="1050981" y="1247958"/>
+            <a:ext cx="516773" cy="486374"/>
+          </a:xfrm>
+          <a:prstGeom prst="rect">
+            <a:avLst/>
+          </a:prstGeom>
+        </p:spPr>
+      </p:pic>
+      <p:pic>
+        <p:nvPicPr>
+          <p:cNvPr id="19" name="Picture 18">
+            <a:extLst>
+              <a:ext uri="{FF2B5EF4-FFF2-40B4-BE49-F238E27FC236}">
+                <a16:creationId xmlns:a16="http://schemas.microsoft.com/office/drawing/2014/main" id="{5F72707B-A9E8-5B86-4D06-EE1E2F5C7C53}"/>
+              </a:ext>
+            </a:extLst>
+          </p:cNvPr>
+          <p:cNvPicPr>
+            <a:picLocks noChangeAspect="1"/>
+          </p:cNvPicPr>
+          <p:nvPr/>
+        </p:nvPicPr>
+        <p:blipFill>
+          <a:blip r:embed="rId3"/>
+          <a:stretch>
+            <a:fillRect/>
+          </a:stretch>
+        </p:blipFill>
+        <p:spPr>
+          <a:xfrm>
+            <a:off x="6096000" y="1185390"/>
+            <a:ext cx="548718" cy="516440"/>
+          </a:xfrm>
+          <a:prstGeom prst="rect">
+            <a:avLst/>
+          </a:prstGeom>
+        </p:spPr>
+      </p:pic>
+      <p:pic>
+        <p:nvPicPr>
+          <p:cNvPr id="15" name="Content Placeholder 14">
+            <a:extLst>
+              <a:ext uri="{FF2B5EF4-FFF2-40B4-BE49-F238E27FC236}">
+                <a16:creationId xmlns:a16="http://schemas.microsoft.com/office/drawing/2014/main" id="{12E05FE3-F8C8-72D9-0ED8-758FDE841F32}"/>
+              </a:ext>
+            </a:extLst>
+          </p:cNvPr>
+          <p:cNvPicPr>
+            <a:picLocks noGrp="1" noChangeAspect="1"/>
+          </p:cNvPicPr>
+          <p:nvPr>
+            <p:ph sz="half" idx="2"/>
+          </p:nvPr>
+        </p:nvPicPr>
+        <p:blipFill>
+          <a:blip r:embed="rId4"/>
+          <a:stretch>
+            <a:fillRect/>
+          </a:stretch>
+        </p:blipFill>
+        <p:spPr>
+          <a:xfrm>
+            <a:off x="839788" y="2215662"/>
+            <a:ext cx="5157787" cy="3914457"/>
+          </a:xfrm>
+        </p:spPr>
+      </p:pic>
+      <p:pic>
+        <p:nvPicPr>
+          <p:cNvPr id="20" name="Content Placeholder 19">
+            <a:extLst>
+              <a:ext uri="{FF2B5EF4-FFF2-40B4-BE49-F238E27FC236}">
+                <a16:creationId xmlns:a16="http://schemas.microsoft.com/office/drawing/2014/main" id="{83FE4BD1-9C08-E300-7215-752E9F4F377C}"/>
+              </a:ext>
+            </a:extLst>
+          </p:cNvPr>
+          <p:cNvPicPr>
+            <a:picLocks noGrp="1" noChangeAspect="1"/>
+          </p:cNvPicPr>
+          <p:nvPr>
+            <p:ph sz="quarter" idx="4"/>
+          </p:nvPr>
+        </p:nvPicPr>
+        <p:blipFill>
+          <a:blip r:embed="rId5"/>
+          <a:stretch>
+            <a:fillRect/>
+          </a:stretch>
+        </p:blipFill>
+        <p:spPr>
+          <a:xfrm>
+            <a:off x="6172200" y="2215662"/>
+            <a:ext cx="5476656" cy="3733117"/>
+          </a:xfrm>
+          <a:prstGeom prst="rect">
+            <a:avLst/>
+          </a:prstGeom>
+        </p:spPr>
+      </p:pic>
+    </p:spTree>
+    <p:extLst>
+      <p:ext uri="{BB962C8B-B14F-4D97-AF65-F5344CB8AC3E}">
+        <p14:creationId xmlns:p14="http://schemas.microsoft.com/office/powerpoint/2010/main" val="3069651221"/>
+      </p:ext>
+    </p:extLst>
+  </p:cSld>
+  <p:clrMapOvr>
+    <a:masterClrMapping/>
+  </p:clrMapOvr>
+</p:sld>
+</file>
+
+<file path=ppt/slides/slide8.xml><?xml version="1.0" encoding="utf-8"?>
+<p:sld xmlns:a="http://schemas.openxmlformats.org/drawingml/2006/main" xmlns:r="http://schemas.openxmlformats.org/officeDocument/2006/relationships" xmlns:p="http://schemas.openxmlformats.org/presentationml/2006/main">
+  <p:cSld>
+    <p:bg>
+      <p:bgPr>
+        <a:solidFill>
+          <a:schemeClr val="bg1"/>
+        </a:solidFill>
+        <a:effectLst/>
+      </p:bgPr>
+    </p:bg>
+    <p:spTree>
+      <p:nvGrpSpPr>
+        <p:cNvPr id="1" name=""/>
+        <p:cNvGrpSpPr/>
+        <p:nvPr/>
+      </p:nvGrpSpPr>
+      <p:grpSpPr>
+        <a:xfrm>
+          <a:off x="0" y="0"/>
+          <a:ext cx="0" cy="0"/>
+          <a:chOff x="0" y="0"/>
+          <a:chExt cx="0" cy="0"/>
+        </a:xfrm>
+      </p:grpSpPr>
+      <p:sp>
+        <p:nvSpPr>
+          <p:cNvPr id="2" name="Title 1">
+            <a:extLst>
+              <a:ext uri="{FF2B5EF4-FFF2-40B4-BE49-F238E27FC236}">
+                <a16:creationId xmlns:a16="http://schemas.microsoft.com/office/drawing/2014/main" id="{32C432B7-0A6C-2C12-77FA-7B714600B30E}"/>
+              </a:ext>
+            </a:extLst>
+          </p:cNvPr>
+          <p:cNvSpPr>
+            <a:spLocks noGrp="1"/>
+          </p:cNvSpPr>
+          <p:nvPr>
+            <p:ph type="title"/>
+          </p:nvPr>
+        </p:nvSpPr>
+        <p:spPr>
+          <a:xfrm>
+            <a:off x="839788" y="365125"/>
+            <a:ext cx="10515600" cy="711507"/>
+          </a:xfrm>
+        </p:spPr>
+        <p:txBody>
+          <a:bodyPr vert="horz" lIns="91440" tIns="45720" rIns="91440" bIns="45720" rtlCol="0" anchor="b">
+            <a:normAutofit/>
+          </a:bodyPr>
+          <a:lstStyle/>
+          <a:p>
+            <a:r>
+              <a:rPr lang="en-GB" sz="4000" kern="1200" dirty="0">
+                <a:solidFill>
+                  <a:schemeClr val="tx1"/>
+                </a:solidFill>
+                <a:latin typeface="Arial" panose="020B0604020202020204" pitchFamily="34" charset="0"/>
+                <a:cs typeface="Arial" panose="020B0604020202020204" pitchFamily="34" charset="0"/>
+              </a:rPr>
+              <a:t>Code Transformation – Data Analysis</a:t>
+            </a:r>
+            <a:endParaRPr lang="en-US" sz="4000" kern="1200" dirty="0">
+              <a:solidFill>
+                <a:schemeClr val="tx1"/>
+              </a:solidFill>
+              <a:latin typeface="Arial" panose="020B0604020202020204" pitchFamily="34" charset="0"/>
+              <a:cs typeface="Arial" panose="020B0604020202020204" pitchFamily="34" charset="0"/>
+            </a:endParaRPr>
+          </a:p>
+        </p:txBody>
+      </p:sp>
+      <p:sp>
+        <p:nvSpPr>
+          <p:cNvPr id="3" name="Text Placeholder 2">
+            <a:extLst>
+              <a:ext uri="{FF2B5EF4-FFF2-40B4-BE49-F238E27FC236}">
+                <a16:creationId xmlns:a16="http://schemas.microsoft.com/office/drawing/2014/main" id="{7B91EF2E-17D9-6908-D543-ED1BE99A6B97}"/>
+              </a:ext>
+            </a:extLst>
+          </p:cNvPr>
+          <p:cNvSpPr>
+            <a:spLocks noGrp="1"/>
+          </p:cNvSpPr>
+          <p:nvPr>
+            <p:ph type="body" idx="1"/>
+          </p:nvPr>
+        </p:nvSpPr>
+        <p:spPr>
+          <a:xfrm>
+            <a:off x="839787" y="1219617"/>
+            <a:ext cx="5157787" cy="486374"/>
+          </a:xfrm>
+        </p:spPr>
+        <p:txBody>
+          <a:bodyPr/>
+          <a:lstStyle/>
+          <a:p>
+            <a:r>
+              <a:rPr lang="en-GB" dirty="0"/>
+              <a:t>              Python</a:t>
+            </a:r>
+          </a:p>
+        </p:txBody>
+      </p:sp>
+      <p:sp>
+        <p:nvSpPr>
+          <p:cNvPr id="5" name="Text Placeholder 4">
+            <a:extLst>
+              <a:ext uri="{FF2B5EF4-FFF2-40B4-BE49-F238E27FC236}">
+                <a16:creationId xmlns:a16="http://schemas.microsoft.com/office/drawing/2014/main" id="{1988AC56-BDBA-946C-7A57-367658B8906F}"/>
+              </a:ext>
+            </a:extLst>
+          </p:cNvPr>
+          <p:cNvSpPr>
+            <a:spLocks noGrp="1"/>
+          </p:cNvSpPr>
+          <p:nvPr>
+            <p:ph type="body" sz="quarter" idx="3"/>
+          </p:nvPr>
+        </p:nvSpPr>
+        <p:spPr>
+          <a:xfrm>
+            <a:off x="6169024" y="1219617"/>
+            <a:ext cx="5183188" cy="486374"/>
+          </a:xfrm>
+        </p:spPr>
+        <p:txBody>
+          <a:bodyPr/>
+          <a:lstStyle/>
+          <a:p>
+            <a:r>
+              <a:rPr lang="en-GB" dirty="0"/>
+              <a:t>        R</a:t>
+            </a:r>
+          </a:p>
+        </p:txBody>
+      </p:sp>
+      <p:sp>
+        <p:nvSpPr>
+          <p:cNvPr id="7" name="Content Placeholder 2">
+            <a:extLst>
+              <a:ext uri="{FF2B5EF4-FFF2-40B4-BE49-F238E27FC236}">
+                <a16:creationId xmlns:a16="http://schemas.microsoft.com/office/drawing/2014/main" id="{6E2D6785-3FC0-5B4B-8F43-4406AD91B4D7}"/>
+              </a:ext>
+            </a:extLst>
+          </p:cNvPr>
+          <p:cNvSpPr txBox="1">
+            <a:spLocks/>
+          </p:cNvSpPr>
+          <p:nvPr/>
+        </p:nvSpPr>
+        <p:spPr>
+          <a:xfrm>
+            <a:off x="1144923" y="2405894"/>
+            <a:ext cx="6332509" cy="3535083"/>
+          </a:xfrm>
+          <a:prstGeom prst="rect">
+            <a:avLst/>
+          </a:prstGeom>
+        </p:spPr>
+        <p:txBody>
+          <a:bodyPr vert="horz" lIns="91440" tIns="45720" rIns="91440" bIns="45720" rtlCol="0" anchor="t">
+            <a:normAutofit/>
+          </a:bodyPr>
+          <a:lstStyle>
+            <a:lvl1pPr marL="228600" indent="-228600" algn="l" defTabSz="914400" rtl="0" eaLnBrk="1" latinLnBrk="0" hangingPunct="1">
+              <a:lnSpc>
+                <a:spcPct val="90000"/>
+              </a:lnSpc>
+              <a:spcBef>
+                <a:spcPts val="1000"/>
+              </a:spcBef>
+              <a:buFont typeface="Arial" panose="020B0604020202020204" pitchFamily="34" charset="0"/>
+              <a:buChar char="•"/>
+              <a:defRPr sz="2800" kern="1200">
+                <a:solidFill>
+                  <a:schemeClr val="tx1"/>
+                </a:solidFill>
+                <a:latin typeface="+mn-lt"/>
+                <a:ea typeface="+mn-ea"/>
+                <a:cs typeface="+mn-cs"/>
+              </a:defRPr>
+            </a:lvl1pPr>
+            <a:lvl2pPr marL="685800" indent="-228600" algn="l" defTabSz="914400" rtl="0" eaLnBrk="1" latinLnBrk="0" hangingPunct="1">
+              <a:lnSpc>
+                <a:spcPct val="90000"/>
+              </a:lnSpc>
+              <a:spcBef>
+                <a:spcPts val="500"/>
+              </a:spcBef>
+              <a:buFont typeface="Arial" panose="020B0604020202020204" pitchFamily="34" charset="0"/>
+              <a:buChar char="•"/>
+              <a:defRPr sz="2400" kern="1200">
+                <a:solidFill>
+                  <a:schemeClr val="tx1"/>
+                </a:solidFill>
+                <a:latin typeface="+mn-lt"/>
+                <a:ea typeface="+mn-ea"/>
+                <a:cs typeface="+mn-cs"/>
+              </a:defRPr>
+            </a:lvl2pPr>
+            <a:lvl3pPr marL="1143000" indent="-228600" algn="l" defTabSz="914400" rtl="0" eaLnBrk="1" latinLnBrk="0" hangingPunct="1">
+              <a:lnSpc>
+                <a:spcPct val="90000"/>
+              </a:lnSpc>
+              <a:spcBef>
+                <a:spcPts val="500"/>
+              </a:spcBef>
+              <a:buFont typeface="Arial" panose="020B0604020202020204" pitchFamily="34" charset="0"/>
+              <a:buChar char="•"/>
+              <a:defRPr sz="2000" kern="1200">
+                <a:solidFill>
+                  <a:schemeClr val="tx1"/>
+                </a:solidFill>
+                <a:latin typeface="+mn-lt"/>
+                <a:ea typeface="+mn-ea"/>
+                <a:cs typeface="+mn-cs"/>
+              </a:defRPr>
+            </a:lvl3pPr>
+            <a:lvl4pPr marL="1600200" indent="-228600" algn="l" defTabSz="914400" rtl="0" eaLnBrk="1" latinLnBrk="0" hangingPunct="1">
+              <a:lnSpc>
+                <a:spcPct val="90000"/>
+              </a:lnSpc>
+              <a:spcBef>
+                <a:spcPts val="500"/>
+              </a:spcBef>
+              <a:buFont typeface="Arial" panose="020B0604020202020204" pitchFamily="34" charset="0"/>
+              <a:buChar char="•"/>
+              <a:defRPr sz="1800" kern="1200">
+                <a:solidFill>
+                  <a:schemeClr val="tx1"/>
+                </a:solidFill>
+                <a:latin typeface="+mn-lt"/>
+                <a:ea typeface="+mn-ea"/>
+                <a:cs typeface="+mn-cs"/>
+              </a:defRPr>
+            </a:lvl4pPr>
+            <a:lvl5pPr marL="2057400" indent="-228600" algn="l" defTabSz="914400" rtl="0" eaLnBrk="1" latinLnBrk="0" hangingPunct="1">
+              <a:lnSpc>
+                <a:spcPct val="90000"/>
+              </a:lnSpc>
+              <a:spcBef>
+                <a:spcPts val="500"/>
+              </a:spcBef>
+              <a:buFont typeface="Arial" panose="020B0604020202020204" pitchFamily="34" charset="0"/>
+              <a:buChar char="•"/>
+              <a:defRPr sz="1800" kern="1200">
+                <a:solidFill>
+                  <a:schemeClr val="tx1"/>
+                </a:solidFill>
+                <a:latin typeface="+mn-lt"/>
+                <a:ea typeface="+mn-ea"/>
+                <a:cs typeface="+mn-cs"/>
+              </a:defRPr>
+            </a:lvl5pPr>
+            <a:lvl6pPr marL="2514600" indent="-228600" algn="l" defTabSz="914400" rtl="0" eaLnBrk="1" latinLnBrk="0" hangingPunct="1">
+              <a:lnSpc>
+                <a:spcPct val="90000"/>
+              </a:lnSpc>
+              <a:spcBef>
+                <a:spcPts val="500"/>
+              </a:spcBef>
+              <a:buFont typeface="Arial" panose="020B0604020202020204" pitchFamily="34" charset="0"/>
+              <a:buChar char="•"/>
+              <a:defRPr sz="1800" kern="1200">
+                <a:solidFill>
+                  <a:schemeClr val="tx1"/>
+                </a:solidFill>
+                <a:latin typeface="+mn-lt"/>
+                <a:ea typeface="+mn-ea"/>
+                <a:cs typeface="+mn-cs"/>
+              </a:defRPr>
+            </a:lvl6pPr>
+            <a:lvl7pPr marL="2971800" indent="-228600" algn="l" defTabSz="914400" rtl="0" eaLnBrk="1" latinLnBrk="0" hangingPunct="1">
+              <a:lnSpc>
+                <a:spcPct val="90000"/>
+              </a:lnSpc>
+              <a:spcBef>
+                <a:spcPts val="500"/>
+              </a:spcBef>
+              <a:buFont typeface="Arial" panose="020B0604020202020204" pitchFamily="34" charset="0"/>
+              <a:buChar char="•"/>
+              <a:defRPr sz="1800" kern="1200">
+                <a:solidFill>
+                  <a:schemeClr val="tx1"/>
+                </a:solidFill>
+                <a:latin typeface="+mn-lt"/>
+                <a:ea typeface="+mn-ea"/>
+                <a:cs typeface="+mn-cs"/>
+              </a:defRPr>
+            </a:lvl7pPr>
+            <a:lvl8pPr marL="3429000" indent="-228600" algn="l" defTabSz="914400" rtl="0" eaLnBrk="1" latinLnBrk="0" hangingPunct="1">
+              <a:lnSpc>
+                <a:spcPct val="90000"/>
+              </a:lnSpc>
+              <a:spcBef>
+                <a:spcPts val="500"/>
+              </a:spcBef>
+              <a:buFont typeface="Arial" panose="020B0604020202020204" pitchFamily="34" charset="0"/>
+              <a:buChar char="•"/>
+              <a:defRPr sz="1800" kern="1200">
+                <a:solidFill>
+                  <a:schemeClr val="tx1"/>
+                </a:solidFill>
+                <a:latin typeface="+mn-lt"/>
+                <a:ea typeface="+mn-ea"/>
+                <a:cs typeface="+mn-cs"/>
+              </a:defRPr>
+            </a:lvl8pPr>
+            <a:lvl9pPr marL="3886200" indent="-228600" algn="l" defTabSz="914400" rtl="0" eaLnBrk="1" latinLnBrk="0" hangingPunct="1">
+              <a:lnSpc>
+                <a:spcPct val="90000"/>
+              </a:lnSpc>
+              <a:spcBef>
+                <a:spcPts val="500"/>
+              </a:spcBef>
+              <a:buFont typeface="Arial" panose="020B0604020202020204" pitchFamily="34" charset="0"/>
+              <a:buChar char="•"/>
+              <a:defRPr sz="1800" kern="1200">
+                <a:solidFill>
+                  <a:schemeClr val="tx1"/>
+                </a:solidFill>
+                <a:latin typeface="+mn-lt"/>
+                <a:ea typeface="+mn-ea"/>
+                <a:cs typeface="+mn-cs"/>
+              </a:defRPr>
+            </a:lvl9pPr>
+          </a:lstStyle>
+          <a:p>
+            <a:endParaRPr lang="en-PL" dirty="0">
+              <a:latin typeface="Arial" panose="020B0604020202020204" pitchFamily="34" charset="0"/>
+              <a:cs typeface="Arial" panose="020B0604020202020204" pitchFamily="34" charset="0"/>
+            </a:endParaRPr>
+          </a:p>
+        </p:txBody>
+      </p:sp>
+      <p:pic>
+        <p:nvPicPr>
+          <p:cNvPr id="17" name="Picture 16">
+            <a:extLst>
+              <a:ext uri="{FF2B5EF4-FFF2-40B4-BE49-F238E27FC236}">
+                <a16:creationId xmlns:a16="http://schemas.microsoft.com/office/drawing/2014/main" id="{DBCE127D-5EFB-DAB0-0582-F48CBEF6EC97}"/>
+              </a:ext>
+            </a:extLst>
+          </p:cNvPr>
+          <p:cNvPicPr>
+            <a:picLocks noChangeAspect="1"/>
+          </p:cNvPicPr>
+          <p:nvPr/>
+        </p:nvPicPr>
+        <p:blipFill>
+          <a:blip r:embed="rId2"/>
+          <a:stretch>
+            <a:fillRect/>
+          </a:stretch>
+        </p:blipFill>
+        <p:spPr>
+          <a:xfrm>
+            <a:off x="1050981" y="1247958"/>
+            <a:ext cx="516773" cy="486374"/>
+          </a:xfrm>
+          <a:prstGeom prst="rect">
+            <a:avLst/>
+          </a:prstGeom>
+        </p:spPr>
+      </p:pic>
+      <p:pic>
+        <p:nvPicPr>
+          <p:cNvPr id="19" name="Picture 18">
+            <a:extLst>
+              <a:ext uri="{FF2B5EF4-FFF2-40B4-BE49-F238E27FC236}">
+                <a16:creationId xmlns:a16="http://schemas.microsoft.com/office/drawing/2014/main" id="{5F72707B-A9E8-5B86-4D06-EE1E2F5C7C53}"/>
+              </a:ext>
+            </a:extLst>
+          </p:cNvPr>
+          <p:cNvPicPr>
+            <a:picLocks noChangeAspect="1"/>
+          </p:cNvPicPr>
+          <p:nvPr/>
+        </p:nvPicPr>
+        <p:blipFill>
+          <a:blip r:embed="rId3"/>
+          <a:stretch>
+            <a:fillRect/>
+          </a:stretch>
+        </p:blipFill>
+        <p:spPr>
+          <a:xfrm>
+            <a:off x="6096000" y="1185390"/>
+            <a:ext cx="548718" cy="516440"/>
+          </a:xfrm>
+          <a:prstGeom prst="rect">
+            <a:avLst/>
+          </a:prstGeom>
+        </p:spPr>
+      </p:pic>
+      <p:pic>
+        <p:nvPicPr>
+          <p:cNvPr id="8" name="Content Placeholder 7">
+            <a:extLst>
+              <a:ext uri="{FF2B5EF4-FFF2-40B4-BE49-F238E27FC236}">
+                <a16:creationId xmlns:a16="http://schemas.microsoft.com/office/drawing/2014/main" id="{7E5946C5-2475-483E-9E6C-8A182D14E32F}"/>
+              </a:ext>
+            </a:extLst>
+          </p:cNvPr>
+          <p:cNvPicPr>
+            <a:picLocks noGrp="1" noChangeAspect="1"/>
+          </p:cNvPicPr>
+          <p:nvPr>
+            <p:ph sz="quarter" idx="4"/>
+          </p:nvPr>
+        </p:nvPicPr>
+        <p:blipFill>
+          <a:blip r:embed="rId4"/>
+          <a:stretch>
+            <a:fillRect/>
+          </a:stretch>
+        </p:blipFill>
+        <p:spPr>
+          <a:xfrm>
+            <a:off x="6172200" y="2215663"/>
+            <a:ext cx="5726788" cy="3733116"/>
+          </a:xfrm>
+          <a:prstGeom prst="rect">
+            <a:avLst/>
+          </a:prstGeom>
+        </p:spPr>
+      </p:pic>
+      <p:pic>
+        <p:nvPicPr>
+          <p:cNvPr id="12" name="Content Placeholder 11">
+            <a:extLst>
+              <a:ext uri="{FF2B5EF4-FFF2-40B4-BE49-F238E27FC236}">
+                <a16:creationId xmlns:a16="http://schemas.microsoft.com/office/drawing/2014/main" id="{583D0A3F-0746-4755-861C-5A920AE685C3}"/>
+              </a:ext>
+            </a:extLst>
+          </p:cNvPr>
+          <p:cNvPicPr>
+            <a:picLocks noGrp="1" noChangeAspect="1"/>
+          </p:cNvPicPr>
+          <p:nvPr>
+            <p:ph sz="half" idx="2"/>
+          </p:nvPr>
+        </p:nvPicPr>
+        <p:blipFill>
+          <a:blip r:embed="rId5"/>
+          <a:stretch>
+            <a:fillRect/>
+          </a:stretch>
+        </p:blipFill>
+        <p:spPr>
+          <a:xfrm>
+            <a:off x="839788" y="2215663"/>
+            <a:ext cx="5157787" cy="3700502"/>
+          </a:xfrm>
+        </p:spPr>
+      </p:pic>
+    </p:spTree>
+    <p:extLst>
+      <p:ext uri="{BB962C8B-B14F-4D97-AF65-F5344CB8AC3E}">
+        <p14:creationId xmlns:p14="http://schemas.microsoft.com/office/powerpoint/2010/main" val="1472838854"/>
+      </p:ext>
+    </p:extLst>
+  </p:cSld>
+  <p:clrMapOvr>
+    <a:masterClrMapping/>
+  </p:clrMapOvr>
+</p:sld>
+</file>
+
+<file path=ppt/slides/slide9.xml><?xml version="1.0" encoding="utf-8"?>
+<p:sld xmlns:a="http://schemas.openxmlformats.org/drawingml/2006/main" xmlns:r="http://schemas.openxmlformats.org/officeDocument/2006/relationships" xmlns:p="http://schemas.openxmlformats.org/presentationml/2006/main">
+  <p:cSld>
+    <p:bg>
+      <p:bgPr>
+        <a:solidFill>
+          <a:schemeClr val="bg1"/>
+        </a:solidFill>
+        <a:effectLst/>
+      </p:bgPr>
+    </p:bg>
+    <p:spTree>
+      <p:nvGrpSpPr>
+        <p:cNvPr id="1" name=""/>
+        <p:cNvGrpSpPr/>
+        <p:nvPr/>
+      </p:nvGrpSpPr>
+      <p:grpSpPr>
+        <a:xfrm>
+          <a:off x="0" y="0"/>
+          <a:ext cx="0" cy="0"/>
+          <a:chOff x="0" y="0"/>
+          <a:chExt cx="0" cy="0"/>
+        </a:xfrm>
+      </p:grpSpPr>
+      <p:sp>
+        <p:nvSpPr>
+          <p:cNvPr id="2" name="Title 1">
+            <a:extLst>
+              <a:ext uri="{FF2B5EF4-FFF2-40B4-BE49-F238E27FC236}">
+                <a16:creationId xmlns:a16="http://schemas.microsoft.com/office/drawing/2014/main" id="{32C432B7-0A6C-2C12-77FA-7B714600B30E}"/>
+              </a:ext>
+            </a:extLst>
+          </p:cNvPr>
+          <p:cNvSpPr>
+            <a:spLocks noGrp="1"/>
+          </p:cNvSpPr>
+          <p:nvPr>
+            <p:ph type="title"/>
+          </p:nvPr>
+        </p:nvSpPr>
+        <p:spPr>
+          <a:xfrm>
+            <a:off x="839788" y="365125"/>
+            <a:ext cx="10515600" cy="711507"/>
+          </a:xfrm>
+        </p:spPr>
+        <p:txBody>
+          <a:bodyPr vert="horz" lIns="91440" tIns="45720" rIns="91440" bIns="45720" rtlCol="0" anchor="b">
+            <a:normAutofit/>
+          </a:bodyPr>
+          <a:lstStyle/>
+          <a:p>
+            <a:r>
+              <a:rPr lang="en-GB" sz="4000" dirty="0">
+                <a:latin typeface="Arial" panose="020B0604020202020204" pitchFamily="34" charset="0"/>
+                <a:cs typeface="Arial" panose="020B0604020202020204" pitchFamily="34" charset="0"/>
+              </a:rPr>
+              <a:t>Model Results – Decision Tree Classifier</a:t>
+            </a:r>
+            <a:endParaRPr lang="en-US" sz="4000" kern="1200" dirty="0">
+              <a:solidFill>
+                <a:schemeClr val="tx1"/>
+              </a:solidFill>
+              <a:latin typeface="Arial" panose="020B0604020202020204" pitchFamily="34" charset="0"/>
+              <a:cs typeface="Arial" panose="020B0604020202020204" pitchFamily="34" charset="0"/>
+            </a:endParaRPr>
+          </a:p>
+        </p:txBody>
+      </p:sp>
+      <p:sp>
+        <p:nvSpPr>
+          <p:cNvPr id="3" name="Text Placeholder 2">
+            <a:extLst>
+              <a:ext uri="{FF2B5EF4-FFF2-40B4-BE49-F238E27FC236}">
+                <a16:creationId xmlns:a16="http://schemas.microsoft.com/office/drawing/2014/main" id="{7B91EF2E-17D9-6908-D543-ED1BE99A6B97}"/>
+              </a:ext>
+            </a:extLst>
+          </p:cNvPr>
+          <p:cNvSpPr>
+            <a:spLocks noGrp="1"/>
+          </p:cNvSpPr>
+          <p:nvPr>
+            <p:ph type="body" idx="1"/>
+          </p:nvPr>
+        </p:nvSpPr>
+        <p:spPr>
+          <a:xfrm>
+            <a:off x="839787" y="1219617"/>
+            <a:ext cx="5157787" cy="486374"/>
+          </a:xfrm>
+        </p:spPr>
+        <p:txBody>
+          <a:bodyPr/>
+          <a:lstStyle/>
+          <a:p>
+            <a:r>
+              <a:rPr lang="en-GB" dirty="0"/>
+              <a:t>              Python</a:t>
+            </a:r>
+          </a:p>
+        </p:txBody>
+      </p:sp>
+      <p:sp>
+        <p:nvSpPr>
+          <p:cNvPr id="5" name="Text Placeholder 4">
+            <a:extLst>
+              <a:ext uri="{FF2B5EF4-FFF2-40B4-BE49-F238E27FC236}">
+                <a16:creationId xmlns:a16="http://schemas.microsoft.com/office/drawing/2014/main" id="{1988AC56-BDBA-946C-7A57-367658B8906F}"/>
+              </a:ext>
+            </a:extLst>
+          </p:cNvPr>
+          <p:cNvSpPr>
+            <a:spLocks noGrp="1"/>
+          </p:cNvSpPr>
+          <p:nvPr>
+            <p:ph type="body" sz="quarter" idx="3"/>
+          </p:nvPr>
+        </p:nvSpPr>
+        <p:spPr>
+          <a:xfrm>
+            <a:off x="6169024" y="1219617"/>
+            <a:ext cx="5183188" cy="486374"/>
+          </a:xfrm>
+        </p:spPr>
+        <p:txBody>
+          <a:bodyPr/>
+          <a:lstStyle/>
+          <a:p>
+            <a:r>
+              <a:rPr lang="en-GB" dirty="0"/>
+              <a:t>        R</a:t>
+            </a:r>
+          </a:p>
+        </p:txBody>
+      </p:sp>
+      <p:sp>
+        <p:nvSpPr>
+          <p:cNvPr id="7" name="Content Placeholder 2">
+            <a:extLst>
+              <a:ext uri="{FF2B5EF4-FFF2-40B4-BE49-F238E27FC236}">
+                <a16:creationId xmlns:a16="http://schemas.microsoft.com/office/drawing/2014/main" id="{6E2D6785-3FC0-5B4B-8F43-4406AD91B4D7}"/>
+              </a:ext>
+            </a:extLst>
+          </p:cNvPr>
+          <p:cNvSpPr txBox="1">
+            <a:spLocks/>
+          </p:cNvSpPr>
+          <p:nvPr/>
+        </p:nvSpPr>
+        <p:spPr>
+          <a:xfrm>
+            <a:off x="1144923" y="2405894"/>
+            <a:ext cx="6332509" cy="3535083"/>
+          </a:xfrm>
+          <a:prstGeom prst="rect">
+            <a:avLst/>
+          </a:prstGeom>
+        </p:spPr>
+        <p:txBody>
+          <a:bodyPr vert="horz" lIns="91440" tIns="45720" rIns="91440" bIns="45720" rtlCol="0" anchor="t">
+            <a:normAutofit/>
+          </a:bodyPr>
+          <a:lstStyle>
+            <a:lvl1pPr marL="228600" indent="-228600" algn="l" defTabSz="914400" rtl="0" eaLnBrk="1" latinLnBrk="0" hangingPunct="1">
+              <a:lnSpc>
+                <a:spcPct val="90000"/>
+              </a:lnSpc>
+              <a:spcBef>
+                <a:spcPts val="1000"/>
+              </a:spcBef>
+              <a:buFont typeface="Arial" panose="020B0604020202020204" pitchFamily="34" charset="0"/>
+              <a:buChar char="•"/>
+              <a:defRPr sz="2800" kern="1200">
+                <a:solidFill>
+                  <a:schemeClr val="tx1"/>
+                </a:solidFill>
+                <a:latin typeface="+mn-lt"/>
+                <a:ea typeface="+mn-ea"/>
+                <a:cs typeface="+mn-cs"/>
+              </a:defRPr>
+            </a:lvl1pPr>
+            <a:lvl2pPr marL="685800" indent="-228600" algn="l" defTabSz="914400" rtl="0" eaLnBrk="1" latinLnBrk="0" hangingPunct="1">
+              <a:lnSpc>
+                <a:spcPct val="90000"/>
+              </a:lnSpc>
+              <a:spcBef>
+                <a:spcPts val="500"/>
+              </a:spcBef>
+              <a:buFont typeface="Arial" panose="020B0604020202020204" pitchFamily="34" charset="0"/>
+              <a:buChar char="•"/>
+              <a:defRPr sz="2400" kern="1200">
+                <a:solidFill>
+                  <a:schemeClr val="tx1"/>
+                </a:solidFill>
+                <a:latin typeface="+mn-lt"/>
+                <a:ea typeface="+mn-ea"/>
+                <a:cs typeface="+mn-cs"/>
+              </a:defRPr>
+            </a:lvl2pPr>
+            <a:lvl3pPr marL="1143000" indent="-228600" algn="l" defTabSz="914400" rtl="0" eaLnBrk="1" latinLnBrk="0" hangingPunct="1">
+              <a:lnSpc>
+                <a:spcPct val="90000"/>
+              </a:lnSpc>
+              <a:spcBef>
+                <a:spcPts val="500"/>
+              </a:spcBef>
+              <a:buFont typeface="Arial" panose="020B0604020202020204" pitchFamily="34" charset="0"/>
+              <a:buChar char="•"/>
+              <a:defRPr sz="2000" kern="1200">
+                <a:solidFill>
+                  <a:schemeClr val="tx1"/>
+                </a:solidFill>
+                <a:latin typeface="+mn-lt"/>
+                <a:ea typeface="+mn-ea"/>
+                <a:cs typeface="+mn-cs"/>
+              </a:defRPr>
+            </a:lvl3pPr>
+            <a:lvl4pPr marL="1600200" indent="-228600" algn="l" defTabSz="914400" rtl="0" eaLnBrk="1" latinLnBrk="0" hangingPunct="1">
+              <a:lnSpc>
+                <a:spcPct val="90000"/>
+              </a:lnSpc>
+              <a:spcBef>
+                <a:spcPts val="500"/>
+              </a:spcBef>
+              <a:buFont typeface="Arial" panose="020B0604020202020204" pitchFamily="34" charset="0"/>
+              <a:buChar char="•"/>
+              <a:defRPr sz="1800" kern="1200">
+                <a:solidFill>
+                  <a:schemeClr val="tx1"/>
+                </a:solidFill>
+                <a:latin typeface="+mn-lt"/>
+                <a:ea typeface="+mn-ea"/>
+                <a:cs typeface="+mn-cs"/>
+              </a:defRPr>
+            </a:lvl4pPr>
+            <a:lvl5pPr marL="2057400" indent="-228600" algn="l" defTabSz="914400" rtl="0" eaLnBrk="1" latinLnBrk="0" hangingPunct="1">
+              <a:lnSpc>
+                <a:spcPct val="90000"/>
+              </a:lnSpc>
+              <a:spcBef>
+                <a:spcPts val="500"/>
+              </a:spcBef>
+              <a:buFont typeface="Arial" panose="020B0604020202020204" pitchFamily="34" charset="0"/>
+              <a:buChar char="•"/>
+              <a:defRPr sz="1800" kern="1200">
+                <a:solidFill>
+                  <a:schemeClr val="tx1"/>
+                </a:solidFill>
+                <a:latin typeface="+mn-lt"/>
+                <a:ea typeface="+mn-ea"/>
+                <a:cs typeface="+mn-cs"/>
+              </a:defRPr>
+            </a:lvl5pPr>
+            <a:lvl6pPr marL="2514600" indent="-228600" algn="l" defTabSz="914400" rtl="0" eaLnBrk="1" latinLnBrk="0" hangingPunct="1">
+              <a:lnSpc>
+                <a:spcPct val="90000"/>
+              </a:lnSpc>
+              <a:spcBef>
+                <a:spcPts val="500"/>
+              </a:spcBef>
+              <a:buFont typeface="Arial" panose="020B0604020202020204" pitchFamily="34" charset="0"/>
+              <a:buChar char="•"/>
+              <a:defRPr sz="1800" kern="1200">
+                <a:solidFill>
+                  <a:schemeClr val="tx1"/>
+                </a:solidFill>
+                <a:latin typeface="+mn-lt"/>
+                <a:ea typeface="+mn-ea"/>
+                <a:cs typeface="+mn-cs"/>
+              </a:defRPr>
+            </a:lvl6pPr>
+            <a:lvl7pPr marL="2971800" indent="-228600" algn="l" defTabSz="914400" rtl="0" eaLnBrk="1" latinLnBrk="0" hangingPunct="1">
+              <a:lnSpc>
+                <a:spcPct val="90000"/>
+              </a:lnSpc>
+              <a:spcBef>
+                <a:spcPts val="500"/>
+              </a:spcBef>
+              <a:buFont typeface="Arial" panose="020B0604020202020204" pitchFamily="34" charset="0"/>
+              <a:buChar char="•"/>
+              <a:defRPr sz="1800" kern="1200">
+                <a:solidFill>
+                  <a:schemeClr val="tx1"/>
+                </a:solidFill>
+                <a:latin typeface="+mn-lt"/>
+                <a:ea typeface="+mn-ea"/>
+                <a:cs typeface="+mn-cs"/>
+              </a:defRPr>
+            </a:lvl7pPr>
+            <a:lvl8pPr marL="3429000" indent="-228600" algn="l" defTabSz="914400" rtl="0" eaLnBrk="1" latinLnBrk="0" hangingPunct="1">
+              <a:lnSpc>
+                <a:spcPct val="90000"/>
+              </a:lnSpc>
+              <a:spcBef>
+                <a:spcPts val="500"/>
+              </a:spcBef>
+              <a:buFont typeface="Arial" panose="020B0604020202020204" pitchFamily="34" charset="0"/>
+              <a:buChar char="•"/>
+              <a:defRPr sz="1800" kern="1200">
+                <a:solidFill>
+                  <a:schemeClr val="tx1"/>
+                </a:solidFill>
+                <a:latin typeface="+mn-lt"/>
+                <a:ea typeface="+mn-ea"/>
+                <a:cs typeface="+mn-cs"/>
+              </a:defRPr>
+            </a:lvl8pPr>
+            <a:lvl9pPr marL="3886200" indent="-228600" algn="l" defTabSz="914400" rtl="0" eaLnBrk="1" latinLnBrk="0" hangingPunct="1">
+              <a:lnSpc>
+                <a:spcPct val="90000"/>
+              </a:lnSpc>
+              <a:spcBef>
+                <a:spcPts val="500"/>
+              </a:spcBef>
+              <a:buFont typeface="Arial" panose="020B0604020202020204" pitchFamily="34" charset="0"/>
+              <a:buChar char="•"/>
+              <a:defRPr sz="1800" kern="1200">
+                <a:solidFill>
+                  <a:schemeClr val="tx1"/>
+                </a:solidFill>
+                <a:latin typeface="+mn-lt"/>
+                <a:ea typeface="+mn-ea"/>
+                <a:cs typeface="+mn-cs"/>
+              </a:defRPr>
+            </a:lvl9pPr>
+          </a:lstStyle>
+          <a:p>
+            <a:endParaRPr lang="en-PL" dirty="0">
+              <a:latin typeface="Arial" panose="020B0604020202020204" pitchFamily="34" charset="0"/>
+              <a:cs typeface="Arial" panose="020B0604020202020204" pitchFamily="34" charset="0"/>
+            </a:endParaRPr>
+          </a:p>
+        </p:txBody>
+      </p:sp>
+      <p:pic>
+        <p:nvPicPr>
+          <p:cNvPr id="17" name="Picture 16">
+            <a:extLst>
+              <a:ext uri="{FF2B5EF4-FFF2-40B4-BE49-F238E27FC236}">
+                <a16:creationId xmlns:a16="http://schemas.microsoft.com/office/drawing/2014/main" id="{DBCE127D-5EFB-DAB0-0582-F48CBEF6EC97}"/>
+              </a:ext>
+            </a:extLst>
+          </p:cNvPr>
+          <p:cNvPicPr>
+            <a:picLocks noChangeAspect="1"/>
+          </p:cNvPicPr>
+          <p:nvPr/>
+        </p:nvPicPr>
+        <p:blipFill>
+          <a:blip r:embed="rId2"/>
+          <a:stretch>
+            <a:fillRect/>
+          </a:stretch>
+        </p:blipFill>
+        <p:spPr>
+          <a:xfrm>
+            <a:off x="1050981" y="1247958"/>
+            <a:ext cx="516773" cy="486374"/>
+          </a:xfrm>
+          <a:prstGeom prst="rect">
+            <a:avLst/>
+          </a:prstGeom>
+        </p:spPr>
+      </p:pic>
+      <p:pic>
+        <p:nvPicPr>
+          <p:cNvPr id="19" name="Picture 18">
+            <a:extLst>
+              <a:ext uri="{FF2B5EF4-FFF2-40B4-BE49-F238E27FC236}">
+                <a16:creationId xmlns:a16="http://schemas.microsoft.com/office/drawing/2014/main" id="{5F72707B-A9E8-5B86-4D06-EE1E2F5C7C53}"/>
+              </a:ext>
+            </a:extLst>
+          </p:cNvPr>
+          <p:cNvPicPr>
+            <a:picLocks noChangeAspect="1"/>
+          </p:cNvPicPr>
+          <p:nvPr/>
+        </p:nvPicPr>
+        <p:blipFill>
+          <a:blip r:embed="rId3"/>
+          <a:stretch>
+            <a:fillRect/>
+          </a:stretch>
+        </p:blipFill>
+        <p:spPr>
+          <a:xfrm>
+            <a:off x="6096000" y="1185390"/>
+            <a:ext cx="548718" cy="516440"/>
+          </a:xfrm>
+          <a:prstGeom prst="rect">
+            <a:avLst/>
+          </a:prstGeom>
+        </p:spPr>
+      </p:pic>
+      <p:pic>
+        <p:nvPicPr>
+          <p:cNvPr id="14" name="Content Placeholder 13">
+            <a:extLst>
+              <a:ext uri="{FF2B5EF4-FFF2-40B4-BE49-F238E27FC236}">
+                <a16:creationId xmlns:a16="http://schemas.microsoft.com/office/drawing/2014/main" id="{8C928C7D-B1DB-8169-1ED3-062E9946ACB7}"/>
+              </a:ext>
+            </a:extLst>
+          </p:cNvPr>
+          <p:cNvPicPr>
+            <a:picLocks noGrp="1" noChangeAspect="1"/>
+          </p:cNvPicPr>
+          <p:nvPr>
+            <p:ph sz="quarter" idx="4"/>
+          </p:nvPr>
+        </p:nvPicPr>
+        <p:blipFill>
+          <a:blip r:embed="rId4"/>
+          <a:stretch>
+            <a:fillRect/>
+          </a:stretch>
+        </p:blipFill>
+        <p:spPr>
+          <a:xfrm>
+            <a:off x="6172199" y="2215663"/>
+            <a:ext cx="5534453" cy="3725314"/>
+          </a:xfrm>
+        </p:spPr>
+      </p:pic>
+      <p:pic>
+        <p:nvPicPr>
+          <p:cNvPr id="22" name="Content Placeholder 21">
+            <a:extLst>
+              <a:ext uri="{FF2B5EF4-FFF2-40B4-BE49-F238E27FC236}">
+                <a16:creationId xmlns:a16="http://schemas.microsoft.com/office/drawing/2014/main" id="{36A21966-8FA0-6F87-E2F5-F0C34B01F9F7}"/>
+              </a:ext>
+            </a:extLst>
+          </p:cNvPr>
+          <p:cNvPicPr>
+            <a:picLocks noGrp="1" noChangeAspect="1"/>
+          </p:cNvPicPr>
+          <p:nvPr>
+            <p:ph sz="half" idx="2"/>
+          </p:nvPr>
+        </p:nvPicPr>
+        <p:blipFill>
+          <a:blip r:embed="rId5"/>
+          <a:stretch>
+            <a:fillRect/>
+          </a:stretch>
+        </p:blipFill>
+        <p:spPr>
+          <a:xfrm>
+            <a:off x="759741" y="2247129"/>
+            <a:ext cx="5237833" cy="3535083"/>
+          </a:xfrm>
+        </p:spPr>
+      </p:pic>
+    </p:spTree>
+    <p:extLst>
+      <p:ext uri="{BB962C8B-B14F-4D97-AF65-F5344CB8AC3E}">
+        <p14:creationId xmlns:p14="http://schemas.microsoft.com/office/powerpoint/2010/main" val="4023887771"/>
       </p:ext>
     </p:extLst>
   </p:cSld>

--- a/Slides/RR_project_slides.pptx
+++ b/Slides/RR_project_slides.pptx
@@ -14,12 +14,14 @@
     <p:sldId id="272" r:id="rId8"/>
     <p:sldId id="273" r:id="rId9"/>
     <p:sldId id="274" r:id="rId10"/>
-    <p:sldId id="265" r:id="rId11"/>
-    <p:sldId id="267" r:id="rId12"/>
-    <p:sldId id="264" r:id="rId13"/>
-    <p:sldId id="263" r:id="rId14"/>
-    <p:sldId id="266" r:id="rId15"/>
-    <p:sldId id="260" r:id="rId16"/>
+    <p:sldId id="275" r:id="rId11"/>
+    <p:sldId id="276" r:id="rId12"/>
+    <p:sldId id="277" r:id="rId13"/>
+    <p:sldId id="264" r:id="rId14"/>
+    <p:sldId id="265" r:id="rId15"/>
+    <p:sldId id="263" r:id="rId16"/>
+    <p:sldId id="266" r:id="rId17"/>
+    <p:sldId id="260" r:id="rId18"/>
   </p:sldIdLst>
   <p:sldSz cx="12192000" cy="6858000"/>
   <p:notesSz cx="6858000" cy="9144000"/>
@@ -139,10 +141,40 @@
   <pc:docChgLst>
     <pc:chgData name="Tarlan Aghayev" userId="da6ce445de4c2ee1" providerId="LiveId" clId="{5799D50A-D4BB-40C1-8A0D-C9E3F87D0362}"/>
     <pc:docChg chg="undo custSel addSld delSld modSld sldOrd">
-      <pc:chgData name="Tarlan Aghayev" userId="da6ce445de4c2ee1" providerId="LiveId" clId="{5799D50A-D4BB-40C1-8A0D-C9E3F87D0362}" dt="2024-06-11T20:18:40.613" v="592" actId="20577"/>
+      <pc:chgData name="Tarlan Aghayev" userId="da6ce445de4c2ee1" providerId="LiveId" clId="{5799D50A-D4BB-40C1-8A0D-C9E3F87D0362}" dt="2024-06-11T20:43:16.909" v="867" actId="12"/>
       <pc:docMkLst>
         <pc:docMk/>
       </pc:docMkLst>
+      <pc:sldChg chg="modSp mod ord">
+        <pc:chgData name="Tarlan Aghayev" userId="da6ce445de4c2ee1" providerId="LiveId" clId="{5799D50A-D4BB-40C1-8A0D-C9E3F87D0362}" dt="2024-06-11T20:43:16.909" v="867" actId="12"/>
+        <pc:sldMkLst>
+          <pc:docMk/>
+          <pc:sldMk cId="1761927912" sldId="263"/>
+        </pc:sldMkLst>
+        <pc:spChg chg="mod">
+          <ac:chgData name="Tarlan Aghayev" userId="da6ce445de4c2ee1" providerId="LiveId" clId="{5799D50A-D4BB-40C1-8A0D-C9E3F87D0362}" dt="2024-06-11T20:39:35.645" v="765" actId="20577"/>
+          <ac:spMkLst>
+            <pc:docMk/>
+            <pc:sldMk cId="1761927912" sldId="263"/>
+            <ac:spMk id="2" creationId="{32C432B7-0A6C-2C12-77FA-7B714600B30E}"/>
+          </ac:spMkLst>
+        </pc:spChg>
+        <pc:spChg chg="mod">
+          <ac:chgData name="Tarlan Aghayev" userId="da6ce445de4c2ee1" providerId="LiveId" clId="{5799D50A-D4BB-40C1-8A0D-C9E3F87D0362}" dt="2024-06-11T20:43:16.909" v="867" actId="12"/>
+          <ac:spMkLst>
+            <pc:docMk/>
+            <pc:sldMk cId="1761927912" sldId="263"/>
+            <ac:spMk id="7" creationId="{6E2D6785-3FC0-5B4B-8F43-4406AD91B4D7}"/>
+          </ac:spMkLst>
+        </pc:spChg>
+      </pc:sldChg>
+      <pc:sldChg chg="ord">
+        <pc:chgData name="Tarlan Aghayev" userId="da6ce445de4c2ee1" providerId="LiveId" clId="{5799D50A-D4BB-40C1-8A0D-C9E3F87D0362}" dt="2024-06-11T20:39:59.217" v="776"/>
+        <pc:sldMkLst>
+          <pc:docMk/>
+          <pc:sldMk cId="1598610406" sldId="264"/>
+        </pc:sldMkLst>
+      </pc:sldChg>
       <pc:sldChg chg="modSp mod">
         <pc:chgData name="Tarlan Aghayev" userId="da6ce445de4c2ee1" providerId="LiveId" clId="{5799D50A-D4BB-40C1-8A0D-C9E3F87D0362}" dt="2024-06-11T19:59:51.090" v="439" actId="27636"/>
         <pc:sldMkLst>
@@ -166,6 +198,21 @@
           </ac:spMkLst>
         </pc:spChg>
       </pc:sldChg>
+      <pc:sldChg chg="modSp mod">
+        <pc:chgData name="Tarlan Aghayev" userId="da6ce445de4c2ee1" providerId="LiveId" clId="{5799D50A-D4BB-40C1-8A0D-C9E3F87D0362}" dt="2024-06-11T20:42:52.944" v="865" actId="20577"/>
+        <pc:sldMkLst>
+          <pc:docMk/>
+          <pc:sldMk cId="2456523026" sldId="266"/>
+        </pc:sldMkLst>
+        <pc:spChg chg="mod">
+          <ac:chgData name="Tarlan Aghayev" userId="da6ce445de4c2ee1" providerId="LiveId" clId="{5799D50A-D4BB-40C1-8A0D-C9E3F87D0362}" dt="2024-06-11T20:42:52.944" v="865" actId="20577"/>
+          <ac:spMkLst>
+            <pc:docMk/>
+            <pc:sldMk cId="2456523026" sldId="266"/>
+            <ac:spMk id="7" creationId="{6E2D6785-3FC0-5B4B-8F43-4406AD91B4D7}"/>
+          </ac:spMkLst>
+        </pc:spChg>
+      </pc:sldChg>
       <pc:sldChg chg="new del">
         <pc:chgData name="Tarlan Aghayev" userId="da6ce445de4c2ee1" providerId="LiveId" clId="{5799D50A-D4BB-40C1-8A0D-C9E3F87D0362}" dt="2024-06-11T19:19:20.926" v="1" actId="680"/>
         <pc:sldMkLst>
@@ -173,8 +220,8 @@
           <pc:sldMk cId="679488742" sldId="267"/>
         </pc:sldMkLst>
       </pc:sldChg>
-      <pc:sldChg chg="new">
-        <pc:chgData name="Tarlan Aghayev" userId="da6ce445de4c2ee1" providerId="LiveId" clId="{5799D50A-D4BB-40C1-8A0D-C9E3F87D0362}" dt="2024-06-11T19:19:28.379" v="2" actId="680"/>
+      <pc:sldChg chg="new del">
+        <pc:chgData name="Tarlan Aghayev" userId="da6ce445de4c2ee1" providerId="LiveId" clId="{5799D50A-D4BB-40C1-8A0D-C9E3F87D0362}" dt="2024-06-11T20:39:09.676" v="746" actId="47"/>
         <pc:sldMkLst>
           <pc:docMk/>
           <pc:sldMk cId="1819340949" sldId="267"/>
@@ -679,7 +726,7 @@
         </pc:picChg>
       </pc:sldChg>
       <pc:sldChg chg="addSp delSp modSp add mod">
-        <pc:chgData name="Tarlan Aghayev" userId="da6ce445de4c2ee1" providerId="LiveId" clId="{5799D50A-D4BB-40C1-8A0D-C9E3F87D0362}" dt="2024-06-11T20:18:40.613" v="592" actId="20577"/>
+        <pc:chgData name="Tarlan Aghayev" userId="da6ce445de4c2ee1" providerId="LiveId" clId="{5799D50A-D4BB-40C1-8A0D-C9E3F87D0362}" dt="2024-06-11T20:28:40.624" v="594" actId="22"/>
         <pc:sldMkLst>
           <pc:docMk/>
           <pc:sldMk cId="4023887771" sldId="274"/>
@@ -716,6 +763,14 @@
             <ac:spMk id="20" creationId="{0BBF8511-EA12-F13B-4205-BB047A9DCC9D}"/>
           </ac:spMkLst>
         </pc:spChg>
+        <pc:picChg chg="add del">
+          <ac:chgData name="Tarlan Aghayev" userId="da6ce445de4c2ee1" providerId="LiveId" clId="{5799D50A-D4BB-40C1-8A0D-C9E3F87D0362}" dt="2024-06-11T20:28:40.624" v="594" actId="22"/>
+          <ac:picMkLst>
+            <pc:docMk/>
+            <pc:sldMk cId="4023887771" sldId="274"/>
+            <ac:picMk id="6" creationId="{97FEBF26-E3EE-58DD-C433-946C880A8D45}"/>
+          </ac:picMkLst>
+        </pc:picChg>
         <pc:picChg chg="del">
           <ac:chgData name="Tarlan Aghayev" userId="da6ce445de4c2ee1" providerId="LiveId" clId="{5799D50A-D4BB-40C1-8A0D-C9E3F87D0362}" dt="2024-06-11T20:04:31.410" v="449" actId="478"/>
           <ac:picMkLst>
@@ -762,6 +817,211 @@
             <pc:docMk/>
             <pc:sldMk cId="4023887771" sldId="274"/>
             <ac:picMk id="22" creationId="{36A21966-8FA0-6F87-E2F5-F0C34B01F9F7}"/>
+          </ac:picMkLst>
+        </pc:picChg>
+      </pc:sldChg>
+      <pc:sldChg chg="addSp delSp modSp add mod">
+        <pc:chgData name="Tarlan Aghayev" userId="da6ce445de4c2ee1" providerId="LiveId" clId="{5799D50A-D4BB-40C1-8A0D-C9E3F87D0362}" dt="2024-06-11T20:29:47.262" v="605" actId="14100"/>
+        <pc:sldMkLst>
+          <pc:docMk/>
+          <pc:sldMk cId="3470186783" sldId="275"/>
+        </pc:sldMkLst>
+        <pc:spChg chg="add del mod">
+          <ac:chgData name="Tarlan Aghayev" userId="da6ce445de4c2ee1" providerId="LiveId" clId="{5799D50A-D4BB-40C1-8A0D-C9E3F87D0362}" dt="2024-06-11T20:28:58.890" v="597" actId="22"/>
+          <ac:spMkLst>
+            <pc:docMk/>
+            <pc:sldMk cId="3470186783" sldId="275"/>
+            <ac:spMk id="6" creationId="{9615650F-7808-BC3F-C97D-16258F1DE46A}"/>
+          </ac:spMkLst>
+        </pc:spChg>
+        <pc:spChg chg="add del mod">
+          <ac:chgData name="Tarlan Aghayev" userId="da6ce445de4c2ee1" providerId="LiveId" clId="{5799D50A-D4BB-40C1-8A0D-C9E3F87D0362}" dt="2024-06-11T20:29:38.111" v="602" actId="22"/>
+          <ac:spMkLst>
+            <pc:docMk/>
+            <pc:sldMk cId="3470186783" sldId="275"/>
+            <ac:spMk id="11" creationId="{90A1D9EE-8515-188D-3B3B-446CFE18D73B}"/>
+          </ac:spMkLst>
+        </pc:spChg>
+        <pc:picChg chg="add mod ord">
+          <ac:chgData name="Tarlan Aghayev" userId="da6ce445de4c2ee1" providerId="LiveId" clId="{5799D50A-D4BB-40C1-8A0D-C9E3F87D0362}" dt="2024-06-11T20:29:08.139" v="600" actId="14100"/>
+          <ac:picMkLst>
+            <pc:docMk/>
+            <pc:sldMk cId="3470186783" sldId="275"/>
+            <ac:picMk id="9" creationId="{2CF813AF-198F-980A-EA7B-C503D3F11510}"/>
+          </ac:picMkLst>
+        </pc:picChg>
+        <pc:picChg chg="add mod ord">
+          <ac:chgData name="Tarlan Aghayev" userId="da6ce445de4c2ee1" providerId="LiveId" clId="{5799D50A-D4BB-40C1-8A0D-C9E3F87D0362}" dt="2024-06-11T20:29:47.262" v="605" actId="14100"/>
+          <ac:picMkLst>
+            <pc:docMk/>
+            <pc:sldMk cId="3470186783" sldId="275"/>
+            <ac:picMk id="13" creationId="{A48AE084-8BED-1111-B4A3-51A47CCB80DC}"/>
+          </ac:picMkLst>
+        </pc:picChg>
+        <pc:picChg chg="del">
+          <ac:chgData name="Tarlan Aghayev" userId="da6ce445de4c2ee1" providerId="LiveId" clId="{5799D50A-D4BB-40C1-8A0D-C9E3F87D0362}" dt="2024-06-11T20:28:56.106" v="596" actId="478"/>
+          <ac:picMkLst>
+            <pc:docMk/>
+            <pc:sldMk cId="3470186783" sldId="275"/>
+            <ac:picMk id="14" creationId="{8C928C7D-B1DB-8169-1ED3-062E9946ACB7}"/>
+          </ac:picMkLst>
+        </pc:picChg>
+        <pc:picChg chg="del">
+          <ac:chgData name="Tarlan Aghayev" userId="da6ce445de4c2ee1" providerId="LiveId" clId="{5799D50A-D4BB-40C1-8A0D-C9E3F87D0362}" dt="2024-06-11T20:29:35.551" v="601" actId="478"/>
+          <ac:picMkLst>
+            <pc:docMk/>
+            <pc:sldMk cId="3470186783" sldId="275"/>
+            <ac:picMk id="22" creationId="{36A21966-8FA0-6F87-E2F5-F0C34B01F9F7}"/>
+          </ac:picMkLst>
+        </pc:picChg>
+      </pc:sldChg>
+      <pc:sldChg chg="addSp delSp modSp add mod">
+        <pc:chgData name="Tarlan Aghayev" userId="da6ce445de4c2ee1" providerId="LiveId" clId="{5799D50A-D4BB-40C1-8A0D-C9E3F87D0362}" dt="2024-06-11T20:32:46.568" v="614" actId="14100"/>
+        <pc:sldMkLst>
+          <pc:docMk/>
+          <pc:sldMk cId="3204497295" sldId="276"/>
+        </pc:sldMkLst>
+        <pc:spChg chg="add del mod">
+          <ac:chgData name="Tarlan Aghayev" userId="da6ce445de4c2ee1" providerId="LiveId" clId="{5799D50A-D4BB-40C1-8A0D-C9E3F87D0362}" dt="2024-06-11T20:31:33.476" v="608" actId="22"/>
+          <ac:spMkLst>
+            <pc:docMk/>
+            <pc:sldMk cId="3204497295" sldId="276"/>
+            <ac:spMk id="6" creationId="{765AB565-A754-FCC8-A3E3-8869DEA168D4}"/>
+          </ac:spMkLst>
+        </pc:spChg>
+        <pc:spChg chg="add del mod">
+          <ac:chgData name="Tarlan Aghayev" userId="da6ce445de4c2ee1" providerId="LiveId" clId="{5799D50A-D4BB-40C1-8A0D-C9E3F87D0362}" dt="2024-06-11T20:32:35.932" v="611" actId="22"/>
+          <ac:spMkLst>
+            <pc:docMk/>
+            <pc:sldMk cId="3204497295" sldId="276"/>
+            <ac:spMk id="12" creationId="{011091A1-50ED-D0BB-12E3-A89E6E3C8F44}"/>
+          </ac:spMkLst>
+        </pc:spChg>
+        <pc:picChg chg="del">
+          <ac:chgData name="Tarlan Aghayev" userId="da6ce445de4c2ee1" providerId="LiveId" clId="{5799D50A-D4BB-40C1-8A0D-C9E3F87D0362}" dt="2024-06-11T20:31:39.562" v="610" actId="478"/>
+          <ac:picMkLst>
+            <pc:docMk/>
+            <pc:sldMk cId="3204497295" sldId="276"/>
+            <ac:picMk id="9" creationId="{2CF813AF-198F-980A-EA7B-C503D3F11510}"/>
+          </ac:picMkLst>
+        </pc:picChg>
+        <pc:picChg chg="add mod ord">
+          <ac:chgData name="Tarlan Aghayev" userId="da6ce445de4c2ee1" providerId="LiveId" clId="{5799D50A-D4BB-40C1-8A0D-C9E3F87D0362}" dt="2024-06-11T20:31:36.861" v="609" actId="14100"/>
+          <ac:picMkLst>
+            <pc:docMk/>
+            <pc:sldMk cId="3204497295" sldId="276"/>
+            <ac:picMk id="10" creationId="{4EF3AB71-20E9-3AD3-FD32-ABF0331226C1}"/>
+          </ac:picMkLst>
+        </pc:picChg>
+        <pc:picChg chg="del">
+          <ac:chgData name="Tarlan Aghayev" userId="da6ce445de4c2ee1" providerId="LiveId" clId="{5799D50A-D4BB-40C1-8A0D-C9E3F87D0362}" dt="2024-06-11T20:31:29.195" v="607" actId="478"/>
+          <ac:picMkLst>
+            <pc:docMk/>
+            <pc:sldMk cId="3204497295" sldId="276"/>
+            <ac:picMk id="13" creationId="{A48AE084-8BED-1111-B4A3-51A47CCB80DC}"/>
+          </ac:picMkLst>
+        </pc:picChg>
+        <pc:picChg chg="add mod ord">
+          <ac:chgData name="Tarlan Aghayev" userId="da6ce445de4c2ee1" providerId="LiveId" clId="{5799D50A-D4BB-40C1-8A0D-C9E3F87D0362}" dt="2024-06-11T20:32:46.568" v="614" actId="14100"/>
+          <ac:picMkLst>
+            <pc:docMk/>
+            <pc:sldMk cId="3204497295" sldId="276"/>
+            <ac:picMk id="15" creationId="{C7280514-6B2D-EC60-52DE-AF59EF5F7C58}"/>
+          </ac:picMkLst>
+        </pc:picChg>
+      </pc:sldChg>
+      <pc:sldChg chg="addSp delSp modSp add mod modClrScheme chgLayout">
+        <pc:chgData name="Tarlan Aghayev" userId="da6ce445de4c2ee1" providerId="LiveId" clId="{5799D50A-D4BB-40C1-8A0D-C9E3F87D0362}" dt="2024-06-11T20:38:00.745" v="743" actId="14100"/>
+        <pc:sldMkLst>
+          <pc:docMk/>
+          <pc:sldMk cId="1767601383" sldId="277"/>
+        </pc:sldMkLst>
+        <pc:spChg chg="mod ord">
+          <ac:chgData name="Tarlan Aghayev" userId="da6ce445de4c2ee1" providerId="LiveId" clId="{5799D50A-D4BB-40C1-8A0D-C9E3F87D0362}" dt="2024-06-11T20:33:39.938" v="641" actId="14100"/>
+          <ac:spMkLst>
+            <pc:docMk/>
+            <pc:sldMk cId="1767601383" sldId="277"/>
+            <ac:spMk id="2" creationId="{32C432B7-0A6C-2C12-77FA-7B714600B30E}"/>
+          </ac:spMkLst>
+        </pc:spChg>
+        <pc:spChg chg="mod ord">
+          <ac:chgData name="Tarlan Aghayev" userId="da6ce445de4c2ee1" providerId="LiveId" clId="{5799D50A-D4BB-40C1-8A0D-C9E3F87D0362}" dt="2024-06-11T20:34:09.829" v="667" actId="14100"/>
+          <ac:spMkLst>
+            <pc:docMk/>
+            <pc:sldMk cId="1767601383" sldId="277"/>
+            <ac:spMk id="3" creationId="{7B91EF2E-17D9-6908-D543-ED1BE99A6B97}"/>
+          </ac:spMkLst>
+        </pc:spChg>
+        <pc:spChg chg="mod ord">
+          <ac:chgData name="Tarlan Aghayev" userId="da6ce445de4c2ee1" providerId="LiveId" clId="{5799D50A-D4BB-40C1-8A0D-C9E3F87D0362}" dt="2024-06-11T20:34:35.329" v="735" actId="20577"/>
+          <ac:spMkLst>
+            <pc:docMk/>
+            <pc:sldMk cId="1767601383" sldId="277"/>
+            <ac:spMk id="5" creationId="{1988AC56-BDBA-946C-7A57-367658B8906F}"/>
+          </ac:spMkLst>
+        </pc:spChg>
+        <pc:spChg chg="add del mod ord">
+          <ac:chgData name="Tarlan Aghayev" userId="da6ce445de4c2ee1" providerId="LiveId" clId="{5799D50A-D4BB-40C1-8A0D-C9E3F87D0362}" dt="2024-06-11T20:33:33.489" v="640" actId="700"/>
+          <ac:spMkLst>
+            <pc:docMk/>
+            <pc:sldMk cId="1767601383" sldId="277"/>
+            <ac:spMk id="6" creationId="{6F8D0D1F-776A-B21A-3BCF-AAC9B9DFDC66}"/>
+          </ac:spMkLst>
+        </pc:spChg>
+        <pc:spChg chg="add del mod">
+          <ac:chgData name="Tarlan Aghayev" userId="da6ce445de4c2ee1" providerId="LiveId" clId="{5799D50A-D4BB-40C1-8A0D-C9E3F87D0362}" dt="2024-06-11T20:35:59.308" v="737" actId="22"/>
+          <ac:spMkLst>
+            <pc:docMk/>
+            <pc:sldMk cId="1767601383" sldId="277"/>
+            <ac:spMk id="9" creationId="{FA121280-3F37-EFE7-AAE7-E8AAE6FBD2C2}"/>
+          </ac:spMkLst>
+        </pc:spChg>
+        <pc:picChg chg="del">
+          <ac:chgData name="Tarlan Aghayev" userId="da6ce445de4c2ee1" providerId="LiveId" clId="{5799D50A-D4BB-40C1-8A0D-C9E3F87D0362}" dt="2024-06-11T20:33:28.811" v="639" actId="478"/>
+          <ac:picMkLst>
+            <pc:docMk/>
+            <pc:sldMk cId="1767601383" sldId="277"/>
+            <ac:picMk id="10" creationId="{4EF3AB71-20E9-3AD3-FD32-ABF0331226C1}"/>
+          </ac:picMkLst>
+        </pc:picChg>
+        <pc:picChg chg="add mod ord">
+          <ac:chgData name="Tarlan Aghayev" userId="da6ce445de4c2ee1" providerId="LiveId" clId="{5799D50A-D4BB-40C1-8A0D-C9E3F87D0362}" dt="2024-06-11T20:37:55.080" v="741" actId="1076"/>
+          <ac:picMkLst>
+            <pc:docMk/>
+            <pc:sldMk cId="1767601383" sldId="277"/>
+            <ac:picMk id="12" creationId="{F706220C-EBB4-BE11-A8B9-908F25FCD649}"/>
+          </ac:picMkLst>
+        </pc:picChg>
+        <pc:picChg chg="add mod">
+          <ac:chgData name="Tarlan Aghayev" userId="da6ce445de4c2ee1" providerId="LiveId" clId="{5799D50A-D4BB-40C1-8A0D-C9E3F87D0362}" dt="2024-06-11T20:38:00.745" v="743" actId="14100"/>
+          <ac:picMkLst>
+            <pc:docMk/>
+            <pc:sldMk cId="1767601383" sldId="277"/>
+            <ac:picMk id="14" creationId="{8EFAD26E-7710-6DA4-E6D9-75A6BD4BB889}"/>
+          </ac:picMkLst>
+        </pc:picChg>
+        <pc:picChg chg="del mod ord">
+          <ac:chgData name="Tarlan Aghayev" userId="da6ce445de4c2ee1" providerId="LiveId" clId="{5799D50A-D4BB-40C1-8A0D-C9E3F87D0362}" dt="2024-06-11T20:35:54.345" v="736" actId="478"/>
+          <ac:picMkLst>
+            <pc:docMk/>
+            <pc:sldMk cId="1767601383" sldId="277"/>
+            <ac:picMk id="15" creationId="{C7280514-6B2D-EC60-52DE-AF59EF5F7C58}"/>
+          </ac:picMkLst>
+        </pc:picChg>
+        <pc:picChg chg="del">
+          <ac:chgData name="Tarlan Aghayev" userId="da6ce445de4c2ee1" providerId="LiveId" clId="{5799D50A-D4BB-40C1-8A0D-C9E3F87D0362}" dt="2024-06-11T20:33:49.671" v="647" actId="478"/>
+          <ac:picMkLst>
+            <pc:docMk/>
+            <pc:sldMk cId="1767601383" sldId="277"/>
+            <ac:picMk id="17" creationId="{DBCE127D-5EFB-DAB0-0582-F48CBEF6EC97}"/>
+          </ac:picMkLst>
+        </pc:picChg>
+        <pc:picChg chg="mod">
+          <ac:chgData name="Tarlan Aghayev" userId="da6ce445de4c2ee1" providerId="LiveId" clId="{5799D50A-D4BB-40C1-8A0D-C9E3F87D0362}" dt="2024-06-11T20:34:30.287" v="729" actId="1076"/>
+          <ac:picMkLst>
+            <pc:docMk/>
+            <pc:sldMk cId="1767601383" sldId="277"/>
+            <ac:picMk id="19" creationId="{5F72707B-A9E8-5B86-4D06-EE1E2F5C7C53}"/>
           </ac:picMkLst>
         </pc:picChg>
       </pc:sldChg>
@@ -4118,6 +4378,1378 @@
           <a:chExt cx="0" cy="0"/>
         </a:xfrm>
       </p:grpSpPr>
+      <p:sp>
+        <p:nvSpPr>
+          <p:cNvPr id="2" name="Title 1">
+            <a:extLst>
+              <a:ext uri="{FF2B5EF4-FFF2-40B4-BE49-F238E27FC236}">
+                <a16:creationId xmlns:a16="http://schemas.microsoft.com/office/drawing/2014/main" id="{32C432B7-0A6C-2C12-77FA-7B714600B30E}"/>
+              </a:ext>
+            </a:extLst>
+          </p:cNvPr>
+          <p:cNvSpPr>
+            <a:spLocks noGrp="1"/>
+          </p:cNvSpPr>
+          <p:nvPr>
+            <p:ph type="title"/>
+          </p:nvPr>
+        </p:nvSpPr>
+        <p:spPr>
+          <a:xfrm>
+            <a:off x="839788" y="365125"/>
+            <a:ext cx="10515600" cy="711507"/>
+          </a:xfrm>
+        </p:spPr>
+        <p:txBody>
+          <a:bodyPr vert="horz" lIns="91440" tIns="45720" rIns="91440" bIns="45720" rtlCol="0" anchor="b">
+            <a:normAutofit/>
+          </a:bodyPr>
+          <a:lstStyle/>
+          <a:p>
+            <a:r>
+              <a:rPr lang="en-GB" sz="4000" dirty="0">
+                <a:latin typeface="Arial" panose="020B0604020202020204" pitchFamily="34" charset="0"/>
+                <a:cs typeface="Arial" panose="020B0604020202020204" pitchFamily="34" charset="0"/>
+              </a:rPr>
+              <a:t>Model Results – Decision Tree Classifier</a:t>
+            </a:r>
+            <a:endParaRPr lang="en-US" sz="4000" kern="1200" dirty="0">
+              <a:solidFill>
+                <a:schemeClr val="tx1"/>
+              </a:solidFill>
+              <a:latin typeface="Arial" panose="020B0604020202020204" pitchFamily="34" charset="0"/>
+              <a:cs typeface="Arial" panose="020B0604020202020204" pitchFamily="34" charset="0"/>
+            </a:endParaRPr>
+          </a:p>
+        </p:txBody>
+      </p:sp>
+      <p:sp>
+        <p:nvSpPr>
+          <p:cNvPr id="3" name="Text Placeholder 2">
+            <a:extLst>
+              <a:ext uri="{FF2B5EF4-FFF2-40B4-BE49-F238E27FC236}">
+                <a16:creationId xmlns:a16="http://schemas.microsoft.com/office/drawing/2014/main" id="{7B91EF2E-17D9-6908-D543-ED1BE99A6B97}"/>
+              </a:ext>
+            </a:extLst>
+          </p:cNvPr>
+          <p:cNvSpPr>
+            <a:spLocks noGrp="1"/>
+          </p:cNvSpPr>
+          <p:nvPr>
+            <p:ph type="body" idx="1"/>
+          </p:nvPr>
+        </p:nvSpPr>
+        <p:spPr>
+          <a:xfrm>
+            <a:off x="839787" y="1219617"/>
+            <a:ext cx="5157787" cy="486374"/>
+          </a:xfrm>
+        </p:spPr>
+        <p:txBody>
+          <a:bodyPr/>
+          <a:lstStyle/>
+          <a:p>
+            <a:r>
+              <a:rPr lang="en-GB" dirty="0"/>
+              <a:t>              Python</a:t>
+            </a:r>
+          </a:p>
+        </p:txBody>
+      </p:sp>
+      <p:sp>
+        <p:nvSpPr>
+          <p:cNvPr id="5" name="Text Placeholder 4">
+            <a:extLst>
+              <a:ext uri="{FF2B5EF4-FFF2-40B4-BE49-F238E27FC236}">
+                <a16:creationId xmlns:a16="http://schemas.microsoft.com/office/drawing/2014/main" id="{1988AC56-BDBA-946C-7A57-367658B8906F}"/>
+              </a:ext>
+            </a:extLst>
+          </p:cNvPr>
+          <p:cNvSpPr>
+            <a:spLocks noGrp="1"/>
+          </p:cNvSpPr>
+          <p:nvPr>
+            <p:ph type="body" sz="quarter" idx="3"/>
+          </p:nvPr>
+        </p:nvSpPr>
+        <p:spPr>
+          <a:xfrm>
+            <a:off x="6169024" y="1219617"/>
+            <a:ext cx="5183188" cy="486374"/>
+          </a:xfrm>
+        </p:spPr>
+        <p:txBody>
+          <a:bodyPr/>
+          <a:lstStyle/>
+          <a:p>
+            <a:r>
+              <a:rPr lang="en-GB" dirty="0"/>
+              <a:t>        R</a:t>
+            </a:r>
+          </a:p>
+        </p:txBody>
+      </p:sp>
+      <p:sp>
+        <p:nvSpPr>
+          <p:cNvPr id="7" name="Content Placeholder 2">
+            <a:extLst>
+              <a:ext uri="{FF2B5EF4-FFF2-40B4-BE49-F238E27FC236}">
+                <a16:creationId xmlns:a16="http://schemas.microsoft.com/office/drawing/2014/main" id="{6E2D6785-3FC0-5B4B-8F43-4406AD91B4D7}"/>
+              </a:ext>
+            </a:extLst>
+          </p:cNvPr>
+          <p:cNvSpPr txBox="1">
+            <a:spLocks/>
+          </p:cNvSpPr>
+          <p:nvPr/>
+        </p:nvSpPr>
+        <p:spPr>
+          <a:xfrm>
+            <a:off x="1144923" y="2405894"/>
+            <a:ext cx="6332509" cy="3535083"/>
+          </a:xfrm>
+          <a:prstGeom prst="rect">
+            <a:avLst/>
+          </a:prstGeom>
+        </p:spPr>
+        <p:txBody>
+          <a:bodyPr vert="horz" lIns="91440" tIns="45720" rIns="91440" bIns="45720" rtlCol="0" anchor="t">
+            <a:normAutofit/>
+          </a:bodyPr>
+          <a:lstStyle>
+            <a:lvl1pPr marL="228600" indent="-228600" algn="l" defTabSz="914400" rtl="0" eaLnBrk="1" latinLnBrk="0" hangingPunct="1">
+              <a:lnSpc>
+                <a:spcPct val="90000"/>
+              </a:lnSpc>
+              <a:spcBef>
+                <a:spcPts val="1000"/>
+              </a:spcBef>
+              <a:buFont typeface="Arial" panose="020B0604020202020204" pitchFamily="34" charset="0"/>
+              <a:buChar char="•"/>
+              <a:defRPr sz="2800" kern="1200">
+                <a:solidFill>
+                  <a:schemeClr val="tx1"/>
+                </a:solidFill>
+                <a:latin typeface="+mn-lt"/>
+                <a:ea typeface="+mn-ea"/>
+                <a:cs typeface="+mn-cs"/>
+              </a:defRPr>
+            </a:lvl1pPr>
+            <a:lvl2pPr marL="685800" indent="-228600" algn="l" defTabSz="914400" rtl="0" eaLnBrk="1" latinLnBrk="0" hangingPunct="1">
+              <a:lnSpc>
+                <a:spcPct val="90000"/>
+              </a:lnSpc>
+              <a:spcBef>
+                <a:spcPts val="500"/>
+              </a:spcBef>
+              <a:buFont typeface="Arial" panose="020B0604020202020204" pitchFamily="34" charset="0"/>
+              <a:buChar char="•"/>
+              <a:defRPr sz="2400" kern="1200">
+                <a:solidFill>
+                  <a:schemeClr val="tx1"/>
+                </a:solidFill>
+                <a:latin typeface="+mn-lt"/>
+                <a:ea typeface="+mn-ea"/>
+                <a:cs typeface="+mn-cs"/>
+              </a:defRPr>
+            </a:lvl2pPr>
+            <a:lvl3pPr marL="1143000" indent="-228600" algn="l" defTabSz="914400" rtl="0" eaLnBrk="1" latinLnBrk="0" hangingPunct="1">
+              <a:lnSpc>
+                <a:spcPct val="90000"/>
+              </a:lnSpc>
+              <a:spcBef>
+                <a:spcPts val="500"/>
+              </a:spcBef>
+              <a:buFont typeface="Arial" panose="020B0604020202020204" pitchFamily="34" charset="0"/>
+              <a:buChar char="•"/>
+              <a:defRPr sz="2000" kern="1200">
+                <a:solidFill>
+                  <a:schemeClr val="tx1"/>
+                </a:solidFill>
+                <a:latin typeface="+mn-lt"/>
+                <a:ea typeface="+mn-ea"/>
+                <a:cs typeface="+mn-cs"/>
+              </a:defRPr>
+            </a:lvl3pPr>
+            <a:lvl4pPr marL="1600200" indent="-228600" algn="l" defTabSz="914400" rtl="0" eaLnBrk="1" latinLnBrk="0" hangingPunct="1">
+              <a:lnSpc>
+                <a:spcPct val="90000"/>
+              </a:lnSpc>
+              <a:spcBef>
+                <a:spcPts val="500"/>
+              </a:spcBef>
+              <a:buFont typeface="Arial" panose="020B0604020202020204" pitchFamily="34" charset="0"/>
+              <a:buChar char="•"/>
+              <a:defRPr sz="1800" kern="1200">
+                <a:solidFill>
+                  <a:schemeClr val="tx1"/>
+                </a:solidFill>
+                <a:latin typeface="+mn-lt"/>
+                <a:ea typeface="+mn-ea"/>
+                <a:cs typeface="+mn-cs"/>
+              </a:defRPr>
+            </a:lvl4pPr>
+            <a:lvl5pPr marL="2057400" indent="-228600" algn="l" defTabSz="914400" rtl="0" eaLnBrk="1" latinLnBrk="0" hangingPunct="1">
+              <a:lnSpc>
+                <a:spcPct val="90000"/>
+              </a:lnSpc>
+              <a:spcBef>
+                <a:spcPts val="500"/>
+              </a:spcBef>
+              <a:buFont typeface="Arial" panose="020B0604020202020204" pitchFamily="34" charset="0"/>
+              <a:buChar char="•"/>
+              <a:defRPr sz="1800" kern="1200">
+                <a:solidFill>
+                  <a:schemeClr val="tx1"/>
+                </a:solidFill>
+                <a:latin typeface="+mn-lt"/>
+                <a:ea typeface="+mn-ea"/>
+                <a:cs typeface="+mn-cs"/>
+              </a:defRPr>
+            </a:lvl5pPr>
+            <a:lvl6pPr marL="2514600" indent="-228600" algn="l" defTabSz="914400" rtl="0" eaLnBrk="1" latinLnBrk="0" hangingPunct="1">
+              <a:lnSpc>
+                <a:spcPct val="90000"/>
+              </a:lnSpc>
+              <a:spcBef>
+                <a:spcPts val="500"/>
+              </a:spcBef>
+              <a:buFont typeface="Arial" panose="020B0604020202020204" pitchFamily="34" charset="0"/>
+              <a:buChar char="•"/>
+              <a:defRPr sz="1800" kern="1200">
+                <a:solidFill>
+                  <a:schemeClr val="tx1"/>
+                </a:solidFill>
+                <a:latin typeface="+mn-lt"/>
+                <a:ea typeface="+mn-ea"/>
+                <a:cs typeface="+mn-cs"/>
+              </a:defRPr>
+            </a:lvl6pPr>
+            <a:lvl7pPr marL="2971800" indent="-228600" algn="l" defTabSz="914400" rtl="0" eaLnBrk="1" latinLnBrk="0" hangingPunct="1">
+              <a:lnSpc>
+                <a:spcPct val="90000"/>
+              </a:lnSpc>
+              <a:spcBef>
+                <a:spcPts val="500"/>
+              </a:spcBef>
+              <a:buFont typeface="Arial" panose="020B0604020202020204" pitchFamily="34" charset="0"/>
+              <a:buChar char="•"/>
+              <a:defRPr sz="1800" kern="1200">
+                <a:solidFill>
+                  <a:schemeClr val="tx1"/>
+                </a:solidFill>
+                <a:latin typeface="+mn-lt"/>
+                <a:ea typeface="+mn-ea"/>
+                <a:cs typeface="+mn-cs"/>
+              </a:defRPr>
+            </a:lvl7pPr>
+            <a:lvl8pPr marL="3429000" indent="-228600" algn="l" defTabSz="914400" rtl="0" eaLnBrk="1" latinLnBrk="0" hangingPunct="1">
+              <a:lnSpc>
+                <a:spcPct val="90000"/>
+              </a:lnSpc>
+              <a:spcBef>
+                <a:spcPts val="500"/>
+              </a:spcBef>
+              <a:buFont typeface="Arial" panose="020B0604020202020204" pitchFamily="34" charset="0"/>
+              <a:buChar char="•"/>
+              <a:defRPr sz="1800" kern="1200">
+                <a:solidFill>
+                  <a:schemeClr val="tx1"/>
+                </a:solidFill>
+                <a:latin typeface="+mn-lt"/>
+                <a:ea typeface="+mn-ea"/>
+                <a:cs typeface="+mn-cs"/>
+              </a:defRPr>
+            </a:lvl8pPr>
+            <a:lvl9pPr marL="3886200" indent="-228600" algn="l" defTabSz="914400" rtl="0" eaLnBrk="1" latinLnBrk="0" hangingPunct="1">
+              <a:lnSpc>
+                <a:spcPct val="90000"/>
+              </a:lnSpc>
+              <a:spcBef>
+                <a:spcPts val="500"/>
+              </a:spcBef>
+              <a:buFont typeface="Arial" panose="020B0604020202020204" pitchFamily="34" charset="0"/>
+              <a:buChar char="•"/>
+              <a:defRPr sz="1800" kern="1200">
+                <a:solidFill>
+                  <a:schemeClr val="tx1"/>
+                </a:solidFill>
+                <a:latin typeface="+mn-lt"/>
+                <a:ea typeface="+mn-ea"/>
+                <a:cs typeface="+mn-cs"/>
+              </a:defRPr>
+            </a:lvl9pPr>
+          </a:lstStyle>
+          <a:p>
+            <a:endParaRPr lang="en-PL" dirty="0">
+              <a:latin typeface="Arial" panose="020B0604020202020204" pitchFamily="34" charset="0"/>
+              <a:cs typeface="Arial" panose="020B0604020202020204" pitchFamily="34" charset="0"/>
+            </a:endParaRPr>
+          </a:p>
+        </p:txBody>
+      </p:sp>
+      <p:pic>
+        <p:nvPicPr>
+          <p:cNvPr id="17" name="Picture 16">
+            <a:extLst>
+              <a:ext uri="{FF2B5EF4-FFF2-40B4-BE49-F238E27FC236}">
+                <a16:creationId xmlns:a16="http://schemas.microsoft.com/office/drawing/2014/main" id="{DBCE127D-5EFB-DAB0-0582-F48CBEF6EC97}"/>
+              </a:ext>
+            </a:extLst>
+          </p:cNvPr>
+          <p:cNvPicPr>
+            <a:picLocks noChangeAspect="1"/>
+          </p:cNvPicPr>
+          <p:nvPr/>
+        </p:nvPicPr>
+        <p:blipFill>
+          <a:blip r:embed="rId2"/>
+          <a:stretch>
+            <a:fillRect/>
+          </a:stretch>
+        </p:blipFill>
+        <p:spPr>
+          <a:xfrm>
+            <a:off x="1050981" y="1247958"/>
+            <a:ext cx="516773" cy="486374"/>
+          </a:xfrm>
+          <a:prstGeom prst="rect">
+            <a:avLst/>
+          </a:prstGeom>
+        </p:spPr>
+      </p:pic>
+      <p:pic>
+        <p:nvPicPr>
+          <p:cNvPr id="19" name="Picture 18">
+            <a:extLst>
+              <a:ext uri="{FF2B5EF4-FFF2-40B4-BE49-F238E27FC236}">
+                <a16:creationId xmlns:a16="http://schemas.microsoft.com/office/drawing/2014/main" id="{5F72707B-A9E8-5B86-4D06-EE1E2F5C7C53}"/>
+              </a:ext>
+            </a:extLst>
+          </p:cNvPr>
+          <p:cNvPicPr>
+            <a:picLocks noChangeAspect="1"/>
+          </p:cNvPicPr>
+          <p:nvPr/>
+        </p:nvPicPr>
+        <p:blipFill>
+          <a:blip r:embed="rId3"/>
+          <a:stretch>
+            <a:fillRect/>
+          </a:stretch>
+        </p:blipFill>
+        <p:spPr>
+          <a:xfrm>
+            <a:off x="6096000" y="1185390"/>
+            <a:ext cx="548718" cy="516440"/>
+          </a:xfrm>
+          <a:prstGeom prst="rect">
+            <a:avLst/>
+          </a:prstGeom>
+        </p:spPr>
+      </p:pic>
+      <p:pic>
+        <p:nvPicPr>
+          <p:cNvPr id="9" name="Content Placeholder 8">
+            <a:extLst>
+              <a:ext uri="{FF2B5EF4-FFF2-40B4-BE49-F238E27FC236}">
+                <a16:creationId xmlns:a16="http://schemas.microsoft.com/office/drawing/2014/main" id="{2CF813AF-198F-980A-EA7B-C503D3F11510}"/>
+              </a:ext>
+            </a:extLst>
+          </p:cNvPr>
+          <p:cNvPicPr>
+            <a:picLocks noGrp="1" noChangeAspect="1"/>
+          </p:cNvPicPr>
+          <p:nvPr>
+            <p:ph sz="quarter" idx="4"/>
+          </p:nvPr>
+        </p:nvPicPr>
+        <p:blipFill>
+          <a:blip r:embed="rId4"/>
+          <a:stretch>
+            <a:fillRect/>
+          </a:stretch>
+        </p:blipFill>
+        <p:spPr>
+          <a:xfrm>
+            <a:off x="6096000" y="2355188"/>
+            <a:ext cx="5863598" cy="3581627"/>
+          </a:xfrm>
+        </p:spPr>
+      </p:pic>
+      <p:pic>
+        <p:nvPicPr>
+          <p:cNvPr id="13" name="Content Placeholder 12">
+            <a:extLst>
+              <a:ext uri="{FF2B5EF4-FFF2-40B4-BE49-F238E27FC236}">
+                <a16:creationId xmlns:a16="http://schemas.microsoft.com/office/drawing/2014/main" id="{A48AE084-8BED-1111-B4A3-51A47CCB80DC}"/>
+              </a:ext>
+            </a:extLst>
+          </p:cNvPr>
+          <p:cNvPicPr>
+            <a:picLocks noGrp="1" noChangeAspect="1"/>
+          </p:cNvPicPr>
+          <p:nvPr>
+            <p:ph sz="half" idx="2"/>
+          </p:nvPr>
+        </p:nvPicPr>
+        <p:blipFill>
+          <a:blip r:embed="rId5"/>
+          <a:stretch>
+            <a:fillRect/>
+          </a:stretch>
+        </p:blipFill>
+        <p:spPr>
+          <a:xfrm>
+            <a:off x="1051719" y="2654710"/>
+            <a:ext cx="4893495" cy="2713703"/>
+          </a:xfrm>
+        </p:spPr>
+      </p:pic>
+    </p:spTree>
+    <p:extLst>
+      <p:ext uri="{BB962C8B-B14F-4D97-AF65-F5344CB8AC3E}">
+        <p14:creationId xmlns:p14="http://schemas.microsoft.com/office/powerpoint/2010/main" val="3470186783"/>
+      </p:ext>
+    </p:extLst>
+  </p:cSld>
+  <p:clrMapOvr>
+    <a:masterClrMapping/>
+  </p:clrMapOvr>
+</p:sld>
+</file>
+
+<file path=ppt/slides/slide11.xml><?xml version="1.0" encoding="utf-8"?>
+<p:sld xmlns:a="http://schemas.openxmlformats.org/drawingml/2006/main" xmlns:r="http://schemas.openxmlformats.org/officeDocument/2006/relationships" xmlns:p="http://schemas.openxmlformats.org/presentationml/2006/main">
+  <p:cSld>
+    <p:bg>
+      <p:bgPr>
+        <a:solidFill>
+          <a:schemeClr val="bg1"/>
+        </a:solidFill>
+        <a:effectLst/>
+      </p:bgPr>
+    </p:bg>
+    <p:spTree>
+      <p:nvGrpSpPr>
+        <p:cNvPr id="1" name=""/>
+        <p:cNvGrpSpPr/>
+        <p:nvPr/>
+      </p:nvGrpSpPr>
+      <p:grpSpPr>
+        <a:xfrm>
+          <a:off x="0" y="0"/>
+          <a:ext cx="0" cy="0"/>
+          <a:chOff x="0" y="0"/>
+          <a:chExt cx="0" cy="0"/>
+        </a:xfrm>
+      </p:grpSpPr>
+      <p:sp>
+        <p:nvSpPr>
+          <p:cNvPr id="2" name="Title 1">
+            <a:extLst>
+              <a:ext uri="{FF2B5EF4-FFF2-40B4-BE49-F238E27FC236}">
+                <a16:creationId xmlns:a16="http://schemas.microsoft.com/office/drawing/2014/main" id="{32C432B7-0A6C-2C12-77FA-7B714600B30E}"/>
+              </a:ext>
+            </a:extLst>
+          </p:cNvPr>
+          <p:cNvSpPr>
+            <a:spLocks noGrp="1"/>
+          </p:cNvSpPr>
+          <p:nvPr>
+            <p:ph type="title"/>
+          </p:nvPr>
+        </p:nvSpPr>
+        <p:spPr>
+          <a:xfrm>
+            <a:off x="839788" y="365125"/>
+            <a:ext cx="10515600" cy="711507"/>
+          </a:xfrm>
+        </p:spPr>
+        <p:txBody>
+          <a:bodyPr vert="horz" lIns="91440" tIns="45720" rIns="91440" bIns="45720" rtlCol="0" anchor="b">
+            <a:normAutofit/>
+          </a:bodyPr>
+          <a:lstStyle/>
+          <a:p>
+            <a:r>
+              <a:rPr lang="en-GB" sz="4000" dirty="0">
+                <a:latin typeface="Arial" panose="020B0604020202020204" pitchFamily="34" charset="0"/>
+                <a:cs typeface="Arial" panose="020B0604020202020204" pitchFamily="34" charset="0"/>
+              </a:rPr>
+              <a:t>Model Results – Decision Tree Classifier</a:t>
+            </a:r>
+            <a:endParaRPr lang="en-US" sz="4000" kern="1200" dirty="0">
+              <a:solidFill>
+                <a:schemeClr val="tx1"/>
+              </a:solidFill>
+              <a:latin typeface="Arial" panose="020B0604020202020204" pitchFamily="34" charset="0"/>
+              <a:cs typeface="Arial" panose="020B0604020202020204" pitchFamily="34" charset="0"/>
+            </a:endParaRPr>
+          </a:p>
+        </p:txBody>
+      </p:sp>
+      <p:sp>
+        <p:nvSpPr>
+          <p:cNvPr id="3" name="Text Placeholder 2">
+            <a:extLst>
+              <a:ext uri="{FF2B5EF4-FFF2-40B4-BE49-F238E27FC236}">
+                <a16:creationId xmlns:a16="http://schemas.microsoft.com/office/drawing/2014/main" id="{7B91EF2E-17D9-6908-D543-ED1BE99A6B97}"/>
+              </a:ext>
+            </a:extLst>
+          </p:cNvPr>
+          <p:cNvSpPr>
+            <a:spLocks noGrp="1"/>
+          </p:cNvSpPr>
+          <p:nvPr>
+            <p:ph type="body" idx="1"/>
+          </p:nvPr>
+        </p:nvSpPr>
+        <p:spPr>
+          <a:xfrm>
+            <a:off x="839787" y="1219617"/>
+            <a:ext cx="5157787" cy="486374"/>
+          </a:xfrm>
+        </p:spPr>
+        <p:txBody>
+          <a:bodyPr/>
+          <a:lstStyle/>
+          <a:p>
+            <a:r>
+              <a:rPr lang="en-GB" dirty="0"/>
+              <a:t>              Python</a:t>
+            </a:r>
+          </a:p>
+        </p:txBody>
+      </p:sp>
+      <p:sp>
+        <p:nvSpPr>
+          <p:cNvPr id="5" name="Text Placeholder 4">
+            <a:extLst>
+              <a:ext uri="{FF2B5EF4-FFF2-40B4-BE49-F238E27FC236}">
+                <a16:creationId xmlns:a16="http://schemas.microsoft.com/office/drawing/2014/main" id="{1988AC56-BDBA-946C-7A57-367658B8906F}"/>
+              </a:ext>
+            </a:extLst>
+          </p:cNvPr>
+          <p:cNvSpPr>
+            <a:spLocks noGrp="1"/>
+          </p:cNvSpPr>
+          <p:nvPr>
+            <p:ph type="body" sz="quarter" idx="3"/>
+          </p:nvPr>
+        </p:nvSpPr>
+        <p:spPr>
+          <a:xfrm>
+            <a:off x="6169024" y="1219617"/>
+            <a:ext cx="5183188" cy="486374"/>
+          </a:xfrm>
+        </p:spPr>
+        <p:txBody>
+          <a:bodyPr/>
+          <a:lstStyle/>
+          <a:p>
+            <a:r>
+              <a:rPr lang="en-GB" dirty="0"/>
+              <a:t>        R</a:t>
+            </a:r>
+          </a:p>
+        </p:txBody>
+      </p:sp>
+      <p:sp>
+        <p:nvSpPr>
+          <p:cNvPr id="7" name="Content Placeholder 2">
+            <a:extLst>
+              <a:ext uri="{FF2B5EF4-FFF2-40B4-BE49-F238E27FC236}">
+                <a16:creationId xmlns:a16="http://schemas.microsoft.com/office/drawing/2014/main" id="{6E2D6785-3FC0-5B4B-8F43-4406AD91B4D7}"/>
+              </a:ext>
+            </a:extLst>
+          </p:cNvPr>
+          <p:cNvSpPr txBox="1">
+            <a:spLocks/>
+          </p:cNvSpPr>
+          <p:nvPr/>
+        </p:nvSpPr>
+        <p:spPr>
+          <a:xfrm>
+            <a:off x="1144923" y="2405894"/>
+            <a:ext cx="6332509" cy="3535083"/>
+          </a:xfrm>
+          <a:prstGeom prst="rect">
+            <a:avLst/>
+          </a:prstGeom>
+        </p:spPr>
+        <p:txBody>
+          <a:bodyPr vert="horz" lIns="91440" tIns="45720" rIns="91440" bIns="45720" rtlCol="0" anchor="t">
+            <a:normAutofit/>
+          </a:bodyPr>
+          <a:lstStyle>
+            <a:lvl1pPr marL="228600" indent="-228600" algn="l" defTabSz="914400" rtl="0" eaLnBrk="1" latinLnBrk="0" hangingPunct="1">
+              <a:lnSpc>
+                <a:spcPct val="90000"/>
+              </a:lnSpc>
+              <a:spcBef>
+                <a:spcPts val="1000"/>
+              </a:spcBef>
+              <a:buFont typeface="Arial" panose="020B0604020202020204" pitchFamily="34" charset="0"/>
+              <a:buChar char="•"/>
+              <a:defRPr sz="2800" kern="1200">
+                <a:solidFill>
+                  <a:schemeClr val="tx1"/>
+                </a:solidFill>
+                <a:latin typeface="+mn-lt"/>
+                <a:ea typeface="+mn-ea"/>
+                <a:cs typeface="+mn-cs"/>
+              </a:defRPr>
+            </a:lvl1pPr>
+            <a:lvl2pPr marL="685800" indent="-228600" algn="l" defTabSz="914400" rtl="0" eaLnBrk="1" latinLnBrk="0" hangingPunct="1">
+              <a:lnSpc>
+                <a:spcPct val="90000"/>
+              </a:lnSpc>
+              <a:spcBef>
+                <a:spcPts val="500"/>
+              </a:spcBef>
+              <a:buFont typeface="Arial" panose="020B0604020202020204" pitchFamily="34" charset="0"/>
+              <a:buChar char="•"/>
+              <a:defRPr sz="2400" kern="1200">
+                <a:solidFill>
+                  <a:schemeClr val="tx1"/>
+                </a:solidFill>
+                <a:latin typeface="+mn-lt"/>
+                <a:ea typeface="+mn-ea"/>
+                <a:cs typeface="+mn-cs"/>
+              </a:defRPr>
+            </a:lvl2pPr>
+            <a:lvl3pPr marL="1143000" indent="-228600" algn="l" defTabSz="914400" rtl="0" eaLnBrk="1" latinLnBrk="0" hangingPunct="1">
+              <a:lnSpc>
+                <a:spcPct val="90000"/>
+              </a:lnSpc>
+              <a:spcBef>
+                <a:spcPts val="500"/>
+              </a:spcBef>
+              <a:buFont typeface="Arial" panose="020B0604020202020204" pitchFamily="34" charset="0"/>
+              <a:buChar char="•"/>
+              <a:defRPr sz="2000" kern="1200">
+                <a:solidFill>
+                  <a:schemeClr val="tx1"/>
+                </a:solidFill>
+                <a:latin typeface="+mn-lt"/>
+                <a:ea typeface="+mn-ea"/>
+                <a:cs typeface="+mn-cs"/>
+              </a:defRPr>
+            </a:lvl3pPr>
+            <a:lvl4pPr marL="1600200" indent="-228600" algn="l" defTabSz="914400" rtl="0" eaLnBrk="1" latinLnBrk="0" hangingPunct="1">
+              <a:lnSpc>
+                <a:spcPct val="90000"/>
+              </a:lnSpc>
+              <a:spcBef>
+                <a:spcPts val="500"/>
+              </a:spcBef>
+              <a:buFont typeface="Arial" panose="020B0604020202020204" pitchFamily="34" charset="0"/>
+              <a:buChar char="•"/>
+              <a:defRPr sz="1800" kern="1200">
+                <a:solidFill>
+                  <a:schemeClr val="tx1"/>
+                </a:solidFill>
+                <a:latin typeface="+mn-lt"/>
+                <a:ea typeface="+mn-ea"/>
+                <a:cs typeface="+mn-cs"/>
+              </a:defRPr>
+            </a:lvl4pPr>
+            <a:lvl5pPr marL="2057400" indent="-228600" algn="l" defTabSz="914400" rtl="0" eaLnBrk="1" latinLnBrk="0" hangingPunct="1">
+              <a:lnSpc>
+                <a:spcPct val="90000"/>
+              </a:lnSpc>
+              <a:spcBef>
+                <a:spcPts val="500"/>
+              </a:spcBef>
+              <a:buFont typeface="Arial" panose="020B0604020202020204" pitchFamily="34" charset="0"/>
+              <a:buChar char="•"/>
+              <a:defRPr sz="1800" kern="1200">
+                <a:solidFill>
+                  <a:schemeClr val="tx1"/>
+                </a:solidFill>
+                <a:latin typeface="+mn-lt"/>
+                <a:ea typeface="+mn-ea"/>
+                <a:cs typeface="+mn-cs"/>
+              </a:defRPr>
+            </a:lvl5pPr>
+            <a:lvl6pPr marL="2514600" indent="-228600" algn="l" defTabSz="914400" rtl="0" eaLnBrk="1" latinLnBrk="0" hangingPunct="1">
+              <a:lnSpc>
+                <a:spcPct val="90000"/>
+              </a:lnSpc>
+              <a:spcBef>
+                <a:spcPts val="500"/>
+              </a:spcBef>
+              <a:buFont typeface="Arial" panose="020B0604020202020204" pitchFamily="34" charset="0"/>
+              <a:buChar char="•"/>
+              <a:defRPr sz="1800" kern="1200">
+                <a:solidFill>
+                  <a:schemeClr val="tx1"/>
+                </a:solidFill>
+                <a:latin typeface="+mn-lt"/>
+                <a:ea typeface="+mn-ea"/>
+                <a:cs typeface="+mn-cs"/>
+              </a:defRPr>
+            </a:lvl6pPr>
+            <a:lvl7pPr marL="2971800" indent="-228600" algn="l" defTabSz="914400" rtl="0" eaLnBrk="1" latinLnBrk="0" hangingPunct="1">
+              <a:lnSpc>
+                <a:spcPct val="90000"/>
+              </a:lnSpc>
+              <a:spcBef>
+                <a:spcPts val="500"/>
+              </a:spcBef>
+              <a:buFont typeface="Arial" panose="020B0604020202020204" pitchFamily="34" charset="0"/>
+              <a:buChar char="•"/>
+              <a:defRPr sz="1800" kern="1200">
+                <a:solidFill>
+                  <a:schemeClr val="tx1"/>
+                </a:solidFill>
+                <a:latin typeface="+mn-lt"/>
+                <a:ea typeface="+mn-ea"/>
+                <a:cs typeface="+mn-cs"/>
+              </a:defRPr>
+            </a:lvl7pPr>
+            <a:lvl8pPr marL="3429000" indent="-228600" algn="l" defTabSz="914400" rtl="0" eaLnBrk="1" latinLnBrk="0" hangingPunct="1">
+              <a:lnSpc>
+                <a:spcPct val="90000"/>
+              </a:lnSpc>
+              <a:spcBef>
+                <a:spcPts val="500"/>
+              </a:spcBef>
+              <a:buFont typeface="Arial" panose="020B0604020202020204" pitchFamily="34" charset="0"/>
+              <a:buChar char="•"/>
+              <a:defRPr sz="1800" kern="1200">
+                <a:solidFill>
+                  <a:schemeClr val="tx1"/>
+                </a:solidFill>
+                <a:latin typeface="+mn-lt"/>
+                <a:ea typeface="+mn-ea"/>
+                <a:cs typeface="+mn-cs"/>
+              </a:defRPr>
+            </a:lvl8pPr>
+            <a:lvl9pPr marL="3886200" indent="-228600" algn="l" defTabSz="914400" rtl="0" eaLnBrk="1" latinLnBrk="0" hangingPunct="1">
+              <a:lnSpc>
+                <a:spcPct val="90000"/>
+              </a:lnSpc>
+              <a:spcBef>
+                <a:spcPts val="500"/>
+              </a:spcBef>
+              <a:buFont typeface="Arial" panose="020B0604020202020204" pitchFamily="34" charset="0"/>
+              <a:buChar char="•"/>
+              <a:defRPr sz="1800" kern="1200">
+                <a:solidFill>
+                  <a:schemeClr val="tx1"/>
+                </a:solidFill>
+                <a:latin typeface="+mn-lt"/>
+                <a:ea typeface="+mn-ea"/>
+                <a:cs typeface="+mn-cs"/>
+              </a:defRPr>
+            </a:lvl9pPr>
+          </a:lstStyle>
+          <a:p>
+            <a:endParaRPr lang="en-PL" dirty="0">
+              <a:latin typeface="Arial" panose="020B0604020202020204" pitchFamily="34" charset="0"/>
+              <a:cs typeface="Arial" panose="020B0604020202020204" pitchFamily="34" charset="0"/>
+            </a:endParaRPr>
+          </a:p>
+        </p:txBody>
+      </p:sp>
+      <p:pic>
+        <p:nvPicPr>
+          <p:cNvPr id="17" name="Picture 16">
+            <a:extLst>
+              <a:ext uri="{FF2B5EF4-FFF2-40B4-BE49-F238E27FC236}">
+                <a16:creationId xmlns:a16="http://schemas.microsoft.com/office/drawing/2014/main" id="{DBCE127D-5EFB-DAB0-0582-F48CBEF6EC97}"/>
+              </a:ext>
+            </a:extLst>
+          </p:cNvPr>
+          <p:cNvPicPr>
+            <a:picLocks noChangeAspect="1"/>
+          </p:cNvPicPr>
+          <p:nvPr/>
+        </p:nvPicPr>
+        <p:blipFill>
+          <a:blip r:embed="rId2"/>
+          <a:stretch>
+            <a:fillRect/>
+          </a:stretch>
+        </p:blipFill>
+        <p:spPr>
+          <a:xfrm>
+            <a:off x="1050981" y="1247958"/>
+            <a:ext cx="516773" cy="486374"/>
+          </a:xfrm>
+          <a:prstGeom prst="rect">
+            <a:avLst/>
+          </a:prstGeom>
+        </p:spPr>
+      </p:pic>
+      <p:pic>
+        <p:nvPicPr>
+          <p:cNvPr id="19" name="Picture 18">
+            <a:extLst>
+              <a:ext uri="{FF2B5EF4-FFF2-40B4-BE49-F238E27FC236}">
+                <a16:creationId xmlns:a16="http://schemas.microsoft.com/office/drawing/2014/main" id="{5F72707B-A9E8-5B86-4D06-EE1E2F5C7C53}"/>
+              </a:ext>
+            </a:extLst>
+          </p:cNvPr>
+          <p:cNvPicPr>
+            <a:picLocks noChangeAspect="1"/>
+          </p:cNvPicPr>
+          <p:nvPr/>
+        </p:nvPicPr>
+        <p:blipFill>
+          <a:blip r:embed="rId3"/>
+          <a:stretch>
+            <a:fillRect/>
+          </a:stretch>
+        </p:blipFill>
+        <p:spPr>
+          <a:xfrm>
+            <a:off x="6096000" y="1185390"/>
+            <a:ext cx="548718" cy="516440"/>
+          </a:xfrm>
+          <a:prstGeom prst="rect">
+            <a:avLst/>
+          </a:prstGeom>
+        </p:spPr>
+      </p:pic>
+      <p:pic>
+        <p:nvPicPr>
+          <p:cNvPr id="10" name="Content Placeholder 9">
+            <a:extLst>
+              <a:ext uri="{FF2B5EF4-FFF2-40B4-BE49-F238E27FC236}">
+                <a16:creationId xmlns:a16="http://schemas.microsoft.com/office/drawing/2014/main" id="{4EF3AB71-20E9-3AD3-FD32-ABF0331226C1}"/>
+              </a:ext>
+            </a:extLst>
+          </p:cNvPr>
+          <p:cNvPicPr>
+            <a:picLocks noGrp="1" noChangeAspect="1"/>
+          </p:cNvPicPr>
+          <p:nvPr>
+            <p:ph sz="half" idx="2"/>
+          </p:nvPr>
+        </p:nvPicPr>
+        <p:blipFill>
+          <a:blip r:embed="rId4"/>
+          <a:stretch>
+            <a:fillRect/>
+          </a:stretch>
+        </p:blipFill>
+        <p:spPr>
+          <a:xfrm>
+            <a:off x="861219" y="2846439"/>
+            <a:ext cx="5114925" cy="2739180"/>
+          </a:xfrm>
+        </p:spPr>
+      </p:pic>
+      <p:pic>
+        <p:nvPicPr>
+          <p:cNvPr id="15" name="Content Placeholder 14">
+            <a:extLst>
+              <a:ext uri="{FF2B5EF4-FFF2-40B4-BE49-F238E27FC236}">
+                <a16:creationId xmlns:a16="http://schemas.microsoft.com/office/drawing/2014/main" id="{C7280514-6B2D-EC60-52DE-AF59EF5F7C58}"/>
+              </a:ext>
+            </a:extLst>
+          </p:cNvPr>
+          <p:cNvPicPr>
+            <a:picLocks noGrp="1" noChangeAspect="1"/>
+          </p:cNvPicPr>
+          <p:nvPr>
+            <p:ph sz="quarter" idx="4"/>
+          </p:nvPr>
+        </p:nvPicPr>
+        <p:blipFill>
+          <a:blip r:embed="rId5"/>
+          <a:stretch>
+            <a:fillRect/>
+          </a:stretch>
+        </p:blipFill>
+        <p:spPr>
+          <a:xfrm>
+            <a:off x="6791546" y="2505075"/>
+            <a:ext cx="4903925" cy="3435902"/>
+          </a:xfrm>
+        </p:spPr>
+      </p:pic>
+    </p:spTree>
+    <p:extLst>
+      <p:ext uri="{BB962C8B-B14F-4D97-AF65-F5344CB8AC3E}">
+        <p14:creationId xmlns:p14="http://schemas.microsoft.com/office/powerpoint/2010/main" val="3204497295"/>
+      </p:ext>
+    </p:extLst>
+  </p:cSld>
+  <p:clrMapOvr>
+    <a:masterClrMapping/>
+  </p:clrMapOvr>
+</p:sld>
+</file>
+
+<file path=ppt/slides/slide12.xml><?xml version="1.0" encoding="utf-8"?>
+<p:sld xmlns:a="http://schemas.openxmlformats.org/drawingml/2006/main" xmlns:r="http://schemas.openxmlformats.org/officeDocument/2006/relationships" xmlns:p="http://schemas.openxmlformats.org/presentationml/2006/main">
+  <p:cSld>
+    <p:bg>
+      <p:bgPr>
+        <a:solidFill>
+          <a:schemeClr val="bg1"/>
+        </a:solidFill>
+        <a:effectLst/>
+      </p:bgPr>
+    </p:bg>
+    <p:spTree>
+      <p:nvGrpSpPr>
+        <p:cNvPr id="1" name=""/>
+        <p:cNvGrpSpPr/>
+        <p:nvPr/>
+      </p:nvGrpSpPr>
+      <p:grpSpPr>
+        <a:xfrm>
+          <a:off x="0" y="0"/>
+          <a:ext cx="0" cy="0"/>
+          <a:chOff x="0" y="0"/>
+          <a:chExt cx="0" cy="0"/>
+        </a:xfrm>
+      </p:grpSpPr>
+      <p:sp>
+        <p:nvSpPr>
+          <p:cNvPr id="2" name="Title 1">
+            <a:extLst>
+              <a:ext uri="{FF2B5EF4-FFF2-40B4-BE49-F238E27FC236}">
+                <a16:creationId xmlns:a16="http://schemas.microsoft.com/office/drawing/2014/main" id="{32C432B7-0A6C-2C12-77FA-7B714600B30E}"/>
+              </a:ext>
+            </a:extLst>
+          </p:cNvPr>
+          <p:cNvSpPr>
+            <a:spLocks noGrp="1"/>
+          </p:cNvSpPr>
+          <p:nvPr>
+            <p:ph type="title"/>
+          </p:nvPr>
+        </p:nvSpPr>
+        <p:spPr>
+          <a:xfrm>
+            <a:off x="838200" y="365125"/>
+            <a:ext cx="10515600" cy="820265"/>
+          </a:xfrm>
+        </p:spPr>
+        <p:txBody>
+          <a:bodyPr vert="horz" lIns="91440" tIns="45720" rIns="91440" bIns="45720" rtlCol="0" anchor="b">
+            <a:normAutofit/>
+          </a:bodyPr>
+          <a:lstStyle/>
+          <a:p>
+            <a:r>
+              <a:rPr lang="en-GB" sz="4000" dirty="0">
+                <a:latin typeface="Arial" panose="020B0604020202020204" pitchFamily="34" charset="0"/>
+                <a:cs typeface="Arial" panose="020B0604020202020204" pitchFamily="34" charset="0"/>
+              </a:rPr>
+              <a:t>Model Results – Gradient Boosting</a:t>
+            </a:r>
+            <a:endParaRPr lang="en-US" sz="4000" kern="1200" dirty="0">
+              <a:solidFill>
+                <a:schemeClr val="tx1"/>
+              </a:solidFill>
+              <a:latin typeface="Arial" panose="020B0604020202020204" pitchFamily="34" charset="0"/>
+              <a:cs typeface="Arial" panose="020B0604020202020204" pitchFamily="34" charset="0"/>
+            </a:endParaRPr>
+          </a:p>
+        </p:txBody>
+      </p:sp>
+      <p:sp>
+        <p:nvSpPr>
+          <p:cNvPr id="3" name="Text Placeholder 2">
+            <a:extLst>
+              <a:ext uri="{FF2B5EF4-FFF2-40B4-BE49-F238E27FC236}">
+                <a16:creationId xmlns:a16="http://schemas.microsoft.com/office/drawing/2014/main" id="{7B91EF2E-17D9-6908-D543-ED1BE99A6B97}"/>
+              </a:ext>
+            </a:extLst>
+          </p:cNvPr>
+          <p:cNvSpPr>
+            <a:spLocks noGrp="1"/>
+          </p:cNvSpPr>
+          <p:nvPr>
+            <p:ph type="body" idx="4294967295"/>
+          </p:nvPr>
+        </p:nvSpPr>
+        <p:spPr>
+          <a:xfrm>
+            <a:off x="0" y="1219200"/>
+            <a:ext cx="10825316" cy="487363"/>
+          </a:xfrm>
+        </p:spPr>
+        <p:txBody>
+          <a:bodyPr/>
+          <a:lstStyle/>
+          <a:p>
+            <a:pPr marL="0" indent="0">
+              <a:buNone/>
+            </a:pPr>
+            <a:endParaRPr lang="en-GB" dirty="0"/>
+          </a:p>
+        </p:txBody>
+      </p:sp>
+      <p:sp>
+        <p:nvSpPr>
+          <p:cNvPr id="5" name="Text Placeholder 4">
+            <a:extLst>
+              <a:ext uri="{FF2B5EF4-FFF2-40B4-BE49-F238E27FC236}">
+                <a16:creationId xmlns:a16="http://schemas.microsoft.com/office/drawing/2014/main" id="{1988AC56-BDBA-946C-7A57-367658B8906F}"/>
+              </a:ext>
+            </a:extLst>
+          </p:cNvPr>
+          <p:cNvSpPr>
+            <a:spLocks noGrp="1"/>
+          </p:cNvSpPr>
+          <p:nvPr>
+            <p:ph type="body" sz="quarter" idx="4294967295"/>
+          </p:nvPr>
+        </p:nvSpPr>
+        <p:spPr>
+          <a:xfrm>
+            <a:off x="1676401" y="1219200"/>
+            <a:ext cx="10515600" cy="487363"/>
+          </a:xfrm>
+        </p:spPr>
+        <p:txBody>
+          <a:bodyPr/>
+          <a:lstStyle/>
+          <a:p>
+            <a:pPr marL="0" indent="0">
+              <a:buNone/>
+            </a:pPr>
+            <a:r>
+              <a:rPr lang="en-GB" dirty="0"/>
+              <a:t>                                                              R</a:t>
+            </a:r>
+          </a:p>
+        </p:txBody>
+      </p:sp>
+      <p:sp>
+        <p:nvSpPr>
+          <p:cNvPr id="7" name="Content Placeholder 2">
+            <a:extLst>
+              <a:ext uri="{FF2B5EF4-FFF2-40B4-BE49-F238E27FC236}">
+                <a16:creationId xmlns:a16="http://schemas.microsoft.com/office/drawing/2014/main" id="{6E2D6785-3FC0-5B4B-8F43-4406AD91B4D7}"/>
+              </a:ext>
+            </a:extLst>
+          </p:cNvPr>
+          <p:cNvSpPr txBox="1">
+            <a:spLocks/>
+          </p:cNvSpPr>
+          <p:nvPr/>
+        </p:nvSpPr>
+        <p:spPr>
+          <a:xfrm>
+            <a:off x="1144923" y="2405894"/>
+            <a:ext cx="6332509" cy="3535083"/>
+          </a:xfrm>
+          <a:prstGeom prst="rect">
+            <a:avLst/>
+          </a:prstGeom>
+        </p:spPr>
+        <p:txBody>
+          <a:bodyPr vert="horz" lIns="91440" tIns="45720" rIns="91440" bIns="45720" rtlCol="0" anchor="t">
+            <a:normAutofit/>
+          </a:bodyPr>
+          <a:lstStyle>
+            <a:lvl1pPr marL="228600" indent="-228600" algn="l" defTabSz="914400" rtl="0" eaLnBrk="1" latinLnBrk="0" hangingPunct="1">
+              <a:lnSpc>
+                <a:spcPct val="90000"/>
+              </a:lnSpc>
+              <a:spcBef>
+                <a:spcPts val="1000"/>
+              </a:spcBef>
+              <a:buFont typeface="Arial" panose="020B0604020202020204" pitchFamily="34" charset="0"/>
+              <a:buChar char="•"/>
+              <a:defRPr sz="2800" kern="1200">
+                <a:solidFill>
+                  <a:schemeClr val="tx1"/>
+                </a:solidFill>
+                <a:latin typeface="+mn-lt"/>
+                <a:ea typeface="+mn-ea"/>
+                <a:cs typeface="+mn-cs"/>
+              </a:defRPr>
+            </a:lvl1pPr>
+            <a:lvl2pPr marL="685800" indent="-228600" algn="l" defTabSz="914400" rtl="0" eaLnBrk="1" latinLnBrk="0" hangingPunct="1">
+              <a:lnSpc>
+                <a:spcPct val="90000"/>
+              </a:lnSpc>
+              <a:spcBef>
+                <a:spcPts val="500"/>
+              </a:spcBef>
+              <a:buFont typeface="Arial" panose="020B0604020202020204" pitchFamily="34" charset="0"/>
+              <a:buChar char="•"/>
+              <a:defRPr sz="2400" kern="1200">
+                <a:solidFill>
+                  <a:schemeClr val="tx1"/>
+                </a:solidFill>
+                <a:latin typeface="+mn-lt"/>
+                <a:ea typeface="+mn-ea"/>
+                <a:cs typeface="+mn-cs"/>
+              </a:defRPr>
+            </a:lvl2pPr>
+            <a:lvl3pPr marL="1143000" indent="-228600" algn="l" defTabSz="914400" rtl="0" eaLnBrk="1" latinLnBrk="0" hangingPunct="1">
+              <a:lnSpc>
+                <a:spcPct val="90000"/>
+              </a:lnSpc>
+              <a:spcBef>
+                <a:spcPts val="500"/>
+              </a:spcBef>
+              <a:buFont typeface="Arial" panose="020B0604020202020204" pitchFamily="34" charset="0"/>
+              <a:buChar char="•"/>
+              <a:defRPr sz="2000" kern="1200">
+                <a:solidFill>
+                  <a:schemeClr val="tx1"/>
+                </a:solidFill>
+                <a:latin typeface="+mn-lt"/>
+                <a:ea typeface="+mn-ea"/>
+                <a:cs typeface="+mn-cs"/>
+              </a:defRPr>
+            </a:lvl3pPr>
+            <a:lvl4pPr marL="1600200" indent="-228600" algn="l" defTabSz="914400" rtl="0" eaLnBrk="1" latinLnBrk="0" hangingPunct="1">
+              <a:lnSpc>
+                <a:spcPct val="90000"/>
+              </a:lnSpc>
+              <a:spcBef>
+                <a:spcPts val="500"/>
+              </a:spcBef>
+              <a:buFont typeface="Arial" panose="020B0604020202020204" pitchFamily="34" charset="0"/>
+              <a:buChar char="•"/>
+              <a:defRPr sz="1800" kern="1200">
+                <a:solidFill>
+                  <a:schemeClr val="tx1"/>
+                </a:solidFill>
+                <a:latin typeface="+mn-lt"/>
+                <a:ea typeface="+mn-ea"/>
+                <a:cs typeface="+mn-cs"/>
+              </a:defRPr>
+            </a:lvl4pPr>
+            <a:lvl5pPr marL="2057400" indent="-228600" algn="l" defTabSz="914400" rtl="0" eaLnBrk="1" latinLnBrk="0" hangingPunct="1">
+              <a:lnSpc>
+                <a:spcPct val="90000"/>
+              </a:lnSpc>
+              <a:spcBef>
+                <a:spcPts val="500"/>
+              </a:spcBef>
+              <a:buFont typeface="Arial" panose="020B0604020202020204" pitchFamily="34" charset="0"/>
+              <a:buChar char="•"/>
+              <a:defRPr sz="1800" kern="1200">
+                <a:solidFill>
+                  <a:schemeClr val="tx1"/>
+                </a:solidFill>
+                <a:latin typeface="+mn-lt"/>
+                <a:ea typeface="+mn-ea"/>
+                <a:cs typeface="+mn-cs"/>
+              </a:defRPr>
+            </a:lvl5pPr>
+            <a:lvl6pPr marL="2514600" indent="-228600" algn="l" defTabSz="914400" rtl="0" eaLnBrk="1" latinLnBrk="0" hangingPunct="1">
+              <a:lnSpc>
+                <a:spcPct val="90000"/>
+              </a:lnSpc>
+              <a:spcBef>
+                <a:spcPts val="500"/>
+              </a:spcBef>
+              <a:buFont typeface="Arial" panose="020B0604020202020204" pitchFamily="34" charset="0"/>
+              <a:buChar char="•"/>
+              <a:defRPr sz="1800" kern="1200">
+                <a:solidFill>
+                  <a:schemeClr val="tx1"/>
+                </a:solidFill>
+                <a:latin typeface="+mn-lt"/>
+                <a:ea typeface="+mn-ea"/>
+                <a:cs typeface="+mn-cs"/>
+              </a:defRPr>
+            </a:lvl6pPr>
+            <a:lvl7pPr marL="2971800" indent="-228600" algn="l" defTabSz="914400" rtl="0" eaLnBrk="1" latinLnBrk="0" hangingPunct="1">
+              <a:lnSpc>
+                <a:spcPct val="90000"/>
+              </a:lnSpc>
+              <a:spcBef>
+                <a:spcPts val="500"/>
+              </a:spcBef>
+              <a:buFont typeface="Arial" panose="020B0604020202020204" pitchFamily="34" charset="0"/>
+              <a:buChar char="•"/>
+              <a:defRPr sz="1800" kern="1200">
+                <a:solidFill>
+                  <a:schemeClr val="tx1"/>
+                </a:solidFill>
+                <a:latin typeface="+mn-lt"/>
+                <a:ea typeface="+mn-ea"/>
+                <a:cs typeface="+mn-cs"/>
+              </a:defRPr>
+            </a:lvl7pPr>
+            <a:lvl8pPr marL="3429000" indent="-228600" algn="l" defTabSz="914400" rtl="0" eaLnBrk="1" latinLnBrk="0" hangingPunct="1">
+              <a:lnSpc>
+                <a:spcPct val="90000"/>
+              </a:lnSpc>
+              <a:spcBef>
+                <a:spcPts val="500"/>
+              </a:spcBef>
+              <a:buFont typeface="Arial" panose="020B0604020202020204" pitchFamily="34" charset="0"/>
+              <a:buChar char="•"/>
+              <a:defRPr sz="1800" kern="1200">
+                <a:solidFill>
+                  <a:schemeClr val="tx1"/>
+                </a:solidFill>
+                <a:latin typeface="+mn-lt"/>
+                <a:ea typeface="+mn-ea"/>
+                <a:cs typeface="+mn-cs"/>
+              </a:defRPr>
+            </a:lvl8pPr>
+            <a:lvl9pPr marL="3886200" indent="-228600" algn="l" defTabSz="914400" rtl="0" eaLnBrk="1" latinLnBrk="0" hangingPunct="1">
+              <a:lnSpc>
+                <a:spcPct val="90000"/>
+              </a:lnSpc>
+              <a:spcBef>
+                <a:spcPts val="500"/>
+              </a:spcBef>
+              <a:buFont typeface="Arial" panose="020B0604020202020204" pitchFamily="34" charset="0"/>
+              <a:buChar char="•"/>
+              <a:defRPr sz="1800" kern="1200">
+                <a:solidFill>
+                  <a:schemeClr val="tx1"/>
+                </a:solidFill>
+                <a:latin typeface="+mn-lt"/>
+                <a:ea typeface="+mn-ea"/>
+                <a:cs typeface="+mn-cs"/>
+              </a:defRPr>
+            </a:lvl9pPr>
+          </a:lstStyle>
+          <a:p>
+            <a:endParaRPr lang="en-PL" dirty="0">
+              <a:latin typeface="Arial" panose="020B0604020202020204" pitchFamily="34" charset="0"/>
+              <a:cs typeface="Arial" panose="020B0604020202020204" pitchFamily="34" charset="0"/>
+            </a:endParaRPr>
+          </a:p>
+        </p:txBody>
+      </p:sp>
+      <p:pic>
+        <p:nvPicPr>
+          <p:cNvPr id="19" name="Picture 18">
+            <a:extLst>
+              <a:ext uri="{FF2B5EF4-FFF2-40B4-BE49-F238E27FC236}">
+                <a16:creationId xmlns:a16="http://schemas.microsoft.com/office/drawing/2014/main" id="{5F72707B-A9E8-5B86-4D06-EE1E2F5C7C53}"/>
+              </a:ext>
+            </a:extLst>
+          </p:cNvPr>
+          <p:cNvPicPr>
+            <a:picLocks noChangeAspect="1"/>
+          </p:cNvPicPr>
+          <p:nvPr/>
+        </p:nvPicPr>
+        <p:blipFill>
+          <a:blip r:embed="rId2"/>
+          <a:stretch>
+            <a:fillRect/>
+          </a:stretch>
+        </p:blipFill>
+        <p:spPr>
+          <a:xfrm>
+            <a:off x="5547282" y="1158684"/>
+            <a:ext cx="548718" cy="516440"/>
+          </a:xfrm>
+          <a:prstGeom prst="rect">
+            <a:avLst/>
+          </a:prstGeom>
+        </p:spPr>
+      </p:pic>
+      <p:pic>
+        <p:nvPicPr>
+          <p:cNvPr id="12" name="Content Placeholder 11">
+            <a:extLst>
+              <a:ext uri="{FF2B5EF4-FFF2-40B4-BE49-F238E27FC236}">
+                <a16:creationId xmlns:a16="http://schemas.microsoft.com/office/drawing/2014/main" id="{F706220C-EBB4-BE11-A8B9-908F25FCD649}"/>
+              </a:ext>
+            </a:extLst>
+          </p:cNvPr>
+          <p:cNvPicPr>
+            <a:picLocks noGrp="1" noChangeAspect="1"/>
+          </p:cNvPicPr>
+          <p:nvPr>
+            <p:ph idx="1"/>
+          </p:nvPr>
+        </p:nvPicPr>
+        <p:blipFill>
+          <a:blip r:embed="rId3"/>
+          <a:stretch>
+            <a:fillRect/>
+          </a:stretch>
+        </p:blipFill>
+        <p:spPr>
+          <a:xfrm>
+            <a:off x="838200" y="1740373"/>
+            <a:ext cx="5204024" cy="4351338"/>
+          </a:xfrm>
+        </p:spPr>
+      </p:pic>
+      <p:pic>
+        <p:nvPicPr>
+          <p:cNvPr id="14" name="Picture 13">
+            <a:extLst>
+              <a:ext uri="{FF2B5EF4-FFF2-40B4-BE49-F238E27FC236}">
+                <a16:creationId xmlns:a16="http://schemas.microsoft.com/office/drawing/2014/main" id="{8EFAD26E-7710-6DA4-E6D9-75A6BD4BB889}"/>
+              </a:ext>
+            </a:extLst>
+          </p:cNvPr>
+          <p:cNvPicPr>
+            <a:picLocks noChangeAspect="1"/>
+          </p:cNvPicPr>
+          <p:nvPr/>
+        </p:nvPicPr>
+        <p:blipFill>
+          <a:blip r:embed="rId4"/>
+          <a:stretch>
+            <a:fillRect/>
+          </a:stretch>
+        </p:blipFill>
+        <p:spPr>
+          <a:xfrm>
+            <a:off x="6710515" y="1787514"/>
+            <a:ext cx="4483511" cy="4915040"/>
+          </a:xfrm>
+          <a:prstGeom prst="rect">
+            <a:avLst/>
+          </a:prstGeom>
+        </p:spPr>
+      </p:pic>
+    </p:spTree>
+    <p:extLst>
+      <p:ext uri="{BB962C8B-B14F-4D97-AF65-F5344CB8AC3E}">
+        <p14:creationId xmlns:p14="http://schemas.microsoft.com/office/powerpoint/2010/main" val="1767601383"/>
+      </p:ext>
+    </p:extLst>
+  </p:cSld>
+  <p:clrMapOvr>
+    <a:masterClrMapping/>
+  </p:clrMapOvr>
+</p:sld>
+</file>
+
+<file path=ppt/slides/slide13.xml><?xml version="1.0" encoding="utf-8"?>
+<p:sld xmlns:a="http://schemas.openxmlformats.org/drawingml/2006/main" xmlns:r="http://schemas.openxmlformats.org/officeDocument/2006/relationships" xmlns:p="http://schemas.openxmlformats.org/presentationml/2006/main">
+  <p:cSld>
+    <p:bg>
+      <p:bgPr>
+        <a:solidFill>
+          <a:schemeClr val="bg1"/>
+        </a:solidFill>
+        <a:effectLst/>
+      </p:bgPr>
+    </p:bg>
+    <p:spTree>
+      <p:nvGrpSpPr>
+        <p:cNvPr id="1" name=""/>
+        <p:cNvGrpSpPr/>
+        <p:nvPr/>
+      </p:nvGrpSpPr>
+      <p:grpSpPr>
+        <a:xfrm>
+          <a:off x="0" y="0"/>
+          <a:ext cx="0" cy="0"/>
+          <a:chOff x="0" y="0"/>
+          <a:chExt cx="0" cy="0"/>
+        </a:xfrm>
+      </p:grpSpPr>
       <p:sp useBgFill="1">
         <p:nvSpPr>
           <p:cNvPr id="12" name="Rectangle 11">
@@ -4242,7 +5874,7 @@
         <p:spPr>
           <a:xfrm>
             <a:off x="1136397" y="502020"/>
-            <a:ext cx="5323715" cy="1150934"/>
+            <a:ext cx="5323715" cy="1642970"/>
           </a:xfrm>
         </p:spPr>
         <p:txBody>
@@ -4284,8 +5916,8 @@
         </p:nvSpPr>
         <p:spPr>
           <a:xfrm>
-            <a:off x="1144923" y="2154974"/>
-            <a:ext cx="6521210" cy="4201006"/>
+            <a:off x="1144923" y="2405894"/>
+            <a:ext cx="5315189" cy="3535083"/>
           </a:xfrm>
           <a:prstGeom prst="rect">
             <a:avLst/>
@@ -4293,7 +5925,7 @@
         </p:spPr>
         <p:txBody>
           <a:bodyPr vert="horz" lIns="91440" tIns="45720" rIns="91440" bIns="45720" rtlCol="0" anchor="t">
-            <a:normAutofit lnSpcReduction="10000"/>
+            <a:normAutofit fontScale="92500" lnSpcReduction="10000"/>
           </a:bodyPr>
           <a:lstStyle>
             <a:lvl1pPr marL="228600" indent="-228600" algn="l" defTabSz="914400" rtl="0" eaLnBrk="1" latinLnBrk="0" hangingPunct="1">
@@ -4462,82 +6094,62 @@
           <a:p>
             <a:r>
               <a:rPr lang="en-GB" dirty="0">
+                <a:solidFill>
+                  <a:srgbClr val="000000"/>
+                </a:solidFill>
+                <a:effectLst/>
                 <a:latin typeface="Arial" panose="020B0604020202020204" pitchFamily="34" charset="0"/>
                 <a:cs typeface="Arial" panose="020B0604020202020204" pitchFamily="34" charset="0"/>
               </a:rPr>
-              <a:t>Transformed project from Python to R</a:t>
+              <a:t>Added library verification as dependency and fixed versions of libraries</a:t>
             </a:r>
           </a:p>
           <a:p>
             <a:r>
-              <a:rPr lang="en-PL" dirty="0">
+              <a:rPr lang="en-GB" dirty="0">
+                <a:solidFill>
+                  <a:srgbClr val="000000"/>
+                </a:solidFill>
                 <a:latin typeface="Arial" panose="020B0604020202020204" pitchFamily="34" charset="0"/>
                 <a:cs typeface="Arial" panose="020B0604020202020204" pitchFamily="34" charset="0"/>
               </a:rPr>
-              <a:t>Trained model on complete dataset instead of 5%</a:t>
+              <a:t>E</a:t>
             </a:r>
-            <a:endParaRPr lang="en-GB" dirty="0">
-              <a:latin typeface="Arial" panose="020B0604020202020204" pitchFamily="34" charset="0"/>
-              <a:cs typeface="Arial" panose="020B0604020202020204" pitchFamily="34" charset="0"/>
-            </a:endParaRPr>
-          </a:p>
-          <a:p>
             <a:r>
               <a:rPr lang="en-GB" dirty="0">
+                <a:solidFill>
+                  <a:srgbClr val="000000"/>
+                </a:solidFill>
+                <a:effectLst/>
                 <a:latin typeface="Arial" panose="020B0604020202020204" pitchFamily="34" charset="0"/>
                 <a:cs typeface="Arial" panose="020B0604020202020204" pitchFamily="34" charset="0"/>
               </a:rPr>
-              <a:t>Additional Exploratory Analysis</a:t>
+              <a:t>nsured data is loaded from UCI repo (original site where dataset was uploaded) instead of Kaggle</a:t>
             </a:r>
-            <a:endParaRPr lang="en-PL" dirty="0">
-              <a:latin typeface="Arial" panose="020B0604020202020204" pitchFamily="34" charset="0"/>
-              <a:cs typeface="Arial" panose="020B0604020202020204" pitchFamily="34" charset="0"/>
-            </a:endParaRPr>
           </a:p>
           <a:p>
             <a:r>
-              <a:rPr lang="en-PL" dirty="0">
+              <a:rPr lang="en-GB" dirty="0">
+                <a:solidFill>
+                  <a:srgbClr val="000000"/>
+                </a:solidFill>
+                <a:effectLst/>
                 <a:latin typeface="Arial" panose="020B0604020202020204" pitchFamily="34" charset="0"/>
                 <a:cs typeface="Arial" panose="020B0604020202020204" pitchFamily="34" charset="0"/>
               </a:rPr>
-              <a:t>Fixed the error of balancing </a:t>
+              <a:t>Fixed the seed</a:t>
             </a:r>
+          </a:p>
+          <a:p>
             <a:r>
-              <a:rPr lang="en-GB" dirty="0">
+              <a:rPr lang="en-PL" dirty="0">
+                <a:solidFill>
+                  <a:srgbClr val="000000"/>
+                </a:solidFill>
                 <a:latin typeface="Arial" panose="020B0604020202020204" pitchFamily="34" charset="0"/>
                 <a:cs typeface="Arial" panose="020B0604020202020204" pitchFamily="34" charset="0"/>
               </a:rPr>
-              <a:t>the </a:t>
-            </a:r>
-            <a:r>
-              <a:rPr lang="en-PL" dirty="0">
-                <a:latin typeface="Arial" panose="020B0604020202020204" pitchFamily="34" charset="0"/>
-                <a:cs typeface="Arial" panose="020B0604020202020204" pitchFamily="34" charset="0"/>
-              </a:rPr>
-              <a:t>test dataset. Now only train data is balanced, </a:t>
-            </a:r>
-            <a:r>
-              <a:rPr lang="en-GB" dirty="0">
-                <a:latin typeface="Arial" panose="020B0604020202020204" pitchFamily="34" charset="0"/>
-                <a:cs typeface="Arial" panose="020B0604020202020204" pitchFamily="34" charset="0"/>
-              </a:rPr>
-              <a:t>and </a:t>
-            </a:r>
-            <a:r>
-              <a:rPr lang="en-PL" dirty="0">
-                <a:latin typeface="Arial" panose="020B0604020202020204" pitchFamily="34" charset="0"/>
-                <a:cs typeface="Arial" panose="020B0604020202020204" pitchFamily="34" charset="0"/>
-              </a:rPr>
-              <a:t>test data follows the distribution of the original dataset.</a:t>
-            </a:r>
-          </a:p>
-          <a:p>
-            <a:r>
-              <a:rPr lang="en-PL" dirty="0">
-                <a:latin typeface="Arial" panose="020B0604020202020204" pitchFamily="34" charset="0"/>
-                <a:cs typeface="Arial" panose="020B0604020202020204" pitchFamily="34" charset="0"/>
-              </a:rPr>
-              <a:t>Implemented Gradient Boosting machine learning model</a:t>
+              <a:t>Implemented code comments to provide code narration</a:t>
             </a:r>
           </a:p>
         </p:txBody>
@@ -4961,7 +6573,7 @@
     </p:spTree>
     <p:extLst>
       <p:ext uri="{BB962C8B-B14F-4D97-AF65-F5344CB8AC3E}">
-        <p14:creationId xmlns:p14="http://schemas.microsoft.com/office/powerpoint/2010/main" val="3951114197"/>
+        <p14:creationId xmlns:p14="http://schemas.microsoft.com/office/powerpoint/2010/main" val="1598610406"/>
       </p:ext>
     </p:extLst>
   </p:cSld>
@@ -4971,87 +6583,7 @@
 </p:sld>
 </file>
 
-<file path=ppt/slides/slide11.xml><?xml version="1.0" encoding="utf-8"?>
-<p:sld xmlns:a="http://schemas.openxmlformats.org/drawingml/2006/main" xmlns:r="http://schemas.openxmlformats.org/officeDocument/2006/relationships" xmlns:p="http://schemas.openxmlformats.org/presentationml/2006/main">
-  <p:cSld>
-    <p:spTree>
-      <p:nvGrpSpPr>
-        <p:cNvPr id="1" name=""/>
-        <p:cNvGrpSpPr/>
-        <p:nvPr/>
-      </p:nvGrpSpPr>
-      <p:grpSpPr>
-        <a:xfrm>
-          <a:off x="0" y="0"/>
-          <a:ext cx="0" cy="0"/>
-          <a:chOff x="0" y="0"/>
-          <a:chExt cx="0" cy="0"/>
-        </a:xfrm>
-      </p:grpSpPr>
-      <p:sp>
-        <p:nvSpPr>
-          <p:cNvPr id="2" name="Title 1">
-            <a:extLst>
-              <a:ext uri="{FF2B5EF4-FFF2-40B4-BE49-F238E27FC236}">
-                <a16:creationId xmlns:a16="http://schemas.microsoft.com/office/drawing/2014/main" id="{B27F482F-AAAA-073F-D0FF-2AFEE2238D3D}"/>
-              </a:ext>
-            </a:extLst>
-          </p:cNvPr>
-          <p:cNvSpPr>
-            <a:spLocks noGrp="1"/>
-          </p:cNvSpPr>
-          <p:nvPr>
-            <p:ph type="title"/>
-          </p:nvPr>
-        </p:nvSpPr>
-        <p:spPr/>
-        <p:txBody>
-          <a:bodyPr/>
-          <a:lstStyle/>
-          <a:p>
-            <a:endParaRPr lang="en-GB"/>
-          </a:p>
-        </p:txBody>
-      </p:sp>
-      <p:sp>
-        <p:nvSpPr>
-          <p:cNvPr id="3" name="Content Placeholder 2">
-            <a:extLst>
-              <a:ext uri="{FF2B5EF4-FFF2-40B4-BE49-F238E27FC236}">
-                <a16:creationId xmlns:a16="http://schemas.microsoft.com/office/drawing/2014/main" id="{29F0A6FA-FDE7-BFBD-0CB8-4BD69EC8F40F}"/>
-              </a:ext>
-            </a:extLst>
-          </p:cNvPr>
-          <p:cNvSpPr>
-            <a:spLocks noGrp="1"/>
-          </p:cNvSpPr>
-          <p:nvPr>
-            <p:ph idx="1"/>
-          </p:nvPr>
-        </p:nvSpPr>
-        <p:spPr/>
-        <p:txBody>
-          <a:bodyPr/>
-          <a:lstStyle/>
-          <a:p>
-            <a:endParaRPr lang="en-GB"/>
-          </a:p>
-        </p:txBody>
-      </p:sp>
-    </p:spTree>
-    <p:extLst>
-      <p:ext uri="{BB962C8B-B14F-4D97-AF65-F5344CB8AC3E}">
-        <p14:creationId xmlns:p14="http://schemas.microsoft.com/office/powerpoint/2010/main" val="1819340949"/>
-      </p:ext>
-    </p:extLst>
-  </p:cSld>
-  <p:clrMapOvr>
-    <a:masterClrMapping/>
-  </p:clrMapOvr>
-</p:sld>
-</file>
-
-<file path=ppt/slides/slide12.xml><?xml version="1.0" encoding="utf-8"?>
+<file path=ppt/slides/slide14.xml><?xml version="1.0" encoding="utf-8"?>
 <p:sld xmlns:a="http://schemas.openxmlformats.org/drawingml/2006/main" xmlns:r="http://schemas.openxmlformats.org/officeDocument/2006/relationships" xmlns:p="http://schemas.openxmlformats.org/presentationml/2006/main">
   <p:cSld>
     <p:bg>
@@ -5200,7 +6732,7 @@
         <p:spPr>
           <a:xfrm>
             <a:off x="1136397" y="502020"/>
-            <a:ext cx="5323715" cy="1642970"/>
+            <a:ext cx="5323715" cy="1150934"/>
           </a:xfrm>
         </p:spPr>
         <p:txBody>
@@ -5242,8 +6774,8 @@
         </p:nvSpPr>
         <p:spPr>
           <a:xfrm>
-            <a:off x="1144923" y="2405894"/>
-            <a:ext cx="5315189" cy="3535083"/>
+            <a:off x="1144923" y="2154974"/>
+            <a:ext cx="6521210" cy="4201006"/>
           </a:xfrm>
           <a:prstGeom prst="rect">
             <a:avLst/>
@@ -5251,7 +6783,7 @@
         </p:spPr>
         <p:txBody>
           <a:bodyPr vert="horz" lIns="91440" tIns="45720" rIns="91440" bIns="45720" rtlCol="0" anchor="t">
-            <a:normAutofit fontScale="92500" lnSpcReduction="10000"/>
+            <a:normAutofit lnSpcReduction="10000"/>
           </a:bodyPr>
           <a:lstStyle>
             <a:lvl1pPr marL="228600" indent="-228600" algn="l" defTabSz="914400" rtl="0" eaLnBrk="1" latinLnBrk="0" hangingPunct="1">
@@ -5420,62 +6952,82 @@
           <a:p>
             <a:r>
               <a:rPr lang="en-GB" dirty="0">
-                <a:solidFill>
-                  <a:srgbClr val="000000"/>
-                </a:solidFill>
-                <a:effectLst/>
                 <a:latin typeface="Arial" panose="020B0604020202020204" pitchFamily="34" charset="0"/>
                 <a:cs typeface="Arial" panose="020B0604020202020204" pitchFamily="34" charset="0"/>
               </a:rPr>
-              <a:t>Added library verification as dependency and fixed versions of libraries</a:t>
+              <a:t>Transformed project from Python to R</a:t>
             </a:r>
           </a:p>
           <a:p>
             <a:r>
-              <a:rPr lang="en-GB" dirty="0">
-                <a:solidFill>
-                  <a:srgbClr val="000000"/>
-                </a:solidFill>
+              <a:rPr lang="en-PL" dirty="0">
                 <a:latin typeface="Arial" panose="020B0604020202020204" pitchFamily="34" charset="0"/>
                 <a:cs typeface="Arial" panose="020B0604020202020204" pitchFamily="34" charset="0"/>
               </a:rPr>
-              <a:t>E</a:t>
+              <a:t>Trained model on complete dataset instead of 5%</a:t>
+            </a:r>
+            <a:endParaRPr lang="en-GB" dirty="0">
+              <a:latin typeface="Arial" panose="020B0604020202020204" pitchFamily="34" charset="0"/>
+              <a:cs typeface="Arial" panose="020B0604020202020204" pitchFamily="34" charset="0"/>
+            </a:endParaRPr>
+          </a:p>
+          <a:p>
+            <a:r>
+              <a:rPr lang="en-GB" dirty="0">
+                <a:latin typeface="Arial" panose="020B0604020202020204" pitchFamily="34" charset="0"/>
+                <a:cs typeface="Arial" panose="020B0604020202020204" pitchFamily="34" charset="0"/>
+              </a:rPr>
+              <a:t>Additional Exploratory Analysis</a:t>
+            </a:r>
+            <a:endParaRPr lang="en-PL" dirty="0">
+              <a:latin typeface="Arial" panose="020B0604020202020204" pitchFamily="34" charset="0"/>
+              <a:cs typeface="Arial" panose="020B0604020202020204" pitchFamily="34" charset="0"/>
+            </a:endParaRPr>
+          </a:p>
+          <a:p>
+            <a:r>
+              <a:rPr lang="en-PL" dirty="0">
+                <a:latin typeface="Arial" panose="020B0604020202020204" pitchFamily="34" charset="0"/>
+                <a:cs typeface="Arial" panose="020B0604020202020204" pitchFamily="34" charset="0"/>
+              </a:rPr>
+              <a:t>Fixed the error of balancing </a:t>
             </a:r>
             <a:r>
               <a:rPr lang="en-GB" dirty="0">
-                <a:solidFill>
-                  <a:srgbClr val="000000"/>
-                </a:solidFill>
-                <a:effectLst/>
                 <a:latin typeface="Arial" panose="020B0604020202020204" pitchFamily="34" charset="0"/>
                 <a:cs typeface="Arial" panose="020B0604020202020204" pitchFamily="34" charset="0"/>
               </a:rPr>
-              <a:t>nsured data is loaded from UCI repo (original site where dataset was uploaded) instead of Kaggle</a:t>
+              <a:t>the </a:t>
             </a:r>
-          </a:p>
-          <a:p>
             <a:r>
-              <a:rPr lang="en-GB" dirty="0">
-                <a:solidFill>
-                  <a:srgbClr val="000000"/>
-                </a:solidFill>
-                <a:effectLst/>
+              <a:rPr lang="en-PL" dirty="0">
                 <a:latin typeface="Arial" panose="020B0604020202020204" pitchFamily="34" charset="0"/>
                 <a:cs typeface="Arial" panose="020B0604020202020204" pitchFamily="34" charset="0"/>
               </a:rPr>
-              <a:t>Fixed the seed</a:t>
+              <a:t>test dataset. Now only train data is balanced, </a:t>
             </a:r>
-          </a:p>
-          <a:p>
             <a:r>
-              <a:rPr lang="en-PL" dirty="0">
-                <a:solidFill>
-                  <a:srgbClr val="000000"/>
-                </a:solidFill>
+              <a:rPr lang="en-GB" dirty="0">
                 <a:latin typeface="Arial" panose="020B0604020202020204" pitchFamily="34" charset="0"/>
                 <a:cs typeface="Arial" panose="020B0604020202020204" pitchFamily="34" charset="0"/>
               </a:rPr>
-              <a:t>Implemented code comments to provide code narration</a:t>
+              <a:t>and </a:t>
+            </a:r>
+            <a:r>
+              <a:rPr lang="en-PL" dirty="0">
+                <a:latin typeface="Arial" panose="020B0604020202020204" pitchFamily="34" charset="0"/>
+                <a:cs typeface="Arial" panose="020B0604020202020204" pitchFamily="34" charset="0"/>
+              </a:rPr>
+              <a:t>test data follows the distribution of the original dataset.</a:t>
+            </a:r>
+          </a:p>
+          <a:p>
+            <a:r>
+              <a:rPr lang="en-PL" dirty="0">
+                <a:latin typeface="Arial" panose="020B0604020202020204" pitchFamily="34" charset="0"/>
+                <a:cs typeface="Arial" panose="020B0604020202020204" pitchFamily="34" charset="0"/>
+              </a:rPr>
+              <a:t>Implemented Gradient Boosting machine learning model</a:t>
             </a:r>
           </a:p>
         </p:txBody>
@@ -5899,7 +7451,7 @@
     </p:spTree>
     <p:extLst>
       <p:ext uri="{BB962C8B-B14F-4D97-AF65-F5344CB8AC3E}">
-        <p14:creationId xmlns:p14="http://schemas.microsoft.com/office/powerpoint/2010/main" val="1598610406"/>
+        <p14:creationId xmlns:p14="http://schemas.microsoft.com/office/powerpoint/2010/main" val="3951114197"/>
       </p:ext>
     </p:extLst>
   </p:cSld>
@@ -5909,7 +7461,7 @@
 </p:sld>
 </file>
 
-<file path=ppt/slides/slide13.xml><?xml version="1.0" encoding="utf-8"?>
+<file path=ppt/slides/slide15.xml><?xml version="1.0" encoding="utf-8"?>
 <p:sld xmlns:a="http://schemas.openxmlformats.org/drawingml/2006/main" xmlns:r="http://schemas.openxmlformats.org/officeDocument/2006/relationships" xmlns:p="http://schemas.openxmlformats.org/presentationml/2006/main">
   <p:cSld>
     <p:bg>
@@ -6068,11 +7620,14 @@
           <a:lstStyle/>
           <a:p>
             <a:r>
-              <a:rPr lang="en-PL" sz="4000" dirty="0">
+              <a:rPr lang="en-GB" sz="4000" kern="1200" dirty="0">
+                <a:solidFill>
+                  <a:schemeClr val="tx1"/>
+                </a:solidFill>
                 <a:latin typeface="Arial" panose="020B0604020202020204" pitchFamily="34" charset="0"/>
                 <a:cs typeface="Arial" panose="020B0604020202020204" pitchFamily="34" charset="0"/>
               </a:rPr>
-              <a:t>Results</a:t>
+              <a:t>Conclusion</a:t>
             </a:r>
             <a:endParaRPr lang="en-US" sz="4000" kern="1200" dirty="0">
               <a:solidFill>
@@ -6276,9 +7831,6 @@
             </a:lvl9pPr>
           </a:lstStyle>
           <a:p>
-            <a:pPr marL="0" indent="0">
-              <a:buNone/>
-            </a:pPr>
             <a:r>
               <a:rPr lang="en-GB" sz="2600" dirty="0">
                 <a:solidFill>
@@ -6287,7 +7839,19 @@
                 <a:latin typeface="Arial" panose="020B0604020202020204" pitchFamily="34" charset="0"/>
                 <a:cs typeface="Arial" panose="020B0604020202020204" pitchFamily="34" charset="0"/>
               </a:rPr>
-              <a:t>We did manage to reproduce the project in different code language, however we achieved different results. Difference results from original author not fixing seed used by machine learning functions.</a:t>
+              <a:t>We did manage to reproduce the project in different code languages, however we achieved different results. </a:t>
+            </a:r>
+          </a:p>
+          <a:p>
+            <a:r>
+              <a:rPr lang="en-GB" sz="2600" dirty="0">
+                <a:solidFill>
+                  <a:srgbClr val="000000"/>
+                </a:solidFill>
+                <a:latin typeface="Arial" panose="020B0604020202020204" pitchFamily="34" charset="0"/>
+                <a:cs typeface="Arial" panose="020B0604020202020204" pitchFamily="34" charset="0"/>
+              </a:rPr>
+              <a:t>Difference results from original author not fixing seed used by machine learning functions.</a:t>
             </a:r>
             <a:endParaRPr lang="en-GB" sz="2600" dirty="0">
               <a:solidFill>
@@ -6933,7 +8497,7 @@
 </p:sld>
 </file>
 
-<file path=ppt/slides/slide14.xml><?xml version="1.0" encoding="utf-8"?>
+<file path=ppt/slides/slide16.xml><?xml version="1.0" encoding="utf-8"?>
 <p:sld xmlns:a="http://schemas.openxmlformats.org/drawingml/2006/main" xmlns:r="http://schemas.openxmlformats.org/officeDocument/2006/relationships" xmlns:p="http://schemas.openxmlformats.org/presentationml/2006/main">
   <p:cSld>
     <p:bg>
@@ -7331,10 +8895,25 @@
                 <a:latin typeface="Arial" panose="020B0604020202020204" pitchFamily="34" charset="0"/>
                 <a:cs typeface="Arial" panose="020B0604020202020204" pitchFamily="34" charset="0"/>
               </a:rPr>
-              <a:t>We did use chat GPT 3.5, 4.0 and 4.0omega, Microsoft </a:t>
+              <a:t>We used use following AI tools while building our project:</a:t>
+            </a:r>
+          </a:p>
+          <a:p>
+            <a:pPr>
+              <a:defRPr/>
+            </a:pPr>
+            <a:r>
+              <a:rPr lang="en-GB" sz="2600" dirty="0">
+                <a:solidFill>
+                  <a:srgbClr val="000000"/>
+                </a:solidFill>
+                <a:latin typeface="Arial" panose="020B0604020202020204" pitchFamily="34" charset="0"/>
+                <a:cs typeface="Arial" panose="020B0604020202020204" pitchFamily="34" charset="0"/>
+              </a:rPr>
+              <a:t>C</a:t>
             </a:r>
             <a:r>
-              <a:rPr kumimoji="0" lang="en-GB" sz="2600" b="0" i="0" u="none" strike="noStrike" kern="1200" cap="none" spc="0" normalizeH="0" baseline="0" noProof="0" dirty="0" err="1">
+              <a:rPr kumimoji="0" lang="en-GB" sz="2600" b="0" i="0" u="none" strike="noStrike" kern="1200" cap="none" spc="0" normalizeH="0" baseline="0" noProof="0" dirty="0">
                 <a:ln>
                   <a:noFill/>
                 </a:ln>
@@ -7347,8 +8926,13 @@
                 <a:latin typeface="Arial" panose="020B0604020202020204" pitchFamily="34" charset="0"/>
                 <a:cs typeface="Arial" panose="020B0604020202020204" pitchFamily="34" charset="0"/>
               </a:rPr>
-              <a:t>Copilot</a:t>
+              <a:t>hat GPT 4.0 and 4.0 omni</a:t>
             </a:r>
+          </a:p>
+          <a:p>
+            <a:pPr>
+              <a:defRPr/>
+            </a:pPr>
             <a:r>
               <a:rPr kumimoji="0" lang="en-GB" sz="2600" b="0" i="0" u="none" strike="noStrike" kern="1200" cap="none" spc="0" normalizeH="0" baseline="0" noProof="0" dirty="0">
                 <a:ln>
@@ -7363,7 +8947,7 @@
                 <a:latin typeface="Arial" panose="020B0604020202020204" pitchFamily="34" charset="0"/>
                 <a:cs typeface="Arial" panose="020B0604020202020204" pitchFamily="34" charset="0"/>
               </a:rPr>
-              <a:t> for code errors resolution.</a:t>
+              <a:t>Microsoft Copilot for code error resolution.</a:t>
             </a:r>
           </a:p>
         </p:txBody>
@@ -8023,7 +9607,7 @@
 </p:sld>
 </file>
 
-<file path=ppt/slides/slide15.xml><?xml version="1.0" encoding="utf-8"?>
+<file path=ppt/slides/slide17.xml><?xml version="1.0" encoding="utf-8"?>
 <p:sld xmlns:a="http://schemas.openxmlformats.org/drawingml/2006/main" xmlns:r="http://schemas.openxmlformats.org/officeDocument/2006/relationships" xmlns:p="http://schemas.openxmlformats.org/presentationml/2006/main">
   <p:cSld>
     <p:bg>

--- a/Slides/RR_project_slides.pptx
+++ b/Slides/RR_project_slides.pptx
@@ -141,10 +141,33 @@
   <pc:docChgLst>
     <pc:chgData name="Tarlan Aghayev" userId="da6ce445de4c2ee1" providerId="LiveId" clId="{5799D50A-D4BB-40C1-8A0D-C9E3F87D0362}"/>
     <pc:docChg chg="undo custSel addSld delSld modSld sldOrd">
-      <pc:chgData name="Tarlan Aghayev" userId="da6ce445de4c2ee1" providerId="LiveId" clId="{5799D50A-D4BB-40C1-8A0D-C9E3F87D0362}" dt="2024-06-11T20:43:16.909" v="867" actId="12"/>
+      <pc:chgData name="Tarlan Aghayev" userId="da6ce445de4c2ee1" providerId="LiveId" clId="{5799D50A-D4BB-40C1-8A0D-C9E3F87D0362}" dt="2024-06-12T06:18:42.757" v="982" actId="27636"/>
       <pc:docMkLst>
         <pc:docMk/>
       </pc:docMkLst>
+      <pc:sldChg chg="modSp mod">
+        <pc:chgData name="Tarlan Aghayev" userId="da6ce445de4c2ee1" providerId="LiveId" clId="{5799D50A-D4BB-40C1-8A0D-C9E3F87D0362}" dt="2024-06-12T06:18:42.757" v="982" actId="27636"/>
+        <pc:sldMkLst>
+          <pc:docMk/>
+          <pc:sldMk cId="3919622244" sldId="257"/>
+        </pc:sldMkLst>
+        <pc:spChg chg="mod">
+          <ac:chgData name="Tarlan Aghayev" userId="da6ce445de4c2ee1" providerId="LiveId" clId="{5799D50A-D4BB-40C1-8A0D-C9E3F87D0362}" dt="2024-06-12T06:18:40.039" v="980" actId="14100"/>
+          <ac:spMkLst>
+            <pc:docMk/>
+            <pc:sldMk cId="3919622244" sldId="257"/>
+            <ac:spMk id="2" creationId="{32C432B7-0A6C-2C12-77FA-7B714600B30E}"/>
+          </ac:spMkLst>
+        </pc:spChg>
+        <pc:spChg chg="mod">
+          <ac:chgData name="Tarlan Aghayev" userId="da6ce445de4c2ee1" providerId="LiveId" clId="{5799D50A-D4BB-40C1-8A0D-C9E3F87D0362}" dt="2024-06-12T06:18:42.757" v="982" actId="27636"/>
+          <ac:spMkLst>
+            <pc:docMk/>
+            <pc:sldMk cId="3919622244" sldId="257"/>
+            <ac:spMk id="7" creationId="{6E2D6785-3FC0-5B4B-8F43-4406AD91B4D7}"/>
+          </ac:spMkLst>
+        </pc:spChg>
+      </pc:sldChg>
       <pc:sldChg chg="modSp mod ord">
         <pc:chgData name="Tarlan Aghayev" userId="da6ce445de4c2ee1" providerId="LiveId" clId="{5799D50A-D4BB-40C1-8A0D-C9E3F87D0362}" dt="2024-06-11T20:43:16.909" v="867" actId="12"/>
         <pc:sldMkLst>
@@ -199,13 +222,13 @@
         </pc:spChg>
       </pc:sldChg>
       <pc:sldChg chg="modSp mod">
-        <pc:chgData name="Tarlan Aghayev" userId="da6ce445de4c2ee1" providerId="LiveId" clId="{5799D50A-D4BB-40C1-8A0D-C9E3F87D0362}" dt="2024-06-11T20:42:52.944" v="865" actId="20577"/>
+        <pc:chgData name="Tarlan Aghayev" userId="da6ce445de4c2ee1" providerId="LiveId" clId="{5799D50A-D4BB-40C1-8A0D-C9E3F87D0362}" dt="2024-06-12T05:14:42.811" v="874" actId="20577"/>
         <pc:sldMkLst>
           <pc:docMk/>
           <pc:sldMk cId="2456523026" sldId="266"/>
         </pc:sldMkLst>
         <pc:spChg chg="mod">
-          <ac:chgData name="Tarlan Aghayev" userId="da6ce445de4c2ee1" providerId="LiveId" clId="{5799D50A-D4BB-40C1-8A0D-C9E3F87D0362}" dt="2024-06-11T20:42:52.944" v="865" actId="20577"/>
+          <ac:chgData name="Tarlan Aghayev" userId="da6ce445de4c2ee1" providerId="LiveId" clId="{5799D50A-D4BB-40C1-8A0D-C9E3F87D0362}" dt="2024-06-12T05:14:42.811" v="874" actId="20577"/>
           <ac:spMkLst>
             <pc:docMk/>
             <pc:sldMk cId="2456523026" sldId="266"/>
@@ -1179,7 +1202,7 @@
           <a:p>
             <a:fld id="{8FE51000-7EF1-AF44-AAD8-9F8A57785F9C}" type="datetimeFigureOut">
               <a:rPr lang="en-PL" smtClean="0"/>
-              <a:t>06/11/2024</a:t>
+              <a:t>06/12/2024</a:t>
             </a:fld>
             <a:endParaRPr lang="en-PL"/>
           </a:p>
@@ -1379,7 +1402,7 @@
           <a:p>
             <a:fld id="{8FE51000-7EF1-AF44-AAD8-9F8A57785F9C}" type="datetimeFigureOut">
               <a:rPr lang="en-PL" smtClean="0"/>
-              <a:t>06/11/2024</a:t>
+              <a:t>06/12/2024</a:t>
             </a:fld>
             <a:endParaRPr lang="en-PL"/>
           </a:p>
@@ -1589,7 +1612,7 @@
           <a:p>
             <a:fld id="{8FE51000-7EF1-AF44-AAD8-9F8A57785F9C}" type="datetimeFigureOut">
               <a:rPr lang="en-PL" smtClean="0"/>
-              <a:t>06/11/2024</a:t>
+              <a:t>06/12/2024</a:t>
             </a:fld>
             <a:endParaRPr lang="en-PL"/>
           </a:p>
@@ -1789,7 +1812,7 @@
           <a:p>
             <a:fld id="{8FE51000-7EF1-AF44-AAD8-9F8A57785F9C}" type="datetimeFigureOut">
               <a:rPr lang="en-PL" smtClean="0"/>
-              <a:t>06/11/2024</a:t>
+              <a:t>06/12/2024</a:t>
             </a:fld>
             <a:endParaRPr lang="en-PL"/>
           </a:p>
@@ -2065,7 +2088,7 @@
           <a:p>
             <a:fld id="{8FE51000-7EF1-AF44-AAD8-9F8A57785F9C}" type="datetimeFigureOut">
               <a:rPr lang="en-PL" smtClean="0"/>
-              <a:t>06/11/2024</a:t>
+              <a:t>06/12/2024</a:t>
             </a:fld>
             <a:endParaRPr lang="en-PL"/>
           </a:p>
@@ -2333,7 +2356,7 @@
           <a:p>
             <a:fld id="{8FE51000-7EF1-AF44-AAD8-9F8A57785F9C}" type="datetimeFigureOut">
               <a:rPr lang="en-PL" smtClean="0"/>
-              <a:t>06/11/2024</a:t>
+              <a:t>06/12/2024</a:t>
             </a:fld>
             <a:endParaRPr lang="en-PL"/>
           </a:p>
@@ -2748,7 +2771,7 @@
           <a:p>
             <a:fld id="{8FE51000-7EF1-AF44-AAD8-9F8A57785F9C}" type="datetimeFigureOut">
               <a:rPr lang="en-PL" smtClean="0"/>
-              <a:t>06/11/2024</a:t>
+              <a:t>06/12/2024</a:t>
             </a:fld>
             <a:endParaRPr lang="en-PL"/>
           </a:p>
@@ -2890,7 +2913,7 @@
           <a:p>
             <a:fld id="{8FE51000-7EF1-AF44-AAD8-9F8A57785F9C}" type="datetimeFigureOut">
               <a:rPr lang="en-PL" smtClean="0"/>
-              <a:t>06/11/2024</a:t>
+              <a:t>06/12/2024</a:t>
             </a:fld>
             <a:endParaRPr lang="en-PL"/>
           </a:p>
@@ -3003,7 +3026,7 @@
           <a:p>
             <a:fld id="{8FE51000-7EF1-AF44-AAD8-9F8A57785F9C}" type="datetimeFigureOut">
               <a:rPr lang="en-PL" smtClean="0"/>
-              <a:t>06/11/2024</a:t>
+              <a:t>06/12/2024</a:t>
             </a:fld>
             <a:endParaRPr lang="en-PL"/>
           </a:p>
@@ -3316,7 +3339,7 @@
           <a:p>
             <a:fld id="{8FE51000-7EF1-AF44-AAD8-9F8A57785F9C}" type="datetimeFigureOut">
               <a:rPr lang="en-PL" smtClean="0"/>
-              <a:t>06/11/2024</a:t>
+              <a:t>06/12/2024</a:t>
             </a:fld>
             <a:endParaRPr lang="en-PL"/>
           </a:p>
@@ -3605,7 +3628,7 @@
           <a:p>
             <a:fld id="{8FE51000-7EF1-AF44-AAD8-9F8A57785F9C}" type="datetimeFigureOut">
               <a:rPr lang="en-PL" smtClean="0"/>
-              <a:t>06/11/2024</a:t>
+              <a:t>06/12/2024</a:t>
             </a:fld>
             <a:endParaRPr lang="en-PL"/>
           </a:p>
@@ -3848,7 +3871,7 @@
           <a:p>
             <a:fld id="{8FE51000-7EF1-AF44-AAD8-9F8A57785F9C}" type="datetimeFigureOut">
               <a:rPr lang="en-PL" smtClean="0"/>
-              <a:t>06/11/2024</a:t>
+              <a:t>06/12/2024</a:t>
             </a:fld>
             <a:endParaRPr lang="en-PL"/>
           </a:p>
@@ -8895,7 +8918,7 @@
                 <a:latin typeface="Arial" panose="020B0604020202020204" pitchFamily="34" charset="0"/>
                 <a:cs typeface="Arial" panose="020B0604020202020204" pitchFamily="34" charset="0"/>
               </a:rPr>
-              <a:t>We used use following AI tools while building our project:</a:t>
+              <a:t>We used following AI tools while building our project:</a:t>
             </a:r>
           </a:p>
           <a:p>
@@ -11100,7 +11123,7 @@
         <p:spPr>
           <a:xfrm>
             <a:off x="1136397" y="502020"/>
-            <a:ext cx="5323715" cy="1642970"/>
+            <a:ext cx="5323715" cy="1076057"/>
           </a:xfrm>
         </p:spPr>
         <p:txBody>
@@ -11138,8 +11161,8 @@
         </p:nvSpPr>
         <p:spPr>
           <a:xfrm>
-            <a:off x="1144923" y="2405894"/>
-            <a:ext cx="5315189" cy="3535083"/>
+            <a:off x="1144923" y="2080097"/>
+            <a:ext cx="5315189" cy="4275883"/>
           </a:xfrm>
           <a:prstGeom prst="rect">
             <a:avLst/>
@@ -11147,7 +11170,7 @@
         </p:spPr>
         <p:txBody>
           <a:bodyPr vert="horz" lIns="91440" tIns="45720" rIns="91440" bIns="45720" rtlCol="0" anchor="t">
-            <a:normAutofit fontScale="92500" lnSpcReduction="10000"/>
+            <a:normAutofit fontScale="92500" lnSpcReduction="20000"/>
           </a:bodyPr>
           <a:lstStyle>
             <a:lvl1pPr marL="228600" indent="-228600" algn="l" defTabSz="914400" rtl="0" eaLnBrk="1" latinLnBrk="0" hangingPunct="1">
@@ -11365,7 +11388,17 @@
                 <a:latin typeface="Arial" panose="020B0604020202020204" pitchFamily="34" charset="0"/>
                 <a:cs typeface="Arial" panose="020B0604020202020204" pitchFamily="34" charset="0"/>
               </a:rPr>
-              <a:t>Dataset was taken from UCI website and represented only selected number of observations – around 5k out of 45k.</a:t>
+              <a:t>Dataset was taken from UCI website and represented only selected number of observations – around 11k out of 45k.</a:t>
+            </a:r>
+          </a:p>
+          <a:p>
+            <a:pPr marL="0"/>
+            <a:r>
+              <a:rPr lang="en-US" dirty="0">
+                <a:latin typeface="Arial" panose="020B0604020202020204" pitchFamily="34" charset="0"/>
+                <a:cs typeface="Arial" panose="020B0604020202020204" pitchFamily="34" charset="0"/>
+              </a:rPr>
+              <a:t> The core aim is to predict if the customer will subscribe or not</a:t>
             </a:r>
           </a:p>
         </p:txBody>
